--- a/溯源前端赏析.pptx
+++ b/溯源前端赏析.pptx
@@ -5,10 +5,10 @@
     <p:sldMasterId id="2147483720" r:id="rId2"/>
   </p:sldMasterIdLst>
   <p:notesMasterIdLst>
-    <p:notesMasterId r:id="rId29"/>
+    <p:notesMasterId r:id="rId37"/>
   </p:notesMasterIdLst>
   <p:handoutMasterIdLst>
-    <p:handoutMasterId r:id="rId30"/>
+    <p:handoutMasterId r:id="rId38"/>
   </p:handoutMasterIdLst>
   <p:sldIdLst>
     <p:sldId id="269" r:id="rId3"/>
@@ -27,16 +27,24 @@
     <p:sldId id="288" r:id="rId16"/>
     <p:sldId id="289" r:id="rId17"/>
     <p:sldId id="267" r:id="rId18"/>
-    <p:sldId id="277" r:id="rId19"/>
-    <p:sldId id="270" r:id="rId20"/>
-    <p:sldId id="271" r:id="rId21"/>
-    <p:sldId id="278" r:id="rId22"/>
-    <p:sldId id="272" r:id="rId23"/>
-    <p:sldId id="273" r:id="rId24"/>
-    <p:sldId id="274" r:id="rId25"/>
-    <p:sldId id="275" r:id="rId26"/>
-    <p:sldId id="276" r:id="rId27"/>
-    <p:sldId id="279" r:id="rId28"/>
+    <p:sldId id="295" r:id="rId19"/>
+    <p:sldId id="296" r:id="rId20"/>
+    <p:sldId id="297" r:id="rId21"/>
+    <p:sldId id="298" r:id="rId22"/>
+    <p:sldId id="299" r:id="rId23"/>
+    <p:sldId id="300" r:id="rId24"/>
+    <p:sldId id="301" r:id="rId25"/>
+    <p:sldId id="302" r:id="rId26"/>
+    <p:sldId id="277" r:id="rId27"/>
+    <p:sldId id="270" r:id="rId28"/>
+    <p:sldId id="271" r:id="rId29"/>
+    <p:sldId id="278" r:id="rId30"/>
+    <p:sldId id="272" r:id="rId31"/>
+    <p:sldId id="273" r:id="rId32"/>
+    <p:sldId id="274" r:id="rId33"/>
+    <p:sldId id="275" r:id="rId34"/>
+    <p:sldId id="276" r:id="rId35"/>
+    <p:sldId id="279" r:id="rId36"/>
   </p:sldIdLst>
   <p:sldSz cx="12188825" cy="6858000"/>
   <p:notesSz cx="6858000" cy="9144000"/>
@@ -526,7 +534,6 @@
     </c:plotArea>
     <c:legend>
       <c:legendPos val="b"/>
-      <c:layout/>
       <c:overlay val="0"/>
       <c:spPr>
         <a:noFill/>
@@ -577,6 +584,753 @@
 </file>
 
 <file path=ppt/diagrams/colors1.xml><?xml version="1.0" encoding="utf-8"?>
+<dgm:colorsDef xmlns:dgm="http://schemas.openxmlformats.org/drawingml/2006/diagram" xmlns:a="http://schemas.openxmlformats.org/drawingml/2006/main" uniqueId="urn:microsoft.com/office/officeart/2005/8/colors/accent1_2">
+  <dgm:title val=""/>
+  <dgm:desc val=""/>
+  <dgm:catLst>
+    <dgm:cat type="accent1" pri="11200"/>
+  </dgm:catLst>
+  <dgm:styleLbl name="node0">
+    <dgm:fillClrLst meth="repeat">
+      <a:schemeClr val="accent1"/>
+    </dgm:fillClrLst>
+    <dgm:linClrLst meth="repeat">
+      <a:schemeClr val="lt1"/>
+    </dgm:linClrLst>
+    <dgm:effectClrLst/>
+    <dgm:txLinClrLst/>
+    <dgm:txFillClrLst/>
+    <dgm:txEffectClrLst/>
+  </dgm:styleLbl>
+  <dgm:styleLbl name="alignNode1">
+    <dgm:fillClrLst meth="repeat">
+      <a:schemeClr val="accent1"/>
+    </dgm:fillClrLst>
+    <dgm:linClrLst meth="repeat">
+      <a:schemeClr val="accent1"/>
+    </dgm:linClrLst>
+    <dgm:effectClrLst/>
+    <dgm:txLinClrLst/>
+    <dgm:txFillClrLst/>
+    <dgm:txEffectClrLst/>
+  </dgm:styleLbl>
+  <dgm:styleLbl name="node1">
+    <dgm:fillClrLst meth="repeat">
+      <a:schemeClr val="accent1"/>
+    </dgm:fillClrLst>
+    <dgm:linClrLst meth="repeat">
+      <a:schemeClr val="lt1"/>
+    </dgm:linClrLst>
+    <dgm:effectClrLst/>
+    <dgm:txLinClrLst/>
+    <dgm:txFillClrLst/>
+    <dgm:txEffectClrLst/>
+  </dgm:styleLbl>
+  <dgm:styleLbl name="lnNode1">
+    <dgm:fillClrLst meth="repeat">
+      <a:schemeClr val="accent1"/>
+    </dgm:fillClrLst>
+    <dgm:linClrLst meth="repeat">
+      <a:schemeClr val="lt1"/>
+    </dgm:linClrLst>
+    <dgm:effectClrLst/>
+    <dgm:txLinClrLst/>
+    <dgm:txFillClrLst/>
+    <dgm:txEffectClrLst/>
+  </dgm:styleLbl>
+  <dgm:styleLbl name="vennNode1">
+    <dgm:fillClrLst meth="repeat">
+      <a:schemeClr val="accent1">
+        <a:alpha val="50000"/>
+      </a:schemeClr>
+    </dgm:fillClrLst>
+    <dgm:linClrLst meth="repeat">
+      <a:schemeClr val="lt1"/>
+    </dgm:linClrLst>
+    <dgm:effectClrLst/>
+    <dgm:txLinClrLst/>
+    <dgm:txFillClrLst/>
+    <dgm:txEffectClrLst/>
+  </dgm:styleLbl>
+  <dgm:styleLbl name="node2">
+    <dgm:fillClrLst meth="repeat">
+      <a:schemeClr val="accent1"/>
+    </dgm:fillClrLst>
+    <dgm:linClrLst meth="repeat">
+      <a:schemeClr val="lt1"/>
+    </dgm:linClrLst>
+    <dgm:effectClrLst/>
+    <dgm:txLinClrLst/>
+    <dgm:txFillClrLst/>
+    <dgm:txEffectClrLst/>
+  </dgm:styleLbl>
+  <dgm:styleLbl name="node3">
+    <dgm:fillClrLst meth="repeat">
+      <a:schemeClr val="accent1"/>
+    </dgm:fillClrLst>
+    <dgm:linClrLst meth="repeat">
+      <a:schemeClr val="lt1"/>
+    </dgm:linClrLst>
+    <dgm:effectClrLst/>
+    <dgm:txLinClrLst/>
+    <dgm:txFillClrLst/>
+    <dgm:txEffectClrLst/>
+  </dgm:styleLbl>
+  <dgm:styleLbl name="node4">
+    <dgm:fillClrLst meth="repeat">
+      <a:schemeClr val="accent1"/>
+    </dgm:fillClrLst>
+    <dgm:linClrLst meth="repeat">
+      <a:schemeClr val="lt1"/>
+    </dgm:linClrLst>
+    <dgm:effectClrLst/>
+    <dgm:txLinClrLst/>
+    <dgm:txFillClrLst/>
+    <dgm:txEffectClrLst/>
+  </dgm:styleLbl>
+  <dgm:styleLbl name="fgImgPlace1">
+    <dgm:fillClrLst meth="repeat">
+      <a:schemeClr val="accent1">
+        <a:tint val="50000"/>
+      </a:schemeClr>
+    </dgm:fillClrLst>
+    <dgm:linClrLst meth="repeat">
+      <a:schemeClr val="lt1"/>
+    </dgm:linClrLst>
+    <dgm:effectClrLst/>
+    <dgm:txLinClrLst/>
+    <dgm:txFillClrLst meth="repeat">
+      <a:schemeClr val="lt1"/>
+    </dgm:txFillClrLst>
+    <dgm:txEffectClrLst/>
+  </dgm:styleLbl>
+  <dgm:styleLbl name="alignImgPlace1">
+    <dgm:fillClrLst meth="repeat">
+      <a:schemeClr val="accent1">
+        <a:tint val="50000"/>
+      </a:schemeClr>
+    </dgm:fillClrLst>
+    <dgm:linClrLst meth="repeat">
+      <a:schemeClr val="lt1"/>
+    </dgm:linClrLst>
+    <dgm:effectClrLst/>
+    <dgm:txLinClrLst/>
+    <dgm:txFillClrLst meth="repeat">
+      <a:schemeClr val="lt1"/>
+    </dgm:txFillClrLst>
+    <dgm:txEffectClrLst/>
+  </dgm:styleLbl>
+  <dgm:styleLbl name="bgImgPlace1">
+    <dgm:fillClrLst meth="repeat">
+      <a:schemeClr val="accent1">
+        <a:tint val="50000"/>
+      </a:schemeClr>
+    </dgm:fillClrLst>
+    <dgm:linClrLst meth="repeat">
+      <a:schemeClr val="lt1"/>
+    </dgm:linClrLst>
+    <dgm:effectClrLst/>
+    <dgm:txLinClrLst/>
+    <dgm:txFillClrLst meth="repeat">
+      <a:schemeClr val="lt1"/>
+    </dgm:txFillClrLst>
+    <dgm:txEffectClrLst/>
+  </dgm:styleLbl>
+  <dgm:styleLbl name="sibTrans2D1">
+    <dgm:fillClrLst meth="repeat">
+      <a:schemeClr val="accent1">
+        <a:tint val="60000"/>
+      </a:schemeClr>
+    </dgm:fillClrLst>
+    <dgm:linClrLst meth="repeat">
+      <a:schemeClr val="accent1">
+        <a:tint val="60000"/>
+      </a:schemeClr>
+    </dgm:linClrLst>
+    <dgm:effectClrLst/>
+    <dgm:txLinClrLst/>
+    <dgm:txFillClrLst/>
+    <dgm:txEffectClrLst/>
+  </dgm:styleLbl>
+  <dgm:styleLbl name="fgSibTrans2D1">
+    <dgm:fillClrLst meth="repeat">
+      <a:schemeClr val="accent1">
+        <a:tint val="60000"/>
+      </a:schemeClr>
+    </dgm:fillClrLst>
+    <dgm:linClrLst meth="repeat">
+      <a:schemeClr val="accent1">
+        <a:tint val="60000"/>
+      </a:schemeClr>
+    </dgm:linClrLst>
+    <dgm:effectClrLst/>
+    <dgm:txLinClrLst/>
+    <dgm:txFillClrLst/>
+    <dgm:txEffectClrLst/>
+  </dgm:styleLbl>
+  <dgm:styleLbl name="bgSibTrans2D1">
+    <dgm:fillClrLst meth="repeat">
+      <a:schemeClr val="accent1">
+        <a:tint val="60000"/>
+      </a:schemeClr>
+    </dgm:fillClrLst>
+    <dgm:linClrLst meth="repeat">
+      <a:schemeClr val="accent1">
+        <a:tint val="60000"/>
+      </a:schemeClr>
+    </dgm:linClrLst>
+    <dgm:effectClrLst/>
+    <dgm:txLinClrLst/>
+    <dgm:txFillClrLst/>
+    <dgm:txEffectClrLst/>
+  </dgm:styleLbl>
+  <dgm:styleLbl name="sibTrans1D1">
+    <dgm:fillClrLst meth="repeat">
+      <a:schemeClr val="accent1"/>
+    </dgm:fillClrLst>
+    <dgm:linClrLst meth="repeat">
+      <a:schemeClr val="accent1"/>
+    </dgm:linClrLst>
+    <dgm:effectClrLst/>
+    <dgm:txLinClrLst/>
+    <dgm:txFillClrLst meth="repeat">
+      <a:schemeClr val="tx1"/>
+    </dgm:txFillClrLst>
+    <dgm:txEffectClrLst/>
+  </dgm:styleLbl>
+  <dgm:styleLbl name="callout">
+    <dgm:fillClrLst meth="repeat">
+      <a:schemeClr val="accent1"/>
+    </dgm:fillClrLst>
+    <dgm:linClrLst meth="repeat">
+      <a:schemeClr val="accent1">
+        <a:tint val="50000"/>
+      </a:schemeClr>
+    </dgm:linClrLst>
+    <dgm:effectClrLst/>
+    <dgm:txLinClrLst/>
+    <dgm:txFillClrLst meth="repeat">
+      <a:schemeClr val="tx1"/>
+    </dgm:txFillClrLst>
+    <dgm:txEffectClrLst/>
+  </dgm:styleLbl>
+  <dgm:styleLbl name="asst0">
+    <dgm:fillClrLst meth="repeat">
+      <a:schemeClr val="accent1"/>
+    </dgm:fillClrLst>
+    <dgm:linClrLst meth="repeat">
+      <a:schemeClr val="lt1"/>
+    </dgm:linClrLst>
+    <dgm:effectClrLst/>
+    <dgm:txLinClrLst/>
+    <dgm:txFillClrLst/>
+    <dgm:txEffectClrLst/>
+  </dgm:styleLbl>
+  <dgm:styleLbl name="asst1">
+    <dgm:fillClrLst meth="repeat">
+      <a:schemeClr val="accent1"/>
+    </dgm:fillClrLst>
+    <dgm:linClrLst meth="repeat">
+      <a:schemeClr val="lt1"/>
+    </dgm:linClrLst>
+    <dgm:effectClrLst/>
+    <dgm:txLinClrLst/>
+    <dgm:txFillClrLst/>
+    <dgm:txEffectClrLst/>
+  </dgm:styleLbl>
+  <dgm:styleLbl name="asst2">
+    <dgm:fillClrLst meth="repeat">
+      <a:schemeClr val="accent1"/>
+    </dgm:fillClrLst>
+    <dgm:linClrLst meth="repeat">
+      <a:schemeClr val="lt1"/>
+    </dgm:linClrLst>
+    <dgm:effectClrLst/>
+    <dgm:txLinClrLst/>
+    <dgm:txFillClrLst/>
+    <dgm:txEffectClrLst/>
+  </dgm:styleLbl>
+  <dgm:styleLbl name="asst3">
+    <dgm:fillClrLst meth="repeat">
+      <a:schemeClr val="accent1"/>
+    </dgm:fillClrLst>
+    <dgm:linClrLst meth="repeat">
+      <a:schemeClr val="lt1"/>
+    </dgm:linClrLst>
+    <dgm:effectClrLst/>
+    <dgm:txLinClrLst/>
+    <dgm:txFillClrLst/>
+    <dgm:txEffectClrLst/>
+  </dgm:styleLbl>
+  <dgm:styleLbl name="asst4">
+    <dgm:fillClrLst meth="repeat">
+      <a:schemeClr val="accent1"/>
+    </dgm:fillClrLst>
+    <dgm:linClrLst meth="repeat">
+      <a:schemeClr val="lt1"/>
+    </dgm:linClrLst>
+    <dgm:effectClrLst/>
+    <dgm:txLinClrLst/>
+    <dgm:txFillClrLst/>
+    <dgm:txEffectClrLst/>
+  </dgm:styleLbl>
+  <dgm:styleLbl name="parChTrans2D1">
+    <dgm:fillClrLst meth="repeat">
+      <a:schemeClr val="accent1">
+        <a:tint val="60000"/>
+      </a:schemeClr>
+    </dgm:fillClrLst>
+    <dgm:linClrLst meth="repeat">
+      <a:schemeClr val="accent1">
+        <a:tint val="60000"/>
+      </a:schemeClr>
+    </dgm:linClrLst>
+    <dgm:effectClrLst/>
+    <dgm:txLinClrLst/>
+    <dgm:txFillClrLst meth="repeat">
+      <a:schemeClr val="lt1"/>
+    </dgm:txFillClrLst>
+    <dgm:txEffectClrLst/>
+  </dgm:styleLbl>
+  <dgm:styleLbl name="parChTrans2D2">
+    <dgm:fillClrLst meth="repeat">
+      <a:schemeClr val="accent1"/>
+    </dgm:fillClrLst>
+    <dgm:linClrLst meth="repeat">
+      <a:schemeClr val="accent1"/>
+    </dgm:linClrLst>
+    <dgm:effectClrLst/>
+    <dgm:txLinClrLst/>
+    <dgm:txFillClrLst meth="repeat">
+      <a:schemeClr val="lt1"/>
+    </dgm:txFillClrLst>
+    <dgm:txEffectClrLst/>
+  </dgm:styleLbl>
+  <dgm:styleLbl name="parChTrans2D3">
+    <dgm:fillClrLst meth="repeat">
+      <a:schemeClr val="accent1"/>
+    </dgm:fillClrLst>
+    <dgm:linClrLst meth="repeat">
+      <a:schemeClr val="accent1"/>
+    </dgm:linClrLst>
+    <dgm:effectClrLst/>
+    <dgm:txLinClrLst/>
+    <dgm:txFillClrLst meth="repeat">
+      <a:schemeClr val="lt1"/>
+    </dgm:txFillClrLst>
+    <dgm:txEffectClrLst/>
+  </dgm:styleLbl>
+  <dgm:styleLbl name="parChTrans2D4">
+    <dgm:fillClrLst meth="repeat">
+      <a:schemeClr val="accent1"/>
+    </dgm:fillClrLst>
+    <dgm:linClrLst meth="repeat">
+      <a:schemeClr val="accent1"/>
+    </dgm:linClrLst>
+    <dgm:effectClrLst/>
+    <dgm:txLinClrLst/>
+    <dgm:txFillClrLst meth="repeat">
+      <a:schemeClr val="lt1"/>
+    </dgm:txFillClrLst>
+    <dgm:txEffectClrLst/>
+  </dgm:styleLbl>
+  <dgm:styleLbl name="parChTrans1D1">
+    <dgm:fillClrLst meth="repeat">
+      <a:schemeClr val="accent1"/>
+    </dgm:fillClrLst>
+    <dgm:linClrLst meth="repeat">
+      <a:schemeClr val="accent1">
+        <a:shade val="60000"/>
+      </a:schemeClr>
+    </dgm:linClrLst>
+    <dgm:effectClrLst/>
+    <dgm:txLinClrLst/>
+    <dgm:txFillClrLst meth="repeat">
+      <a:schemeClr val="tx1"/>
+    </dgm:txFillClrLst>
+    <dgm:txEffectClrLst/>
+  </dgm:styleLbl>
+  <dgm:styleLbl name="parChTrans1D2">
+    <dgm:fillClrLst meth="repeat">
+      <a:schemeClr val="accent1"/>
+    </dgm:fillClrLst>
+    <dgm:linClrLst meth="repeat">
+      <a:schemeClr val="accent1">
+        <a:shade val="60000"/>
+      </a:schemeClr>
+    </dgm:linClrLst>
+    <dgm:effectClrLst/>
+    <dgm:txLinClrLst/>
+    <dgm:txFillClrLst meth="repeat">
+      <a:schemeClr val="tx1"/>
+    </dgm:txFillClrLst>
+    <dgm:txEffectClrLst/>
+  </dgm:styleLbl>
+  <dgm:styleLbl name="parChTrans1D3">
+    <dgm:fillClrLst meth="repeat">
+      <a:schemeClr val="accent1"/>
+    </dgm:fillClrLst>
+    <dgm:linClrLst meth="repeat">
+      <a:schemeClr val="accent1">
+        <a:shade val="80000"/>
+      </a:schemeClr>
+    </dgm:linClrLst>
+    <dgm:effectClrLst/>
+    <dgm:txLinClrLst/>
+    <dgm:txFillClrLst meth="repeat">
+      <a:schemeClr val="tx1"/>
+    </dgm:txFillClrLst>
+    <dgm:txEffectClrLst/>
+  </dgm:styleLbl>
+  <dgm:styleLbl name="parChTrans1D4">
+    <dgm:fillClrLst meth="repeat">
+      <a:schemeClr val="accent1"/>
+    </dgm:fillClrLst>
+    <dgm:linClrLst meth="repeat">
+      <a:schemeClr val="accent1">
+        <a:shade val="80000"/>
+      </a:schemeClr>
+    </dgm:linClrLst>
+    <dgm:effectClrLst/>
+    <dgm:txLinClrLst/>
+    <dgm:txFillClrLst meth="repeat">
+      <a:schemeClr val="tx1"/>
+    </dgm:txFillClrLst>
+    <dgm:txEffectClrLst/>
+  </dgm:styleLbl>
+  <dgm:styleLbl name="fgAcc1">
+    <dgm:fillClrLst meth="repeat">
+      <a:schemeClr val="lt1">
+        <a:alpha val="90000"/>
+      </a:schemeClr>
+    </dgm:fillClrLst>
+    <dgm:linClrLst meth="repeat">
+      <a:schemeClr val="accent1"/>
+    </dgm:linClrLst>
+    <dgm:effectClrLst/>
+    <dgm:txLinClrLst/>
+    <dgm:txFillClrLst meth="repeat">
+      <a:schemeClr val="dk1"/>
+    </dgm:txFillClrLst>
+    <dgm:txEffectClrLst/>
+  </dgm:styleLbl>
+  <dgm:styleLbl name="conFgAcc1">
+    <dgm:fillClrLst meth="repeat">
+      <a:schemeClr val="lt1">
+        <a:alpha val="90000"/>
+      </a:schemeClr>
+    </dgm:fillClrLst>
+    <dgm:linClrLst meth="repeat">
+      <a:schemeClr val="accent1"/>
+    </dgm:linClrLst>
+    <dgm:effectClrLst/>
+    <dgm:txLinClrLst/>
+    <dgm:txFillClrLst meth="repeat">
+      <a:schemeClr val="dk1"/>
+    </dgm:txFillClrLst>
+    <dgm:txEffectClrLst/>
+  </dgm:styleLbl>
+  <dgm:styleLbl name="alignAcc1">
+    <dgm:fillClrLst meth="repeat">
+      <a:schemeClr val="lt1">
+        <a:alpha val="90000"/>
+      </a:schemeClr>
+    </dgm:fillClrLst>
+    <dgm:linClrLst meth="repeat">
+      <a:schemeClr val="accent1"/>
+    </dgm:linClrLst>
+    <dgm:effectClrLst/>
+    <dgm:txLinClrLst/>
+    <dgm:txFillClrLst meth="repeat">
+      <a:schemeClr val="dk1"/>
+    </dgm:txFillClrLst>
+    <dgm:txEffectClrLst/>
+  </dgm:styleLbl>
+  <dgm:styleLbl name="trAlignAcc1">
+    <dgm:fillClrLst meth="repeat">
+      <a:schemeClr val="lt1">
+        <a:alpha val="40000"/>
+      </a:schemeClr>
+    </dgm:fillClrLst>
+    <dgm:linClrLst meth="repeat">
+      <a:schemeClr val="accent1"/>
+    </dgm:linClrLst>
+    <dgm:effectClrLst/>
+    <dgm:txLinClrLst/>
+    <dgm:txFillClrLst meth="repeat">
+      <a:schemeClr val="dk1"/>
+    </dgm:txFillClrLst>
+    <dgm:txEffectClrLst/>
+  </dgm:styleLbl>
+  <dgm:styleLbl name="bgAcc1">
+    <dgm:fillClrLst meth="repeat">
+      <a:schemeClr val="lt1">
+        <a:alpha val="90000"/>
+      </a:schemeClr>
+    </dgm:fillClrLst>
+    <dgm:linClrLst meth="repeat">
+      <a:schemeClr val="accent1"/>
+    </dgm:linClrLst>
+    <dgm:effectClrLst/>
+    <dgm:txLinClrLst/>
+    <dgm:txFillClrLst meth="repeat">
+      <a:schemeClr val="dk1"/>
+    </dgm:txFillClrLst>
+    <dgm:txEffectClrLst/>
+  </dgm:styleLbl>
+  <dgm:styleLbl name="solidFgAcc1">
+    <dgm:fillClrLst meth="repeat">
+      <a:schemeClr val="lt1"/>
+    </dgm:fillClrLst>
+    <dgm:linClrLst meth="repeat">
+      <a:schemeClr val="accent1"/>
+    </dgm:linClrLst>
+    <dgm:effectClrLst/>
+    <dgm:txLinClrLst/>
+    <dgm:txFillClrLst meth="repeat">
+      <a:schemeClr val="dk1"/>
+    </dgm:txFillClrLst>
+    <dgm:txEffectClrLst/>
+  </dgm:styleLbl>
+  <dgm:styleLbl name="solidAlignAcc1">
+    <dgm:fillClrLst meth="repeat">
+      <a:schemeClr val="lt1"/>
+    </dgm:fillClrLst>
+    <dgm:linClrLst meth="repeat">
+      <a:schemeClr val="accent1"/>
+    </dgm:linClrLst>
+    <dgm:effectClrLst/>
+    <dgm:txLinClrLst/>
+    <dgm:txFillClrLst meth="repeat">
+      <a:schemeClr val="dk1"/>
+    </dgm:txFillClrLst>
+    <dgm:txEffectClrLst/>
+  </dgm:styleLbl>
+  <dgm:styleLbl name="solidBgAcc1">
+    <dgm:fillClrLst meth="repeat">
+      <a:schemeClr val="lt1"/>
+    </dgm:fillClrLst>
+    <dgm:linClrLst meth="repeat">
+      <a:schemeClr val="accent1"/>
+    </dgm:linClrLst>
+    <dgm:effectClrLst/>
+    <dgm:txLinClrLst/>
+    <dgm:txFillClrLst meth="repeat">
+      <a:schemeClr val="dk1"/>
+    </dgm:txFillClrLst>
+    <dgm:txEffectClrLst/>
+  </dgm:styleLbl>
+  <dgm:styleLbl name="fgAccFollowNode1">
+    <dgm:fillClrLst meth="repeat">
+      <a:schemeClr val="accent1">
+        <a:alpha val="90000"/>
+        <a:tint val="40000"/>
+      </a:schemeClr>
+    </dgm:fillClrLst>
+    <dgm:linClrLst meth="repeat">
+      <a:schemeClr val="accent1">
+        <a:alpha val="90000"/>
+        <a:tint val="40000"/>
+      </a:schemeClr>
+    </dgm:linClrLst>
+    <dgm:effectClrLst/>
+    <dgm:txLinClrLst/>
+    <dgm:txFillClrLst meth="repeat">
+      <a:schemeClr val="dk1"/>
+    </dgm:txFillClrLst>
+    <dgm:txEffectClrLst/>
+  </dgm:styleLbl>
+  <dgm:styleLbl name="alignAccFollowNode1">
+    <dgm:fillClrLst meth="repeat">
+      <a:schemeClr val="accent1">
+        <a:alpha val="90000"/>
+        <a:tint val="40000"/>
+      </a:schemeClr>
+    </dgm:fillClrLst>
+    <dgm:linClrLst meth="repeat">
+      <a:schemeClr val="accent1">
+        <a:alpha val="90000"/>
+        <a:tint val="40000"/>
+      </a:schemeClr>
+    </dgm:linClrLst>
+    <dgm:effectClrLst/>
+    <dgm:txLinClrLst/>
+    <dgm:txFillClrLst meth="repeat">
+      <a:schemeClr val="dk1"/>
+    </dgm:txFillClrLst>
+    <dgm:txEffectClrLst/>
+  </dgm:styleLbl>
+  <dgm:styleLbl name="bgAccFollowNode1">
+    <dgm:fillClrLst meth="repeat">
+      <a:schemeClr val="accent1">
+        <a:alpha val="90000"/>
+        <a:tint val="40000"/>
+      </a:schemeClr>
+    </dgm:fillClrLst>
+    <dgm:linClrLst meth="repeat">
+      <a:schemeClr val="accent1">
+        <a:alpha val="90000"/>
+        <a:tint val="40000"/>
+      </a:schemeClr>
+    </dgm:linClrLst>
+    <dgm:effectClrLst/>
+    <dgm:txLinClrLst/>
+    <dgm:txFillClrLst meth="repeat">
+      <a:schemeClr val="dk1"/>
+    </dgm:txFillClrLst>
+    <dgm:txEffectClrLst/>
+  </dgm:styleLbl>
+  <dgm:styleLbl name="fgAcc0">
+    <dgm:fillClrLst meth="repeat">
+      <a:schemeClr val="lt1">
+        <a:alpha val="90000"/>
+      </a:schemeClr>
+    </dgm:fillClrLst>
+    <dgm:linClrLst meth="repeat">
+      <a:schemeClr val="accent1"/>
+    </dgm:linClrLst>
+    <dgm:effectClrLst/>
+    <dgm:txLinClrLst/>
+    <dgm:txFillClrLst meth="repeat">
+      <a:schemeClr val="dk1"/>
+    </dgm:txFillClrLst>
+    <dgm:txEffectClrLst/>
+  </dgm:styleLbl>
+  <dgm:styleLbl name="fgAcc2">
+    <dgm:fillClrLst meth="repeat">
+      <a:schemeClr val="lt1">
+        <a:alpha val="90000"/>
+      </a:schemeClr>
+    </dgm:fillClrLst>
+    <dgm:linClrLst meth="repeat">
+      <a:schemeClr val="accent1"/>
+    </dgm:linClrLst>
+    <dgm:effectClrLst/>
+    <dgm:txLinClrLst/>
+    <dgm:txFillClrLst meth="repeat">
+      <a:schemeClr val="dk1"/>
+    </dgm:txFillClrLst>
+    <dgm:txEffectClrLst/>
+  </dgm:styleLbl>
+  <dgm:styleLbl name="fgAcc3">
+    <dgm:fillClrLst meth="repeat">
+      <a:schemeClr val="lt1">
+        <a:alpha val="90000"/>
+      </a:schemeClr>
+    </dgm:fillClrLst>
+    <dgm:linClrLst meth="repeat">
+      <a:schemeClr val="accent1"/>
+    </dgm:linClrLst>
+    <dgm:effectClrLst/>
+    <dgm:txLinClrLst/>
+    <dgm:txFillClrLst meth="repeat">
+      <a:schemeClr val="dk1"/>
+    </dgm:txFillClrLst>
+    <dgm:txEffectClrLst/>
+  </dgm:styleLbl>
+  <dgm:styleLbl name="fgAcc4">
+    <dgm:fillClrLst meth="repeat">
+      <a:schemeClr val="lt1">
+        <a:alpha val="90000"/>
+      </a:schemeClr>
+    </dgm:fillClrLst>
+    <dgm:linClrLst meth="repeat">
+      <a:schemeClr val="accent1"/>
+    </dgm:linClrLst>
+    <dgm:effectClrLst/>
+    <dgm:txLinClrLst/>
+    <dgm:txFillClrLst meth="repeat">
+      <a:schemeClr val="dk1"/>
+    </dgm:txFillClrLst>
+    <dgm:txEffectClrLst/>
+  </dgm:styleLbl>
+  <dgm:styleLbl name="bgShp">
+    <dgm:fillClrLst meth="repeat">
+      <a:schemeClr val="accent1">
+        <a:tint val="40000"/>
+      </a:schemeClr>
+    </dgm:fillClrLst>
+    <dgm:linClrLst meth="repeat">
+      <a:schemeClr val="accent1"/>
+    </dgm:linClrLst>
+    <dgm:effectClrLst/>
+    <dgm:txLinClrLst/>
+    <dgm:txFillClrLst meth="repeat">
+      <a:schemeClr val="dk1"/>
+    </dgm:txFillClrLst>
+    <dgm:txEffectClrLst/>
+  </dgm:styleLbl>
+  <dgm:styleLbl name="dkBgShp">
+    <dgm:fillClrLst meth="repeat">
+      <a:schemeClr val="accent1">
+        <a:shade val="80000"/>
+      </a:schemeClr>
+    </dgm:fillClrLst>
+    <dgm:linClrLst meth="repeat">
+      <a:schemeClr val="accent1"/>
+    </dgm:linClrLst>
+    <dgm:effectClrLst/>
+    <dgm:txLinClrLst/>
+    <dgm:txFillClrLst meth="repeat">
+      <a:schemeClr val="lt1"/>
+    </dgm:txFillClrLst>
+    <dgm:txEffectClrLst/>
+  </dgm:styleLbl>
+  <dgm:styleLbl name="trBgShp">
+    <dgm:fillClrLst meth="repeat">
+      <a:schemeClr val="accent1">
+        <a:tint val="50000"/>
+        <a:alpha val="40000"/>
+      </a:schemeClr>
+    </dgm:fillClrLst>
+    <dgm:linClrLst meth="repeat">
+      <a:schemeClr val="accent1"/>
+    </dgm:linClrLst>
+    <dgm:effectClrLst/>
+    <dgm:txLinClrLst/>
+    <dgm:txFillClrLst meth="repeat">
+      <a:schemeClr val="lt1"/>
+    </dgm:txFillClrLst>
+    <dgm:txEffectClrLst/>
+  </dgm:styleLbl>
+  <dgm:styleLbl name="fgShp">
+    <dgm:fillClrLst meth="repeat">
+      <a:schemeClr val="accent1">
+        <a:tint val="60000"/>
+      </a:schemeClr>
+    </dgm:fillClrLst>
+    <dgm:linClrLst meth="repeat">
+      <a:schemeClr val="lt1"/>
+    </dgm:linClrLst>
+    <dgm:effectClrLst/>
+    <dgm:txLinClrLst/>
+    <dgm:txFillClrLst meth="repeat">
+      <a:schemeClr val="dk1"/>
+    </dgm:txFillClrLst>
+    <dgm:txEffectClrLst/>
+  </dgm:styleLbl>
+  <dgm:styleLbl name="revTx">
+    <dgm:fillClrLst meth="repeat">
+      <a:schemeClr val="lt1">
+        <a:alpha val="0"/>
+      </a:schemeClr>
+    </dgm:fillClrLst>
+    <dgm:linClrLst meth="repeat">
+      <a:schemeClr val="dk1">
+        <a:alpha val="0"/>
+      </a:schemeClr>
+    </dgm:linClrLst>
+    <dgm:effectClrLst/>
+    <dgm:txLinClrLst/>
+    <dgm:txFillClrLst meth="repeat">
+      <a:schemeClr val="tx1"/>
+    </dgm:txFillClrLst>
+    <dgm:txEffectClrLst/>
+  </dgm:styleLbl>
+</dgm:colorsDef>
+</file>
+
+<file path=ppt/diagrams/colors2.xml><?xml version="1.0" encoding="utf-8"?>
 <dgm:colorsDef xmlns:dgm="http://schemas.openxmlformats.org/drawingml/2006/diagram" xmlns:a="http://schemas.openxmlformats.org/drawingml/2006/main" uniqueId="urn:microsoft.com/office/officeart/2005/8/colors/accent1_3">
   <dgm:title val=""/>
   <dgm:desc val=""/>
@@ -1454,6 +2208,289 @@
 <file path=ppt/diagrams/data1.xml><?xml version="1.0" encoding="utf-8"?>
 <dgm:dataModel xmlns:dgm="http://schemas.openxmlformats.org/drawingml/2006/diagram" xmlns:a="http://schemas.openxmlformats.org/drawingml/2006/main">
   <dgm:ptLst>
+    <dgm:pt modelId="{DC07F7A4-57AE-438E-AA5A-0E43BC69CE24}" type="doc">
+      <dgm:prSet loTypeId="urn:microsoft.com/office/officeart/2005/8/layout/vList5" loCatId="list" qsTypeId="urn:microsoft.com/office/officeart/2005/8/quickstyle/simple1" qsCatId="simple" csTypeId="urn:microsoft.com/office/officeart/2005/8/colors/accent1_2" csCatId="accent1" phldr="1"/>
+      <dgm:spPr/>
+      <dgm:t>
+        <a:bodyPr/>
+        <a:lstStyle/>
+        <a:p>
+          <a:endParaRPr lang="zh-CN" altLang="en-US"/>
+        </a:p>
+      </dgm:t>
+    </dgm:pt>
+    <dgm:pt modelId="{3D87DFF1-053E-4629-A556-69E20DA6670A}">
+      <dgm:prSet/>
+      <dgm:spPr/>
+      <dgm:t>
+        <a:bodyPr/>
+        <a:lstStyle/>
+        <a:p>
+          <a:r>
+            <a:rPr lang="en-US" dirty="0"/>
+            <a:t>View</a:t>
+          </a:r>
+          <a:r>
+            <a:rPr lang="zh-CN" dirty="0"/>
+            <a:t>一般就是我们平常说的</a:t>
+          </a:r>
+          <a:r>
+            <a:rPr lang="en-US" dirty="0"/>
+            <a:t>HTML</a:t>
+          </a:r>
+          <a:r>
+            <a:rPr lang="zh-CN" dirty="0"/>
+            <a:t>文本的</a:t>
+          </a:r>
+          <a:r>
+            <a:rPr lang="en-US" dirty="0"/>
+            <a:t>Js</a:t>
+          </a:r>
+          <a:r>
+            <a:rPr lang="zh-CN" dirty="0"/>
+            <a:t>模板，里面可以嵌入一些</a:t>
+          </a:r>
+          <a:r>
+            <a:rPr lang="en-US" dirty="0" err="1"/>
+            <a:t>js</a:t>
+          </a:r>
+          <a:r>
+            <a:rPr lang="zh-CN" dirty="0"/>
+            <a:t>模板的代码，比如</a:t>
+          </a:r>
+          <a:r>
+            <a:rPr lang="en-US" dirty="0"/>
+            <a:t>Mustache</a:t>
+          </a:r>
+          <a:r>
+            <a:rPr lang="zh-CN" dirty="0"/>
+            <a:t>，比如</a:t>
+          </a:r>
+          <a:r>
+            <a:rPr lang="en-US" dirty="0" err="1"/>
+            <a:t>jstl</a:t>
+          </a:r>
+          <a:r>
+            <a:rPr lang="zh-CN" dirty="0"/>
+            <a:t>类似的模板伪代码</a:t>
+          </a:r>
+        </a:p>
+      </dgm:t>
+    </dgm:pt>
+    <dgm:pt modelId="{93DC9A36-0306-4A51-8959-215C07B522B3}" type="parTrans" cxnId="{9B2B5237-A7D8-4184-B448-4747D0E4EED9}">
+      <dgm:prSet/>
+      <dgm:spPr/>
+      <dgm:t>
+        <a:bodyPr/>
+        <a:lstStyle/>
+        <a:p>
+          <a:endParaRPr lang="zh-CN" altLang="en-US"/>
+        </a:p>
+      </dgm:t>
+    </dgm:pt>
+    <dgm:pt modelId="{FDB21C5B-FAFB-4BCE-93F2-2C093759702B}" type="sibTrans" cxnId="{9B2B5237-A7D8-4184-B448-4747D0E4EED9}">
+      <dgm:prSet/>
+      <dgm:spPr/>
+      <dgm:t>
+        <a:bodyPr/>
+        <a:lstStyle/>
+        <a:p>
+          <a:endParaRPr lang="zh-CN" altLang="en-US"/>
+        </a:p>
+      </dgm:t>
+    </dgm:pt>
+    <dgm:pt modelId="{13E5F7CD-4A61-4EBF-A084-E1E55DEA9556}">
+      <dgm:prSet custT="1"/>
+      <dgm:spPr/>
+      <dgm:t>
+        <a:bodyPr/>
+        <a:lstStyle/>
+        <a:p>
+          <a:r>
+            <a:rPr lang="en-US" sz="1050" dirty="0" err="1"/>
+            <a:t>ViewModule</a:t>
+          </a:r>
+          <a:r>
+            <a:rPr lang="zh-CN" sz="1050" dirty="0"/>
+            <a:t>层里面就是我们对于这个视图区域的一切</a:t>
+          </a:r>
+          <a:r>
+            <a:rPr lang="en-US" sz="1050" dirty="0" err="1"/>
+            <a:t>js</a:t>
+          </a:r>
+          <a:r>
+            <a:rPr lang="zh-CN" sz="1050" dirty="0"/>
+            <a:t>可视业务逻辑，举个例子，比如图片走马灯特效，比如表单按钮点击提交，这些自定义事件的注册和处理逻辑都写在</a:t>
+          </a:r>
+          <a:r>
+            <a:rPr lang="en-US" sz="1050" dirty="0" err="1"/>
+            <a:t>ViewModule</a:t>
+          </a:r>
+          <a:r>
+            <a:rPr lang="zh-CN" sz="1050" dirty="0"/>
+            <a:t>里面了</a:t>
+          </a:r>
+        </a:p>
+      </dgm:t>
+    </dgm:pt>
+    <dgm:pt modelId="{58F69668-7A9B-4B50-86C0-B4579B2CEE76}" type="parTrans" cxnId="{3E6C1959-C8AB-482C-A7A9-16AB947CFF48}">
+      <dgm:prSet/>
+      <dgm:spPr/>
+      <dgm:t>
+        <a:bodyPr/>
+        <a:lstStyle/>
+        <a:p>
+          <a:endParaRPr lang="zh-CN" altLang="en-US"/>
+        </a:p>
+      </dgm:t>
+    </dgm:pt>
+    <dgm:pt modelId="{7F355413-E3E9-4BAE-B1B7-95E5093D7B19}" type="sibTrans" cxnId="{3E6C1959-C8AB-482C-A7A9-16AB947CFF48}">
+      <dgm:prSet/>
+      <dgm:spPr/>
+      <dgm:t>
+        <a:bodyPr/>
+        <a:lstStyle/>
+        <a:p>
+          <a:endParaRPr lang="zh-CN" altLang="en-US"/>
+        </a:p>
+      </dgm:t>
+    </dgm:pt>
+    <dgm:pt modelId="{F3A481EB-140E-454C-A9FC-32255D26EBEE}">
+      <dgm:prSet custT="1"/>
+      <dgm:spPr/>
+      <dgm:t>
+        <a:bodyPr/>
+        <a:lstStyle/>
+        <a:p>
+          <a:r>
+            <a:rPr lang="en-US" sz="1050" dirty="0"/>
+            <a:t>Module</a:t>
+          </a:r>
+          <a:r>
+            <a:rPr lang="zh-CN" sz="1050" dirty="0"/>
+            <a:t>就更简单了，就是对于纯数据的处理，比如增删改查，与后台</a:t>
+          </a:r>
+          <a:r>
+            <a:rPr lang="en-US" sz="1050" dirty="0"/>
+            <a:t>CGI</a:t>
+          </a:r>
+          <a:r>
+            <a:rPr lang="zh-CN" sz="1050" dirty="0"/>
+            <a:t>做交互</a:t>
+          </a:r>
+        </a:p>
+      </dgm:t>
+    </dgm:pt>
+    <dgm:pt modelId="{8BB77D0B-010D-4103-AAC0-93D406E80252}" type="parTrans" cxnId="{AF1CA86E-D978-4510-9DCA-67EAAAD07662}">
+      <dgm:prSet/>
+      <dgm:spPr/>
+      <dgm:t>
+        <a:bodyPr/>
+        <a:lstStyle/>
+        <a:p>
+          <a:endParaRPr lang="zh-CN" altLang="en-US"/>
+        </a:p>
+      </dgm:t>
+    </dgm:pt>
+    <dgm:pt modelId="{85FD5811-BD18-40D3-B51E-C88A9FCD45BA}" type="sibTrans" cxnId="{AF1CA86E-D978-4510-9DCA-67EAAAD07662}">
+      <dgm:prSet/>
+      <dgm:spPr/>
+      <dgm:t>
+        <a:bodyPr/>
+        <a:lstStyle/>
+        <a:p>
+          <a:endParaRPr lang="zh-CN" altLang="en-US"/>
+        </a:p>
+      </dgm:t>
+    </dgm:pt>
+    <dgm:pt modelId="{1AF3A3BE-DB29-4725-B3CE-A44C19686F4D}" type="pres">
+      <dgm:prSet presAssocID="{DC07F7A4-57AE-438E-AA5A-0E43BC69CE24}" presName="Name0" presStyleCnt="0">
+        <dgm:presLayoutVars>
+          <dgm:dir/>
+          <dgm:animLvl val="lvl"/>
+          <dgm:resizeHandles val="exact"/>
+        </dgm:presLayoutVars>
+      </dgm:prSet>
+      <dgm:spPr/>
+    </dgm:pt>
+    <dgm:pt modelId="{80620B52-76A2-465E-B6C9-D2C444F1402A}" type="pres">
+      <dgm:prSet presAssocID="{3D87DFF1-053E-4629-A556-69E20DA6670A}" presName="linNode" presStyleCnt="0"/>
+      <dgm:spPr/>
+    </dgm:pt>
+    <dgm:pt modelId="{B637A119-EF2E-42D2-BBCE-4F98DADD532A}" type="pres">
+      <dgm:prSet presAssocID="{3D87DFF1-053E-4629-A556-69E20DA6670A}" presName="parentText" presStyleLbl="node1" presStyleIdx="0" presStyleCnt="3" custScaleX="169115">
+        <dgm:presLayoutVars>
+          <dgm:chMax val="1"/>
+          <dgm:bulletEnabled val="1"/>
+        </dgm:presLayoutVars>
+      </dgm:prSet>
+      <dgm:spPr/>
+    </dgm:pt>
+    <dgm:pt modelId="{BDFE1C8D-027D-45D9-8CB1-93ED18017C8B}" type="pres">
+      <dgm:prSet presAssocID="{FDB21C5B-FAFB-4BCE-93F2-2C093759702B}" presName="sp" presStyleCnt="0"/>
+      <dgm:spPr/>
+    </dgm:pt>
+    <dgm:pt modelId="{5A2FF5AC-9031-4BA0-BB54-A7BC29341BAA}" type="pres">
+      <dgm:prSet presAssocID="{13E5F7CD-4A61-4EBF-A084-E1E55DEA9556}" presName="linNode" presStyleCnt="0"/>
+      <dgm:spPr/>
+    </dgm:pt>
+    <dgm:pt modelId="{63C5FAA4-B0A0-4489-B6F7-D48B8E9FF413}" type="pres">
+      <dgm:prSet presAssocID="{13E5F7CD-4A61-4EBF-A084-E1E55DEA9556}" presName="parentText" presStyleLbl="node1" presStyleIdx="1" presStyleCnt="3" custScaleX="169424" custScaleY="140033">
+        <dgm:presLayoutVars>
+          <dgm:chMax val="1"/>
+          <dgm:bulletEnabled val="1"/>
+        </dgm:presLayoutVars>
+      </dgm:prSet>
+      <dgm:spPr/>
+    </dgm:pt>
+    <dgm:pt modelId="{F273C22F-D6A1-46D9-8A1C-E0E8E04BE23D}" type="pres">
+      <dgm:prSet presAssocID="{7F355413-E3E9-4BAE-B1B7-95E5093D7B19}" presName="sp" presStyleCnt="0"/>
+      <dgm:spPr/>
+    </dgm:pt>
+    <dgm:pt modelId="{7560A714-7926-40A6-89CA-1A381D2F28B9}" type="pres">
+      <dgm:prSet presAssocID="{F3A481EB-140E-454C-A9FC-32255D26EBEE}" presName="linNode" presStyleCnt="0"/>
+      <dgm:spPr/>
+    </dgm:pt>
+    <dgm:pt modelId="{E93DC463-2BAA-4782-BC1C-E9CAE91C05B4}" type="pres">
+      <dgm:prSet presAssocID="{F3A481EB-140E-454C-A9FC-32255D26EBEE}" presName="parentText" presStyleLbl="node1" presStyleIdx="2" presStyleCnt="3" custScaleX="169424">
+        <dgm:presLayoutVars>
+          <dgm:chMax val="1"/>
+          <dgm:bulletEnabled val="1"/>
+        </dgm:presLayoutVars>
+      </dgm:prSet>
+      <dgm:spPr/>
+    </dgm:pt>
+  </dgm:ptLst>
+  <dgm:cxnLst>
+    <dgm:cxn modelId="{4397841E-726C-4D35-BF2F-554CB4A51F9C}" type="presOf" srcId="{F3A481EB-140E-454C-A9FC-32255D26EBEE}" destId="{E93DC463-2BAA-4782-BC1C-E9CAE91C05B4}" srcOrd="0" destOrd="0" presId="urn:microsoft.com/office/officeart/2005/8/layout/vList5"/>
+    <dgm:cxn modelId="{9B2B5237-A7D8-4184-B448-4747D0E4EED9}" srcId="{DC07F7A4-57AE-438E-AA5A-0E43BC69CE24}" destId="{3D87DFF1-053E-4629-A556-69E20DA6670A}" srcOrd="0" destOrd="0" parTransId="{93DC9A36-0306-4A51-8959-215C07B522B3}" sibTransId="{FDB21C5B-FAFB-4BCE-93F2-2C093759702B}"/>
+    <dgm:cxn modelId="{421D7C6C-4F2E-4381-8040-C67600CEBF92}" type="presOf" srcId="{13E5F7CD-4A61-4EBF-A084-E1E55DEA9556}" destId="{63C5FAA4-B0A0-4489-B6F7-D48B8E9FF413}" srcOrd="0" destOrd="0" presId="urn:microsoft.com/office/officeart/2005/8/layout/vList5"/>
+    <dgm:cxn modelId="{AF1CA86E-D978-4510-9DCA-67EAAAD07662}" srcId="{DC07F7A4-57AE-438E-AA5A-0E43BC69CE24}" destId="{F3A481EB-140E-454C-A9FC-32255D26EBEE}" srcOrd="2" destOrd="0" parTransId="{8BB77D0B-010D-4103-AAC0-93D406E80252}" sibTransId="{85FD5811-BD18-40D3-B51E-C88A9FCD45BA}"/>
+    <dgm:cxn modelId="{1A524B78-DE95-4A22-B7C2-1795D6AC302C}" type="presOf" srcId="{DC07F7A4-57AE-438E-AA5A-0E43BC69CE24}" destId="{1AF3A3BE-DB29-4725-B3CE-A44C19686F4D}" srcOrd="0" destOrd="0" presId="urn:microsoft.com/office/officeart/2005/8/layout/vList5"/>
+    <dgm:cxn modelId="{3E6C1959-C8AB-482C-A7A9-16AB947CFF48}" srcId="{DC07F7A4-57AE-438E-AA5A-0E43BC69CE24}" destId="{13E5F7CD-4A61-4EBF-A084-E1E55DEA9556}" srcOrd="1" destOrd="0" parTransId="{58F69668-7A9B-4B50-86C0-B4579B2CEE76}" sibTransId="{7F355413-E3E9-4BAE-B1B7-95E5093D7B19}"/>
+    <dgm:cxn modelId="{C63D83E1-D987-4112-8C2F-6FABA54C0FA1}" type="presOf" srcId="{3D87DFF1-053E-4629-A556-69E20DA6670A}" destId="{B637A119-EF2E-42D2-BBCE-4F98DADD532A}" srcOrd="0" destOrd="0" presId="urn:microsoft.com/office/officeart/2005/8/layout/vList5"/>
+    <dgm:cxn modelId="{F98D149B-DBB3-4DAE-8C7C-20033DA6DCC1}" type="presParOf" srcId="{1AF3A3BE-DB29-4725-B3CE-A44C19686F4D}" destId="{80620B52-76A2-465E-B6C9-D2C444F1402A}" srcOrd="0" destOrd="0" presId="urn:microsoft.com/office/officeart/2005/8/layout/vList5"/>
+    <dgm:cxn modelId="{432A9C36-0135-49CD-8571-931088190E79}" type="presParOf" srcId="{80620B52-76A2-465E-B6C9-D2C444F1402A}" destId="{B637A119-EF2E-42D2-BBCE-4F98DADD532A}" srcOrd="0" destOrd="0" presId="urn:microsoft.com/office/officeart/2005/8/layout/vList5"/>
+    <dgm:cxn modelId="{DA733494-43DC-47BB-A01C-D78D43ECB153}" type="presParOf" srcId="{1AF3A3BE-DB29-4725-B3CE-A44C19686F4D}" destId="{BDFE1C8D-027D-45D9-8CB1-93ED18017C8B}" srcOrd="1" destOrd="0" presId="urn:microsoft.com/office/officeart/2005/8/layout/vList5"/>
+    <dgm:cxn modelId="{ED4E427A-E80F-4D7D-A740-2EBF4B40B448}" type="presParOf" srcId="{1AF3A3BE-DB29-4725-B3CE-A44C19686F4D}" destId="{5A2FF5AC-9031-4BA0-BB54-A7BC29341BAA}" srcOrd="2" destOrd="0" presId="urn:microsoft.com/office/officeart/2005/8/layout/vList5"/>
+    <dgm:cxn modelId="{9F83E992-EFB2-4FCF-AE38-3D90D3223ED0}" type="presParOf" srcId="{5A2FF5AC-9031-4BA0-BB54-A7BC29341BAA}" destId="{63C5FAA4-B0A0-4489-B6F7-D48B8E9FF413}" srcOrd="0" destOrd="0" presId="urn:microsoft.com/office/officeart/2005/8/layout/vList5"/>
+    <dgm:cxn modelId="{483C3DA0-8BA3-4286-B107-77108C4B97CE}" type="presParOf" srcId="{1AF3A3BE-DB29-4725-B3CE-A44C19686F4D}" destId="{F273C22F-D6A1-46D9-8A1C-E0E8E04BE23D}" srcOrd="3" destOrd="0" presId="urn:microsoft.com/office/officeart/2005/8/layout/vList5"/>
+    <dgm:cxn modelId="{775046D7-6EB7-4B7A-9567-BA85569EECA2}" type="presParOf" srcId="{1AF3A3BE-DB29-4725-B3CE-A44C19686F4D}" destId="{7560A714-7926-40A6-89CA-1A381D2F28B9}" srcOrd="4" destOrd="0" presId="urn:microsoft.com/office/officeart/2005/8/layout/vList5"/>
+    <dgm:cxn modelId="{F79BF773-BBB7-40DF-9209-23E6F5E0413F}" type="presParOf" srcId="{7560A714-7926-40A6-89CA-1A381D2F28B9}" destId="{E93DC463-2BAA-4782-BC1C-E9CAE91C05B4}" srcOrd="0" destOrd="0" presId="urn:microsoft.com/office/officeart/2005/8/layout/vList5"/>
+  </dgm:cxnLst>
+  <dgm:bg/>
+  <dgm:whole/>
+  <dgm:extLst>
+    <a:ext uri="http://schemas.microsoft.com/office/drawing/2008/diagram">
+      <dsp:dataModelExt xmlns:dsp="http://schemas.microsoft.com/office/drawing/2008/diagram" relId="rId6" minVer="http://schemas.openxmlformats.org/drawingml/2006/diagram"/>
+    </a:ext>
+  </dgm:extLst>
+</dgm:dataModel>
+</file>
+
+<file path=ppt/diagrams/data2.xml><?xml version="1.0" encoding="utf-8"?>
+<dgm:dataModel xmlns:dgm="http://schemas.openxmlformats.org/drawingml/2006/diagram" xmlns:a="http://schemas.openxmlformats.org/drawingml/2006/main">
+  <dgm:ptLst>
     <dgm:pt modelId="{7C8D75FB-44B4-4D58-9D1B-A90B582CF886}" type="doc">
       <dgm:prSet loTypeId="urn:microsoft.com/office/officeart/2005/8/layout/vList2" loCatId="list" qsTypeId="urn:microsoft.com/office/officeart/2005/8/quickstyle/simple4" qsCatId="simple" csTypeId="urn:microsoft.com/office/officeart/2005/8/colors/accent1_3" csCatId="accent1" phldr="1"/>
       <dgm:spPr/>
@@ -1785,13 +2822,6 @@
         </dgm:presLayoutVars>
       </dgm:prSet>
       <dgm:spPr/>
-      <dgm:t>
-        <a:bodyPr/>
-        <a:lstStyle/>
-        <a:p>
-          <a:endParaRPr lang="zh-CN"/>
-        </a:p>
-      </dgm:t>
     </dgm:pt>
     <dgm:pt modelId="{FDD36B4F-5AEE-493A-A2C7-D255F33D7ED0}" type="pres">
       <dgm:prSet presAssocID="{01319AA5-B50C-4D90-A905-F300549B66ED}" presName="parentText" presStyleLbl="node1" presStyleIdx="0" presStyleCnt="3">
@@ -1801,13 +2831,6 @@
         </dgm:presLayoutVars>
       </dgm:prSet>
       <dgm:spPr/>
-      <dgm:t>
-        <a:bodyPr/>
-        <a:lstStyle/>
-        <a:p>
-          <a:endParaRPr lang="zh-CN"/>
-        </a:p>
-      </dgm:t>
     </dgm:pt>
     <dgm:pt modelId="{802F44E0-5600-49C0-9614-DDE06230BCAB}" type="pres">
       <dgm:prSet presAssocID="{01319AA5-B50C-4D90-A905-F300549B66ED}" presName="childText" presStyleLbl="revTx" presStyleIdx="0" presStyleCnt="3">
@@ -1816,13 +2839,6 @@
         </dgm:presLayoutVars>
       </dgm:prSet>
       <dgm:spPr/>
-      <dgm:t>
-        <a:bodyPr/>
-        <a:lstStyle/>
-        <a:p>
-          <a:endParaRPr lang="zh-CN"/>
-        </a:p>
-      </dgm:t>
     </dgm:pt>
     <dgm:pt modelId="{7A49BB88-7937-485F-959B-601F5C9ED20D}" type="pres">
       <dgm:prSet presAssocID="{F7D06F7A-0507-413E-B51D-4A8FB4E65DF0}" presName="parentText" presStyleLbl="node1" presStyleIdx="1" presStyleCnt="3">
@@ -1832,13 +2848,6 @@
         </dgm:presLayoutVars>
       </dgm:prSet>
       <dgm:spPr/>
-      <dgm:t>
-        <a:bodyPr/>
-        <a:lstStyle/>
-        <a:p>
-          <a:endParaRPr lang="zh-CN"/>
-        </a:p>
-      </dgm:t>
     </dgm:pt>
     <dgm:pt modelId="{17D08123-0351-4A0B-A02F-825F3E29B603}" type="pres">
       <dgm:prSet presAssocID="{F7D06F7A-0507-413E-B51D-4A8FB4E65DF0}" presName="childText" presStyleLbl="revTx" presStyleIdx="1" presStyleCnt="3">
@@ -1847,13 +2856,6 @@
         </dgm:presLayoutVars>
       </dgm:prSet>
       <dgm:spPr/>
-      <dgm:t>
-        <a:bodyPr/>
-        <a:lstStyle/>
-        <a:p>
-          <a:endParaRPr lang="zh-CN"/>
-        </a:p>
-      </dgm:t>
     </dgm:pt>
     <dgm:pt modelId="{C97C8A5C-B9F6-4FDA-BF74-97BAB2625D71}" type="pres">
       <dgm:prSet presAssocID="{B03A1E7D-E820-4125-9CB4-2656AAF49B44}" presName="parentText" presStyleLbl="node1" presStyleIdx="2" presStyleCnt="3">
@@ -1863,13 +2865,6 @@
         </dgm:presLayoutVars>
       </dgm:prSet>
       <dgm:spPr/>
-      <dgm:t>
-        <a:bodyPr/>
-        <a:lstStyle/>
-        <a:p>
-          <a:endParaRPr lang="zh-CN"/>
-        </a:p>
-      </dgm:t>
     </dgm:pt>
     <dgm:pt modelId="{70F98462-E34E-4F2B-801C-AD9B11C4B7C8}" type="pres">
       <dgm:prSet presAssocID="{B03A1E7D-E820-4125-9CB4-2656AAF49B44}" presName="childText" presStyleLbl="revTx" presStyleIdx="2" presStyleCnt="3">
@@ -1878,33 +2873,26 @@
         </dgm:presLayoutVars>
       </dgm:prSet>
       <dgm:spPr/>
-      <dgm:t>
-        <a:bodyPr/>
-        <a:lstStyle/>
-        <a:p>
-          <a:endParaRPr lang="zh-CN"/>
-        </a:p>
-      </dgm:t>
     </dgm:pt>
   </dgm:ptLst>
   <dgm:cxnLst>
+    <dgm:cxn modelId="{F6D9C304-98EC-4FB6-A705-1F3FA8855CAE}" type="presOf" srcId="{70A5F71C-4AC4-4481-BCE8-951280474C5F}" destId="{17D08123-0351-4A0B-A02F-825F3E29B603}" srcOrd="0" destOrd="0" presId="urn:microsoft.com/office/officeart/2005/8/layout/vList2"/>
+    <dgm:cxn modelId="{FFD5F20A-FC4D-40DB-B861-AF9524AAC66E}" srcId="{F7D06F7A-0507-413E-B51D-4A8FB4E65DF0}" destId="{70A5F71C-4AC4-4481-BCE8-951280474C5F}" srcOrd="0" destOrd="0" parTransId="{F7944426-3F37-45F4-AFCD-A2B13B656836}" sibTransId="{742CEB09-A582-437B-8803-133CF6A08D50}"/>
+    <dgm:cxn modelId="{4992C860-D087-47F1-8EF3-AB34EA0F6D11}" srcId="{7C8D75FB-44B4-4D58-9D1B-A90B582CF886}" destId="{01319AA5-B50C-4D90-A905-F300549B66ED}" srcOrd="0" destOrd="0" parTransId="{815CECC5-8315-43F1-880A-E29B71867343}" sibTransId="{37E2493A-1961-4F19-8AC5-E2FE83AFB115}"/>
+    <dgm:cxn modelId="{63C39B4A-05E9-4B13-9A0B-C0173E501F11}" type="presOf" srcId="{B03A1E7D-E820-4125-9CB4-2656AAF49B44}" destId="{C97C8A5C-B9F6-4FDA-BF74-97BAB2625D71}" srcOrd="0" destOrd="0" presId="urn:microsoft.com/office/officeart/2005/8/layout/vList2"/>
+    <dgm:cxn modelId="{2DA6EB4C-F7D3-4C2E-B307-B492179FA735}" srcId="{B03A1E7D-E820-4125-9CB4-2656AAF49B44}" destId="{A48082CE-A9F3-4417-8FE2-6DF4D3ED37A7}" srcOrd="0" destOrd="0" parTransId="{A938A158-6689-44EB-B5D2-C61FFB1E7C59}" sibTransId="{059C562E-277D-4B7C-B988-0E9CB9BD4A83}"/>
+    <dgm:cxn modelId="{0457F374-147A-4B3E-9EE1-4BB5E2FA8572}" srcId="{7C8D75FB-44B4-4D58-9D1B-A90B582CF886}" destId="{F7D06F7A-0507-413E-B51D-4A8FB4E65DF0}" srcOrd="1" destOrd="0" parTransId="{A650A600-F128-47D0-815E-0BEF7B38FABB}" sibTransId="{2BBC0394-1F1B-433D-A8CE-02D4DA57EBE1}"/>
+    <dgm:cxn modelId="{FEFB489B-8B68-4E4D-921B-7A69E6C5D54E}" type="presOf" srcId="{1959B001-6CBB-4443-A3A1-15167EA1BD3C}" destId="{802F44E0-5600-49C0-9614-DDE06230BCAB}" srcOrd="0" destOrd="0" presId="urn:microsoft.com/office/officeart/2005/8/layout/vList2"/>
+    <dgm:cxn modelId="{100C389D-E00B-46E7-97F0-D3BCF758F321}" srcId="{F7D06F7A-0507-413E-B51D-4A8FB4E65DF0}" destId="{80A6D6DF-A255-4F3B-963E-859C77C2EE21}" srcOrd="1" destOrd="0" parTransId="{CA76610A-3CD7-402C-ACC3-93A466B36091}" sibTransId="{0F1C71DB-C26D-4EFC-8FA1-26BCF4A7A4F9}"/>
+    <dgm:cxn modelId="{B69AF5A1-BD25-4800-880A-E0045445B760}" type="presOf" srcId="{B10C8BE2-5594-4485-87C0-8B2EA38F8ED3}" destId="{802F44E0-5600-49C0-9614-DDE06230BCAB}" srcOrd="0" destOrd="1" presId="urn:microsoft.com/office/officeart/2005/8/layout/vList2"/>
+    <dgm:cxn modelId="{A8589EA5-6583-4136-8929-CC0003F52FE4}" srcId="{01319AA5-B50C-4D90-A905-F300549B66ED}" destId="{1959B001-6CBB-4443-A3A1-15167EA1BD3C}" srcOrd="0" destOrd="0" parTransId="{248919A7-E7A3-4508-B9A7-6B0A3D5FAB1C}" sibTransId="{AF52E228-29E9-4C2B-9095-1FEDA0228ABC}"/>
+    <dgm:cxn modelId="{836E7CB1-66DA-47A7-8B90-7E7F66F8F79A}" srcId="{01319AA5-B50C-4D90-A905-F300549B66ED}" destId="{B10C8BE2-5594-4485-87C0-8B2EA38F8ED3}" srcOrd="1" destOrd="0" parTransId="{2A78F060-55A8-4D16-BC42-22BFA6BF59A6}" sibTransId="{5EF26A01-4B3D-406D-BB6E-BBF36BB4AAF8}"/>
+    <dgm:cxn modelId="{A20C46B4-AAD9-4541-B478-FD0C206A6130}" type="presOf" srcId="{80A6D6DF-A255-4F3B-963E-859C77C2EE21}" destId="{17D08123-0351-4A0B-A02F-825F3E29B603}" srcOrd="0" destOrd="1" presId="urn:microsoft.com/office/officeart/2005/8/layout/vList2"/>
     <dgm:cxn modelId="{4B0680BE-1045-4AA6-9C65-D364E4009CFE}" type="presOf" srcId="{7C8D75FB-44B4-4D58-9D1B-A90B582CF886}" destId="{C4497D8F-7A7D-427C-8D16-8CB4F4A134BE}" srcOrd="0" destOrd="0" presId="urn:microsoft.com/office/officeart/2005/8/layout/vList2"/>
-    <dgm:cxn modelId="{100C389D-E00B-46E7-97F0-D3BCF758F321}" srcId="{F7D06F7A-0507-413E-B51D-4A8FB4E65DF0}" destId="{80A6D6DF-A255-4F3B-963E-859C77C2EE21}" srcOrd="1" destOrd="0" parTransId="{CA76610A-3CD7-402C-ACC3-93A466B36091}" sibTransId="{0F1C71DB-C26D-4EFC-8FA1-26BCF4A7A4F9}"/>
-    <dgm:cxn modelId="{836E7CB1-66DA-47A7-8B90-7E7F66F8F79A}" srcId="{01319AA5-B50C-4D90-A905-F300549B66ED}" destId="{B10C8BE2-5594-4485-87C0-8B2EA38F8ED3}" srcOrd="1" destOrd="0" parTransId="{2A78F060-55A8-4D16-BC42-22BFA6BF59A6}" sibTransId="{5EF26A01-4B3D-406D-BB6E-BBF36BB4AAF8}"/>
-    <dgm:cxn modelId="{63C39B4A-05E9-4B13-9A0B-C0173E501F11}" type="presOf" srcId="{B03A1E7D-E820-4125-9CB4-2656AAF49B44}" destId="{C97C8A5C-B9F6-4FDA-BF74-97BAB2625D71}" srcOrd="0" destOrd="0" presId="urn:microsoft.com/office/officeart/2005/8/layout/vList2"/>
-    <dgm:cxn modelId="{FFD5F20A-FC4D-40DB-B861-AF9524AAC66E}" srcId="{F7D06F7A-0507-413E-B51D-4A8FB4E65DF0}" destId="{70A5F71C-4AC4-4481-BCE8-951280474C5F}" srcOrd="0" destOrd="0" parTransId="{F7944426-3F37-45F4-AFCD-A2B13B656836}" sibTransId="{742CEB09-A582-437B-8803-133CF6A08D50}"/>
-    <dgm:cxn modelId="{FEFB489B-8B68-4E4D-921B-7A69E6C5D54E}" type="presOf" srcId="{1959B001-6CBB-4443-A3A1-15167EA1BD3C}" destId="{802F44E0-5600-49C0-9614-DDE06230BCAB}" srcOrd="0" destOrd="0" presId="urn:microsoft.com/office/officeart/2005/8/layout/vList2"/>
-    <dgm:cxn modelId="{A8589EA5-6583-4136-8929-CC0003F52FE4}" srcId="{01319AA5-B50C-4D90-A905-F300549B66ED}" destId="{1959B001-6CBB-4443-A3A1-15167EA1BD3C}" srcOrd="0" destOrd="0" parTransId="{248919A7-E7A3-4508-B9A7-6B0A3D5FAB1C}" sibTransId="{AF52E228-29E9-4C2B-9095-1FEDA0228ABC}"/>
-    <dgm:cxn modelId="{F6D9C304-98EC-4FB6-A705-1F3FA8855CAE}" type="presOf" srcId="{70A5F71C-4AC4-4481-BCE8-951280474C5F}" destId="{17D08123-0351-4A0B-A02F-825F3E29B603}" srcOrd="0" destOrd="0" presId="urn:microsoft.com/office/officeart/2005/8/layout/vList2"/>
     <dgm:cxn modelId="{F1078CE0-BD7E-434B-87F7-829E4FCAA0AD}" type="presOf" srcId="{A48082CE-A9F3-4417-8FE2-6DF4D3ED37A7}" destId="{70F98462-E34E-4F2B-801C-AD9B11C4B7C8}" srcOrd="0" destOrd="0" presId="urn:microsoft.com/office/officeart/2005/8/layout/vList2"/>
-    <dgm:cxn modelId="{0457F374-147A-4B3E-9EE1-4BB5E2FA8572}" srcId="{7C8D75FB-44B4-4D58-9D1B-A90B582CF886}" destId="{F7D06F7A-0507-413E-B51D-4A8FB4E65DF0}" srcOrd="1" destOrd="0" parTransId="{A650A600-F128-47D0-815E-0BEF7B38FABB}" sibTransId="{2BBC0394-1F1B-433D-A8CE-02D4DA57EBE1}"/>
+    <dgm:cxn modelId="{7C0CCFEF-2EB9-4931-982D-380DC0388B21}" type="presOf" srcId="{01319AA5-B50C-4D90-A905-F300549B66ED}" destId="{FDD36B4F-5AEE-493A-A2C7-D255F33D7ED0}" srcOrd="0" destOrd="0" presId="urn:microsoft.com/office/officeart/2005/8/layout/vList2"/>
     <dgm:cxn modelId="{147A4DF6-5996-43AB-AAE3-13486945608F}" srcId="{7C8D75FB-44B4-4D58-9D1B-A90B582CF886}" destId="{B03A1E7D-E820-4125-9CB4-2656AAF49B44}" srcOrd="2" destOrd="0" parTransId="{F35AD03D-8149-4C7A-9B23-46999FF7CFF1}" sibTransId="{B6B9FA1C-DDDA-435E-B569-6CFE6E30B115}"/>
-    <dgm:cxn modelId="{B69AF5A1-BD25-4800-880A-E0045445B760}" type="presOf" srcId="{B10C8BE2-5594-4485-87C0-8B2EA38F8ED3}" destId="{802F44E0-5600-49C0-9614-DDE06230BCAB}" srcOrd="0" destOrd="1" presId="urn:microsoft.com/office/officeart/2005/8/layout/vList2"/>
     <dgm:cxn modelId="{166355F6-6B91-48F1-A486-7CB8E9C2899C}" type="presOf" srcId="{F7D06F7A-0507-413E-B51D-4A8FB4E65DF0}" destId="{7A49BB88-7937-485F-959B-601F5C9ED20D}" srcOrd="0" destOrd="0" presId="urn:microsoft.com/office/officeart/2005/8/layout/vList2"/>
-    <dgm:cxn modelId="{A20C46B4-AAD9-4541-B478-FD0C206A6130}" type="presOf" srcId="{80A6D6DF-A255-4F3B-963E-859C77C2EE21}" destId="{17D08123-0351-4A0B-A02F-825F3E29B603}" srcOrd="0" destOrd="1" presId="urn:microsoft.com/office/officeart/2005/8/layout/vList2"/>
-    <dgm:cxn modelId="{2DA6EB4C-F7D3-4C2E-B307-B492179FA735}" srcId="{B03A1E7D-E820-4125-9CB4-2656AAF49B44}" destId="{A48082CE-A9F3-4417-8FE2-6DF4D3ED37A7}" srcOrd="0" destOrd="0" parTransId="{A938A158-6689-44EB-B5D2-C61FFB1E7C59}" sibTransId="{059C562E-277D-4B7C-B988-0E9CB9BD4A83}"/>
-    <dgm:cxn modelId="{4992C860-D087-47F1-8EF3-AB34EA0F6D11}" srcId="{7C8D75FB-44B4-4D58-9D1B-A90B582CF886}" destId="{01319AA5-B50C-4D90-A905-F300549B66ED}" srcOrd="0" destOrd="0" parTransId="{815CECC5-8315-43F1-880A-E29B71867343}" sibTransId="{37E2493A-1961-4F19-8AC5-E2FE83AFB115}"/>
-    <dgm:cxn modelId="{7C0CCFEF-2EB9-4931-982D-380DC0388B21}" type="presOf" srcId="{01319AA5-B50C-4D90-A905-F300549B66ED}" destId="{FDD36B4F-5AEE-493A-A2C7-D255F33D7ED0}" srcOrd="0" destOrd="0" presId="urn:microsoft.com/office/officeart/2005/8/layout/vList2"/>
     <dgm:cxn modelId="{B6BC0906-9D79-4B2D-B324-A8AB6C41E128}" type="presParOf" srcId="{C4497D8F-7A7D-427C-8D16-8CB4F4A134BE}" destId="{FDD36B4F-5AEE-493A-A2C7-D255F33D7ED0}" srcOrd="0" destOrd="0" presId="urn:microsoft.com/office/officeart/2005/8/layout/vList2"/>
     <dgm:cxn modelId="{9214B181-ECF6-4635-98FC-1E49559ABB80}" type="presParOf" srcId="{C4497D8F-7A7D-427C-8D16-8CB4F4A134BE}" destId="{802F44E0-5600-49C0-9614-DDE06230BCAB}" srcOrd="1" destOrd="0" presId="urn:microsoft.com/office/officeart/2005/8/layout/vList2"/>
     <dgm:cxn modelId="{87DADC99-E4C7-4CF0-BC27-EF029FBAD394}" type="presParOf" srcId="{C4497D8F-7A7D-427C-8D16-8CB4F4A134BE}" destId="{7A49BB88-7937-485F-959B-601F5C9ED20D}" srcOrd="2" destOrd="0" presId="urn:microsoft.com/office/officeart/2005/8/layout/vList2"/>
@@ -1923,6 +2911,325 @@
 </file>
 
 <file path=ppt/diagrams/drawing1.xml><?xml version="1.0" encoding="utf-8"?>
+<dsp:drawing xmlns:dgm="http://schemas.openxmlformats.org/drawingml/2006/diagram" xmlns:dsp="http://schemas.microsoft.com/office/drawing/2008/diagram" xmlns:a="http://schemas.openxmlformats.org/drawingml/2006/main">
+  <dsp:spTree>
+    <dsp:nvGrpSpPr>
+      <dsp:cNvPr id="0" name=""/>
+      <dsp:cNvGrpSpPr/>
+    </dsp:nvGrpSpPr>
+    <dsp:grpSpPr/>
+    <dsp:sp modelId="{B637A119-EF2E-42D2-BBCE-4F98DADD532A}">
+      <dsp:nvSpPr>
+        <dsp:cNvPr id="0" name=""/>
+        <dsp:cNvSpPr/>
+      </dsp:nvSpPr>
+      <dsp:spPr>
+        <a:xfrm>
+          <a:off x="933442" y="188"/>
+          <a:ext cx="2913772" cy="719904"/>
+        </a:xfrm>
+        <a:prstGeom prst="roundRect">
+          <a:avLst/>
+        </a:prstGeom>
+        <a:solidFill>
+          <a:schemeClr val="accent1">
+            <a:hueOff val="0"/>
+            <a:satOff val="0"/>
+            <a:lumOff val="0"/>
+            <a:alphaOff val="0"/>
+          </a:schemeClr>
+        </a:solidFill>
+        <a:ln w="28575" cap="flat" cmpd="sng" algn="ctr">
+          <a:solidFill>
+            <a:schemeClr val="lt1">
+              <a:hueOff val="0"/>
+              <a:satOff val="0"/>
+              <a:lumOff val="0"/>
+              <a:alphaOff val="0"/>
+            </a:schemeClr>
+          </a:solidFill>
+          <a:miter lim="800000"/>
+        </a:ln>
+        <a:effectLst/>
+      </dsp:spPr>
+      <dsp:style>
+        <a:lnRef idx="2">
+          <a:scrgbClr r="0" g="0" b="0"/>
+        </a:lnRef>
+        <a:fillRef idx="1">
+          <a:scrgbClr r="0" g="0" b="0"/>
+        </a:fillRef>
+        <a:effectRef idx="0">
+          <a:scrgbClr r="0" g="0" b="0"/>
+        </a:effectRef>
+        <a:fontRef idx="minor">
+          <a:schemeClr val="lt1"/>
+        </a:fontRef>
+      </dsp:style>
+      <dsp:txBody>
+        <a:bodyPr spcFirstLastPara="0" vert="horz" wrap="square" lIns="41910" tIns="20955" rIns="41910" bIns="20955" numCol="1" spcCol="1270" anchor="ctr" anchorCtr="0">
+          <a:noAutofit/>
+        </a:bodyPr>
+        <a:lstStyle/>
+        <a:p>
+          <a:pPr marL="0" lvl="0" indent="0" algn="ctr" defTabSz="488950">
+            <a:lnSpc>
+              <a:spcPct val="90000"/>
+            </a:lnSpc>
+            <a:spcBef>
+              <a:spcPct val="0"/>
+            </a:spcBef>
+            <a:spcAft>
+              <a:spcPct val="35000"/>
+            </a:spcAft>
+            <a:buNone/>
+          </a:pPr>
+          <a:r>
+            <a:rPr lang="en-US" sz="1100" kern="1200" dirty="0"/>
+            <a:t>View</a:t>
+          </a:r>
+          <a:r>
+            <a:rPr lang="zh-CN" sz="1100" kern="1200" dirty="0"/>
+            <a:t>一般就是我们平常说的</a:t>
+          </a:r>
+          <a:r>
+            <a:rPr lang="en-US" sz="1100" kern="1200" dirty="0"/>
+            <a:t>HTML</a:t>
+          </a:r>
+          <a:r>
+            <a:rPr lang="zh-CN" sz="1100" kern="1200" dirty="0"/>
+            <a:t>文本的</a:t>
+          </a:r>
+          <a:r>
+            <a:rPr lang="en-US" sz="1100" kern="1200" dirty="0"/>
+            <a:t>Js</a:t>
+          </a:r>
+          <a:r>
+            <a:rPr lang="zh-CN" sz="1100" kern="1200" dirty="0"/>
+            <a:t>模板，里面可以嵌入一些</a:t>
+          </a:r>
+          <a:r>
+            <a:rPr lang="en-US" sz="1100" kern="1200" dirty="0" err="1"/>
+            <a:t>js</a:t>
+          </a:r>
+          <a:r>
+            <a:rPr lang="zh-CN" sz="1100" kern="1200" dirty="0"/>
+            <a:t>模板的代码，比如</a:t>
+          </a:r>
+          <a:r>
+            <a:rPr lang="en-US" sz="1100" kern="1200" dirty="0"/>
+            <a:t>Mustache</a:t>
+          </a:r>
+          <a:r>
+            <a:rPr lang="zh-CN" sz="1100" kern="1200" dirty="0"/>
+            <a:t>，比如</a:t>
+          </a:r>
+          <a:r>
+            <a:rPr lang="en-US" sz="1100" kern="1200" dirty="0" err="1"/>
+            <a:t>jstl</a:t>
+          </a:r>
+          <a:r>
+            <a:rPr lang="zh-CN" sz="1100" kern="1200" dirty="0"/>
+            <a:t>类似的模板伪代码</a:t>
+          </a:r>
+        </a:p>
+      </dsp:txBody>
+      <dsp:txXfrm>
+        <a:off x="968585" y="35331"/>
+        <a:ext cx="2843486" cy="649618"/>
+      </dsp:txXfrm>
+    </dsp:sp>
+    <dsp:sp modelId="{63C5FAA4-B0A0-4489-B6F7-D48B8E9FF413}">
+      <dsp:nvSpPr>
+        <dsp:cNvPr id="0" name=""/>
+        <dsp:cNvSpPr/>
+      </dsp:nvSpPr>
+      <dsp:spPr>
+        <a:xfrm>
+          <a:off x="933442" y="756088"/>
+          <a:ext cx="2916246" cy="1008103"/>
+        </a:xfrm>
+        <a:prstGeom prst="roundRect">
+          <a:avLst/>
+        </a:prstGeom>
+        <a:solidFill>
+          <a:schemeClr val="accent1">
+            <a:hueOff val="0"/>
+            <a:satOff val="0"/>
+            <a:lumOff val="0"/>
+            <a:alphaOff val="0"/>
+          </a:schemeClr>
+        </a:solidFill>
+        <a:ln w="28575" cap="flat" cmpd="sng" algn="ctr">
+          <a:solidFill>
+            <a:schemeClr val="lt1">
+              <a:hueOff val="0"/>
+              <a:satOff val="0"/>
+              <a:lumOff val="0"/>
+              <a:alphaOff val="0"/>
+            </a:schemeClr>
+          </a:solidFill>
+          <a:miter lim="800000"/>
+        </a:ln>
+        <a:effectLst/>
+      </dsp:spPr>
+      <dsp:style>
+        <a:lnRef idx="2">
+          <a:scrgbClr r="0" g="0" b="0"/>
+        </a:lnRef>
+        <a:fillRef idx="1">
+          <a:scrgbClr r="0" g="0" b="0"/>
+        </a:fillRef>
+        <a:effectRef idx="0">
+          <a:scrgbClr r="0" g="0" b="0"/>
+        </a:effectRef>
+        <a:fontRef idx="minor">
+          <a:schemeClr val="lt1"/>
+        </a:fontRef>
+      </dsp:style>
+      <dsp:txBody>
+        <a:bodyPr spcFirstLastPara="0" vert="horz" wrap="square" lIns="41910" tIns="20955" rIns="41910" bIns="20955" numCol="1" spcCol="1270" anchor="ctr" anchorCtr="0">
+          <a:noAutofit/>
+        </a:bodyPr>
+        <a:lstStyle/>
+        <a:p>
+          <a:pPr marL="0" lvl="0" indent="0" algn="ctr" defTabSz="466725">
+            <a:lnSpc>
+              <a:spcPct val="90000"/>
+            </a:lnSpc>
+            <a:spcBef>
+              <a:spcPct val="0"/>
+            </a:spcBef>
+            <a:spcAft>
+              <a:spcPct val="35000"/>
+            </a:spcAft>
+            <a:buNone/>
+          </a:pPr>
+          <a:r>
+            <a:rPr lang="en-US" sz="1050" kern="1200" dirty="0" err="1"/>
+            <a:t>ViewModule</a:t>
+          </a:r>
+          <a:r>
+            <a:rPr lang="zh-CN" sz="1050" kern="1200" dirty="0"/>
+            <a:t>层里面就是我们对于这个视图区域的一切</a:t>
+          </a:r>
+          <a:r>
+            <a:rPr lang="en-US" sz="1050" kern="1200" dirty="0" err="1"/>
+            <a:t>js</a:t>
+          </a:r>
+          <a:r>
+            <a:rPr lang="zh-CN" sz="1050" kern="1200" dirty="0"/>
+            <a:t>可视业务逻辑，举个例子，比如图片走马灯特效，比如表单按钮点击提交，这些自定义事件的注册和处理逻辑都写在</a:t>
+          </a:r>
+          <a:r>
+            <a:rPr lang="en-US" sz="1050" kern="1200" dirty="0" err="1"/>
+            <a:t>ViewModule</a:t>
+          </a:r>
+          <a:r>
+            <a:rPr lang="zh-CN" sz="1050" kern="1200" dirty="0"/>
+            <a:t>里面了</a:t>
+          </a:r>
+        </a:p>
+      </dsp:txBody>
+      <dsp:txXfrm>
+        <a:off x="982654" y="805300"/>
+        <a:ext cx="2817822" cy="909679"/>
+      </dsp:txXfrm>
+    </dsp:sp>
+    <dsp:sp modelId="{E93DC463-2BAA-4782-BC1C-E9CAE91C05B4}">
+      <dsp:nvSpPr>
+        <dsp:cNvPr id="0" name=""/>
+        <dsp:cNvSpPr/>
+      </dsp:nvSpPr>
+      <dsp:spPr>
+        <a:xfrm>
+          <a:off x="933442" y="1800187"/>
+          <a:ext cx="2919096" cy="719904"/>
+        </a:xfrm>
+        <a:prstGeom prst="roundRect">
+          <a:avLst/>
+        </a:prstGeom>
+        <a:solidFill>
+          <a:schemeClr val="accent1">
+            <a:hueOff val="0"/>
+            <a:satOff val="0"/>
+            <a:lumOff val="0"/>
+            <a:alphaOff val="0"/>
+          </a:schemeClr>
+        </a:solidFill>
+        <a:ln w="28575" cap="flat" cmpd="sng" algn="ctr">
+          <a:solidFill>
+            <a:schemeClr val="lt1">
+              <a:hueOff val="0"/>
+              <a:satOff val="0"/>
+              <a:lumOff val="0"/>
+              <a:alphaOff val="0"/>
+            </a:schemeClr>
+          </a:solidFill>
+          <a:miter lim="800000"/>
+        </a:ln>
+        <a:effectLst/>
+      </dsp:spPr>
+      <dsp:style>
+        <a:lnRef idx="2">
+          <a:scrgbClr r="0" g="0" b="0"/>
+        </a:lnRef>
+        <a:fillRef idx="1">
+          <a:scrgbClr r="0" g="0" b="0"/>
+        </a:fillRef>
+        <a:effectRef idx="0">
+          <a:scrgbClr r="0" g="0" b="0"/>
+        </a:effectRef>
+        <a:fontRef idx="minor">
+          <a:schemeClr val="lt1"/>
+        </a:fontRef>
+      </dsp:style>
+      <dsp:txBody>
+        <a:bodyPr spcFirstLastPara="0" vert="horz" wrap="square" lIns="41910" tIns="20955" rIns="41910" bIns="20955" numCol="1" spcCol="1270" anchor="ctr" anchorCtr="0">
+          <a:noAutofit/>
+        </a:bodyPr>
+        <a:lstStyle/>
+        <a:p>
+          <a:pPr marL="0" lvl="0" indent="0" algn="ctr" defTabSz="466725">
+            <a:lnSpc>
+              <a:spcPct val="90000"/>
+            </a:lnSpc>
+            <a:spcBef>
+              <a:spcPct val="0"/>
+            </a:spcBef>
+            <a:spcAft>
+              <a:spcPct val="35000"/>
+            </a:spcAft>
+            <a:buNone/>
+          </a:pPr>
+          <a:r>
+            <a:rPr lang="en-US" sz="1050" kern="1200" dirty="0"/>
+            <a:t>Module</a:t>
+          </a:r>
+          <a:r>
+            <a:rPr lang="zh-CN" sz="1050" kern="1200" dirty="0"/>
+            <a:t>就更简单了，就是对于纯数据的处理，比如增删改查，与后台</a:t>
+          </a:r>
+          <a:r>
+            <a:rPr lang="en-US" sz="1050" kern="1200" dirty="0"/>
+            <a:t>CGI</a:t>
+          </a:r>
+          <a:r>
+            <a:rPr lang="zh-CN" sz="1050" kern="1200" dirty="0"/>
+            <a:t>做交互</a:t>
+          </a:r>
+        </a:p>
+      </dsp:txBody>
+      <dsp:txXfrm>
+        <a:off x="968585" y="1835330"/>
+        <a:ext cx="2848810" cy="649618"/>
+      </dsp:txXfrm>
+    </dsp:sp>
+  </dsp:spTree>
+</dsp:drawing>
+</file>
+
+<file path=ppt/diagrams/drawing2.xml><?xml version="1.0" encoding="utf-8"?>
 <dsp:drawing xmlns:dgm="http://schemas.openxmlformats.org/drawingml/2006/diagram" xmlns:dsp="http://schemas.microsoft.com/office/drawing/2008/diagram" xmlns:a="http://schemas.openxmlformats.org/drawingml/2006/main">
   <dsp:spTree>
     <dsp:nvGrpSpPr>
@@ -1983,7 +3290,7 @@
         </a:bodyPr>
         <a:lstStyle/>
         <a:p>
-          <a:pPr lvl="0" algn="l" defTabSz="1244600">
+          <a:pPr marL="0" lvl="0" indent="0" algn="l" defTabSz="1244600">
             <a:lnSpc>
               <a:spcPct val="90000"/>
             </a:lnSpc>
@@ -1993,13 +3300,21 @@
             <a:spcAft>
               <a:spcPct val="35000"/>
             </a:spcAft>
+            <a:buNone/>
           </a:pPr>
           <a:r>
-            <a:rPr lang="zh-CN" sz="2800" kern="1200">
+            <a:rPr lang="zh-CN" altLang="en-US" sz="2800" kern="1200">
               <a:latin typeface="微软雅黑" pitchFamily="34" charset="-122"/>
               <a:ea typeface="微软雅黑" pitchFamily="34" charset="-122"/>
             </a:rPr>
-            <a:t>组 A</a:t>
+            <a:t>组 </a:t>
+          </a:r>
+          <a:r>
+            <a:rPr lang="en-US" altLang="zh-CN" sz="2800" kern="1200">
+              <a:latin typeface="微软雅黑" pitchFamily="34" charset="-122"/>
+              <a:ea typeface="微软雅黑" pitchFamily="34" charset="-122"/>
+            </a:rPr>
+            <a:t>A</a:t>
           </a:r>
         </a:p>
       </dsp:txBody>
@@ -2055,14 +3370,21 @@
             <a:spcAft>
               <a:spcPct val="20000"/>
             </a:spcAft>
-            <a:buChar char="••"/>
+            <a:buChar char="•"/>
           </a:pPr>
           <a:r>
-            <a:rPr lang="zh-CN" sz="2200" kern="1200">
+            <a:rPr lang="zh-CN" altLang="en-US" sz="2200" kern="1200">
               <a:latin typeface="微软雅黑" pitchFamily="34" charset="-122"/>
               <a:ea typeface="微软雅黑" pitchFamily="34" charset="-122"/>
             </a:rPr>
-            <a:t>步骤 1</a:t>
+            <a:t>步骤 </a:t>
+          </a:r>
+          <a:r>
+            <a:rPr lang="en-US" altLang="zh-CN" sz="2200" kern="1200">
+              <a:latin typeface="微软雅黑" pitchFamily="34" charset="-122"/>
+              <a:ea typeface="微软雅黑" pitchFamily="34" charset="-122"/>
+            </a:rPr>
+            <a:t>1</a:t>
           </a:r>
         </a:p>
         <a:p>
@@ -2076,14 +3398,21 @@
             <a:spcAft>
               <a:spcPct val="20000"/>
             </a:spcAft>
-            <a:buChar char="••"/>
+            <a:buChar char="•"/>
           </a:pPr>
           <a:r>
-            <a:rPr lang="zh-CN" sz="2200" kern="1200" dirty="0">
+            <a:rPr lang="zh-CN" altLang="en-US" sz="2200" kern="1200" dirty="0">
               <a:latin typeface="微软雅黑" pitchFamily="34" charset="-122"/>
               <a:ea typeface="微软雅黑" pitchFamily="34" charset="-122"/>
             </a:rPr>
-            <a:t>步骤 2</a:t>
+            <a:t>步骤 </a:t>
+          </a:r>
+          <a:r>
+            <a:rPr lang="en-US" altLang="zh-CN" sz="2200" kern="1200" dirty="0">
+              <a:latin typeface="微软雅黑" pitchFamily="34" charset="-122"/>
+              <a:ea typeface="微软雅黑" pitchFamily="34" charset="-122"/>
+            </a:rPr>
+            <a:t>2</a:t>
           </a:r>
         </a:p>
       </dsp:txBody>
@@ -2145,7 +3474,7 @@
         </a:bodyPr>
         <a:lstStyle/>
         <a:p>
-          <a:pPr lvl="0" algn="l" defTabSz="1244600">
+          <a:pPr marL="0" lvl="0" indent="0" algn="l" defTabSz="1244600">
             <a:lnSpc>
               <a:spcPct val="90000"/>
             </a:lnSpc>
@@ -2155,13 +3484,21 @@
             <a:spcAft>
               <a:spcPct val="35000"/>
             </a:spcAft>
+            <a:buNone/>
           </a:pPr>
           <a:r>
-            <a:rPr lang="zh-CN" sz="2800" kern="1200">
+            <a:rPr lang="zh-CN" altLang="en-US" sz="2800" kern="1200">
               <a:latin typeface="微软雅黑" pitchFamily="34" charset="-122"/>
               <a:ea typeface="微软雅黑" pitchFamily="34" charset="-122"/>
             </a:rPr>
-            <a:t>组 B</a:t>
+            <a:t>组 </a:t>
+          </a:r>
+          <a:r>
+            <a:rPr lang="en-US" altLang="zh-CN" sz="2800" kern="1200">
+              <a:latin typeface="微软雅黑" pitchFamily="34" charset="-122"/>
+              <a:ea typeface="微软雅黑" pitchFamily="34" charset="-122"/>
+            </a:rPr>
+            <a:t>B</a:t>
           </a:r>
         </a:p>
       </dsp:txBody>
@@ -2217,14 +3554,21 @@
             <a:spcAft>
               <a:spcPct val="20000"/>
             </a:spcAft>
-            <a:buChar char="••"/>
+            <a:buChar char="•"/>
           </a:pPr>
           <a:r>
-            <a:rPr lang="zh-CN" sz="2200" kern="1200" dirty="0">
+            <a:rPr lang="zh-CN" altLang="en-US" sz="2200" kern="1200" dirty="0">
               <a:latin typeface="微软雅黑" pitchFamily="34" charset="-122"/>
               <a:ea typeface="微软雅黑" pitchFamily="34" charset="-122"/>
             </a:rPr>
-            <a:t>步骤 3</a:t>
+            <a:t>步骤 </a:t>
+          </a:r>
+          <a:r>
+            <a:rPr lang="en-US" altLang="zh-CN" sz="2200" kern="1200" dirty="0">
+              <a:latin typeface="微软雅黑" pitchFamily="34" charset="-122"/>
+              <a:ea typeface="微软雅黑" pitchFamily="34" charset="-122"/>
+            </a:rPr>
+            <a:t>3</a:t>
           </a:r>
         </a:p>
         <a:p>
@@ -2238,14 +3582,21 @@
             <a:spcAft>
               <a:spcPct val="20000"/>
             </a:spcAft>
-            <a:buChar char="••"/>
+            <a:buChar char="•"/>
           </a:pPr>
           <a:r>
-            <a:rPr lang="zh-CN" sz="2200" kern="1200">
+            <a:rPr lang="zh-CN" altLang="en-US" sz="2200" kern="1200">
               <a:latin typeface="微软雅黑" pitchFamily="34" charset="-122"/>
               <a:ea typeface="微软雅黑" pitchFamily="34" charset="-122"/>
             </a:rPr>
-            <a:t>步骤 4</a:t>
+            <a:t>步骤 </a:t>
+          </a:r>
+          <a:r>
+            <a:rPr lang="en-US" altLang="zh-CN" sz="2200" kern="1200">
+              <a:latin typeface="微软雅黑" pitchFamily="34" charset="-122"/>
+              <a:ea typeface="微软雅黑" pitchFamily="34" charset="-122"/>
+            </a:rPr>
+            <a:t>4</a:t>
           </a:r>
         </a:p>
       </dsp:txBody>
@@ -2307,7 +3658,7 @@
         </a:bodyPr>
         <a:lstStyle/>
         <a:p>
-          <a:pPr lvl="0" algn="l" defTabSz="1244600">
+          <a:pPr marL="0" lvl="0" indent="0" algn="l" defTabSz="1244600">
             <a:lnSpc>
               <a:spcPct val="90000"/>
             </a:lnSpc>
@@ -2317,13 +3668,21 @@
             <a:spcAft>
               <a:spcPct val="35000"/>
             </a:spcAft>
+            <a:buNone/>
           </a:pPr>
           <a:r>
-            <a:rPr lang="zh-CN" sz="2800" kern="1200">
+            <a:rPr lang="zh-CN" altLang="en-US" sz="2800" kern="1200">
               <a:latin typeface="微软雅黑" pitchFamily="34" charset="-122"/>
               <a:ea typeface="微软雅黑" pitchFamily="34" charset="-122"/>
             </a:rPr>
-            <a:t>组 C</a:t>
+            <a:t>组 </a:t>
+          </a:r>
+          <a:r>
+            <a:rPr lang="en-US" altLang="zh-CN" sz="2800" kern="1200">
+              <a:latin typeface="微软雅黑" pitchFamily="34" charset="-122"/>
+              <a:ea typeface="微软雅黑" pitchFamily="34" charset="-122"/>
+            </a:rPr>
+            <a:t>C</a:t>
           </a:r>
         </a:p>
       </dsp:txBody>
@@ -2379,14 +3738,21 @@
             <a:spcAft>
               <a:spcPct val="20000"/>
             </a:spcAft>
-            <a:buChar char="••"/>
+            <a:buChar char="•"/>
           </a:pPr>
           <a:r>
-            <a:rPr lang="zh-CN" sz="2200" kern="1200" dirty="0">
+            <a:rPr lang="zh-CN" altLang="en-US" sz="2200" kern="1200" dirty="0">
               <a:latin typeface="微软雅黑" pitchFamily="34" charset="-122"/>
               <a:ea typeface="微软雅黑" pitchFamily="34" charset="-122"/>
             </a:rPr>
-            <a:t>步骤 5</a:t>
+            <a:t>步骤 </a:t>
+          </a:r>
+          <a:r>
+            <a:rPr lang="en-US" altLang="zh-CN" sz="2200" kern="1200" dirty="0">
+              <a:latin typeface="微软雅黑" pitchFamily="34" charset="-122"/>
+              <a:ea typeface="微软雅黑" pitchFamily="34" charset="-122"/>
+            </a:rPr>
+            <a:t>5</a:t>
           </a:r>
         </a:p>
       </dsp:txBody>
@@ -2400,6 +3766,239 @@
 </file>
 
 <file path=ppt/diagrams/layout1.xml><?xml version="1.0" encoding="utf-8"?>
+<dgm:layoutDef xmlns:dgm="http://schemas.openxmlformats.org/drawingml/2006/diagram" xmlns:a="http://schemas.openxmlformats.org/drawingml/2006/main" uniqueId="urn:microsoft.com/office/officeart/2005/8/layout/vList5">
+  <dgm:title val=""/>
+  <dgm:desc val=""/>
+  <dgm:catLst>
+    <dgm:cat type="list" pri="15000"/>
+    <dgm:cat type="convert" pri="2000"/>
+  </dgm:catLst>
+  <dgm:sampData>
+    <dgm:dataModel>
+      <dgm:ptLst>
+        <dgm:pt modelId="0" type="doc"/>
+        <dgm:pt modelId="1">
+          <dgm:prSet phldr="1"/>
+        </dgm:pt>
+        <dgm:pt modelId="11">
+          <dgm:prSet phldr="1"/>
+        </dgm:pt>
+        <dgm:pt modelId="12">
+          <dgm:prSet phldr="1"/>
+        </dgm:pt>
+        <dgm:pt modelId="2">
+          <dgm:prSet phldr="1"/>
+        </dgm:pt>
+        <dgm:pt modelId="21">
+          <dgm:prSet phldr="1"/>
+        </dgm:pt>
+        <dgm:pt modelId="22">
+          <dgm:prSet phldr="1"/>
+        </dgm:pt>
+        <dgm:pt modelId="3">
+          <dgm:prSet phldr="1"/>
+        </dgm:pt>
+        <dgm:pt modelId="31">
+          <dgm:prSet phldr="1"/>
+        </dgm:pt>
+        <dgm:pt modelId="32">
+          <dgm:prSet phldr="1"/>
+        </dgm:pt>
+      </dgm:ptLst>
+      <dgm:cxnLst>
+        <dgm:cxn modelId="4" srcId="0" destId="1" srcOrd="0" destOrd="0"/>
+        <dgm:cxn modelId="5" srcId="0" destId="2" srcOrd="1" destOrd="0"/>
+        <dgm:cxn modelId="6" srcId="0" destId="3" srcOrd="2" destOrd="0"/>
+        <dgm:cxn modelId="13" srcId="1" destId="11" srcOrd="0" destOrd="0"/>
+        <dgm:cxn modelId="14" srcId="1" destId="12" srcOrd="1" destOrd="0"/>
+        <dgm:cxn modelId="23" srcId="2" destId="21" srcOrd="0" destOrd="0"/>
+        <dgm:cxn modelId="24" srcId="2" destId="22" srcOrd="1" destOrd="0"/>
+        <dgm:cxn modelId="33" srcId="3" destId="31" srcOrd="0" destOrd="0"/>
+        <dgm:cxn modelId="34" srcId="3" destId="32" srcOrd="1" destOrd="0"/>
+      </dgm:cxnLst>
+      <dgm:bg/>
+      <dgm:whole/>
+    </dgm:dataModel>
+  </dgm:sampData>
+  <dgm:styleData>
+    <dgm:dataModel>
+      <dgm:ptLst>
+        <dgm:pt modelId="0" type="doc"/>
+        <dgm:pt modelId="1"/>
+        <dgm:pt modelId="11"/>
+        <dgm:pt modelId="2"/>
+        <dgm:pt modelId="21"/>
+      </dgm:ptLst>
+      <dgm:cxnLst>
+        <dgm:cxn modelId="4" srcId="0" destId="1" srcOrd="0" destOrd="0"/>
+        <dgm:cxn modelId="5" srcId="0" destId="2" srcOrd="1" destOrd="0"/>
+        <dgm:cxn modelId="13" srcId="1" destId="11" srcOrd="0" destOrd="0"/>
+        <dgm:cxn modelId="23" srcId="2" destId="21" srcOrd="0" destOrd="0"/>
+      </dgm:cxnLst>
+      <dgm:bg/>
+      <dgm:whole/>
+    </dgm:dataModel>
+  </dgm:styleData>
+  <dgm:clrData>
+    <dgm:dataModel>
+      <dgm:ptLst>
+        <dgm:pt modelId="0" type="doc"/>
+        <dgm:pt modelId="1"/>
+        <dgm:pt modelId="11"/>
+        <dgm:pt modelId="2"/>
+        <dgm:pt modelId="21"/>
+        <dgm:pt modelId="3"/>
+        <dgm:pt modelId="31"/>
+        <dgm:pt modelId="4"/>
+        <dgm:pt modelId="41"/>
+      </dgm:ptLst>
+      <dgm:cxnLst>
+        <dgm:cxn modelId="5" srcId="0" destId="1" srcOrd="0" destOrd="0"/>
+        <dgm:cxn modelId="6" srcId="0" destId="2" srcOrd="1" destOrd="0"/>
+        <dgm:cxn modelId="7" srcId="0" destId="3" srcOrd="2" destOrd="0"/>
+        <dgm:cxn modelId="8" srcId="0" destId="4" srcOrd="3" destOrd="0"/>
+        <dgm:cxn modelId="13" srcId="1" destId="11" srcOrd="0" destOrd="0"/>
+        <dgm:cxn modelId="23" srcId="2" destId="21" srcOrd="0" destOrd="0"/>
+        <dgm:cxn modelId="33" srcId="3" destId="31" srcOrd="0" destOrd="0"/>
+        <dgm:cxn modelId="43" srcId="4" destId="41" srcOrd="0" destOrd="0"/>
+      </dgm:cxnLst>
+      <dgm:bg/>
+      <dgm:whole/>
+    </dgm:dataModel>
+  </dgm:clrData>
+  <dgm:layoutNode name="Name0">
+    <dgm:varLst>
+      <dgm:dir/>
+      <dgm:animLvl val="lvl"/>
+      <dgm:resizeHandles val="exact"/>
+    </dgm:varLst>
+    <dgm:choose name="Name1">
+      <dgm:if name="Name2" func="var" arg="dir" op="equ" val="norm">
+        <dgm:alg type="lin">
+          <dgm:param type="linDir" val="fromT"/>
+          <dgm:param type="nodeHorzAlign" val="l"/>
+        </dgm:alg>
+      </dgm:if>
+      <dgm:else name="Name3">
+        <dgm:alg type="lin">
+          <dgm:param type="linDir" val="fromT"/>
+          <dgm:param type="nodeHorzAlign" val="r"/>
+        </dgm:alg>
+      </dgm:else>
+    </dgm:choose>
+    <dgm:shape xmlns:r="http://schemas.openxmlformats.org/officeDocument/2006/relationships" r:blip="">
+      <dgm:adjLst/>
+    </dgm:shape>
+    <dgm:presOf/>
+    <dgm:constrLst>
+      <dgm:constr type="h" for="ch" forName="linNode" refType="h"/>
+      <dgm:constr type="w" for="ch" forName="linNode" refType="w"/>
+      <dgm:constr type="h" for="ch" forName="sp" refType="h" fact="0.05"/>
+      <dgm:constr type="primFontSz" for="des" forName="parentText" op="equ" val="65"/>
+      <dgm:constr type="secFontSz" for="des" forName="descendantText" op="equ"/>
+    </dgm:constrLst>
+    <dgm:ruleLst/>
+    <dgm:forEach name="Name4" axis="ch" ptType="node">
+      <dgm:layoutNode name="linNode">
+        <dgm:choose name="Name5">
+          <dgm:if name="Name6" func="var" arg="dir" op="equ" val="norm">
+            <dgm:alg type="lin">
+              <dgm:param type="linDir" val="fromL"/>
+            </dgm:alg>
+          </dgm:if>
+          <dgm:else name="Name7">
+            <dgm:alg type="lin">
+              <dgm:param type="linDir" val="fromR"/>
+            </dgm:alg>
+          </dgm:else>
+        </dgm:choose>
+        <dgm:shape xmlns:r="http://schemas.openxmlformats.org/officeDocument/2006/relationships" r:blip="">
+          <dgm:adjLst/>
+        </dgm:shape>
+        <dgm:presOf/>
+        <dgm:constrLst>
+          <dgm:constr type="w" for="ch" forName="parentText" refType="w" fact="0.36"/>
+          <dgm:constr type="w" for="ch" forName="descendantText" refType="w" fact="0.64"/>
+          <dgm:constr type="h" for="ch" forName="parentText" refType="h"/>
+          <dgm:constr type="h" for="ch" forName="descendantText" refType="h" refFor="ch" refForName="parentText" fact="0.8"/>
+        </dgm:constrLst>
+        <dgm:ruleLst/>
+        <dgm:layoutNode name="parentText">
+          <dgm:varLst>
+            <dgm:chMax val="1"/>
+            <dgm:bulletEnabled val="1"/>
+          </dgm:varLst>
+          <dgm:alg type="tx"/>
+          <dgm:shape xmlns:r="http://schemas.openxmlformats.org/officeDocument/2006/relationships" type="roundRect" r:blip="" zOrderOff="3">
+            <dgm:adjLst/>
+          </dgm:shape>
+          <dgm:presOf axis="self" ptType="node"/>
+          <dgm:constrLst>
+            <dgm:constr type="tMarg" refType="primFontSz" fact="0.15"/>
+            <dgm:constr type="bMarg" refType="primFontSz" fact="0.15"/>
+            <dgm:constr type="lMarg" refType="primFontSz" fact="0.3"/>
+            <dgm:constr type="rMarg" refType="primFontSz" fact="0.3"/>
+          </dgm:constrLst>
+          <dgm:ruleLst>
+            <dgm:rule type="primFontSz" val="5" fact="NaN" max="NaN"/>
+          </dgm:ruleLst>
+        </dgm:layoutNode>
+        <dgm:choose name="Name8">
+          <dgm:if name="Name9" axis="ch" ptType="node" func="cnt" op="gte" val="1">
+            <dgm:layoutNode name="descendantText" styleLbl="alignAccFollowNode1">
+              <dgm:varLst>
+                <dgm:bulletEnabled val="1"/>
+              </dgm:varLst>
+              <dgm:alg type="tx">
+                <dgm:param type="stBulletLvl" val="1"/>
+                <dgm:param type="txAnchorVertCh" val="mid"/>
+              </dgm:alg>
+              <dgm:choose name="Name10">
+                <dgm:if name="Name11" func="var" arg="dir" op="equ" val="norm">
+                  <dgm:shape xmlns:r="http://schemas.openxmlformats.org/officeDocument/2006/relationships" rot="90" type="round2SameRect" r:blip="">
+                    <dgm:adjLst/>
+                  </dgm:shape>
+                </dgm:if>
+                <dgm:else name="Name12">
+                  <dgm:shape xmlns:r="http://schemas.openxmlformats.org/officeDocument/2006/relationships" rot="-90" type="round2SameRect" r:blip="">
+                    <dgm:adjLst/>
+                  </dgm:shape>
+                </dgm:else>
+              </dgm:choose>
+              <dgm:presOf axis="des" ptType="node"/>
+              <dgm:constrLst>
+                <dgm:constr type="secFontSz" val="65"/>
+                <dgm:constr type="primFontSz" refType="secFontSz"/>
+                <dgm:constr type="lMarg" refType="secFontSz" fact="0.3"/>
+                <dgm:constr type="rMarg" refType="secFontSz" fact="0.3"/>
+                <dgm:constr type="tMarg" refType="secFontSz" fact="0.15"/>
+                <dgm:constr type="bMarg" refType="secFontSz" fact="0.15"/>
+              </dgm:constrLst>
+              <dgm:ruleLst>
+                <dgm:rule type="secFontSz" val="5" fact="NaN" max="NaN"/>
+              </dgm:ruleLst>
+            </dgm:layoutNode>
+          </dgm:if>
+          <dgm:else name="Name13"/>
+        </dgm:choose>
+      </dgm:layoutNode>
+      <dgm:forEach name="Name14" axis="followSib" ptType="sibTrans" cnt="1">
+        <dgm:layoutNode name="sp">
+          <dgm:alg type="sp"/>
+          <dgm:shape xmlns:r="http://schemas.openxmlformats.org/officeDocument/2006/relationships" r:blip="">
+            <dgm:adjLst/>
+          </dgm:shape>
+          <dgm:presOf/>
+          <dgm:constrLst/>
+          <dgm:ruleLst/>
+        </dgm:layoutNode>
+      </dgm:forEach>
+    </dgm:forEach>
+  </dgm:layoutNode>
+</dgm:layoutDef>
+</file>
+
+<file path=ppt/diagrams/layout2.xml><?xml version="1.0" encoding="utf-8"?>
 <dgm:layoutDef xmlns:dgm="http://schemas.openxmlformats.org/drawingml/2006/diagram" xmlns:a="http://schemas.openxmlformats.org/drawingml/2006/main" uniqueId="urn:microsoft.com/office/officeart/2005/8/layout/vList2">
   <dgm:title val=""/>
   <dgm:desc val=""/>
@@ -2567,6 +4166,1040 @@
 </file>
 
 <file path=ppt/diagrams/quickStyle1.xml><?xml version="1.0" encoding="utf-8"?>
+<dgm:styleDef xmlns:dgm="http://schemas.openxmlformats.org/drawingml/2006/diagram" xmlns:a="http://schemas.openxmlformats.org/drawingml/2006/main" uniqueId="urn:microsoft.com/office/officeart/2005/8/quickstyle/simple1">
+  <dgm:title val=""/>
+  <dgm:desc val=""/>
+  <dgm:catLst>
+    <dgm:cat type="simple" pri="10100"/>
+  </dgm:catLst>
+  <dgm:scene3d>
+    <a:camera prst="orthographicFront"/>
+    <a:lightRig rig="threePt" dir="t"/>
+  </dgm:scene3d>
+  <dgm:styleLbl name="node0">
+    <dgm:scene3d>
+      <a:camera prst="orthographicFront"/>
+      <a:lightRig rig="threePt" dir="t"/>
+    </dgm:scene3d>
+    <dgm:sp3d/>
+    <dgm:txPr/>
+    <dgm:style>
+      <a:lnRef idx="2">
+        <a:scrgbClr r="0" g="0" b="0"/>
+      </a:lnRef>
+      <a:fillRef idx="1">
+        <a:scrgbClr r="0" g="0" b="0"/>
+      </a:fillRef>
+      <a:effectRef idx="0">
+        <a:scrgbClr r="0" g="0" b="0"/>
+      </a:effectRef>
+      <a:fontRef idx="minor">
+        <a:schemeClr val="lt1"/>
+      </a:fontRef>
+    </dgm:style>
+  </dgm:styleLbl>
+  <dgm:styleLbl name="lnNode1">
+    <dgm:scene3d>
+      <a:camera prst="orthographicFront"/>
+      <a:lightRig rig="threePt" dir="t"/>
+    </dgm:scene3d>
+    <dgm:sp3d/>
+    <dgm:txPr/>
+    <dgm:style>
+      <a:lnRef idx="2">
+        <a:scrgbClr r="0" g="0" b="0"/>
+      </a:lnRef>
+      <a:fillRef idx="1">
+        <a:scrgbClr r="0" g="0" b="0"/>
+      </a:fillRef>
+      <a:effectRef idx="0">
+        <a:scrgbClr r="0" g="0" b="0"/>
+      </a:effectRef>
+      <a:fontRef idx="minor">
+        <a:schemeClr val="lt1"/>
+      </a:fontRef>
+    </dgm:style>
+  </dgm:styleLbl>
+  <dgm:styleLbl name="vennNode1">
+    <dgm:scene3d>
+      <a:camera prst="orthographicFront"/>
+      <a:lightRig rig="threePt" dir="t"/>
+    </dgm:scene3d>
+    <dgm:sp3d/>
+    <dgm:txPr/>
+    <dgm:style>
+      <a:lnRef idx="2">
+        <a:scrgbClr r="0" g="0" b="0"/>
+      </a:lnRef>
+      <a:fillRef idx="1">
+        <a:scrgbClr r="0" g="0" b="0"/>
+      </a:fillRef>
+      <a:effectRef idx="0">
+        <a:scrgbClr r="0" g="0" b="0"/>
+      </a:effectRef>
+      <a:fontRef idx="minor">
+        <a:schemeClr val="tx1"/>
+      </a:fontRef>
+    </dgm:style>
+  </dgm:styleLbl>
+  <dgm:styleLbl name="alignNode1">
+    <dgm:scene3d>
+      <a:camera prst="orthographicFront"/>
+      <a:lightRig rig="threePt" dir="t"/>
+    </dgm:scene3d>
+    <dgm:sp3d/>
+    <dgm:txPr/>
+    <dgm:style>
+      <a:lnRef idx="2">
+        <a:scrgbClr r="0" g="0" b="0"/>
+      </a:lnRef>
+      <a:fillRef idx="1">
+        <a:scrgbClr r="0" g="0" b="0"/>
+      </a:fillRef>
+      <a:effectRef idx="0">
+        <a:scrgbClr r="0" g="0" b="0"/>
+      </a:effectRef>
+      <a:fontRef idx="minor">
+        <a:schemeClr val="lt1"/>
+      </a:fontRef>
+    </dgm:style>
+  </dgm:styleLbl>
+  <dgm:styleLbl name="node1">
+    <dgm:scene3d>
+      <a:camera prst="orthographicFront"/>
+      <a:lightRig rig="threePt" dir="t"/>
+    </dgm:scene3d>
+    <dgm:sp3d/>
+    <dgm:txPr/>
+    <dgm:style>
+      <a:lnRef idx="2">
+        <a:scrgbClr r="0" g="0" b="0"/>
+      </a:lnRef>
+      <a:fillRef idx="1">
+        <a:scrgbClr r="0" g="0" b="0"/>
+      </a:fillRef>
+      <a:effectRef idx="0">
+        <a:scrgbClr r="0" g="0" b="0"/>
+      </a:effectRef>
+      <a:fontRef idx="minor">
+        <a:schemeClr val="lt1"/>
+      </a:fontRef>
+    </dgm:style>
+  </dgm:styleLbl>
+  <dgm:styleLbl name="node2">
+    <dgm:scene3d>
+      <a:camera prst="orthographicFront"/>
+      <a:lightRig rig="threePt" dir="t"/>
+    </dgm:scene3d>
+    <dgm:sp3d/>
+    <dgm:txPr/>
+    <dgm:style>
+      <a:lnRef idx="2">
+        <a:scrgbClr r="0" g="0" b="0"/>
+      </a:lnRef>
+      <a:fillRef idx="1">
+        <a:scrgbClr r="0" g="0" b="0"/>
+      </a:fillRef>
+      <a:effectRef idx="0">
+        <a:scrgbClr r="0" g="0" b="0"/>
+      </a:effectRef>
+      <a:fontRef idx="minor">
+        <a:schemeClr val="lt1"/>
+      </a:fontRef>
+    </dgm:style>
+  </dgm:styleLbl>
+  <dgm:styleLbl name="node3">
+    <dgm:scene3d>
+      <a:camera prst="orthographicFront"/>
+      <a:lightRig rig="threePt" dir="t"/>
+    </dgm:scene3d>
+    <dgm:sp3d/>
+    <dgm:txPr/>
+    <dgm:style>
+      <a:lnRef idx="2">
+        <a:scrgbClr r="0" g="0" b="0"/>
+      </a:lnRef>
+      <a:fillRef idx="1">
+        <a:scrgbClr r="0" g="0" b="0"/>
+      </a:fillRef>
+      <a:effectRef idx="0">
+        <a:scrgbClr r="0" g="0" b="0"/>
+      </a:effectRef>
+      <a:fontRef idx="minor">
+        <a:schemeClr val="lt1"/>
+      </a:fontRef>
+    </dgm:style>
+  </dgm:styleLbl>
+  <dgm:styleLbl name="node4">
+    <dgm:scene3d>
+      <a:camera prst="orthographicFront"/>
+      <a:lightRig rig="threePt" dir="t"/>
+    </dgm:scene3d>
+    <dgm:sp3d/>
+    <dgm:txPr/>
+    <dgm:style>
+      <a:lnRef idx="2">
+        <a:scrgbClr r="0" g="0" b="0"/>
+      </a:lnRef>
+      <a:fillRef idx="1">
+        <a:scrgbClr r="0" g="0" b="0"/>
+      </a:fillRef>
+      <a:effectRef idx="0">
+        <a:scrgbClr r="0" g="0" b="0"/>
+      </a:effectRef>
+      <a:fontRef idx="minor">
+        <a:schemeClr val="lt1"/>
+      </a:fontRef>
+    </dgm:style>
+  </dgm:styleLbl>
+  <dgm:styleLbl name="fgImgPlace1">
+    <dgm:scene3d>
+      <a:camera prst="orthographicFront"/>
+      <a:lightRig rig="threePt" dir="t"/>
+    </dgm:scene3d>
+    <dgm:sp3d/>
+    <dgm:txPr/>
+    <dgm:style>
+      <a:lnRef idx="2">
+        <a:scrgbClr r="0" g="0" b="0"/>
+      </a:lnRef>
+      <a:fillRef idx="1">
+        <a:scrgbClr r="0" g="0" b="0"/>
+      </a:fillRef>
+      <a:effectRef idx="0">
+        <a:scrgbClr r="0" g="0" b="0"/>
+      </a:effectRef>
+      <a:fontRef idx="minor"/>
+    </dgm:style>
+  </dgm:styleLbl>
+  <dgm:styleLbl name="alignImgPlace1">
+    <dgm:scene3d>
+      <a:camera prst="orthographicFront"/>
+      <a:lightRig rig="threePt" dir="t"/>
+    </dgm:scene3d>
+    <dgm:sp3d/>
+    <dgm:txPr/>
+    <dgm:style>
+      <a:lnRef idx="2">
+        <a:scrgbClr r="0" g="0" b="0"/>
+      </a:lnRef>
+      <a:fillRef idx="1">
+        <a:scrgbClr r="0" g="0" b="0"/>
+      </a:fillRef>
+      <a:effectRef idx="0">
+        <a:scrgbClr r="0" g="0" b="0"/>
+      </a:effectRef>
+      <a:fontRef idx="minor"/>
+    </dgm:style>
+  </dgm:styleLbl>
+  <dgm:styleLbl name="bgImgPlace1">
+    <dgm:scene3d>
+      <a:camera prst="orthographicFront"/>
+      <a:lightRig rig="threePt" dir="t"/>
+    </dgm:scene3d>
+    <dgm:sp3d/>
+    <dgm:txPr/>
+    <dgm:style>
+      <a:lnRef idx="2">
+        <a:scrgbClr r="0" g="0" b="0"/>
+      </a:lnRef>
+      <a:fillRef idx="1">
+        <a:scrgbClr r="0" g="0" b="0"/>
+      </a:fillRef>
+      <a:effectRef idx="0">
+        <a:scrgbClr r="0" g="0" b="0"/>
+      </a:effectRef>
+      <a:fontRef idx="minor"/>
+    </dgm:style>
+  </dgm:styleLbl>
+  <dgm:styleLbl name="sibTrans2D1">
+    <dgm:scene3d>
+      <a:camera prst="orthographicFront"/>
+      <a:lightRig rig="threePt" dir="t"/>
+    </dgm:scene3d>
+    <dgm:sp3d/>
+    <dgm:txPr/>
+    <dgm:style>
+      <a:lnRef idx="0">
+        <a:scrgbClr r="0" g="0" b="0"/>
+      </a:lnRef>
+      <a:fillRef idx="1">
+        <a:scrgbClr r="0" g="0" b="0"/>
+      </a:fillRef>
+      <a:effectRef idx="0">
+        <a:scrgbClr r="0" g="0" b="0"/>
+      </a:effectRef>
+      <a:fontRef idx="minor">
+        <a:schemeClr val="lt1"/>
+      </a:fontRef>
+    </dgm:style>
+  </dgm:styleLbl>
+  <dgm:styleLbl name="fgSibTrans2D1">
+    <dgm:scene3d>
+      <a:camera prst="orthographicFront"/>
+      <a:lightRig rig="threePt" dir="t"/>
+    </dgm:scene3d>
+    <dgm:sp3d/>
+    <dgm:txPr/>
+    <dgm:style>
+      <a:lnRef idx="0">
+        <a:scrgbClr r="0" g="0" b="0"/>
+      </a:lnRef>
+      <a:fillRef idx="1">
+        <a:scrgbClr r="0" g="0" b="0"/>
+      </a:fillRef>
+      <a:effectRef idx="0">
+        <a:scrgbClr r="0" g="0" b="0"/>
+      </a:effectRef>
+      <a:fontRef idx="minor">
+        <a:schemeClr val="lt1"/>
+      </a:fontRef>
+    </dgm:style>
+  </dgm:styleLbl>
+  <dgm:styleLbl name="bgSibTrans2D1">
+    <dgm:scene3d>
+      <a:camera prst="orthographicFront"/>
+      <a:lightRig rig="threePt" dir="t"/>
+    </dgm:scene3d>
+    <dgm:sp3d/>
+    <dgm:txPr/>
+    <dgm:style>
+      <a:lnRef idx="0">
+        <a:scrgbClr r="0" g="0" b="0"/>
+      </a:lnRef>
+      <a:fillRef idx="1">
+        <a:scrgbClr r="0" g="0" b="0"/>
+      </a:fillRef>
+      <a:effectRef idx="0">
+        <a:scrgbClr r="0" g="0" b="0"/>
+      </a:effectRef>
+      <a:fontRef idx="minor">
+        <a:schemeClr val="lt1"/>
+      </a:fontRef>
+    </dgm:style>
+  </dgm:styleLbl>
+  <dgm:styleLbl name="sibTrans1D1">
+    <dgm:scene3d>
+      <a:camera prst="orthographicFront"/>
+      <a:lightRig rig="threePt" dir="t"/>
+    </dgm:scene3d>
+    <dgm:sp3d/>
+    <dgm:txPr/>
+    <dgm:style>
+      <a:lnRef idx="1">
+        <a:scrgbClr r="0" g="0" b="0"/>
+      </a:lnRef>
+      <a:fillRef idx="0">
+        <a:scrgbClr r="0" g="0" b="0"/>
+      </a:fillRef>
+      <a:effectRef idx="0">
+        <a:scrgbClr r="0" g="0" b="0"/>
+      </a:effectRef>
+      <a:fontRef idx="minor"/>
+    </dgm:style>
+  </dgm:styleLbl>
+  <dgm:styleLbl name="callout">
+    <dgm:scene3d>
+      <a:camera prst="orthographicFront"/>
+      <a:lightRig rig="threePt" dir="t"/>
+    </dgm:scene3d>
+    <dgm:sp3d/>
+    <dgm:txPr/>
+    <dgm:style>
+      <a:lnRef idx="2">
+        <a:scrgbClr r="0" g="0" b="0"/>
+      </a:lnRef>
+      <a:fillRef idx="1">
+        <a:scrgbClr r="0" g="0" b="0"/>
+      </a:fillRef>
+      <a:effectRef idx="0">
+        <a:scrgbClr r="0" g="0" b="0"/>
+      </a:effectRef>
+      <a:fontRef idx="minor"/>
+    </dgm:style>
+  </dgm:styleLbl>
+  <dgm:styleLbl name="asst0">
+    <dgm:scene3d>
+      <a:camera prst="orthographicFront"/>
+      <a:lightRig rig="threePt" dir="t"/>
+    </dgm:scene3d>
+    <dgm:sp3d/>
+    <dgm:txPr/>
+    <dgm:style>
+      <a:lnRef idx="2">
+        <a:scrgbClr r="0" g="0" b="0"/>
+      </a:lnRef>
+      <a:fillRef idx="1">
+        <a:scrgbClr r="0" g="0" b="0"/>
+      </a:fillRef>
+      <a:effectRef idx="0">
+        <a:scrgbClr r="0" g="0" b="0"/>
+      </a:effectRef>
+      <a:fontRef idx="minor">
+        <a:schemeClr val="lt1"/>
+      </a:fontRef>
+    </dgm:style>
+  </dgm:styleLbl>
+  <dgm:styleLbl name="asst1">
+    <dgm:scene3d>
+      <a:camera prst="orthographicFront"/>
+      <a:lightRig rig="threePt" dir="t"/>
+    </dgm:scene3d>
+    <dgm:sp3d/>
+    <dgm:txPr/>
+    <dgm:style>
+      <a:lnRef idx="2">
+        <a:scrgbClr r="0" g="0" b="0"/>
+      </a:lnRef>
+      <a:fillRef idx="1">
+        <a:scrgbClr r="0" g="0" b="0"/>
+      </a:fillRef>
+      <a:effectRef idx="0">
+        <a:scrgbClr r="0" g="0" b="0"/>
+      </a:effectRef>
+      <a:fontRef idx="minor">
+        <a:schemeClr val="lt1"/>
+      </a:fontRef>
+    </dgm:style>
+  </dgm:styleLbl>
+  <dgm:styleLbl name="asst2">
+    <dgm:scene3d>
+      <a:camera prst="orthographicFront"/>
+      <a:lightRig rig="threePt" dir="t"/>
+    </dgm:scene3d>
+    <dgm:sp3d/>
+    <dgm:txPr/>
+    <dgm:style>
+      <a:lnRef idx="2">
+        <a:scrgbClr r="0" g="0" b="0"/>
+      </a:lnRef>
+      <a:fillRef idx="1">
+        <a:scrgbClr r="0" g="0" b="0"/>
+      </a:fillRef>
+      <a:effectRef idx="0">
+        <a:scrgbClr r="0" g="0" b="0"/>
+      </a:effectRef>
+      <a:fontRef idx="minor">
+        <a:schemeClr val="lt1"/>
+      </a:fontRef>
+    </dgm:style>
+  </dgm:styleLbl>
+  <dgm:styleLbl name="asst3">
+    <dgm:scene3d>
+      <a:camera prst="orthographicFront"/>
+      <a:lightRig rig="threePt" dir="t"/>
+    </dgm:scene3d>
+    <dgm:sp3d/>
+    <dgm:txPr/>
+    <dgm:style>
+      <a:lnRef idx="2">
+        <a:scrgbClr r="0" g="0" b="0"/>
+      </a:lnRef>
+      <a:fillRef idx="1">
+        <a:scrgbClr r="0" g="0" b="0"/>
+      </a:fillRef>
+      <a:effectRef idx="0">
+        <a:scrgbClr r="0" g="0" b="0"/>
+      </a:effectRef>
+      <a:fontRef idx="minor">
+        <a:schemeClr val="lt1"/>
+      </a:fontRef>
+    </dgm:style>
+  </dgm:styleLbl>
+  <dgm:styleLbl name="asst4">
+    <dgm:scene3d>
+      <a:camera prst="orthographicFront"/>
+      <a:lightRig rig="threePt" dir="t"/>
+    </dgm:scene3d>
+    <dgm:sp3d/>
+    <dgm:txPr/>
+    <dgm:style>
+      <a:lnRef idx="2">
+        <a:scrgbClr r="0" g="0" b="0"/>
+      </a:lnRef>
+      <a:fillRef idx="1">
+        <a:scrgbClr r="0" g="0" b="0"/>
+      </a:fillRef>
+      <a:effectRef idx="0">
+        <a:scrgbClr r="0" g="0" b="0"/>
+      </a:effectRef>
+      <a:fontRef idx="minor">
+        <a:schemeClr val="lt1"/>
+      </a:fontRef>
+    </dgm:style>
+  </dgm:styleLbl>
+  <dgm:styleLbl name="parChTrans2D1">
+    <dgm:scene3d>
+      <a:camera prst="orthographicFront"/>
+      <a:lightRig rig="threePt" dir="t"/>
+    </dgm:scene3d>
+    <dgm:sp3d/>
+    <dgm:txPr/>
+    <dgm:style>
+      <a:lnRef idx="2">
+        <a:scrgbClr r="0" g="0" b="0"/>
+      </a:lnRef>
+      <a:fillRef idx="1">
+        <a:scrgbClr r="0" g="0" b="0"/>
+      </a:fillRef>
+      <a:effectRef idx="0">
+        <a:scrgbClr r="0" g="0" b="0"/>
+      </a:effectRef>
+      <a:fontRef idx="minor">
+        <a:schemeClr val="lt1"/>
+      </a:fontRef>
+    </dgm:style>
+  </dgm:styleLbl>
+  <dgm:styleLbl name="parChTrans2D2">
+    <dgm:scene3d>
+      <a:camera prst="orthographicFront"/>
+      <a:lightRig rig="threePt" dir="t"/>
+    </dgm:scene3d>
+    <dgm:sp3d/>
+    <dgm:txPr/>
+    <dgm:style>
+      <a:lnRef idx="2">
+        <a:scrgbClr r="0" g="0" b="0"/>
+      </a:lnRef>
+      <a:fillRef idx="1">
+        <a:scrgbClr r="0" g="0" b="0"/>
+      </a:fillRef>
+      <a:effectRef idx="0">
+        <a:scrgbClr r="0" g="0" b="0"/>
+      </a:effectRef>
+      <a:fontRef idx="minor">
+        <a:schemeClr val="lt1"/>
+      </a:fontRef>
+    </dgm:style>
+  </dgm:styleLbl>
+  <dgm:styleLbl name="parChTrans2D3">
+    <dgm:scene3d>
+      <a:camera prst="orthographicFront"/>
+      <a:lightRig rig="threePt" dir="t"/>
+    </dgm:scene3d>
+    <dgm:sp3d/>
+    <dgm:txPr/>
+    <dgm:style>
+      <a:lnRef idx="2">
+        <a:scrgbClr r="0" g="0" b="0"/>
+      </a:lnRef>
+      <a:fillRef idx="1">
+        <a:scrgbClr r="0" g="0" b="0"/>
+      </a:fillRef>
+      <a:effectRef idx="0">
+        <a:scrgbClr r="0" g="0" b="0"/>
+      </a:effectRef>
+      <a:fontRef idx="minor">
+        <a:schemeClr val="lt1"/>
+      </a:fontRef>
+    </dgm:style>
+  </dgm:styleLbl>
+  <dgm:styleLbl name="parChTrans2D4">
+    <dgm:scene3d>
+      <a:camera prst="orthographicFront"/>
+      <a:lightRig rig="threePt" dir="t"/>
+    </dgm:scene3d>
+    <dgm:sp3d/>
+    <dgm:txPr/>
+    <dgm:style>
+      <a:lnRef idx="2">
+        <a:scrgbClr r="0" g="0" b="0"/>
+      </a:lnRef>
+      <a:fillRef idx="1">
+        <a:scrgbClr r="0" g="0" b="0"/>
+      </a:fillRef>
+      <a:effectRef idx="0">
+        <a:scrgbClr r="0" g="0" b="0"/>
+      </a:effectRef>
+      <a:fontRef idx="minor">
+        <a:schemeClr val="lt1"/>
+      </a:fontRef>
+    </dgm:style>
+  </dgm:styleLbl>
+  <dgm:styleLbl name="parChTrans1D1">
+    <dgm:scene3d>
+      <a:camera prst="orthographicFront"/>
+      <a:lightRig rig="threePt" dir="t"/>
+    </dgm:scene3d>
+    <dgm:sp3d/>
+    <dgm:txPr/>
+    <dgm:style>
+      <a:lnRef idx="2">
+        <a:scrgbClr r="0" g="0" b="0"/>
+      </a:lnRef>
+      <a:fillRef idx="0">
+        <a:scrgbClr r="0" g="0" b="0"/>
+      </a:fillRef>
+      <a:effectRef idx="0">
+        <a:scrgbClr r="0" g="0" b="0"/>
+      </a:effectRef>
+      <a:fontRef idx="minor"/>
+    </dgm:style>
+  </dgm:styleLbl>
+  <dgm:styleLbl name="parChTrans1D2">
+    <dgm:scene3d>
+      <a:camera prst="orthographicFront"/>
+      <a:lightRig rig="threePt" dir="t"/>
+    </dgm:scene3d>
+    <dgm:sp3d/>
+    <dgm:txPr/>
+    <dgm:style>
+      <a:lnRef idx="2">
+        <a:scrgbClr r="0" g="0" b="0"/>
+      </a:lnRef>
+      <a:fillRef idx="0">
+        <a:scrgbClr r="0" g="0" b="0"/>
+      </a:fillRef>
+      <a:effectRef idx="0">
+        <a:scrgbClr r="0" g="0" b="0"/>
+      </a:effectRef>
+      <a:fontRef idx="minor"/>
+    </dgm:style>
+  </dgm:styleLbl>
+  <dgm:styleLbl name="parChTrans1D3">
+    <dgm:scene3d>
+      <a:camera prst="orthographicFront"/>
+      <a:lightRig rig="threePt" dir="t"/>
+    </dgm:scene3d>
+    <dgm:sp3d/>
+    <dgm:txPr/>
+    <dgm:style>
+      <a:lnRef idx="2">
+        <a:scrgbClr r="0" g="0" b="0"/>
+      </a:lnRef>
+      <a:fillRef idx="0">
+        <a:scrgbClr r="0" g="0" b="0"/>
+      </a:fillRef>
+      <a:effectRef idx="0">
+        <a:scrgbClr r="0" g="0" b="0"/>
+      </a:effectRef>
+      <a:fontRef idx="minor"/>
+    </dgm:style>
+  </dgm:styleLbl>
+  <dgm:styleLbl name="parChTrans1D4">
+    <dgm:scene3d>
+      <a:camera prst="orthographicFront"/>
+      <a:lightRig rig="threePt" dir="t"/>
+    </dgm:scene3d>
+    <dgm:sp3d/>
+    <dgm:txPr/>
+    <dgm:style>
+      <a:lnRef idx="2">
+        <a:scrgbClr r="0" g="0" b="0"/>
+      </a:lnRef>
+      <a:fillRef idx="0">
+        <a:scrgbClr r="0" g="0" b="0"/>
+      </a:fillRef>
+      <a:effectRef idx="0">
+        <a:scrgbClr r="0" g="0" b="0"/>
+      </a:effectRef>
+      <a:fontRef idx="minor"/>
+    </dgm:style>
+  </dgm:styleLbl>
+  <dgm:styleLbl name="fgAcc1">
+    <dgm:scene3d>
+      <a:camera prst="orthographicFront"/>
+      <a:lightRig rig="threePt" dir="t"/>
+    </dgm:scene3d>
+    <dgm:sp3d/>
+    <dgm:txPr/>
+    <dgm:style>
+      <a:lnRef idx="2">
+        <a:scrgbClr r="0" g="0" b="0"/>
+      </a:lnRef>
+      <a:fillRef idx="1">
+        <a:scrgbClr r="0" g="0" b="0"/>
+      </a:fillRef>
+      <a:effectRef idx="0">
+        <a:scrgbClr r="0" g="0" b="0"/>
+      </a:effectRef>
+      <a:fontRef idx="minor"/>
+    </dgm:style>
+  </dgm:styleLbl>
+  <dgm:styleLbl name="conFgAcc1">
+    <dgm:scene3d>
+      <a:camera prst="orthographicFront"/>
+      <a:lightRig rig="threePt" dir="t"/>
+    </dgm:scene3d>
+    <dgm:sp3d/>
+    <dgm:txPr/>
+    <dgm:style>
+      <a:lnRef idx="2">
+        <a:scrgbClr r="0" g="0" b="0"/>
+      </a:lnRef>
+      <a:fillRef idx="1">
+        <a:scrgbClr r="0" g="0" b="0"/>
+      </a:fillRef>
+      <a:effectRef idx="0">
+        <a:scrgbClr r="0" g="0" b="0"/>
+      </a:effectRef>
+      <a:fontRef idx="minor"/>
+    </dgm:style>
+  </dgm:styleLbl>
+  <dgm:styleLbl name="alignAcc1">
+    <dgm:scene3d>
+      <a:camera prst="orthographicFront"/>
+      <a:lightRig rig="threePt" dir="t"/>
+    </dgm:scene3d>
+    <dgm:sp3d/>
+    <dgm:txPr/>
+    <dgm:style>
+      <a:lnRef idx="2">
+        <a:scrgbClr r="0" g="0" b="0"/>
+      </a:lnRef>
+      <a:fillRef idx="1">
+        <a:scrgbClr r="0" g="0" b="0"/>
+      </a:fillRef>
+      <a:effectRef idx="0">
+        <a:scrgbClr r="0" g="0" b="0"/>
+      </a:effectRef>
+      <a:fontRef idx="minor"/>
+    </dgm:style>
+  </dgm:styleLbl>
+  <dgm:styleLbl name="trAlignAcc1">
+    <dgm:scene3d>
+      <a:camera prst="orthographicFront"/>
+      <a:lightRig rig="threePt" dir="t"/>
+    </dgm:scene3d>
+    <dgm:sp3d/>
+    <dgm:txPr/>
+    <dgm:style>
+      <a:lnRef idx="1">
+        <a:scrgbClr r="0" g="0" b="0"/>
+      </a:lnRef>
+      <a:fillRef idx="1">
+        <a:scrgbClr r="0" g="0" b="0"/>
+      </a:fillRef>
+      <a:effectRef idx="0">
+        <a:scrgbClr r="0" g="0" b="0"/>
+      </a:effectRef>
+      <a:fontRef idx="minor"/>
+    </dgm:style>
+  </dgm:styleLbl>
+  <dgm:styleLbl name="bgAcc1">
+    <dgm:scene3d>
+      <a:camera prst="orthographicFront"/>
+      <a:lightRig rig="threePt" dir="t"/>
+    </dgm:scene3d>
+    <dgm:sp3d/>
+    <dgm:txPr/>
+    <dgm:style>
+      <a:lnRef idx="2">
+        <a:scrgbClr r="0" g="0" b="0"/>
+      </a:lnRef>
+      <a:fillRef idx="1">
+        <a:scrgbClr r="0" g="0" b="0"/>
+      </a:fillRef>
+      <a:effectRef idx="0">
+        <a:scrgbClr r="0" g="0" b="0"/>
+      </a:effectRef>
+      <a:fontRef idx="minor"/>
+    </dgm:style>
+  </dgm:styleLbl>
+  <dgm:styleLbl name="solidFgAcc1">
+    <dgm:scene3d>
+      <a:camera prst="orthographicFront"/>
+      <a:lightRig rig="threePt" dir="t"/>
+    </dgm:scene3d>
+    <dgm:sp3d/>
+    <dgm:txPr/>
+    <dgm:style>
+      <a:lnRef idx="2">
+        <a:scrgbClr r="0" g="0" b="0"/>
+      </a:lnRef>
+      <a:fillRef idx="1">
+        <a:scrgbClr r="0" g="0" b="0"/>
+      </a:fillRef>
+      <a:effectRef idx="0">
+        <a:scrgbClr r="0" g="0" b="0"/>
+      </a:effectRef>
+      <a:fontRef idx="minor"/>
+    </dgm:style>
+  </dgm:styleLbl>
+  <dgm:styleLbl name="solidAlignAcc1">
+    <dgm:scene3d>
+      <a:camera prst="orthographicFront"/>
+      <a:lightRig rig="threePt" dir="t"/>
+    </dgm:scene3d>
+    <dgm:sp3d/>
+    <dgm:txPr/>
+    <dgm:style>
+      <a:lnRef idx="2">
+        <a:scrgbClr r="0" g="0" b="0"/>
+      </a:lnRef>
+      <a:fillRef idx="1">
+        <a:scrgbClr r="0" g="0" b="0"/>
+      </a:fillRef>
+      <a:effectRef idx="0">
+        <a:scrgbClr r="0" g="0" b="0"/>
+      </a:effectRef>
+      <a:fontRef idx="minor"/>
+    </dgm:style>
+  </dgm:styleLbl>
+  <dgm:styleLbl name="solidBgAcc1">
+    <dgm:scene3d>
+      <a:camera prst="orthographicFront"/>
+      <a:lightRig rig="threePt" dir="t"/>
+    </dgm:scene3d>
+    <dgm:sp3d/>
+    <dgm:txPr/>
+    <dgm:style>
+      <a:lnRef idx="2">
+        <a:scrgbClr r="0" g="0" b="0"/>
+      </a:lnRef>
+      <a:fillRef idx="1">
+        <a:scrgbClr r="0" g="0" b="0"/>
+      </a:fillRef>
+      <a:effectRef idx="0">
+        <a:scrgbClr r="0" g="0" b="0"/>
+      </a:effectRef>
+      <a:fontRef idx="minor"/>
+    </dgm:style>
+  </dgm:styleLbl>
+  <dgm:styleLbl name="fgAccFollowNode1">
+    <dgm:scene3d>
+      <a:camera prst="orthographicFront"/>
+      <a:lightRig rig="threePt" dir="t"/>
+    </dgm:scene3d>
+    <dgm:sp3d/>
+    <dgm:txPr/>
+    <dgm:style>
+      <a:lnRef idx="2">
+        <a:scrgbClr r="0" g="0" b="0"/>
+      </a:lnRef>
+      <a:fillRef idx="1">
+        <a:scrgbClr r="0" g="0" b="0"/>
+      </a:fillRef>
+      <a:effectRef idx="0">
+        <a:scrgbClr r="0" g="0" b="0"/>
+      </a:effectRef>
+      <a:fontRef idx="minor"/>
+    </dgm:style>
+  </dgm:styleLbl>
+  <dgm:styleLbl name="alignAccFollowNode1">
+    <dgm:scene3d>
+      <a:camera prst="orthographicFront"/>
+      <a:lightRig rig="threePt" dir="t"/>
+    </dgm:scene3d>
+    <dgm:sp3d/>
+    <dgm:txPr/>
+    <dgm:style>
+      <a:lnRef idx="2">
+        <a:scrgbClr r="0" g="0" b="0"/>
+      </a:lnRef>
+      <a:fillRef idx="1">
+        <a:scrgbClr r="0" g="0" b="0"/>
+      </a:fillRef>
+      <a:effectRef idx="0">
+        <a:scrgbClr r="0" g="0" b="0"/>
+      </a:effectRef>
+      <a:fontRef idx="minor"/>
+    </dgm:style>
+  </dgm:styleLbl>
+  <dgm:styleLbl name="bgAccFollowNode1">
+    <dgm:scene3d>
+      <a:camera prst="orthographicFront"/>
+      <a:lightRig rig="threePt" dir="t"/>
+    </dgm:scene3d>
+    <dgm:sp3d/>
+    <dgm:txPr/>
+    <dgm:style>
+      <a:lnRef idx="2">
+        <a:scrgbClr r="0" g="0" b="0"/>
+      </a:lnRef>
+      <a:fillRef idx="1">
+        <a:scrgbClr r="0" g="0" b="0"/>
+      </a:fillRef>
+      <a:effectRef idx="0">
+        <a:scrgbClr r="0" g="0" b="0"/>
+      </a:effectRef>
+      <a:fontRef idx="minor"/>
+    </dgm:style>
+  </dgm:styleLbl>
+  <dgm:styleLbl name="fgAcc0">
+    <dgm:scene3d>
+      <a:camera prst="orthographicFront"/>
+      <a:lightRig rig="threePt" dir="t"/>
+    </dgm:scene3d>
+    <dgm:sp3d/>
+    <dgm:txPr/>
+    <dgm:style>
+      <a:lnRef idx="2">
+        <a:scrgbClr r="0" g="0" b="0"/>
+      </a:lnRef>
+      <a:fillRef idx="1">
+        <a:scrgbClr r="0" g="0" b="0"/>
+      </a:fillRef>
+      <a:effectRef idx="0">
+        <a:scrgbClr r="0" g="0" b="0"/>
+      </a:effectRef>
+      <a:fontRef idx="minor"/>
+    </dgm:style>
+  </dgm:styleLbl>
+  <dgm:styleLbl name="fgAcc2">
+    <dgm:scene3d>
+      <a:camera prst="orthographicFront"/>
+      <a:lightRig rig="threePt" dir="t"/>
+    </dgm:scene3d>
+    <dgm:sp3d/>
+    <dgm:txPr/>
+    <dgm:style>
+      <a:lnRef idx="2">
+        <a:scrgbClr r="0" g="0" b="0"/>
+      </a:lnRef>
+      <a:fillRef idx="1">
+        <a:scrgbClr r="0" g="0" b="0"/>
+      </a:fillRef>
+      <a:effectRef idx="0">
+        <a:scrgbClr r="0" g="0" b="0"/>
+      </a:effectRef>
+      <a:fontRef idx="minor"/>
+    </dgm:style>
+  </dgm:styleLbl>
+  <dgm:styleLbl name="fgAcc3">
+    <dgm:scene3d>
+      <a:camera prst="orthographicFront"/>
+      <a:lightRig rig="threePt" dir="t"/>
+    </dgm:scene3d>
+    <dgm:sp3d/>
+    <dgm:txPr/>
+    <dgm:style>
+      <a:lnRef idx="2">
+        <a:scrgbClr r="0" g="0" b="0"/>
+      </a:lnRef>
+      <a:fillRef idx="1">
+        <a:scrgbClr r="0" g="0" b="0"/>
+      </a:fillRef>
+      <a:effectRef idx="0">
+        <a:scrgbClr r="0" g="0" b="0"/>
+      </a:effectRef>
+      <a:fontRef idx="minor"/>
+    </dgm:style>
+  </dgm:styleLbl>
+  <dgm:styleLbl name="fgAcc4">
+    <dgm:scene3d>
+      <a:camera prst="orthographicFront"/>
+      <a:lightRig rig="threePt" dir="t"/>
+    </dgm:scene3d>
+    <dgm:sp3d/>
+    <dgm:txPr/>
+    <dgm:style>
+      <a:lnRef idx="2">
+        <a:scrgbClr r="0" g="0" b="0"/>
+      </a:lnRef>
+      <a:fillRef idx="1">
+        <a:scrgbClr r="0" g="0" b="0"/>
+      </a:fillRef>
+      <a:effectRef idx="0">
+        <a:scrgbClr r="0" g="0" b="0"/>
+      </a:effectRef>
+      <a:fontRef idx="minor"/>
+    </dgm:style>
+  </dgm:styleLbl>
+  <dgm:styleLbl name="bgShp">
+    <dgm:scene3d>
+      <a:camera prst="orthographicFront"/>
+      <a:lightRig rig="threePt" dir="t"/>
+    </dgm:scene3d>
+    <dgm:sp3d/>
+    <dgm:txPr/>
+    <dgm:style>
+      <a:lnRef idx="0">
+        <a:scrgbClr r="0" g="0" b="0"/>
+      </a:lnRef>
+      <a:fillRef idx="1">
+        <a:scrgbClr r="0" g="0" b="0"/>
+      </a:fillRef>
+      <a:effectRef idx="0">
+        <a:scrgbClr r="0" g="0" b="0"/>
+      </a:effectRef>
+      <a:fontRef idx="minor"/>
+    </dgm:style>
+  </dgm:styleLbl>
+  <dgm:styleLbl name="dkBgShp">
+    <dgm:scene3d>
+      <a:camera prst="orthographicFront"/>
+      <a:lightRig rig="threePt" dir="t"/>
+    </dgm:scene3d>
+    <dgm:sp3d/>
+    <dgm:txPr/>
+    <dgm:style>
+      <a:lnRef idx="0">
+        <a:scrgbClr r="0" g="0" b="0"/>
+      </a:lnRef>
+      <a:fillRef idx="1">
+        <a:scrgbClr r="0" g="0" b="0"/>
+      </a:fillRef>
+      <a:effectRef idx="0">
+        <a:scrgbClr r="0" g="0" b="0"/>
+      </a:effectRef>
+      <a:fontRef idx="minor"/>
+    </dgm:style>
+  </dgm:styleLbl>
+  <dgm:styleLbl name="trBgShp">
+    <dgm:scene3d>
+      <a:camera prst="orthographicFront"/>
+      <a:lightRig rig="threePt" dir="t"/>
+    </dgm:scene3d>
+    <dgm:sp3d/>
+    <dgm:txPr/>
+    <dgm:style>
+      <a:lnRef idx="0">
+        <a:scrgbClr r="0" g="0" b="0"/>
+      </a:lnRef>
+      <a:fillRef idx="1">
+        <a:scrgbClr r="0" g="0" b="0"/>
+      </a:fillRef>
+      <a:effectRef idx="0">
+        <a:scrgbClr r="0" g="0" b="0"/>
+      </a:effectRef>
+      <a:fontRef idx="minor"/>
+    </dgm:style>
+  </dgm:styleLbl>
+  <dgm:styleLbl name="fgShp">
+    <dgm:scene3d>
+      <a:camera prst="orthographicFront"/>
+      <a:lightRig rig="threePt" dir="t"/>
+    </dgm:scene3d>
+    <dgm:sp3d/>
+    <dgm:txPr/>
+    <dgm:style>
+      <a:lnRef idx="2">
+        <a:scrgbClr r="0" g="0" b="0"/>
+      </a:lnRef>
+      <a:fillRef idx="1">
+        <a:scrgbClr r="0" g="0" b="0"/>
+      </a:fillRef>
+      <a:effectRef idx="0">
+        <a:scrgbClr r="0" g="0" b="0"/>
+      </a:effectRef>
+      <a:fontRef idx="minor"/>
+    </dgm:style>
+  </dgm:styleLbl>
+  <dgm:styleLbl name="revTx">
+    <dgm:scene3d>
+      <a:camera prst="orthographicFront"/>
+      <a:lightRig rig="threePt" dir="t"/>
+    </dgm:scene3d>
+    <dgm:sp3d/>
+    <dgm:txPr/>
+    <dgm:style>
+      <a:lnRef idx="0">
+        <a:scrgbClr r="0" g="0" b="0"/>
+      </a:lnRef>
+      <a:fillRef idx="0">
+        <a:scrgbClr r="0" g="0" b="0"/>
+      </a:fillRef>
+      <a:effectRef idx="0">
+        <a:scrgbClr r="0" g="0" b="0"/>
+      </a:effectRef>
+      <a:fontRef idx="minor"/>
+    </dgm:style>
+  </dgm:styleLbl>
+</dgm:styleDef>
+</file>
+
+<file path=ppt/diagrams/quickStyle2.xml><?xml version="1.0" encoding="utf-8"?>
 <dgm:styleDef xmlns:dgm="http://schemas.openxmlformats.org/drawingml/2006/diagram" xmlns:a="http://schemas.openxmlformats.org/drawingml/2006/main" uniqueId="urn:microsoft.com/office/officeart/2005/8/quickstyle/simple4">
   <dgm:title val=""/>
   <dgm:desc val=""/>
@@ -3682,7 +6315,7 @@
           <a:p>
             <a:fld id="{0DCA0844-C266-46EC-A036-E1634F64C44A}" type="datetimeFigureOut">
               <a:rPr lang="en-US" altLang="zh-CN"/>
-              <a:t>12/10/2018</a:t>
+              <a:t>12/12/2018</a:t>
             </a:fld>
             <a:endParaRPr lang="zh-CN"/>
           </a:p>
@@ -3846,7 +6479,7 @@
           </a:lstStyle>
           <a:p>
             <a:fld id="{28C08BCD-7B2F-4BCE-87AF-5D67EFFE4D17}" type="datetimeFigureOut">
-              <a:t>2018/12/10</a:t>
+              <a:t>2018/12/11</a:t>
             </a:fld>
             <a:endParaRPr lang="zh-CN"/>
           </a:p>
@@ -4267,7 +6900,7 @@
           <a:p>
             <a:fld id="{1B6A1353-EEA5-436B-AB14-1D84B195E669}" type="slidenum">
               <a:rPr lang="en-US" altLang="zh-CN" smtClean="0"/>
-              <a:t>26</a:t>
+              <a:t>34</a:t>
             </a:fld>
             <a:endParaRPr lang="zh-CN" altLang="en-US"/>
           </a:p>
@@ -4541,7 +7174,7 @@
           </a:lstStyle>
           <a:p>
             <a:r>
-              <a:rPr lang="zh-CN" altLang="en-US" smtClean="0"/>
+              <a:rPr lang="zh-CN" altLang="en-US"/>
               <a:t>单击此处编辑母版标题样式</a:t>
             </a:r>
             <a:endParaRPr lang="zh-CN"/>
@@ -4661,7 +7294,7 @@
           </a:lstStyle>
           <a:p>
             <a:r>
-              <a:rPr lang="zh-CN" altLang="en-US" smtClean="0"/>
+              <a:rPr lang="zh-CN" altLang="en-US"/>
               <a:t>单击以编辑母版副标题样式</a:t>
             </a:r>
             <a:endParaRPr lang="zh-CN"/>
@@ -4685,7 +7318,7 @@
           <a:p>
             <a:fld id="{8E36636D-D922-432D-A958-524484B5923D}" type="datetimeFigureOut">
               <a:pPr/>
-              <a:t>2018/12/10</a:t>
+              <a:t>2018/12/11</a:t>
             </a:fld>
             <a:endParaRPr lang="zh-CN"/>
           </a:p>
@@ -4750,13 +7383,6 @@
       </p:transition>
     </mc:Fallback>
   </mc:AlternateContent>
-  <p:timing>
-    <p:tnLst>
-      <p:par>
-        <p:cTn id="1" dur="indefinite" restart="never" nodeType="tmRoot"/>
-      </p:par>
-    </p:tnLst>
-  </p:timing>
 </p:sldLayout>
 </file>
 
@@ -4919,7 +7545,7 @@
               </a:lnSpc>
             </a:pPr>
             <a:r>
-              <a:rPr lang="zh-CN" altLang="en-US" smtClean="0"/>
+              <a:rPr lang="zh-CN" altLang="en-US"/>
               <a:t>单击此处编辑母版标题样式</a:t>
             </a:r>
             <a:endParaRPr lang="zh-CN"/>
@@ -4997,7 +7623,7 @@
           <a:p>
             <a:pPr lvl="0"/>
             <a:r>
-              <a:rPr lang="zh-CN" altLang="en-US" smtClean="0"/>
+              <a:rPr lang="zh-CN" altLang="en-US"/>
               <a:t>编辑母版文本样式</a:t>
             </a:r>
           </a:p>
@@ -5066,7 +7692,7 @@
           <a:p>
             <a:fld id="{749F4917-CE56-4645-8050-1555FA0B180B}" type="datetimeFigureOut">
               <a:pPr/>
-              <a:t>2018/12/10</a:t>
+              <a:t>2018/12/11</a:t>
             </a:fld>
             <a:endParaRPr lang="zh-CN"/>
           </a:p>
@@ -5230,7 +7856,7 @@
           </a:lstStyle>
           <a:p>
             <a:r>
-              <a:rPr lang="zh-CN" altLang="en-US" smtClean="0"/>
+              <a:rPr lang="zh-CN" altLang="en-US"/>
               <a:t>单击图标添加图片</a:t>
             </a:r>
             <a:endParaRPr lang="zh-CN"/>
@@ -5259,13 +7885,6 @@
       </p:transition>
     </mc:Fallback>
   </mc:AlternateContent>
-  <p:timing>
-    <p:tnLst>
-      <p:par>
-        <p:cTn id="1" dur="indefinite" restart="never" nodeType="tmRoot"/>
-      </p:par>
-    </p:tnLst>
-  </p:timing>
 </p:sldLayout>
 </file>
 
@@ -5302,7 +7921,7 @@
           <a:lstStyle/>
           <a:p>
             <a:r>
-              <a:rPr lang="zh-CN" altLang="en-US" smtClean="0"/>
+              <a:rPr lang="zh-CN" altLang="en-US"/>
               <a:t>单击此处编辑母版标题样式</a:t>
             </a:r>
             <a:endParaRPr lang="zh-CN"/>
@@ -5342,35 +7961,35 @@
           <a:p>
             <a:pPr lvl="0"/>
             <a:r>
-              <a:rPr lang="zh-CN" altLang="en-US" smtClean="0"/>
+              <a:rPr lang="zh-CN" altLang="en-US"/>
               <a:t>编辑母版文本样式</a:t>
             </a:r>
           </a:p>
           <a:p>
             <a:pPr lvl="1"/>
             <a:r>
-              <a:rPr lang="zh-CN" altLang="en-US" smtClean="0"/>
+              <a:rPr lang="zh-CN" altLang="en-US"/>
               <a:t>第二级</a:t>
             </a:r>
           </a:p>
           <a:p>
             <a:pPr lvl="2"/>
             <a:r>
-              <a:rPr lang="zh-CN" altLang="en-US" smtClean="0"/>
+              <a:rPr lang="zh-CN" altLang="en-US"/>
               <a:t>第三级</a:t>
             </a:r>
           </a:p>
           <a:p>
             <a:pPr lvl="3"/>
             <a:r>
-              <a:rPr lang="zh-CN" altLang="en-US" smtClean="0"/>
+              <a:rPr lang="zh-CN" altLang="en-US"/>
               <a:t>第四级</a:t>
             </a:r>
           </a:p>
           <a:p>
             <a:pPr lvl="4"/>
             <a:r>
-              <a:rPr lang="zh-CN" altLang="en-US" smtClean="0"/>
+              <a:rPr lang="zh-CN" altLang="en-US"/>
               <a:t>第五级</a:t>
             </a:r>
             <a:endParaRPr lang="zh-CN"/>
@@ -5394,7 +8013,7 @@
           <a:p>
             <a:fld id="{8E36636D-D922-432D-A958-524484B5923D}" type="datetimeFigureOut">
               <a:pPr/>
-              <a:t>2018/12/10</a:t>
+              <a:t>2018/12/11</a:t>
             </a:fld>
             <a:endParaRPr lang="zh-CN"/>
           </a:p>
@@ -5459,13 +8078,6 @@
       </p:transition>
     </mc:Fallback>
   </mc:AlternateContent>
-  <p:timing>
-    <p:tnLst>
-      <p:par>
-        <p:cTn id="1" dur="indefinite" restart="never" nodeType="tmRoot"/>
-      </p:par>
-    </p:tnLst>
-  </p:timing>
 </p:sldLayout>
 </file>
 
@@ -5508,35 +8120,35 @@
           <a:p>
             <a:pPr lvl="0"/>
             <a:r>
-              <a:rPr lang="zh-CN" altLang="en-US" smtClean="0"/>
+              <a:rPr lang="zh-CN" altLang="en-US"/>
               <a:t>编辑母版文本样式</a:t>
             </a:r>
           </a:p>
           <a:p>
             <a:pPr lvl="1"/>
             <a:r>
-              <a:rPr lang="zh-CN" altLang="en-US" smtClean="0"/>
+              <a:rPr lang="zh-CN" altLang="en-US"/>
               <a:t>第二级</a:t>
             </a:r>
           </a:p>
           <a:p>
             <a:pPr lvl="2"/>
             <a:r>
-              <a:rPr lang="zh-CN" altLang="en-US" smtClean="0"/>
+              <a:rPr lang="zh-CN" altLang="en-US"/>
               <a:t>第三级</a:t>
             </a:r>
           </a:p>
           <a:p>
             <a:pPr lvl="3"/>
             <a:r>
-              <a:rPr lang="zh-CN" altLang="en-US" smtClean="0"/>
+              <a:rPr lang="zh-CN" altLang="en-US"/>
               <a:t>第四级</a:t>
             </a:r>
           </a:p>
           <a:p>
             <a:pPr lvl="4"/>
             <a:r>
-              <a:rPr lang="zh-CN" altLang="en-US" smtClean="0"/>
+              <a:rPr lang="zh-CN" altLang="en-US"/>
               <a:t>第五级</a:t>
             </a:r>
             <a:endParaRPr lang="zh-CN"/>
@@ -5560,7 +8172,7 @@
           <a:p>
             <a:fld id="{8E36636D-D922-432D-A958-524484B5923D}" type="datetimeFigureOut">
               <a:pPr/>
-              <a:t>2018/12/10</a:t>
+              <a:t>2018/12/11</a:t>
             </a:fld>
             <a:endParaRPr lang="zh-CN"/>
           </a:p>
@@ -5629,7 +8241,7 @@
           <a:lstStyle/>
           <a:p>
             <a:r>
-              <a:rPr lang="zh-CN" altLang="en-US" smtClean="0"/>
+              <a:rPr lang="zh-CN" altLang="en-US"/>
               <a:t>单击此处编辑母版标题样式</a:t>
             </a:r>
             <a:endParaRPr lang="zh-CN"/>
@@ -5653,13 +8265,6 @@
       </p:transition>
     </mc:Fallback>
   </mc:AlternateContent>
-  <p:timing>
-    <p:tnLst>
-      <p:par>
-        <p:cTn id="1" dur="indefinite" restart="never" nodeType="tmRoot"/>
-      </p:par>
-    </p:tnLst>
-  </p:timing>
 </p:sldLayout>
 </file>
 
@@ -5696,7 +8301,7 @@
           <a:lstStyle/>
           <a:p>
             <a:r>
-              <a:rPr lang="zh-CN" altLang="en-US" smtClean="0"/>
+              <a:rPr lang="zh-CN" altLang="en-US"/>
               <a:t>单击此处编辑母版标题样式</a:t>
             </a:r>
             <a:endParaRPr lang="zh-CN"/>
@@ -5736,35 +8341,35 @@
           <a:p>
             <a:pPr lvl="0"/>
             <a:r>
-              <a:rPr lang="zh-CN" altLang="en-US" smtClean="0"/>
+              <a:rPr lang="zh-CN" altLang="en-US"/>
               <a:t>编辑母版文本样式</a:t>
             </a:r>
           </a:p>
           <a:p>
             <a:pPr lvl="1"/>
             <a:r>
-              <a:rPr lang="zh-CN" altLang="en-US" smtClean="0"/>
+              <a:rPr lang="zh-CN" altLang="en-US"/>
               <a:t>第二级</a:t>
             </a:r>
           </a:p>
           <a:p>
             <a:pPr lvl="2"/>
             <a:r>
-              <a:rPr lang="zh-CN" altLang="en-US" smtClean="0"/>
+              <a:rPr lang="zh-CN" altLang="en-US"/>
               <a:t>第三级</a:t>
             </a:r>
           </a:p>
           <a:p>
             <a:pPr lvl="3"/>
             <a:r>
-              <a:rPr lang="zh-CN" altLang="en-US" smtClean="0"/>
+              <a:rPr lang="zh-CN" altLang="en-US"/>
               <a:t>第四级</a:t>
             </a:r>
           </a:p>
           <a:p>
             <a:pPr lvl="4"/>
             <a:r>
-              <a:rPr lang="zh-CN" altLang="en-US" smtClean="0"/>
+              <a:rPr lang="zh-CN" altLang="en-US"/>
               <a:t>第五级</a:t>
             </a:r>
             <a:endParaRPr lang="zh-CN"/>
@@ -5788,7 +8393,7 @@
           <a:p>
             <a:fld id="{8E36636D-D922-432D-A958-524484B5923D}" type="datetimeFigureOut">
               <a:pPr/>
-              <a:t>2018/12/10</a:t>
+              <a:t>2018/12/11</a:t>
             </a:fld>
             <a:endParaRPr lang="zh-CN"/>
           </a:p>
@@ -5853,13 +8458,6 @@
       </p:transition>
     </mc:Fallback>
   </mc:AlternateContent>
-  <p:timing>
-    <p:tnLst>
-      <p:par>
-        <p:cTn id="1" dur="indefinite" restart="never" nodeType="tmRoot"/>
-      </p:par>
-    </p:tnLst>
-  </p:timing>
 </p:sldLayout>
 </file>
 
@@ -6066,7 +8664,7 @@
           </a:lstStyle>
           <a:p>
             <a:r>
-              <a:rPr lang="zh-CN" altLang="en-US" smtClean="0"/>
+              <a:rPr lang="zh-CN" altLang="en-US"/>
               <a:t>单击此处编辑母版标题样式</a:t>
             </a:r>
             <a:endParaRPr lang="zh-CN"/>
@@ -6191,7 +8789,7 @@
           </a:lstStyle>
           <a:p>
             <a:r>
-              <a:rPr lang="zh-CN" altLang="en-US" smtClean="0"/>
+              <a:rPr lang="zh-CN" altLang="en-US"/>
               <a:t>单击以编辑母版副标题样式</a:t>
             </a:r>
             <a:endParaRPr lang="zh-CN"/>
@@ -6215,7 +8813,7 @@
           <a:p>
             <a:fld id="{8E36636D-D922-432D-A958-524484B5923D}" type="datetimeFigureOut">
               <a:pPr/>
-              <a:t>2018/12/10</a:t>
+              <a:t>2018/12/11</a:t>
             </a:fld>
             <a:endParaRPr lang="zh-CN"/>
           </a:p>
@@ -6297,7 +8895,7 @@
           </a:lstStyle>
           <a:p>
             <a:r>
-              <a:rPr lang="zh-CN" altLang="en-US" smtClean="0"/>
+              <a:rPr lang="zh-CN" altLang="en-US"/>
               <a:t>单击图标添加图片</a:t>
             </a:r>
             <a:endParaRPr lang="zh-CN"/>
@@ -6326,13 +8924,6 @@
       </p:transition>
     </mc:Fallback>
   </mc:AlternateContent>
-  <p:timing>
-    <p:tnLst>
-      <p:par>
-        <p:cTn id="1" dur="indefinite" restart="never" nodeType="tmRoot"/>
-      </p:par>
-    </p:tnLst>
-  </p:timing>
 </p:sldLayout>
 </file>
 
@@ -6577,7 +9168,7 @@
           </a:lstStyle>
           <a:p>
             <a:r>
-              <a:rPr lang="zh-CN" altLang="en-US" smtClean="0"/>
+              <a:rPr lang="zh-CN" altLang="en-US"/>
               <a:t>单击此处编辑母版标题样式</a:t>
             </a:r>
             <a:endParaRPr lang="zh-CN"/>
@@ -6700,7 +9291,7 @@
           <a:p>
             <a:pPr lvl="0"/>
             <a:r>
-              <a:rPr lang="zh-CN" altLang="en-US" smtClean="0"/>
+              <a:rPr lang="zh-CN" altLang="en-US"/>
               <a:t>编辑母版文本样式</a:t>
             </a:r>
           </a:p>
@@ -6723,7 +9314,7 @@
           <a:p>
             <a:fld id="{8E36636D-D922-432D-A958-524484B5923D}" type="datetimeFigureOut">
               <a:pPr/>
-              <a:t>2018/12/10</a:t>
+              <a:t>2018/12/11</a:t>
             </a:fld>
             <a:endParaRPr lang="zh-CN"/>
           </a:p>
@@ -6788,13 +9379,6 @@
       </p:transition>
     </mc:Fallback>
   </mc:AlternateContent>
-  <p:timing>
-    <p:tnLst>
-      <p:par>
-        <p:cTn id="1" dur="indefinite" restart="never" nodeType="tmRoot"/>
-      </p:par>
-    </p:tnLst>
-  </p:timing>
 </p:sldLayout>
 </file>
 
@@ -6831,7 +9415,7 @@
           <a:lstStyle/>
           <a:p>
             <a:r>
-              <a:rPr lang="zh-CN" altLang="en-US" smtClean="0"/>
+              <a:rPr lang="zh-CN" altLang="en-US"/>
               <a:t>单击此处编辑母版标题样式</a:t>
             </a:r>
             <a:endParaRPr lang="zh-CN"/>
@@ -6890,35 +9474,35 @@
           <a:p>
             <a:pPr lvl="0"/>
             <a:r>
-              <a:rPr lang="zh-CN" altLang="en-US" smtClean="0"/>
+              <a:rPr lang="zh-CN" altLang="en-US"/>
               <a:t>编辑母版文本样式</a:t>
             </a:r>
           </a:p>
           <a:p>
             <a:pPr lvl="1"/>
             <a:r>
-              <a:rPr lang="zh-CN" altLang="en-US" smtClean="0"/>
+              <a:rPr lang="zh-CN" altLang="en-US"/>
               <a:t>第二级</a:t>
             </a:r>
           </a:p>
           <a:p>
             <a:pPr lvl="2"/>
             <a:r>
-              <a:rPr lang="zh-CN" altLang="en-US" smtClean="0"/>
+              <a:rPr lang="zh-CN" altLang="en-US"/>
               <a:t>第三级</a:t>
             </a:r>
           </a:p>
           <a:p>
             <a:pPr lvl="3"/>
             <a:r>
-              <a:rPr lang="zh-CN" altLang="en-US" smtClean="0"/>
+              <a:rPr lang="zh-CN" altLang="en-US"/>
               <a:t>第四级</a:t>
             </a:r>
           </a:p>
           <a:p>
             <a:pPr lvl="4"/>
             <a:r>
-              <a:rPr lang="zh-CN" altLang="en-US" smtClean="0"/>
+              <a:rPr lang="zh-CN" altLang="en-US"/>
               <a:t>第五级</a:t>
             </a:r>
             <a:endParaRPr lang="zh-CN"/>
@@ -6977,35 +9561,35 @@
           <a:p>
             <a:pPr lvl="0"/>
             <a:r>
-              <a:rPr lang="zh-CN" altLang="en-US" smtClean="0"/>
+              <a:rPr lang="zh-CN" altLang="en-US"/>
               <a:t>编辑母版文本样式</a:t>
             </a:r>
           </a:p>
           <a:p>
             <a:pPr lvl="1"/>
             <a:r>
-              <a:rPr lang="zh-CN" altLang="en-US" smtClean="0"/>
+              <a:rPr lang="zh-CN" altLang="en-US"/>
               <a:t>第二级</a:t>
             </a:r>
           </a:p>
           <a:p>
             <a:pPr lvl="2"/>
             <a:r>
-              <a:rPr lang="zh-CN" altLang="en-US" smtClean="0"/>
+              <a:rPr lang="zh-CN" altLang="en-US"/>
               <a:t>第三级</a:t>
             </a:r>
           </a:p>
           <a:p>
             <a:pPr lvl="3"/>
             <a:r>
-              <a:rPr lang="zh-CN" altLang="en-US" smtClean="0"/>
+              <a:rPr lang="zh-CN" altLang="en-US"/>
               <a:t>第四级</a:t>
             </a:r>
           </a:p>
           <a:p>
             <a:pPr lvl="4"/>
             <a:r>
-              <a:rPr lang="zh-CN" altLang="en-US" smtClean="0"/>
+              <a:rPr lang="zh-CN" altLang="en-US"/>
               <a:t>第五级</a:t>
             </a:r>
             <a:endParaRPr lang="zh-CN"/>
@@ -7029,7 +9613,7 @@
           <a:p>
             <a:fld id="{8E36636D-D922-432D-A958-524484B5923D}" type="datetimeFigureOut">
               <a:pPr/>
-              <a:t>2018/12/10</a:t>
+              <a:t>2018/12/11</a:t>
             </a:fld>
             <a:endParaRPr lang="zh-CN"/>
           </a:p>
@@ -7094,13 +9678,6 @@
       </p:transition>
     </mc:Fallback>
   </mc:AlternateContent>
-  <p:timing>
-    <p:tnLst>
-      <p:par>
-        <p:cTn id="1" dur="indefinite" restart="never" nodeType="tmRoot"/>
-      </p:par>
-    </p:tnLst>
-  </p:timing>
 </p:sldLayout>
 </file>
 
@@ -7141,7 +9718,7 @@
           </a:lstStyle>
           <a:p>
             <a:r>
-              <a:rPr lang="zh-CN" altLang="en-US" smtClean="0"/>
+              <a:rPr lang="zh-CN" altLang="en-US"/>
               <a:t>单击此处编辑母版标题样式</a:t>
             </a:r>
             <a:endParaRPr lang="zh-CN"/>
@@ -7212,7 +9789,7 @@
           <a:p>
             <a:pPr lvl="0"/>
             <a:r>
-              <a:rPr lang="zh-CN" altLang="en-US" smtClean="0"/>
+              <a:rPr lang="zh-CN" altLang="en-US"/>
               <a:t>编辑母版文本样式</a:t>
             </a:r>
           </a:p>
@@ -7268,35 +9845,35 @@
           <a:p>
             <a:pPr lvl="0"/>
             <a:r>
-              <a:rPr lang="zh-CN" altLang="en-US" smtClean="0"/>
+              <a:rPr lang="zh-CN" altLang="en-US"/>
               <a:t>编辑母版文本样式</a:t>
             </a:r>
           </a:p>
           <a:p>
             <a:pPr lvl="1"/>
             <a:r>
-              <a:rPr lang="zh-CN" altLang="en-US" smtClean="0"/>
+              <a:rPr lang="zh-CN" altLang="en-US"/>
               <a:t>第二级</a:t>
             </a:r>
           </a:p>
           <a:p>
             <a:pPr lvl="2"/>
             <a:r>
-              <a:rPr lang="zh-CN" altLang="en-US" smtClean="0"/>
+              <a:rPr lang="zh-CN" altLang="en-US"/>
               <a:t>第三级</a:t>
             </a:r>
           </a:p>
           <a:p>
             <a:pPr lvl="3"/>
             <a:r>
-              <a:rPr lang="zh-CN" altLang="en-US" smtClean="0"/>
+              <a:rPr lang="zh-CN" altLang="en-US"/>
               <a:t>第四级</a:t>
             </a:r>
           </a:p>
           <a:p>
             <a:pPr lvl="4"/>
             <a:r>
-              <a:rPr lang="zh-CN" altLang="en-US" smtClean="0"/>
+              <a:rPr lang="zh-CN" altLang="en-US"/>
               <a:t>第五级</a:t>
             </a:r>
             <a:endParaRPr lang="zh-CN"/>
@@ -7367,7 +9944,7 @@
           <a:p>
             <a:pPr lvl="0"/>
             <a:r>
-              <a:rPr lang="zh-CN" altLang="en-US" smtClean="0"/>
+              <a:rPr lang="zh-CN" altLang="en-US"/>
               <a:t>编辑母版文本样式</a:t>
             </a:r>
           </a:p>
@@ -7423,35 +10000,35 @@
           <a:p>
             <a:pPr lvl="0"/>
             <a:r>
-              <a:rPr lang="zh-CN" altLang="en-US" smtClean="0"/>
+              <a:rPr lang="zh-CN" altLang="en-US"/>
               <a:t>编辑母版文本样式</a:t>
             </a:r>
           </a:p>
           <a:p>
             <a:pPr lvl="1"/>
             <a:r>
-              <a:rPr lang="zh-CN" altLang="en-US" smtClean="0"/>
+              <a:rPr lang="zh-CN" altLang="en-US"/>
               <a:t>第二级</a:t>
             </a:r>
           </a:p>
           <a:p>
             <a:pPr lvl="2"/>
             <a:r>
-              <a:rPr lang="zh-CN" altLang="en-US" smtClean="0"/>
+              <a:rPr lang="zh-CN" altLang="en-US"/>
               <a:t>第三级</a:t>
             </a:r>
           </a:p>
           <a:p>
             <a:pPr lvl="3"/>
             <a:r>
-              <a:rPr lang="zh-CN" altLang="en-US" smtClean="0"/>
+              <a:rPr lang="zh-CN" altLang="en-US"/>
               <a:t>第四级</a:t>
             </a:r>
           </a:p>
           <a:p>
             <a:pPr lvl="4"/>
             <a:r>
-              <a:rPr lang="zh-CN" altLang="en-US" smtClean="0"/>
+              <a:rPr lang="zh-CN" altLang="en-US"/>
               <a:t>第五级</a:t>
             </a:r>
             <a:endParaRPr lang="zh-CN"/>
@@ -7475,7 +10052,7 @@
           <a:p>
             <a:fld id="{8E36636D-D922-432D-A958-524484B5923D}" type="datetimeFigureOut">
               <a:pPr/>
-              <a:t>2018/12/10</a:t>
+              <a:t>2018/12/11</a:t>
             </a:fld>
             <a:endParaRPr lang="zh-CN"/>
           </a:p>
@@ -7540,13 +10117,6 @@
       </p:transition>
     </mc:Fallback>
   </mc:AlternateContent>
-  <p:timing>
-    <p:tnLst>
-      <p:par>
-        <p:cTn id="1" dur="indefinite" restart="never" nodeType="tmRoot"/>
-      </p:par>
-    </p:tnLst>
-  </p:timing>
 </p:sldLayout>
 </file>
 
@@ -7583,7 +10153,7 @@
           <a:lstStyle/>
           <a:p>
             <a:r>
-              <a:rPr lang="zh-CN" altLang="en-US" smtClean="0"/>
+              <a:rPr lang="zh-CN" altLang="en-US"/>
               <a:t>单击此处编辑母版标题样式</a:t>
             </a:r>
             <a:endParaRPr lang="zh-CN"/>
@@ -7607,7 +10177,7 @@
           <a:p>
             <a:fld id="{8E36636D-D922-432D-A958-524484B5923D}" type="datetimeFigureOut">
               <a:pPr/>
-              <a:t>2018/12/10</a:t>
+              <a:t>2018/12/11</a:t>
             </a:fld>
             <a:endParaRPr lang="zh-CN"/>
           </a:p>
@@ -7672,13 +10242,6 @@
       </p:transition>
     </mc:Fallback>
   </mc:AlternateContent>
-  <p:timing>
-    <p:tnLst>
-      <p:par>
-        <p:cTn id="1" dur="indefinite" restart="never" nodeType="tmRoot"/>
-      </p:par>
-    </p:tnLst>
-  </p:timing>
 </p:sldLayout>
 </file>
 
@@ -7716,7 +10279,7 @@
           <a:p>
             <a:fld id="{8E36636D-D922-432D-A958-524484B5923D}" type="datetimeFigureOut">
               <a:pPr/>
-              <a:t>2018/12/10</a:t>
+              <a:t>2018/12/11</a:t>
             </a:fld>
             <a:endParaRPr lang="zh-CN"/>
           </a:p>
@@ -7781,13 +10344,6 @@
       </p:transition>
     </mc:Fallback>
   </mc:AlternateContent>
-  <p:timing>
-    <p:tnLst>
-      <p:par>
-        <p:cTn id="1" dur="indefinite" restart="never" nodeType="tmRoot"/>
-      </p:par>
-    </p:tnLst>
-  </p:timing>
 </p:sldLayout>
 </file>
 
@@ -8039,7 +10595,7 @@
           </a:lstStyle>
           <a:p>
             <a:r>
-              <a:rPr lang="zh-CN" altLang="en-US" smtClean="0"/>
+              <a:rPr lang="zh-CN" altLang="en-US"/>
               <a:t>单击此处编辑母版标题样式</a:t>
             </a:r>
             <a:endParaRPr lang="zh-CN"/>
@@ -8117,7 +10673,7 @@
           <a:p>
             <a:pPr lvl="0"/>
             <a:r>
-              <a:rPr lang="zh-CN" altLang="en-US" smtClean="0"/>
+              <a:rPr lang="zh-CN" altLang="en-US"/>
               <a:t>编辑母版文本样式</a:t>
             </a:r>
           </a:p>
@@ -8140,7 +10696,7 @@
           <a:p>
             <a:fld id="{8E36636D-D922-432D-A958-524484B5923D}" type="datetimeFigureOut">
               <a:pPr/>
-              <a:t>2018/12/10</a:t>
+              <a:t>2018/12/11</a:t>
             </a:fld>
             <a:endParaRPr lang="zh-CN"/>
           </a:p>
@@ -8240,35 +10796,35 @@
           <a:p>
             <a:pPr lvl="0"/>
             <a:r>
-              <a:rPr lang="zh-CN" altLang="en-US" smtClean="0"/>
+              <a:rPr lang="zh-CN" altLang="en-US"/>
               <a:t>编辑母版文本样式</a:t>
             </a:r>
           </a:p>
           <a:p>
             <a:pPr lvl="1"/>
             <a:r>
-              <a:rPr lang="zh-CN" altLang="en-US" smtClean="0"/>
+              <a:rPr lang="zh-CN" altLang="en-US"/>
               <a:t>第二级</a:t>
             </a:r>
           </a:p>
           <a:p>
             <a:pPr lvl="2"/>
             <a:r>
-              <a:rPr lang="zh-CN" altLang="en-US" smtClean="0"/>
+              <a:rPr lang="zh-CN" altLang="en-US"/>
               <a:t>第三级</a:t>
             </a:r>
           </a:p>
           <a:p>
             <a:pPr lvl="3"/>
             <a:r>
-              <a:rPr lang="zh-CN" altLang="en-US" smtClean="0"/>
+              <a:rPr lang="zh-CN" altLang="en-US"/>
               <a:t>第四级</a:t>
             </a:r>
           </a:p>
           <a:p>
             <a:pPr lvl="4"/>
             <a:r>
-              <a:rPr lang="zh-CN" altLang="en-US" smtClean="0"/>
+              <a:rPr lang="zh-CN" altLang="en-US"/>
               <a:t>第五级</a:t>
             </a:r>
             <a:endParaRPr lang="zh-CN"/>
@@ -8292,13 +10848,6 @@
       </p:transition>
     </mc:Fallback>
   </mc:AlternateContent>
-  <p:timing>
-    <p:tnLst>
-      <p:par>
-        <p:cTn id="1" dur="indefinite" restart="never" nodeType="tmRoot"/>
-      </p:par>
-    </p:tnLst>
-  </p:timing>
 </p:sldLayout>
 </file>
 
@@ -8660,7 +11209,7 @@
             <a:fld id="{8E36636D-D922-432D-A958-524484B5923D}" type="datetimeFigureOut">
               <a:rPr lang="en-US" altLang="zh-CN" smtClean="0"/>
               <a:pPr/>
-              <a:t>12/10/2018</a:t>
+              <a:t>12/11/2018</a:t>
             </a:fld>
             <a:endParaRPr lang="en-US" altLang="zh-CN"/>
           </a:p>
@@ -8774,13 +11323,6 @@
       </p:transition>
     </mc:Fallback>
   </mc:AlternateContent>
-  <p:timing>
-    <p:tnLst>
-      <p:par>
-        <p:cTn id="1" dur="indefinite" restart="never" nodeType="tmRoot"/>
-      </p:par>
-    </p:tnLst>
-  </p:timing>
   <p:txStyles>
     <p:titleStyle>
       <a:lvl1pPr algn="l" defTabSz="914400" rtl="0" eaLnBrk="1" latinLnBrk="0" hangingPunct="1">
@@ -9164,10 +11706,9 @@
           <a:lstStyle/>
           <a:p>
             <a:r>
-              <a:rPr lang="zh-CN" altLang="en-US" sz="4000" dirty="0" smtClean="0"/>
+              <a:rPr lang="zh-CN" altLang="en-US" sz="4000" dirty="0"/>
               <a:t>溯源前端赏析</a:t>
             </a:r>
-            <a:endParaRPr lang="zh-CN" altLang="en-US" sz="4000" dirty="0"/>
           </a:p>
         </p:txBody>
       </p:sp>
@@ -9187,29 +11728,29 @@
           <a:lstStyle/>
           <a:p>
             <a:r>
-              <a:rPr lang="zh-CN" altLang="en-US" dirty="0" smtClean="0"/>
+              <a:rPr lang="zh-CN" altLang="en-US" dirty="0"/>
               <a:t>作者</a:t>
             </a:r>
             <a:r>
-              <a:rPr lang="en-US" altLang="zh-CN" dirty="0" smtClean="0"/>
+              <a:rPr lang="en-US" altLang="zh-CN" dirty="0"/>
               <a:t>:</a:t>
             </a:r>
             <a:r>
-              <a:rPr lang="zh-CN" altLang="en-US" dirty="0" smtClean="0"/>
+              <a:rPr lang="zh-CN" altLang="en-US" dirty="0"/>
               <a:t>钱畅</a:t>
             </a:r>
-            <a:endParaRPr lang="en-US" altLang="zh-CN" dirty="0" smtClean="0"/>
-          </a:p>
-          <a:p>
-            <a:r>
-              <a:rPr lang="zh-CN" altLang="en-US" dirty="0" smtClean="0">
+            <a:endParaRPr lang="en-US" altLang="zh-CN" dirty="0"/>
+          </a:p>
+          <a:p>
+            <a:r>
+              <a:rPr lang="zh-CN" altLang="en-US" dirty="0">
                 <a:latin typeface="微软雅黑" pitchFamily="34" charset="-122"/>
                 <a:ea typeface="微软雅黑" pitchFamily="34" charset="-122"/>
               </a:rPr>
               <a:t>日期</a:t>
             </a:r>
             <a:r>
-              <a:rPr lang="en-US" altLang="zh-CN" dirty="0" smtClean="0">
+              <a:rPr lang="en-US" altLang="zh-CN" dirty="0">
                 <a:latin typeface="微软雅黑" pitchFamily="34" charset="-122"/>
                 <a:ea typeface="微软雅黑" pitchFamily="34" charset="-122"/>
               </a:rPr>
@@ -9269,13 +11810,6 @@
       </p:transition>
     </mc:Fallback>
   </mc:AlternateContent>
-  <p:timing>
-    <p:tnLst>
-      <p:par>
-        <p:cTn id="1" dur="indefinite" restart="never" nodeType="tmRoot"/>
-      </p:par>
-    </p:tnLst>
-  </p:timing>
 </p:sld>
 </file>
 
@@ -9313,14 +11847,10 @@
           <a:p>
             <a:r>
               <a:rPr lang="zh-CN" altLang="en-US" dirty="0"/>
-              <a:t>中</a:t>
-            </a:r>
-            <a:r>
-              <a:rPr lang="zh-CN" altLang="en-US" dirty="0" smtClean="0"/>
-              <a:t>期特征</a:t>
-            </a:r>
-            <a:r>
-              <a:rPr lang="en-US" altLang="zh-CN" dirty="0" smtClean="0">
+              <a:t>中期特征</a:t>
+            </a:r>
+            <a:r>
+              <a:rPr lang="en-US" altLang="zh-CN" dirty="0">
                 <a:latin typeface="微软雅黑" pitchFamily="34" charset="-122"/>
                 <a:ea typeface="微软雅黑" pitchFamily="34" charset="-122"/>
               </a:rPr>
@@ -9356,7 +11886,7 @@
           <a:lstStyle/>
           <a:p>
             <a:r>
-              <a:rPr lang="zh-CN" altLang="en-US" dirty="0" smtClean="0"/>
+              <a:rPr lang="zh-CN" altLang="en-US" dirty="0"/>
               <a:t>第一</a:t>
             </a:r>
             <a:r>
@@ -9364,69 +11894,56 @@
               <a:t>:</a:t>
             </a:r>
             <a:r>
-              <a:rPr lang="zh-CN" altLang="en-US" dirty="0" smtClean="0"/>
+              <a:rPr lang="zh-CN" altLang="en-US" dirty="0"/>
               <a:t>前后端分离</a:t>
             </a:r>
-            <a:endParaRPr lang="en-US" altLang="zh-CN" dirty="0" smtClean="0"/>
-          </a:p>
-          <a:p>
             <a:endParaRPr lang="en-US" altLang="zh-CN" dirty="0"/>
           </a:p>
           <a:p>
-            <a:endParaRPr lang="en-US" altLang="zh-CN" dirty="0" smtClean="0"/>
-          </a:p>
-          <a:p>
-            <a:r>
-              <a:rPr lang="en-US" altLang="zh-CN" dirty="0" smtClean="0"/>
+            <a:endParaRPr lang="en-US" altLang="zh-CN" dirty="0"/>
+          </a:p>
+          <a:p>
+            <a:endParaRPr lang="en-US" altLang="zh-CN" dirty="0"/>
+          </a:p>
+          <a:p>
+            <a:r>
+              <a:rPr lang="en-US" altLang="zh-CN" dirty="0"/>
               <a:t>3</a:t>
             </a:r>
             <a:r>
-              <a:rPr lang="zh-CN" altLang="en-US" dirty="0" smtClean="0"/>
-              <a:t>、</a:t>
-            </a:r>
-            <a:r>
               <a:rPr lang="zh-CN" altLang="en-US" dirty="0"/>
-              <a:t>数据接口规范</a:t>
-            </a:r>
-            <a:r>
-              <a:rPr lang="zh-CN" altLang="en-US" dirty="0" smtClean="0"/>
-              <a:t>流程</a:t>
-            </a:r>
-            <a:endParaRPr lang="zh-CN" altLang="en-US" dirty="0"/>
-          </a:p>
-          <a:p>
-            <a:r>
-              <a:rPr lang="zh-CN" altLang="en-US" dirty="0"/>
-              <a:t/>
-            </a:r>
+              <a:t>、数据接口规范流程</a:t>
+            </a:r>
+          </a:p>
+          <a:p>
             <a:br>
               <a:rPr lang="zh-CN" altLang="en-US" dirty="0"/>
             </a:br>
-            <a:endParaRPr lang="en-US" altLang="zh-CN" dirty="0" smtClean="0"/>
-          </a:p>
-          <a:p>
             <a:endParaRPr lang="en-US" altLang="zh-CN" dirty="0"/>
           </a:p>
           <a:p>
-            <a:endParaRPr lang="en-US" altLang="zh-CN" dirty="0" smtClean="0"/>
-          </a:p>
-          <a:p>
             <a:endParaRPr lang="en-US" altLang="zh-CN" dirty="0"/>
           </a:p>
           <a:p>
-            <a:endParaRPr lang="en-US" altLang="zh-CN" dirty="0" smtClean="0"/>
-          </a:p>
-          <a:p>
             <a:endParaRPr lang="en-US" altLang="zh-CN" dirty="0"/>
           </a:p>
           <a:p>
-            <a:endParaRPr lang="en-US" altLang="zh-CN" dirty="0" smtClean="0"/>
-          </a:p>
-          <a:p>
             <a:endParaRPr lang="en-US" altLang="zh-CN" dirty="0"/>
           </a:p>
           <a:p>
-            <a:endParaRPr lang="en-US" altLang="zh-CN" dirty="0" smtClean="0"/>
+            <a:endParaRPr lang="en-US" altLang="zh-CN" dirty="0"/>
+          </a:p>
+          <a:p>
+            <a:endParaRPr lang="en-US" altLang="zh-CN" dirty="0"/>
+          </a:p>
+          <a:p>
+            <a:endParaRPr lang="en-US" altLang="zh-CN" dirty="0"/>
+          </a:p>
+          <a:p>
+            <a:endParaRPr lang="en-US" altLang="zh-CN" dirty="0"/>
+          </a:p>
+          <a:p>
+            <a:endParaRPr lang="en-US" altLang="zh-CN" dirty="0"/>
           </a:p>
         </p:txBody>
       </p:sp>
@@ -9473,10 +11990,6 @@
               </a:rPr>
               <a:t>测试，而后端也可以使用接口测试平台进行接口自测，然后前后端一起进行功能联调并校验格式，最终进行自动化测试。</a:t>
             </a:r>
-            <a:endParaRPr lang="zh-CN" altLang="en-US" sz="1400" dirty="0">
-              <a:latin typeface="微软雅黑" panose="020B0503020204020204" pitchFamily="34" charset="-122"/>
-              <a:ea typeface="微软雅黑" panose="020B0503020204020204" pitchFamily="34" charset="-122"/>
-            </a:endParaRPr>
           </a:p>
         </p:txBody>
       </p:sp>
@@ -9526,13 +12039,6 @@
       </p:transition>
     </mc:Fallback>
   </mc:AlternateContent>
-  <p:timing>
-    <p:tnLst>
-      <p:par>
-        <p:cTn id="1" dur="indefinite" restart="never" nodeType="tmRoot"/>
-      </p:par>
-    </p:tnLst>
-  </p:timing>
 </p:sld>
 </file>
 
@@ -9570,14 +12076,10 @@
           <a:p>
             <a:r>
               <a:rPr lang="zh-CN" altLang="en-US" dirty="0"/>
-              <a:t>中</a:t>
-            </a:r>
-            <a:r>
-              <a:rPr lang="zh-CN" altLang="en-US" dirty="0" smtClean="0"/>
-              <a:t>期特征</a:t>
-            </a:r>
-            <a:r>
-              <a:rPr lang="en-US" altLang="zh-CN" dirty="0" smtClean="0">
+              <a:t>中期特征</a:t>
+            </a:r>
+            <a:r>
+              <a:rPr lang="en-US" altLang="zh-CN" dirty="0">
                 <a:latin typeface="微软雅黑" pitchFamily="34" charset="-122"/>
                 <a:ea typeface="微软雅黑" pitchFamily="34" charset="-122"/>
               </a:rPr>
@@ -9613,82 +12115,74 @@
           <a:lstStyle/>
           <a:p>
             <a:r>
-              <a:rPr lang="zh-CN" altLang="en-US" dirty="0" smtClean="0"/>
+              <a:rPr lang="zh-CN" altLang="en-US" dirty="0"/>
               <a:t>第一</a:t>
             </a:r>
             <a:r>
-              <a:rPr lang="en-US" altLang="zh-CN" dirty="0" smtClean="0"/>
-              <a:t>:</a:t>
-            </a:r>
-            <a:r>
               <a:rPr lang="en-US" altLang="zh-CN" dirty="0"/>
-              <a:t>MV</a:t>
-            </a:r>
-            <a:r>
-              <a:rPr lang="zh-CN" altLang="en-US" dirty="0" smtClean="0"/>
+              <a:t>:MV</a:t>
+            </a:r>
+            <a:r>
+              <a:rPr lang="zh-CN" altLang="en-US" dirty="0"/>
               <a:t>*</a:t>
             </a:r>
             <a:r>
-              <a:rPr lang="en-US" altLang="zh-CN" dirty="0" smtClean="0"/>
+              <a:rPr lang="en-US" altLang="zh-CN" dirty="0"/>
               <a:t>web</a:t>
             </a:r>
             <a:r>
-              <a:rPr lang="zh-CN" altLang="en-US" dirty="0" smtClean="0"/>
+              <a:rPr lang="zh-CN" altLang="en-US" dirty="0"/>
               <a:t>架构</a:t>
             </a:r>
-            <a:endParaRPr lang="en-US" altLang="zh-CN" dirty="0" smtClean="0"/>
-          </a:p>
-          <a:p>
-            <a:endParaRPr lang="en-US" altLang="zh-CN" dirty="0" smtClean="0"/>
-          </a:p>
-          <a:p>
-            <a:r>
-              <a:rPr lang="en-US" altLang="zh-CN" dirty="0" smtClean="0"/>
+            <a:endParaRPr lang="en-US" altLang="zh-CN" dirty="0"/>
+          </a:p>
+          <a:p>
+            <a:endParaRPr lang="en-US" altLang="zh-CN" dirty="0"/>
+          </a:p>
+          <a:p>
+            <a:r>
+              <a:rPr lang="en-US" altLang="zh-CN" dirty="0"/>
               <a:t>1</a:t>
             </a:r>
             <a:r>
-              <a:rPr lang="zh-CN" altLang="en-US" dirty="0" smtClean="0"/>
+              <a:rPr lang="zh-CN" altLang="en-US" dirty="0"/>
               <a:t>、</a:t>
             </a:r>
             <a:r>
-              <a:rPr lang="en-US" altLang="zh-CN" dirty="0" err="1" smtClean="0"/>
+              <a:rPr lang="en-US" altLang="zh-CN" dirty="0" err="1"/>
               <a:t>mvc</a:t>
             </a:r>
-            <a:endParaRPr lang="zh-CN" altLang="en-US" dirty="0" smtClean="0"/>
-          </a:p>
-          <a:p>
-            <a:r>
-              <a:rPr lang="zh-CN" altLang="en-US" dirty="0" smtClean="0"/>
-              <a:t/>
-            </a:r>
+            <a:endParaRPr lang="zh-CN" altLang="en-US" dirty="0"/>
+          </a:p>
+          <a:p>
             <a:br>
-              <a:rPr lang="zh-CN" altLang="en-US" dirty="0" smtClean="0"/>
+              <a:rPr lang="zh-CN" altLang="en-US" dirty="0"/>
             </a:br>
-            <a:endParaRPr lang="en-US" altLang="zh-CN" dirty="0" smtClean="0"/>
-          </a:p>
-          <a:p>
             <a:endParaRPr lang="en-US" altLang="zh-CN" dirty="0"/>
           </a:p>
           <a:p>
-            <a:endParaRPr lang="en-US" altLang="zh-CN" dirty="0" smtClean="0"/>
-          </a:p>
-          <a:p>
             <a:endParaRPr lang="en-US" altLang="zh-CN" dirty="0"/>
           </a:p>
           <a:p>
-            <a:endParaRPr lang="en-US" altLang="zh-CN" dirty="0" smtClean="0"/>
-          </a:p>
-          <a:p>
             <a:endParaRPr lang="en-US" altLang="zh-CN" dirty="0"/>
           </a:p>
           <a:p>
-            <a:endParaRPr lang="en-US" altLang="zh-CN" dirty="0" smtClean="0"/>
-          </a:p>
-          <a:p>
             <a:endParaRPr lang="en-US" altLang="zh-CN" dirty="0"/>
           </a:p>
           <a:p>
-            <a:endParaRPr lang="en-US" altLang="zh-CN" dirty="0" smtClean="0"/>
+            <a:endParaRPr lang="en-US" altLang="zh-CN" dirty="0"/>
+          </a:p>
+          <a:p>
+            <a:endParaRPr lang="en-US" altLang="zh-CN" dirty="0"/>
+          </a:p>
+          <a:p>
+            <a:endParaRPr lang="en-US" altLang="zh-CN" dirty="0"/>
+          </a:p>
+          <a:p>
+            <a:endParaRPr lang="en-US" altLang="zh-CN" dirty="0"/>
+          </a:p>
+          <a:p>
+            <a:endParaRPr lang="en-US" altLang="zh-CN" dirty="0"/>
           </a:p>
         </p:txBody>
       </p:sp>
@@ -9715,14 +12209,14 @@
           <a:lstStyle/>
           <a:p>
             <a:r>
-              <a:rPr lang="en-US" altLang="zh-CN" sz="1400" dirty="0" smtClean="0">
+              <a:rPr lang="en-US" altLang="zh-CN" sz="1400" dirty="0">
                 <a:latin typeface="微软雅黑" panose="020B0503020204020204" pitchFamily="34" charset="-122"/>
                 <a:ea typeface="微软雅黑" panose="020B0503020204020204" pitchFamily="34" charset="-122"/>
               </a:rPr>
               <a:t>.</a:t>
             </a:r>
             <a:r>
-              <a:rPr lang="zh-CN" altLang="en-US" sz="1400" dirty="0" smtClean="0">
+              <a:rPr lang="zh-CN" altLang="en-US" sz="1400" dirty="0">
                 <a:latin typeface="微软雅黑" panose="020B0503020204020204" pitchFamily="34" charset="-122"/>
                 <a:ea typeface="微软雅黑" panose="020B0503020204020204" pitchFamily="34" charset="-122"/>
               </a:rPr>
@@ -9765,14 +12259,14 @@
           </a:p>
           <a:p>
             <a:r>
-              <a:rPr lang="en-US" altLang="zh-CN" sz="1400" dirty="0" smtClean="0">
+              <a:rPr lang="en-US" altLang="zh-CN" sz="1400" dirty="0">
                 <a:latin typeface="微软雅黑" panose="020B0503020204020204" pitchFamily="34" charset="-122"/>
                 <a:ea typeface="微软雅黑" panose="020B0503020204020204" pitchFamily="34" charset="-122"/>
               </a:rPr>
               <a:t>.</a:t>
             </a:r>
             <a:r>
-              <a:rPr lang="zh-CN" altLang="en-US" sz="1400" dirty="0" smtClean="0">
+              <a:rPr lang="zh-CN" altLang="en-US" sz="1400" dirty="0">
                 <a:latin typeface="微软雅黑" panose="020B0503020204020204" pitchFamily="34" charset="-122"/>
                 <a:ea typeface="微软雅黑" panose="020B0503020204020204" pitchFamily="34" charset="-122"/>
               </a:rPr>
@@ -9793,25 +12287,18 @@
               <a:t>层就是</a:t>
             </a:r>
             <a:r>
-              <a:rPr lang="en-US" altLang="zh-CN" sz="1400" dirty="0" err="1" smtClean="0">
+              <a:rPr lang="en-US" altLang="zh-CN" sz="1400" dirty="0" err="1">
                 <a:latin typeface="微软雅黑" panose="020B0503020204020204" pitchFamily="34" charset="-122"/>
                 <a:ea typeface="微软雅黑" panose="020B0503020204020204" pitchFamily="34" charset="-122"/>
               </a:rPr>
               <a:t>Json</a:t>
             </a:r>
             <a:r>
-              <a:rPr lang="zh-CN" altLang="en-US" sz="1400" dirty="0" smtClean="0">
-                <a:latin typeface="微软雅黑" panose="020B0503020204020204" pitchFamily="34" charset="-122"/>
-                <a:ea typeface="微软雅黑" panose="020B0503020204020204" pitchFamily="34" charset="-122"/>
-              </a:rPr>
-              <a:t>实体</a:t>
-            </a:r>
-            <a:r>
               <a:rPr lang="zh-CN" altLang="en-US" sz="1400" dirty="0">
                 <a:latin typeface="微软雅黑" panose="020B0503020204020204" pitchFamily="34" charset="-122"/>
                 <a:ea typeface="微软雅黑" panose="020B0503020204020204" pitchFamily="34" charset="-122"/>
               </a:rPr>
-              <a:t>类，用于保存实例数据</a:t>
+              <a:t>实体类，用于保存实例数据</a:t>
             </a:r>
           </a:p>
           <a:p>
@@ -9822,7 +12309,7 @@
           </a:p>
           <a:p>
             <a:r>
-              <a:rPr lang="en-US" altLang="zh-CN" sz="1400" dirty="0" smtClean="0">
+              <a:rPr lang="en-US" altLang="zh-CN" sz="1400" dirty="0">
                 <a:latin typeface="微软雅黑" panose="020B0503020204020204" pitchFamily="34" charset="-122"/>
                 <a:ea typeface="微软雅黑" panose="020B0503020204020204" pitchFamily="34" charset="-122"/>
               </a:rPr>
@@ -9849,10 +12336,6 @@
               </a:rPr>
               <a:t>界面和数据实例</a:t>
             </a:r>
-            <a:endParaRPr lang="zh-CN" altLang="en-US" sz="1400" dirty="0">
-              <a:latin typeface="微软雅黑" panose="020B0503020204020204" pitchFamily="34" charset="-122"/>
-              <a:ea typeface="微软雅黑" panose="020B0503020204020204" pitchFamily="34" charset="-122"/>
-            </a:endParaRPr>
           </a:p>
         </p:txBody>
       </p:sp>
@@ -9902,13 +12385,6 @@
       </p:transition>
     </mc:Fallback>
   </mc:AlternateContent>
-  <p:timing>
-    <p:tnLst>
-      <p:par>
-        <p:cTn id="1" dur="indefinite" restart="never" nodeType="tmRoot"/>
-      </p:par>
-    </p:tnLst>
-  </p:timing>
 </p:sld>
 </file>
 
@@ -9946,14 +12422,10 @@
           <a:p>
             <a:r>
               <a:rPr lang="zh-CN" altLang="en-US" dirty="0"/>
-              <a:t>中</a:t>
-            </a:r>
-            <a:r>
-              <a:rPr lang="zh-CN" altLang="en-US" dirty="0" smtClean="0"/>
-              <a:t>期特征</a:t>
-            </a:r>
-            <a:r>
-              <a:rPr lang="en-US" altLang="zh-CN" dirty="0" smtClean="0">
+              <a:t>中期特征</a:t>
+            </a:r>
+            <a:r>
+              <a:rPr lang="en-US" altLang="zh-CN" dirty="0">
                 <a:latin typeface="微软雅黑" pitchFamily="34" charset="-122"/>
                 <a:ea typeface="微软雅黑" pitchFamily="34" charset="-122"/>
               </a:rPr>
@@ -9989,82 +12461,74 @@
           <a:lstStyle/>
           <a:p>
             <a:r>
-              <a:rPr lang="zh-CN" altLang="en-US" dirty="0" smtClean="0"/>
+              <a:rPr lang="zh-CN" altLang="en-US" dirty="0"/>
               <a:t>第一</a:t>
             </a:r>
             <a:r>
-              <a:rPr lang="en-US" altLang="zh-CN" dirty="0" smtClean="0"/>
-              <a:t>:</a:t>
-            </a:r>
-            <a:r>
               <a:rPr lang="en-US" altLang="zh-CN" dirty="0"/>
-              <a:t>MV</a:t>
-            </a:r>
-            <a:r>
-              <a:rPr lang="zh-CN" altLang="en-US" dirty="0" smtClean="0"/>
+              <a:t>:MV</a:t>
+            </a:r>
+            <a:r>
+              <a:rPr lang="zh-CN" altLang="en-US" dirty="0"/>
               <a:t>*</a:t>
             </a:r>
             <a:r>
-              <a:rPr lang="en-US" altLang="zh-CN" dirty="0" smtClean="0"/>
+              <a:rPr lang="en-US" altLang="zh-CN" dirty="0"/>
               <a:t>web</a:t>
             </a:r>
             <a:r>
-              <a:rPr lang="zh-CN" altLang="en-US" dirty="0" smtClean="0"/>
+              <a:rPr lang="zh-CN" altLang="en-US" dirty="0"/>
               <a:t>架构</a:t>
             </a:r>
-            <a:endParaRPr lang="en-US" altLang="zh-CN" dirty="0" smtClean="0"/>
-          </a:p>
-          <a:p>
-            <a:endParaRPr lang="en-US" altLang="zh-CN" dirty="0" smtClean="0"/>
-          </a:p>
-          <a:p>
-            <a:r>
-              <a:rPr lang="en-US" altLang="zh-CN" dirty="0" smtClean="0"/>
+            <a:endParaRPr lang="en-US" altLang="zh-CN" dirty="0"/>
+          </a:p>
+          <a:p>
+            <a:endParaRPr lang="en-US" altLang="zh-CN" dirty="0"/>
+          </a:p>
+          <a:p>
+            <a:r>
+              <a:rPr lang="en-US" altLang="zh-CN" dirty="0"/>
               <a:t>1</a:t>
             </a:r>
             <a:r>
-              <a:rPr lang="zh-CN" altLang="en-US" dirty="0" smtClean="0"/>
+              <a:rPr lang="zh-CN" altLang="en-US" dirty="0"/>
               <a:t>、</a:t>
             </a:r>
             <a:r>
-              <a:rPr lang="en-US" altLang="zh-CN" dirty="0" err="1" smtClean="0"/>
+              <a:rPr lang="en-US" altLang="zh-CN" dirty="0" err="1"/>
               <a:t>mvp</a:t>
             </a:r>
-            <a:endParaRPr lang="zh-CN" altLang="en-US" dirty="0" smtClean="0"/>
-          </a:p>
-          <a:p>
-            <a:r>
-              <a:rPr lang="zh-CN" altLang="en-US" dirty="0" smtClean="0"/>
-              <a:t/>
-            </a:r>
+            <a:endParaRPr lang="zh-CN" altLang="en-US" dirty="0"/>
+          </a:p>
+          <a:p>
             <a:br>
-              <a:rPr lang="zh-CN" altLang="en-US" dirty="0" smtClean="0"/>
+              <a:rPr lang="zh-CN" altLang="en-US" dirty="0"/>
             </a:br>
-            <a:endParaRPr lang="en-US" altLang="zh-CN" dirty="0" smtClean="0"/>
-          </a:p>
-          <a:p>
             <a:endParaRPr lang="en-US" altLang="zh-CN" dirty="0"/>
           </a:p>
           <a:p>
-            <a:endParaRPr lang="en-US" altLang="zh-CN" dirty="0" smtClean="0"/>
-          </a:p>
-          <a:p>
             <a:endParaRPr lang="en-US" altLang="zh-CN" dirty="0"/>
           </a:p>
           <a:p>
-            <a:endParaRPr lang="en-US" altLang="zh-CN" dirty="0" smtClean="0"/>
-          </a:p>
-          <a:p>
             <a:endParaRPr lang="en-US" altLang="zh-CN" dirty="0"/>
           </a:p>
           <a:p>
-            <a:endParaRPr lang="en-US" altLang="zh-CN" dirty="0" smtClean="0"/>
-          </a:p>
-          <a:p>
             <a:endParaRPr lang="en-US" altLang="zh-CN" dirty="0"/>
           </a:p>
           <a:p>
-            <a:endParaRPr lang="en-US" altLang="zh-CN" dirty="0" smtClean="0"/>
+            <a:endParaRPr lang="en-US" altLang="zh-CN" dirty="0"/>
+          </a:p>
+          <a:p>
+            <a:endParaRPr lang="en-US" altLang="zh-CN" dirty="0"/>
+          </a:p>
+          <a:p>
+            <a:endParaRPr lang="en-US" altLang="zh-CN" dirty="0"/>
+          </a:p>
+          <a:p>
+            <a:endParaRPr lang="en-US" altLang="zh-CN" dirty="0"/>
+          </a:p>
+          <a:p>
+            <a:endParaRPr lang="en-US" altLang="zh-CN" dirty="0"/>
           </a:p>
         </p:txBody>
       </p:sp>
@@ -10091,14 +12555,14 @@
           <a:lstStyle/>
           <a:p>
             <a:r>
-              <a:rPr lang="en-US" altLang="zh-CN" sz="1400" dirty="0" smtClean="0">
+              <a:rPr lang="en-US" altLang="zh-CN" sz="1400" dirty="0">
                 <a:latin typeface="微软雅黑" panose="020B0503020204020204" pitchFamily="34" charset="-122"/>
                 <a:ea typeface="微软雅黑" panose="020B0503020204020204" pitchFamily="34" charset="-122"/>
               </a:rPr>
               <a:t>.</a:t>
             </a:r>
             <a:r>
-              <a:rPr lang="zh-CN" altLang="en-US" sz="1400" dirty="0" smtClean="0">
+              <a:rPr lang="zh-CN" altLang="en-US" sz="1400" dirty="0">
                 <a:latin typeface="微软雅黑" panose="020B0503020204020204" pitchFamily="34" charset="-122"/>
                 <a:ea typeface="微软雅黑" panose="020B0503020204020204" pitchFamily="34" charset="-122"/>
               </a:rPr>
@@ -10112,7 +12576,7 @@
               <a:t>MVP</a:t>
             </a:r>
             <a:r>
-              <a:rPr lang="zh-CN" altLang="en-US" sz="1400" dirty="0" smtClean="0">
+              <a:rPr lang="zh-CN" altLang="en-US" sz="1400" dirty="0">
                 <a:latin typeface="微软雅黑" panose="020B0503020204020204" pitchFamily="34" charset="-122"/>
                 <a:ea typeface="微软雅黑" panose="020B0503020204020204" pitchFamily="34" charset="-122"/>
               </a:rPr>
@@ -10126,7 +12590,7 @@
               <a:t>Model</a:t>
             </a:r>
             <a:r>
-              <a:rPr lang="zh-CN" altLang="en-US" sz="1400" dirty="0" smtClean="0">
+              <a:rPr lang="zh-CN" altLang="en-US" sz="1400" dirty="0">
                 <a:latin typeface="微软雅黑" panose="020B0503020204020204" pitchFamily="34" charset="-122"/>
                 <a:ea typeface="微软雅黑" panose="020B0503020204020204" pitchFamily="34" charset="-122"/>
               </a:rPr>
@@ -10207,47 +12671,33 @@
                 <a:latin typeface="微软雅黑" panose="020B0503020204020204" pitchFamily="34" charset="-122"/>
                 <a:ea typeface="微软雅黑" panose="020B0503020204020204" pitchFamily="34" charset="-122"/>
               </a:rPr>
-              <a:t>提供协议对应的各种属性以及服务</a:t>
-            </a:r>
-            <a:r>
-              <a:rPr lang="zh-CN" altLang="en-US" sz="1400" dirty="0" smtClean="0">
-                <a:latin typeface="微软雅黑" panose="020B0503020204020204" pitchFamily="34" charset="-122"/>
-                <a:ea typeface="微软雅黑" panose="020B0503020204020204" pitchFamily="34" charset="-122"/>
-              </a:rPr>
-              <a:t>。</a:t>
-            </a:r>
-            <a:endParaRPr lang="en-US" altLang="zh-CN" sz="1400" dirty="0" smtClean="0">
+              <a:t>提供协议对应的各种属性以及服务。</a:t>
+            </a:r>
+            <a:endParaRPr lang="en-US" altLang="zh-CN" sz="1400" dirty="0">
               <a:latin typeface="微软雅黑" panose="020B0503020204020204" pitchFamily="34" charset="-122"/>
               <a:ea typeface="微软雅黑" panose="020B0503020204020204" pitchFamily="34" charset="-122"/>
             </a:endParaRPr>
           </a:p>
           <a:p>
-            <a:endParaRPr lang="en-US" altLang="zh-CN" sz="1400" dirty="0" smtClean="0">
+            <a:endParaRPr lang="en-US" altLang="zh-CN" sz="1400" dirty="0">
               <a:latin typeface="微软雅黑" panose="020B0503020204020204" pitchFamily="34" charset="-122"/>
               <a:ea typeface="微软雅黑" panose="020B0503020204020204" pitchFamily="34" charset="-122"/>
             </a:endParaRPr>
           </a:p>
           <a:p>
             <a:r>
-              <a:rPr lang="en-US" altLang="zh-CN" sz="1400" dirty="0" smtClean="0">
+              <a:rPr lang="en-US" altLang="zh-CN" sz="1400" dirty="0">
                 <a:latin typeface="微软雅黑" panose="020B0503020204020204" pitchFamily="34" charset="-122"/>
                 <a:ea typeface="微软雅黑" panose="020B0503020204020204" pitchFamily="34" charset="-122"/>
               </a:rPr>
               <a:t>.</a:t>
             </a:r>
             <a:r>
-              <a:rPr lang="zh-CN" altLang="en-US" sz="1400" dirty="0" smtClean="0">
-                <a:latin typeface="微软雅黑" panose="020B0503020204020204" pitchFamily="34" charset="-122"/>
-                <a:ea typeface="微软雅黑" panose="020B0503020204020204" pitchFamily="34" charset="-122"/>
-              </a:rPr>
-              <a:t>把</a:t>
-            </a:r>
-            <a:r>
               <a:rPr lang="zh-CN" altLang="en-US" sz="1400" dirty="0">
                 <a:latin typeface="微软雅黑" panose="020B0503020204020204" pitchFamily="34" charset="-122"/>
                 <a:ea typeface="微软雅黑" panose="020B0503020204020204" pitchFamily="34" charset="-122"/>
               </a:rPr>
-              <a:t>业务逻辑抽象成</a:t>
+              <a:t>把业务逻辑抽象成</a:t>
             </a:r>
             <a:r>
               <a:rPr lang="en-US" altLang="zh-CN" sz="1400" dirty="0">
@@ -10261,59 +12711,52 @@
                 <a:latin typeface="微软雅黑" panose="020B0503020204020204" pitchFamily="34" charset="-122"/>
                 <a:ea typeface="微软雅黑" panose="020B0503020204020204" pitchFamily="34" charset="-122"/>
               </a:rPr>
-              <a:t>接口</a:t>
-            </a:r>
-            <a:r>
-              <a:rPr lang="zh-CN" altLang="en-US" sz="1400" dirty="0" smtClean="0">
-                <a:latin typeface="微软雅黑" panose="020B0503020204020204" pitchFamily="34" charset="-122"/>
-                <a:ea typeface="微软雅黑" panose="020B0503020204020204" pitchFamily="34" charset="-122"/>
-              </a:rPr>
-              <a:t>，</a:t>
-            </a:r>
-            <a:r>
-              <a:rPr lang="en-US" altLang="zh-CN" sz="1400" dirty="0" smtClean="0">
+              <a:t>接口，</a:t>
+            </a:r>
+            <a:r>
+              <a:rPr lang="en-US" altLang="zh-CN" sz="1400" dirty="0">
                 <a:latin typeface="微软雅黑" panose="020B0503020204020204" pitchFamily="34" charset="-122"/>
                 <a:ea typeface="微软雅黑" panose="020B0503020204020204" pitchFamily="34" charset="-122"/>
               </a:rPr>
               <a:t>view</a:t>
             </a:r>
             <a:r>
-              <a:rPr lang="zh-CN" altLang="en-US" sz="1400" dirty="0" smtClean="0">
+              <a:rPr lang="zh-CN" altLang="en-US" sz="1400" dirty="0">
                 <a:latin typeface="微软雅黑" panose="020B0503020204020204" pitchFamily="34" charset="-122"/>
                 <a:ea typeface="微软雅黑" panose="020B0503020204020204" pitchFamily="34" charset="-122"/>
               </a:rPr>
               <a:t>和</a:t>
             </a:r>
             <a:r>
-              <a:rPr lang="en-US" altLang="zh-CN" sz="1400" dirty="0" smtClean="0">
+              <a:rPr lang="en-US" altLang="zh-CN" sz="1400" dirty="0">
                 <a:latin typeface="微软雅黑" panose="020B0503020204020204" pitchFamily="34" charset="-122"/>
                 <a:ea typeface="微软雅黑" panose="020B0503020204020204" pitchFamily="34" charset="-122"/>
               </a:rPr>
               <a:t>Presenter</a:t>
             </a:r>
             <a:r>
-              <a:rPr lang="zh-CN" altLang="en-US" sz="1400" dirty="0" smtClean="0">
+              <a:rPr lang="zh-CN" altLang="en-US" sz="1400" dirty="0">
                 <a:latin typeface="微软雅黑" panose="020B0503020204020204" pitchFamily="34" charset="-122"/>
                 <a:ea typeface="微软雅黑" panose="020B0503020204020204" pitchFamily="34" charset="-122"/>
               </a:rPr>
               <a:t>紧密贴合</a:t>
             </a:r>
             <a:r>
-              <a:rPr lang="en-US" altLang="zh-CN" sz="1400" dirty="0" smtClean="0">
+              <a:rPr lang="en-US" altLang="zh-CN" sz="1400" dirty="0">
                 <a:latin typeface="微软雅黑" panose="020B0503020204020204" pitchFamily="34" charset="-122"/>
                 <a:ea typeface="微软雅黑" panose="020B0503020204020204" pitchFamily="34" charset="-122"/>
               </a:rPr>
               <a:t>(</a:t>
             </a:r>
             <a:r>
-              <a:rPr lang="zh-CN" altLang="en-US" sz="1400" dirty="0" smtClean="0">
+              <a:rPr lang="zh-CN" altLang="en-US" sz="1400" dirty="0">
                 <a:latin typeface="微软雅黑" panose="020B0503020204020204" pitchFamily="34" charset="-122"/>
                 <a:ea typeface="微软雅黑" panose="020B0503020204020204" pitchFamily="34" charset="-122"/>
               </a:rPr>
               <a:t>界面代码耦合到前端的业务逻辑</a:t>
             </a:r>
             <a:r>
-              <a:rPr lang="en-US" altLang="zh-CN" sz="1400" dirty="0" smtClean="0">
+              <a:rPr lang="en-US" altLang="zh-CN" sz="1400" dirty="0">
                 <a:latin typeface="微软雅黑" panose="020B0503020204020204" pitchFamily="34" charset="-122"/>
                 <a:ea typeface="微软雅黑" panose="020B0503020204020204" pitchFamily="34" charset="-122"/>
               </a:rPr>
@@ -10372,13 +12815,6 @@
       </p:transition>
     </mc:Fallback>
   </mc:AlternateContent>
-  <p:timing>
-    <p:tnLst>
-      <p:par>
-        <p:cTn id="1" dur="indefinite" restart="never" nodeType="tmRoot"/>
-      </p:par>
-    </p:tnLst>
-  </p:timing>
 </p:sld>
 </file>
 
@@ -10416,14 +12852,10 @@
           <a:p>
             <a:r>
               <a:rPr lang="zh-CN" altLang="en-US" dirty="0"/>
-              <a:t>中</a:t>
-            </a:r>
-            <a:r>
-              <a:rPr lang="zh-CN" altLang="en-US" dirty="0" smtClean="0"/>
-              <a:t>期特征</a:t>
-            </a:r>
-            <a:r>
-              <a:rPr lang="en-US" altLang="zh-CN" dirty="0" smtClean="0">
+              <a:t>中期特征</a:t>
+            </a:r>
+            <a:r>
+              <a:rPr lang="en-US" altLang="zh-CN" dirty="0">
                 <a:latin typeface="微软雅黑" pitchFamily="34" charset="-122"/>
                 <a:ea typeface="微软雅黑" pitchFamily="34" charset="-122"/>
               </a:rPr>
@@ -10459,343 +12891,105 @@
           <a:lstStyle/>
           <a:p>
             <a:r>
-              <a:rPr lang="zh-CN" altLang="en-US" dirty="0" smtClean="0"/>
+              <a:rPr lang="zh-CN" altLang="en-US" dirty="0"/>
               <a:t>第一</a:t>
             </a:r>
             <a:r>
-              <a:rPr lang="en-US" altLang="zh-CN" dirty="0" smtClean="0"/>
-              <a:t>:</a:t>
-            </a:r>
-            <a:r>
               <a:rPr lang="en-US" altLang="zh-CN" dirty="0"/>
-              <a:t>MV</a:t>
-            </a:r>
-            <a:r>
-              <a:rPr lang="zh-CN" altLang="en-US" dirty="0" smtClean="0"/>
+              <a:t>:MV</a:t>
+            </a:r>
+            <a:r>
+              <a:rPr lang="zh-CN" altLang="en-US" dirty="0"/>
               <a:t>*</a:t>
             </a:r>
             <a:r>
-              <a:rPr lang="en-US" altLang="zh-CN" dirty="0" smtClean="0"/>
+              <a:rPr lang="en-US" altLang="zh-CN" dirty="0"/>
               <a:t>web</a:t>
             </a:r>
             <a:r>
-              <a:rPr lang="zh-CN" altLang="en-US" dirty="0" smtClean="0"/>
+              <a:rPr lang="zh-CN" altLang="en-US" dirty="0"/>
               <a:t>架构</a:t>
             </a:r>
-            <a:endParaRPr lang="en-US" altLang="zh-CN" dirty="0" smtClean="0"/>
-          </a:p>
-          <a:p>
-            <a:endParaRPr lang="en-US" altLang="zh-CN" dirty="0" smtClean="0"/>
-          </a:p>
-          <a:p>
-            <a:r>
-              <a:rPr lang="en-US" altLang="zh-CN" dirty="0" smtClean="0"/>
+            <a:endParaRPr lang="en-US" altLang="zh-CN" dirty="0"/>
+          </a:p>
+          <a:p>
+            <a:endParaRPr lang="en-US" altLang="zh-CN" dirty="0"/>
+          </a:p>
+          <a:p>
+            <a:r>
+              <a:rPr lang="en-US" altLang="zh-CN" dirty="0"/>
               <a:t>1</a:t>
             </a:r>
             <a:r>
-              <a:rPr lang="zh-CN" altLang="en-US" dirty="0" smtClean="0"/>
+              <a:rPr lang="zh-CN" altLang="en-US" dirty="0"/>
               <a:t>、</a:t>
             </a:r>
             <a:r>
-              <a:rPr lang="en-US" altLang="zh-CN" dirty="0" err="1" smtClean="0"/>
+              <a:rPr lang="en-US" altLang="zh-CN" dirty="0" err="1"/>
               <a:t>mvvm</a:t>
             </a:r>
-            <a:endParaRPr lang="zh-CN" altLang="en-US" dirty="0" smtClean="0"/>
-          </a:p>
-          <a:p>
-            <a:r>
-              <a:rPr lang="zh-CN" altLang="en-US" dirty="0" smtClean="0"/>
-              <a:t/>
-            </a:r>
+            <a:endParaRPr lang="zh-CN" altLang="en-US" dirty="0"/>
+          </a:p>
+          <a:p>
             <a:br>
-              <a:rPr lang="zh-CN" altLang="en-US" dirty="0" smtClean="0"/>
+              <a:rPr lang="zh-CN" altLang="en-US" dirty="0"/>
             </a:br>
-            <a:endParaRPr lang="en-US" altLang="zh-CN" dirty="0" smtClean="0"/>
-          </a:p>
-          <a:p>
             <a:endParaRPr lang="en-US" altLang="zh-CN" dirty="0"/>
           </a:p>
           <a:p>
-            <a:endParaRPr lang="en-US" altLang="zh-CN" dirty="0" smtClean="0"/>
-          </a:p>
-          <a:p>
             <a:endParaRPr lang="en-US" altLang="zh-CN" dirty="0"/>
           </a:p>
           <a:p>
-            <a:endParaRPr lang="en-US" altLang="zh-CN" dirty="0" smtClean="0"/>
-          </a:p>
-          <a:p>
             <a:endParaRPr lang="en-US" altLang="zh-CN" dirty="0"/>
           </a:p>
           <a:p>
-            <a:endParaRPr lang="en-US" altLang="zh-CN" dirty="0" smtClean="0"/>
-          </a:p>
-          <a:p>
             <a:endParaRPr lang="en-US" altLang="zh-CN" dirty="0"/>
           </a:p>
           <a:p>
-            <a:endParaRPr lang="en-US" altLang="zh-CN" dirty="0" smtClean="0"/>
+            <a:endParaRPr lang="en-US" altLang="zh-CN" dirty="0"/>
+          </a:p>
+          <a:p>
+            <a:endParaRPr lang="en-US" altLang="zh-CN" dirty="0"/>
+          </a:p>
+          <a:p>
+            <a:endParaRPr lang="en-US" altLang="zh-CN" dirty="0"/>
+          </a:p>
+          <a:p>
+            <a:endParaRPr lang="en-US" altLang="zh-CN" dirty="0"/>
+          </a:p>
+          <a:p>
+            <a:endParaRPr lang="en-US" altLang="zh-CN" dirty="0"/>
           </a:p>
         </p:txBody>
       </p:sp>
-      <p:sp>
-        <p:nvSpPr>
-          <p:cNvPr id="6" name="文本框 5"/>
-          <p:cNvSpPr txBox="1"/>
-          <p:nvPr/>
-        </p:nvSpPr>
-        <p:spPr>
-          <a:xfrm>
-            <a:off x="7044211" y="4509120"/>
-            <a:ext cx="4785982" cy="1384995"/>
-          </a:xfrm>
-          <a:prstGeom prst="rect">
-            <a:avLst/>
-          </a:prstGeom>
-          <a:noFill/>
-        </p:spPr>
-        <p:txBody>
-          <a:bodyPr wrap="square" rtlCol="0">
-            <a:spAutoFit/>
-          </a:bodyPr>
-          <a:lstStyle/>
-          <a:p>
-            <a:r>
-              <a:rPr lang="en-US" altLang="zh-CN" sz="1400" dirty="0" smtClean="0">
-                <a:latin typeface="微软雅黑" panose="020B0503020204020204" pitchFamily="34" charset="-122"/>
-                <a:ea typeface="微软雅黑" panose="020B0503020204020204" pitchFamily="34" charset="-122"/>
-              </a:rPr>
-              <a:t>.</a:t>
-            </a:r>
-            <a:r>
-              <a:rPr lang="zh-CN" altLang="en-US" sz="1400" dirty="0" smtClean="0">
-                <a:latin typeface="微软雅黑" panose="020B0503020204020204" pitchFamily="34" charset="-122"/>
-                <a:ea typeface="微软雅黑" panose="020B0503020204020204" pitchFamily="34" charset="-122"/>
-              </a:rPr>
-              <a:t>其</a:t>
-            </a:r>
-            <a:r>
-              <a:rPr lang="en-US" altLang="zh-CN" sz="1400" dirty="0">
-                <a:latin typeface="微软雅黑" panose="020B0503020204020204" pitchFamily="34" charset="-122"/>
-                <a:ea typeface="微软雅黑" panose="020B0503020204020204" pitchFamily="34" charset="-122"/>
-              </a:rPr>
-              <a:t>MVP</a:t>
-            </a:r>
-            <a:r>
-              <a:rPr lang="zh-CN" altLang="en-US" sz="1400" dirty="0" smtClean="0">
-                <a:latin typeface="微软雅黑" panose="020B0503020204020204" pitchFamily="34" charset="-122"/>
-                <a:ea typeface="微软雅黑" panose="020B0503020204020204" pitchFamily="34" charset="-122"/>
-              </a:rPr>
-              <a:t>把</a:t>
-            </a:r>
-            <a:r>
-              <a:rPr lang="en-US" altLang="zh-CN" sz="1400" dirty="0">
-                <a:latin typeface="微软雅黑" panose="020B0503020204020204" pitchFamily="34" charset="-122"/>
-                <a:ea typeface="微软雅黑" panose="020B0503020204020204" pitchFamily="34" charset="-122"/>
-              </a:rPr>
-              <a:t>Model</a:t>
-            </a:r>
-            <a:r>
-              <a:rPr lang="zh-CN" altLang="en-US" sz="1400" dirty="0" smtClean="0">
-                <a:latin typeface="微软雅黑" panose="020B0503020204020204" pitchFamily="34" charset="-122"/>
-                <a:ea typeface="微软雅黑" panose="020B0503020204020204" pitchFamily="34" charset="-122"/>
-              </a:rPr>
-              <a:t>层抽象为类似于</a:t>
-            </a:r>
-            <a:r>
-              <a:rPr lang="en-US" altLang="zh-CN" sz="1400" dirty="0">
-                <a:latin typeface="微软雅黑" panose="020B0503020204020204" pitchFamily="34" charset="-122"/>
-                <a:ea typeface="微软雅黑" panose="020B0503020204020204" pitchFamily="34" charset="-122"/>
-              </a:rPr>
-              <a:t>MVVM</a:t>
-            </a:r>
-            <a:r>
-              <a:rPr lang="zh-CN" altLang="en-US" sz="1400" dirty="0">
-                <a:latin typeface="微软雅黑" panose="020B0503020204020204" pitchFamily="34" charset="-122"/>
-                <a:ea typeface="微软雅黑" panose="020B0503020204020204" pitchFamily="34" charset="-122"/>
-              </a:rPr>
-              <a:t>的</a:t>
-            </a:r>
-            <a:r>
-              <a:rPr lang="en-US" altLang="zh-CN" sz="1400" dirty="0" err="1">
-                <a:latin typeface="微软雅黑" panose="020B0503020204020204" pitchFamily="34" charset="-122"/>
-                <a:ea typeface="微软雅黑" panose="020B0503020204020204" pitchFamily="34" charset="-122"/>
-              </a:rPr>
-              <a:t>ViewModel</a:t>
-            </a:r>
-            <a:r>
-              <a:rPr lang="en-US" altLang="zh-CN" sz="1400" dirty="0">
-                <a:latin typeface="微软雅黑" panose="020B0503020204020204" pitchFamily="34" charset="-122"/>
-                <a:ea typeface="微软雅黑" panose="020B0503020204020204" pitchFamily="34" charset="-122"/>
-              </a:rPr>
-              <a:t>,</a:t>
-            </a:r>
-            <a:r>
-              <a:rPr lang="zh-CN" altLang="en-US" sz="1400" dirty="0">
-                <a:latin typeface="微软雅黑" panose="020B0503020204020204" pitchFamily="34" charset="-122"/>
-                <a:ea typeface="微软雅黑" panose="020B0503020204020204" pitchFamily="34" charset="-122"/>
-              </a:rPr>
-              <a:t>主要负责存储抽象逻辑数据</a:t>
-            </a:r>
-            <a:r>
-              <a:rPr lang="en-US" altLang="zh-CN" sz="1400" dirty="0">
-                <a:latin typeface="微软雅黑" panose="020B0503020204020204" pitchFamily="34" charset="-122"/>
-                <a:ea typeface="微软雅黑" panose="020B0503020204020204" pitchFamily="34" charset="-122"/>
-              </a:rPr>
-              <a:t>,</a:t>
-            </a:r>
-            <a:r>
-              <a:rPr lang="zh-CN" altLang="en-US" sz="1400" dirty="0">
-                <a:latin typeface="微软雅黑" panose="020B0503020204020204" pitchFamily="34" charset="-122"/>
-                <a:ea typeface="微软雅黑" panose="020B0503020204020204" pitchFamily="34" charset="-122"/>
-              </a:rPr>
-              <a:t>另外</a:t>
-            </a:r>
-            <a:r>
-              <a:rPr lang="en-US" altLang="zh-CN" sz="1400" dirty="0">
-                <a:latin typeface="微软雅黑" panose="020B0503020204020204" pitchFamily="34" charset="-122"/>
-                <a:ea typeface="微软雅黑" panose="020B0503020204020204" pitchFamily="34" charset="-122"/>
-              </a:rPr>
-              <a:t>Model</a:t>
-            </a:r>
-            <a:r>
-              <a:rPr lang="zh-CN" altLang="en-US" sz="1400" dirty="0">
-                <a:latin typeface="微软雅黑" panose="020B0503020204020204" pitchFamily="34" charset="-122"/>
-                <a:ea typeface="微软雅黑" panose="020B0503020204020204" pitchFamily="34" charset="-122"/>
-              </a:rPr>
-              <a:t>层主还有部分工作实现对应的协议层协议</a:t>
-            </a:r>
-            <a:r>
-              <a:rPr lang="en-US" altLang="zh-CN" sz="1400" dirty="0">
-                <a:latin typeface="微软雅黑" panose="020B0503020204020204" pitchFamily="34" charset="-122"/>
-                <a:ea typeface="微软雅黑" panose="020B0503020204020204" pitchFamily="34" charset="-122"/>
-              </a:rPr>
-              <a:t>,</a:t>
-            </a:r>
-            <a:r>
-              <a:rPr lang="zh-CN" altLang="en-US" sz="1400" dirty="0">
-                <a:latin typeface="微软雅黑" panose="020B0503020204020204" pitchFamily="34" charset="-122"/>
-                <a:ea typeface="微软雅黑" panose="020B0503020204020204" pitchFamily="34" charset="-122"/>
-              </a:rPr>
-              <a:t>提供协议对应的各种属性以及服务</a:t>
-            </a:r>
-            <a:r>
-              <a:rPr lang="zh-CN" altLang="en-US" sz="1400" dirty="0" smtClean="0">
-                <a:latin typeface="微软雅黑" panose="020B0503020204020204" pitchFamily="34" charset="-122"/>
-                <a:ea typeface="微软雅黑" panose="020B0503020204020204" pitchFamily="34" charset="-122"/>
-              </a:rPr>
-              <a:t>。</a:t>
-            </a:r>
-            <a:endParaRPr lang="en-US" altLang="zh-CN" sz="1400" dirty="0" smtClean="0">
-              <a:latin typeface="微软雅黑" panose="020B0503020204020204" pitchFamily="34" charset="-122"/>
-              <a:ea typeface="微软雅黑" panose="020B0503020204020204" pitchFamily="34" charset="-122"/>
-            </a:endParaRPr>
-          </a:p>
-          <a:p>
-            <a:endParaRPr lang="en-US" altLang="zh-CN" sz="1400" dirty="0" smtClean="0">
-              <a:latin typeface="微软雅黑" panose="020B0503020204020204" pitchFamily="34" charset="-122"/>
-              <a:ea typeface="微软雅黑" panose="020B0503020204020204" pitchFamily="34" charset="-122"/>
-            </a:endParaRPr>
-          </a:p>
-          <a:p>
-            <a:r>
-              <a:rPr lang="en-US" altLang="zh-CN" sz="1400" dirty="0" smtClean="0">
-                <a:latin typeface="微软雅黑" panose="020B0503020204020204" pitchFamily="34" charset="-122"/>
-                <a:ea typeface="微软雅黑" panose="020B0503020204020204" pitchFamily="34" charset="-122"/>
-              </a:rPr>
-              <a:t>.</a:t>
-            </a:r>
-            <a:r>
-              <a:rPr lang="zh-CN" altLang="en-US" sz="1400" dirty="0" smtClean="0">
-                <a:latin typeface="微软雅黑" panose="020B0503020204020204" pitchFamily="34" charset="-122"/>
-                <a:ea typeface="微软雅黑" panose="020B0503020204020204" pitchFamily="34" charset="-122"/>
-              </a:rPr>
-              <a:t>把</a:t>
-            </a:r>
-            <a:r>
-              <a:rPr lang="zh-CN" altLang="en-US" sz="1400" dirty="0">
-                <a:latin typeface="微软雅黑" panose="020B0503020204020204" pitchFamily="34" charset="-122"/>
-                <a:ea typeface="微软雅黑" panose="020B0503020204020204" pitchFamily="34" charset="-122"/>
-              </a:rPr>
-              <a:t>业务逻辑抽象成</a:t>
-            </a:r>
-            <a:r>
-              <a:rPr lang="en-US" altLang="zh-CN" sz="1400" dirty="0">
-                <a:latin typeface="微软雅黑" panose="020B0503020204020204" pitchFamily="34" charset="-122"/>
-                <a:ea typeface="微软雅黑" panose="020B0503020204020204" pitchFamily="34" charset="-122"/>
-              </a:rPr>
-              <a:t>Presenter</a:t>
-            </a:r>
-            <a:r>
-              <a:rPr lang="zh-CN" altLang="en-US" sz="1400" dirty="0">
-                <a:latin typeface="微软雅黑" panose="020B0503020204020204" pitchFamily="34" charset="-122"/>
-                <a:ea typeface="微软雅黑" panose="020B0503020204020204" pitchFamily="34" charset="-122"/>
-              </a:rPr>
-              <a:t>接口</a:t>
-            </a:r>
-            <a:r>
-              <a:rPr lang="zh-CN" altLang="en-US" sz="1400" dirty="0" smtClean="0">
-                <a:latin typeface="微软雅黑" panose="020B0503020204020204" pitchFamily="34" charset="-122"/>
-                <a:ea typeface="微软雅黑" panose="020B0503020204020204" pitchFamily="34" charset="-122"/>
-              </a:rPr>
-              <a:t>，</a:t>
-            </a:r>
-            <a:r>
-              <a:rPr lang="en-US" altLang="zh-CN" sz="1400" dirty="0" smtClean="0">
-                <a:latin typeface="微软雅黑" panose="020B0503020204020204" pitchFamily="34" charset="-122"/>
-                <a:ea typeface="微软雅黑" panose="020B0503020204020204" pitchFamily="34" charset="-122"/>
-              </a:rPr>
-              <a:t>view</a:t>
-            </a:r>
-            <a:r>
-              <a:rPr lang="zh-CN" altLang="en-US" sz="1400" dirty="0" smtClean="0">
-                <a:latin typeface="微软雅黑" panose="020B0503020204020204" pitchFamily="34" charset="-122"/>
-                <a:ea typeface="微软雅黑" panose="020B0503020204020204" pitchFamily="34" charset="-122"/>
-              </a:rPr>
-              <a:t>和</a:t>
-            </a:r>
-            <a:r>
-              <a:rPr lang="en-US" altLang="zh-CN" sz="1400" dirty="0" smtClean="0">
-                <a:latin typeface="微软雅黑" panose="020B0503020204020204" pitchFamily="34" charset="-122"/>
-                <a:ea typeface="微软雅黑" panose="020B0503020204020204" pitchFamily="34" charset="-122"/>
-              </a:rPr>
-              <a:t>Presenter</a:t>
-            </a:r>
-            <a:r>
-              <a:rPr lang="zh-CN" altLang="en-US" sz="1400" dirty="0" smtClean="0">
-                <a:latin typeface="微软雅黑" panose="020B0503020204020204" pitchFamily="34" charset="-122"/>
-                <a:ea typeface="微软雅黑" panose="020B0503020204020204" pitchFamily="34" charset="-122"/>
-              </a:rPr>
-              <a:t>紧密贴合</a:t>
-            </a:r>
-            <a:r>
-              <a:rPr lang="en-US" altLang="zh-CN" sz="1400" dirty="0" smtClean="0">
-                <a:latin typeface="微软雅黑" panose="020B0503020204020204" pitchFamily="34" charset="-122"/>
-                <a:ea typeface="微软雅黑" panose="020B0503020204020204" pitchFamily="34" charset="-122"/>
-              </a:rPr>
-              <a:t>(</a:t>
-            </a:r>
-            <a:r>
-              <a:rPr lang="zh-CN" altLang="en-US" sz="1400" dirty="0" smtClean="0">
-                <a:latin typeface="微软雅黑" panose="020B0503020204020204" pitchFamily="34" charset="-122"/>
-                <a:ea typeface="微软雅黑" panose="020B0503020204020204" pitchFamily="34" charset="-122"/>
-              </a:rPr>
-              <a:t>界面代码耦合到前端的业务逻辑</a:t>
-            </a:r>
-            <a:r>
-              <a:rPr lang="en-US" altLang="zh-CN" sz="1400" dirty="0" smtClean="0">
-                <a:latin typeface="微软雅黑" panose="020B0503020204020204" pitchFamily="34" charset="-122"/>
-                <a:ea typeface="微软雅黑" panose="020B0503020204020204" pitchFamily="34" charset="-122"/>
-              </a:rPr>
-              <a:t>)</a:t>
-            </a:r>
-            <a:endParaRPr lang="zh-CN" altLang="en-US" sz="1400" dirty="0">
-              <a:latin typeface="微软雅黑" panose="020B0503020204020204" pitchFamily="34" charset="-122"/>
-              <a:ea typeface="微软雅黑" panose="020B0503020204020204" pitchFamily="34" charset="-122"/>
-            </a:endParaRPr>
-          </a:p>
-        </p:txBody>
-      </p:sp>
+      <p:graphicFrame>
+        <p:nvGraphicFramePr>
+          <p:cNvPr id="5" name="图示 4">
+            <a:extLst>
+              <a:ext uri="{FF2B5EF4-FFF2-40B4-BE49-F238E27FC236}">
+                <a16:creationId xmlns:a16="http://schemas.microsoft.com/office/drawing/2014/main" id="{52486A9E-CE17-474B-9C56-8DA7FA5530F5}"/>
+              </a:ext>
+            </a:extLst>
+          </p:cNvPr>
+          <p:cNvGraphicFramePr/>
+          <p:nvPr>
+            <p:extLst>
+              <p:ext uri="{D42A27DB-BD31-4B8C-83A1-F6EECF244321}">
+                <p14:modId xmlns:p14="http://schemas.microsoft.com/office/powerpoint/2010/main" val="1959080967"/>
+              </p:ext>
+            </p:extLst>
+          </p:nvPr>
+        </p:nvGraphicFramePr>
+        <p:xfrm>
+          <a:off x="2998068" y="2168858"/>
+          <a:ext cx="4785982" cy="2520281"/>
+        </p:xfrm>
+        <a:graphic>
+          <a:graphicData uri="http://schemas.openxmlformats.org/drawingml/2006/diagram">
+            <dgm:relIds xmlns:dgm="http://schemas.openxmlformats.org/drawingml/2006/diagram" xmlns:r="http://schemas.openxmlformats.org/officeDocument/2006/relationships" r:dm="rId2" r:lo="rId3" r:qs="rId4" r:cs="rId5"/>
+          </a:graphicData>
+        </a:graphic>
+      </p:graphicFrame>
       <p:pic>
         <p:nvPicPr>
           <p:cNvPr id="4" name="图片 3"/>
@@ -10805,14 +12999,14 @@
           <p:nvPr/>
         </p:nvPicPr>
         <p:blipFill>
-          <a:blip r:embed="rId2"/>
+          <a:blip r:embed="rId7"/>
           <a:stretch>
             <a:fillRect/>
           </a:stretch>
         </p:blipFill>
         <p:spPr>
           <a:xfrm>
-            <a:off x="7039110" y="2132856"/>
+            <a:off x="7055417" y="2168859"/>
             <a:ext cx="4522809" cy="2520281"/>
           </a:xfrm>
           <a:prstGeom prst="rect">
@@ -10842,13 +13036,6 @@
       </p:transition>
     </mc:Fallback>
   </mc:AlternateContent>
-  <p:timing>
-    <p:tnLst>
-      <p:par>
-        <p:cTn id="1" dur="indefinite" restart="never" nodeType="tmRoot"/>
-      </p:par>
-    </p:tnLst>
-  </p:timing>
 </p:sld>
 </file>
 
@@ -10886,14 +13073,10 @@
           <a:p>
             <a:r>
               <a:rPr lang="zh-CN" altLang="en-US" dirty="0"/>
-              <a:t>中期</a:t>
-            </a:r>
-            <a:r>
-              <a:rPr lang="zh-CN" altLang="en-US" dirty="0" smtClean="0"/>
-              <a:t>特征</a:t>
-            </a:r>
-            <a:r>
-              <a:rPr lang="en-US" altLang="zh-CN" dirty="0" smtClean="0">
+              <a:t>中期特征</a:t>
+            </a:r>
+            <a:r>
+              <a:rPr lang="en-US" altLang="zh-CN" dirty="0">
                 <a:latin typeface="微软雅黑" pitchFamily="34" charset="-122"/>
                 <a:ea typeface="微软雅黑" pitchFamily="34" charset="-122"/>
               </a:rPr>
@@ -10933,13 +13116,12 @@
           <a:p>
             <a:r>
               <a:rPr lang="zh-CN" altLang="en-US" dirty="0"/>
-              <a:t>      </a:t>
-            </a:r>
-            <a:r>
-              <a:rPr lang="zh-CN" altLang="en-US" dirty="0" smtClean="0"/>
-              <a:t> 第二，计算任务只能在服务端实现。</a:t>
-            </a:r>
-            <a:endParaRPr lang="en-US" altLang="zh-CN" dirty="0" smtClean="0"/>
+              <a:t>       第二，桌面版到移动版</a:t>
+            </a:r>
+            <a:endParaRPr lang="en-US" altLang="zh-CN" dirty="0"/>
+          </a:p>
+          <a:p>
+            <a:endParaRPr lang="en-US" altLang="zh-CN" dirty="0"/>
           </a:p>
           <a:p>
             <a:endParaRPr lang="en-US" altLang="zh-CN" dirty="0">
@@ -10948,7 +13130,7 @@
             </a:endParaRPr>
           </a:p>
           <a:p>
-            <a:endParaRPr lang="en-US" altLang="zh-CN" dirty="0" smtClean="0"/>
+            <a:endParaRPr lang="en-US" altLang="zh-CN" dirty="0"/>
           </a:p>
           <a:p>
             <a:endParaRPr lang="en-US" altLang="zh-CN" dirty="0">
@@ -10957,7 +13139,7 @@
             </a:endParaRPr>
           </a:p>
           <a:p>
-            <a:endParaRPr lang="en-US" altLang="zh-CN" dirty="0" smtClean="0"/>
+            <a:endParaRPr lang="en-US" altLang="zh-CN" dirty="0"/>
           </a:p>
           <a:p>
             <a:endParaRPr lang="en-US" altLang="zh-CN" dirty="0">
@@ -10966,7 +13148,7 @@
             </a:endParaRPr>
           </a:p>
           <a:p>
-            <a:endParaRPr lang="en-US" altLang="zh-CN" dirty="0" smtClean="0"/>
+            <a:endParaRPr lang="en-US" altLang="zh-CN" dirty="0"/>
           </a:p>
           <a:p>
             <a:endParaRPr lang="en-US" altLang="zh-CN" dirty="0">
@@ -10975,7 +13157,7 @@
             </a:endParaRPr>
           </a:p>
           <a:p>
-            <a:endParaRPr lang="en-US" altLang="zh-CN" dirty="0" smtClean="0"/>
+            <a:endParaRPr lang="en-US" altLang="zh-CN" dirty="0"/>
           </a:p>
           <a:p>
             <a:endParaRPr lang="en-US" altLang="zh-CN" dirty="0">
@@ -10984,7 +13166,7 @@
             </a:endParaRPr>
           </a:p>
           <a:p>
-            <a:endParaRPr lang="en-US" altLang="zh-CN" dirty="0" smtClean="0"/>
+            <a:endParaRPr lang="en-US" altLang="zh-CN" dirty="0"/>
           </a:p>
           <a:p>
             <a:endParaRPr lang="en-US" altLang="zh-CN" dirty="0">
@@ -11002,34 +13184,249 @@
       </p:sp>
       <p:pic>
         <p:nvPicPr>
-          <p:cNvPr id="4" name="图片 3"/>
+          <p:cNvPr id="5" name="图片 4">
+            <a:extLst>
+              <a:ext uri="{FF2B5EF4-FFF2-40B4-BE49-F238E27FC236}">
+                <a16:creationId xmlns:a16="http://schemas.microsoft.com/office/drawing/2014/main" id="{5B6D9B67-4850-4D22-85C0-A70E753E41BD}"/>
+              </a:ext>
+            </a:extLst>
+          </p:cNvPr>
           <p:cNvPicPr>
             <a:picLocks noChangeAspect="1"/>
           </p:cNvPicPr>
           <p:nvPr/>
         </p:nvPicPr>
         <p:blipFill>
-          <a:blip r:embed="rId2">
-            <a:extLst>
-              <a:ext uri="{28A0092B-C50C-407E-A947-70E740481C1C}">
-                <a14:useLocalDpi xmlns:a14="http://schemas.microsoft.com/office/drawing/2010/main" val="0"/>
-              </a:ext>
-            </a:extLst>
-          </a:blip>
+          <a:blip r:embed="rId2"/>
           <a:stretch>
             <a:fillRect/>
           </a:stretch>
         </p:blipFill>
         <p:spPr>
           <a:xfrm>
-            <a:off x="3049760" y="1396194"/>
-            <a:ext cx="8877300" cy="3162300"/>
+            <a:off x="261764" y="233635"/>
+            <a:ext cx="6647619" cy="3771429"/>
           </a:xfrm>
           <a:prstGeom prst="rect">
             <a:avLst/>
           </a:prstGeom>
         </p:spPr>
       </p:pic>
+      <p:pic>
+        <p:nvPicPr>
+          <p:cNvPr id="6" name="图片 5">
+            <a:extLst>
+              <a:ext uri="{FF2B5EF4-FFF2-40B4-BE49-F238E27FC236}">
+                <a16:creationId xmlns:a16="http://schemas.microsoft.com/office/drawing/2014/main" id="{68EDD7FF-4997-426D-AB89-2E61EB648C14}"/>
+              </a:ext>
+            </a:extLst>
+          </p:cNvPr>
+          <p:cNvPicPr>
+            <a:picLocks noChangeAspect="1"/>
+          </p:cNvPicPr>
+          <p:nvPr/>
+        </p:nvPicPr>
+        <p:blipFill>
+          <a:blip r:embed="rId3"/>
+          <a:stretch>
+            <a:fillRect/>
+          </a:stretch>
+        </p:blipFill>
+        <p:spPr>
+          <a:xfrm>
+            <a:off x="6958507" y="1052736"/>
+            <a:ext cx="4968553" cy="3627467"/>
+          </a:xfrm>
+          <a:prstGeom prst="rect">
+            <a:avLst/>
+          </a:prstGeom>
+        </p:spPr>
+      </p:pic>
+      <p:sp>
+        <p:nvSpPr>
+          <p:cNvPr id="8" name="文本框 7">
+            <a:extLst>
+              <a:ext uri="{FF2B5EF4-FFF2-40B4-BE49-F238E27FC236}">
+                <a16:creationId xmlns:a16="http://schemas.microsoft.com/office/drawing/2014/main" id="{FB0168CD-86A1-4139-A92D-FDC33F780571}"/>
+              </a:ext>
+            </a:extLst>
+          </p:cNvPr>
+          <p:cNvSpPr txBox="1"/>
+          <p:nvPr/>
+        </p:nvSpPr>
+        <p:spPr>
+          <a:xfrm>
+            <a:off x="6958507" y="4712381"/>
+            <a:ext cx="4742709" cy="1200329"/>
+          </a:xfrm>
+          <a:prstGeom prst="rect">
+            <a:avLst/>
+          </a:prstGeom>
+          <a:noFill/>
+        </p:spPr>
+        <p:txBody>
+          <a:bodyPr wrap="none" rtlCol="0">
+            <a:spAutoFit/>
+          </a:bodyPr>
+          <a:lstStyle/>
+          <a:p>
+            <a:pPr>
+              <a:lnSpc>
+                <a:spcPct val="90000"/>
+              </a:lnSpc>
+            </a:pPr>
+            <a:r>
+              <a:rPr lang="zh-CN" altLang="en-US" sz="1600" dirty="0">
+                <a:latin typeface="微软雅黑" panose="020B0503020204020204" pitchFamily="34" charset="-122"/>
+                <a:ea typeface="微软雅黑" panose="020B0503020204020204" pitchFamily="34" charset="-122"/>
+              </a:rPr>
+              <a:t>构建流程：</a:t>
+            </a:r>
+            <a:endParaRPr lang="en-US" altLang="zh-CN" sz="1600" dirty="0">
+              <a:latin typeface="微软雅黑" panose="020B0503020204020204" pitchFamily="34" charset="-122"/>
+              <a:ea typeface="微软雅黑" panose="020B0503020204020204" pitchFamily="34" charset="-122"/>
+            </a:endParaRPr>
+          </a:p>
+          <a:p>
+            <a:pPr>
+              <a:lnSpc>
+                <a:spcPct val="90000"/>
+              </a:lnSpc>
+            </a:pPr>
+            <a:endParaRPr lang="en-US" altLang="zh-CN" sz="1600" dirty="0">
+              <a:latin typeface="微软雅黑" panose="020B0503020204020204" pitchFamily="34" charset="-122"/>
+              <a:ea typeface="微软雅黑" panose="020B0503020204020204" pitchFamily="34" charset="-122"/>
+            </a:endParaRPr>
+          </a:p>
+          <a:p>
+            <a:pPr>
+              <a:lnSpc>
+                <a:spcPct val="90000"/>
+              </a:lnSpc>
+            </a:pPr>
+            <a:r>
+              <a:rPr lang="en-US" altLang="zh-CN" sz="1600" dirty="0">
+                <a:latin typeface="微软雅黑" panose="020B0503020204020204" pitchFamily="34" charset="-122"/>
+                <a:ea typeface="微软雅黑" panose="020B0503020204020204" pitchFamily="34" charset="-122"/>
+              </a:rPr>
+              <a:t>      1.</a:t>
+            </a:r>
+            <a:r>
+              <a:rPr lang="zh-CN" altLang="en-US" sz="1600" dirty="0">
+                <a:latin typeface="微软雅黑" panose="020B0503020204020204" pitchFamily="34" charset="-122"/>
+                <a:ea typeface="微软雅黑" panose="020B0503020204020204" pitchFamily="34" charset="-122"/>
+              </a:rPr>
+              <a:t>服务端暴露服务接口。</a:t>
+            </a:r>
+            <a:endParaRPr lang="en-US" altLang="zh-CN" sz="1600" dirty="0">
+              <a:latin typeface="微软雅黑" panose="020B0503020204020204" pitchFamily="34" charset="-122"/>
+              <a:ea typeface="微软雅黑" panose="020B0503020204020204" pitchFamily="34" charset="-122"/>
+            </a:endParaRPr>
+          </a:p>
+          <a:p>
+            <a:pPr>
+              <a:lnSpc>
+                <a:spcPct val="90000"/>
+              </a:lnSpc>
+            </a:pPr>
+            <a:r>
+              <a:rPr lang="en-US" altLang="zh-CN" sz="1600" dirty="0">
+                <a:latin typeface="微软雅黑" panose="020B0503020204020204" pitchFamily="34" charset="-122"/>
+                <a:ea typeface="微软雅黑" panose="020B0503020204020204" pitchFamily="34" charset="-122"/>
+              </a:rPr>
+              <a:t>      2.</a:t>
+            </a:r>
+            <a:r>
+              <a:rPr lang="zh-CN" altLang="en-US" sz="1600" dirty="0">
+                <a:latin typeface="微软雅黑" panose="020B0503020204020204" pitchFamily="34" charset="-122"/>
+                <a:ea typeface="微软雅黑" panose="020B0503020204020204" pitchFamily="34" charset="-122"/>
+              </a:rPr>
+              <a:t>借助各端</a:t>
+            </a:r>
+            <a:r>
+              <a:rPr lang="en-US" altLang="zh-CN" sz="1600" dirty="0" err="1">
+                <a:latin typeface="微软雅黑" panose="020B0503020204020204" pitchFamily="34" charset="-122"/>
+                <a:ea typeface="微软雅黑" panose="020B0503020204020204" pitchFamily="34" charset="-122"/>
+              </a:rPr>
+              <a:t>sdk</a:t>
+            </a:r>
+            <a:r>
+              <a:rPr lang="en-US" altLang="zh-CN" sz="1600" dirty="0">
+                <a:latin typeface="微软雅黑" panose="020B0503020204020204" pitchFamily="34" charset="-122"/>
+                <a:ea typeface="微软雅黑" panose="020B0503020204020204" pitchFamily="34" charset="-122"/>
+              </a:rPr>
+              <a:t>,</a:t>
+            </a:r>
+            <a:r>
+              <a:rPr lang="zh-CN" altLang="en-US" sz="1600" dirty="0">
+                <a:latin typeface="微软雅黑" panose="020B0503020204020204" pitchFamily="34" charset="-122"/>
+                <a:ea typeface="微软雅黑" panose="020B0503020204020204" pitchFamily="34" charset="-122"/>
+              </a:rPr>
+              <a:t>如（</a:t>
+            </a:r>
+            <a:r>
+              <a:rPr lang="en-US" altLang="zh-CN" sz="1600" dirty="0">
+                <a:latin typeface="微软雅黑" panose="020B0503020204020204" pitchFamily="34" charset="-122"/>
+                <a:ea typeface="微软雅黑" panose="020B0503020204020204" pitchFamily="34" charset="-122"/>
+              </a:rPr>
+              <a:t>Cordova</a:t>
+            </a:r>
+            <a:r>
+              <a:rPr lang="zh-CN" altLang="en-US" sz="1600" dirty="0">
+                <a:latin typeface="微软雅黑" panose="020B0503020204020204" pitchFamily="34" charset="-122"/>
+                <a:ea typeface="微软雅黑" panose="020B0503020204020204" pitchFamily="34" charset="-122"/>
+              </a:rPr>
+              <a:t>，</a:t>
+            </a:r>
+            <a:r>
+              <a:rPr lang="en-US" altLang="zh-CN" sz="1600" dirty="0">
+                <a:latin typeface="微软雅黑" panose="020B0503020204020204" pitchFamily="34" charset="-122"/>
+                <a:ea typeface="微软雅黑" panose="020B0503020204020204" pitchFamily="34" charset="-122"/>
+              </a:rPr>
+              <a:t>android </a:t>
+            </a:r>
+            <a:r>
+              <a:rPr lang="en-US" altLang="zh-CN" sz="1600" dirty="0" err="1">
+                <a:latin typeface="微软雅黑" panose="020B0503020204020204" pitchFamily="34" charset="-122"/>
+                <a:ea typeface="微软雅黑" panose="020B0503020204020204" pitchFamily="34" charset="-122"/>
+              </a:rPr>
+              <a:t>sdk</a:t>
+            </a:r>
+            <a:r>
+              <a:rPr lang="zh-CN" altLang="en-US" sz="1600" dirty="0">
+                <a:latin typeface="微软雅黑" panose="020B0503020204020204" pitchFamily="34" charset="-122"/>
+                <a:ea typeface="微软雅黑" panose="020B0503020204020204" pitchFamily="34" charset="-122"/>
+              </a:rPr>
+              <a:t>）</a:t>
+            </a:r>
+            <a:endParaRPr lang="en-US" altLang="zh-CN" sz="1600" dirty="0">
+              <a:latin typeface="微软雅黑" panose="020B0503020204020204" pitchFamily="34" charset="-122"/>
+              <a:ea typeface="微软雅黑" panose="020B0503020204020204" pitchFamily="34" charset="-122"/>
+            </a:endParaRPr>
+          </a:p>
+          <a:p>
+            <a:pPr>
+              <a:lnSpc>
+                <a:spcPct val="90000"/>
+              </a:lnSpc>
+            </a:pPr>
+            <a:r>
+              <a:rPr lang="en-US" altLang="zh-CN" sz="1600" dirty="0">
+                <a:latin typeface="微软雅黑" panose="020B0503020204020204" pitchFamily="34" charset="-122"/>
+                <a:ea typeface="微软雅黑" panose="020B0503020204020204" pitchFamily="34" charset="-122"/>
+              </a:rPr>
+              <a:t>      3.</a:t>
+            </a:r>
+            <a:r>
+              <a:rPr lang="zh-CN" altLang="en-US" sz="1600" dirty="0">
+                <a:latin typeface="微软雅黑" panose="020B0503020204020204" pitchFamily="34" charset="-122"/>
+                <a:ea typeface="微软雅黑" panose="020B0503020204020204" pitchFamily="34" charset="-122"/>
+              </a:rPr>
+              <a:t>实现各端前端界面，联通各服务模块。</a:t>
+            </a:r>
+          </a:p>
+        </p:txBody>
+      </p:sp>
     </p:spTree>
     <p:extLst>
       <p:ext uri="{BB962C8B-B14F-4D97-AF65-F5344CB8AC3E}">
@@ -11052,13 +13449,6 @@
       </p:transition>
     </mc:Fallback>
   </mc:AlternateContent>
-  <p:timing>
-    <p:tnLst>
-      <p:par>
-        <p:cTn id="1" dur="indefinite" restart="never" nodeType="tmRoot"/>
-      </p:par>
-    </p:tnLst>
-  </p:timing>
 </p:sld>
 </file>
 
@@ -11095,19 +13485,31 @@
           <a:lstStyle/>
           <a:p>
             <a:r>
-              <a:rPr lang="zh-CN" altLang="en-US" dirty="0"/>
-              <a:t>中期</a:t>
-            </a:r>
-            <a:r>
-              <a:rPr lang="zh-CN" altLang="en-US" dirty="0" smtClean="0"/>
-              <a:t>特征</a:t>
-            </a:r>
-            <a:r>
-              <a:rPr lang="en-US" altLang="zh-CN" dirty="0" smtClean="0">
+              <a:rPr lang="zh-CN" altLang="en-US" dirty="0">
+                <a:latin typeface="微软雅黑" pitchFamily="34" charset="-122"/>
+                <a:ea typeface="微软雅黑" pitchFamily="34" charset="-122"/>
+              </a:rPr>
+              <a:t>现在的前端</a:t>
+            </a:r>
+            <a:r>
+              <a:rPr lang="en-US" altLang="zh-CN" dirty="0">
                 <a:latin typeface="微软雅黑" pitchFamily="34" charset="-122"/>
                 <a:ea typeface="微软雅黑" pitchFamily="34" charset="-122"/>
               </a:rPr>
               <a:t>:</a:t>
+            </a:r>
+            <a:br>
+              <a:rPr lang="en-US" altLang="zh-CN" dirty="0">
+                <a:latin typeface="微软雅黑" pitchFamily="34" charset="-122"/>
+                <a:ea typeface="微软雅黑" pitchFamily="34" charset="-122"/>
+              </a:rPr>
+            </a:br>
+            <a:r>
+              <a:rPr lang="zh-CN" altLang="en-US" dirty="0">
+                <a:latin typeface="微软雅黑" pitchFamily="34" charset="-122"/>
+                <a:ea typeface="微软雅黑" pitchFamily="34" charset="-122"/>
+              </a:rPr>
+              <a:t>（以溯源为例子）</a:t>
             </a:r>
             <a:endParaRPr lang="zh-CN" dirty="0">
               <a:latin typeface="微软雅黑" pitchFamily="34" charset="-122"/>
@@ -11138,57 +13540,99 @@
           </a:bodyPr>
           <a:lstStyle/>
           <a:p>
-            <a:endParaRPr lang="zh-CN" altLang="en-US" dirty="0"/>
-          </a:p>
-          <a:p>
             <a:r>
               <a:rPr lang="zh-CN" altLang="en-US" dirty="0"/>
-              <a:t>       第三，所有页面都是静态的</a:t>
-            </a:r>
-            <a:r>
-              <a:rPr lang="zh-CN" altLang="en-US" dirty="0" smtClean="0"/>
+              <a:t>前端最新关键字：</a:t>
+            </a:r>
+            <a:endParaRPr lang="en-US" altLang="zh-CN" dirty="0"/>
+          </a:p>
+          <a:p>
+            <a:endParaRPr lang="en-US" altLang="zh-CN" dirty="0"/>
+          </a:p>
+          <a:p>
+            <a:r>
+              <a:rPr lang="zh-CN" altLang="en-US" dirty="0"/>
+              <a:t>模块化，</a:t>
+            </a:r>
+            <a:endParaRPr lang="en-US" altLang="zh-CN" dirty="0"/>
+          </a:p>
+          <a:p>
+            <a:endParaRPr lang="en-US" altLang="zh-CN" dirty="0"/>
+          </a:p>
+          <a:p>
+            <a:r>
+              <a:rPr lang="zh-CN" altLang="en-US" dirty="0"/>
+              <a:t>前端自动化构建工具，</a:t>
+            </a:r>
+            <a:endParaRPr lang="en-US" altLang="zh-CN" dirty="0"/>
+          </a:p>
+          <a:p>
+            <a:endParaRPr lang="en-US" altLang="zh-CN" dirty="0"/>
+          </a:p>
+          <a:p>
+            <a:r>
+              <a:rPr lang="en-US" altLang="zh-CN" b="1" dirty="0"/>
+              <a:t>Angular</a:t>
+            </a:r>
+            <a:r>
+              <a:rPr lang="zh-CN" altLang="en-US" b="1" dirty="0"/>
+              <a:t>，（</a:t>
+            </a:r>
+            <a:r>
+              <a:rPr lang="en-US" altLang="zh-CN" b="1" dirty="0"/>
+              <a:t> </a:t>
+            </a:r>
+            <a:r>
+              <a:rPr lang="en-US" altLang="zh-CN" b="1" dirty="0" err="1"/>
+              <a:t>React,Vue</a:t>
+            </a:r>
+            <a:r>
+              <a:rPr lang="en-US" altLang="zh-CN" b="1" dirty="0"/>
+              <a:t> </a:t>
+            </a:r>
+            <a:r>
+              <a:rPr lang="zh-CN" altLang="en-US" b="1" dirty="0"/>
+              <a:t>）</a:t>
+            </a:r>
+            <a:r>
+              <a:rPr lang="en-US" altLang="zh-CN" b="1" dirty="0"/>
+              <a:t> </a:t>
+            </a:r>
+            <a:r>
+              <a:rPr lang="zh-CN" altLang="en-US" b="1" dirty="0"/>
               <a:t>，</a:t>
             </a:r>
-            <a:r>
-              <a:rPr lang="en-US" altLang="zh-CN" dirty="0" smtClean="0"/>
-              <a:t>(</a:t>
-            </a:r>
-            <a:r>
-              <a:rPr lang="zh-CN" altLang="en-US" dirty="0" smtClean="0"/>
-              <a:t>比如</a:t>
-            </a:r>
-            <a:r>
-              <a:rPr lang="en-US" altLang="zh-CN" dirty="0" smtClean="0"/>
-              <a:t>:</a:t>
-            </a:r>
-            <a:r>
-              <a:rPr lang="zh-CN" altLang="en-US" dirty="0" smtClean="0"/>
-              <a:t>页面</a:t>
-            </a:r>
+            <a:endParaRPr lang="en-US" altLang="zh-CN" b="1" dirty="0"/>
+          </a:p>
+          <a:p>
+            <a:endParaRPr lang="en-US" altLang="zh-CN" b="1" dirty="0"/>
+          </a:p>
+          <a:p>
             <a:r>
               <a:rPr lang="zh-CN" altLang="en-US" dirty="0"/>
-              <a:t>布局一模一样，也必须写一千个单独的</a:t>
-            </a:r>
-            <a:r>
-              <a:rPr lang="zh-CN" altLang="en-US" dirty="0" smtClean="0"/>
-              <a:t>页面</a:t>
-            </a:r>
-            <a:r>
-              <a:rPr lang="en-US" altLang="zh-CN" dirty="0" smtClean="0"/>
-              <a:t>)</a:t>
-            </a:r>
-            <a:r>
-              <a:rPr lang="zh-CN" altLang="en-US" dirty="0" smtClean="0"/>
-              <a:t>。</a:t>
-            </a:r>
-            <a:endParaRPr lang="zh-CN" altLang="en-US" dirty="0"/>
-          </a:p>
-          <a:p>
-            <a:r>
-              <a:rPr lang="zh-CN" altLang="en-US" dirty="0" smtClean="0"/>
-              <a:t>。</a:t>
-            </a:r>
-            <a:endParaRPr lang="en-US" altLang="zh-CN" dirty="0" smtClean="0"/>
+              <a:t>双向绑定，</a:t>
+            </a:r>
+            <a:endParaRPr lang="en-US" altLang="zh-CN" dirty="0"/>
+          </a:p>
+          <a:p>
+            <a:endParaRPr lang="en-US" altLang="zh-CN" dirty="0"/>
+          </a:p>
+          <a:p>
+            <a:r>
+              <a:rPr lang="zh-CN" altLang="en-US" dirty="0"/>
+              <a:t>组件开发，</a:t>
+            </a:r>
+            <a:endParaRPr lang="en-US" altLang="zh-CN" dirty="0"/>
+          </a:p>
+          <a:p>
+            <a:endParaRPr lang="en-US" altLang="zh-CN" dirty="0"/>
+          </a:p>
+          <a:p>
+            <a:r>
+              <a:rPr lang="zh-CN" altLang="en-US" dirty="0"/>
+              <a:t>面向对象开发</a:t>
+            </a:r>
+            <a:endParaRPr lang="en-US" altLang="zh-CN" dirty="0"/>
           </a:p>
           <a:p>
             <a:endParaRPr lang="en-US" altLang="zh-CN" dirty="0">
@@ -11196,140 +13640,8 @@
               <a:ea typeface="微软雅黑" pitchFamily="34" charset="-122"/>
             </a:endParaRPr>
           </a:p>
-          <a:p>
-            <a:endParaRPr lang="en-US" altLang="zh-CN" dirty="0" smtClean="0"/>
-          </a:p>
-          <a:p>
-            <a:endParaRPr lang="en-US" altLang="zh-CN" dirty="0">
-              <a:latin typeface="微软雅黑" pitchFamily="34" charset="-122"/>
-              <a:ea typeface="微软雅黑" pitchFamily="34" charset="-122"/>
-            </a:endParaRPr>
-          </a:p>
-          <a:p>
-            <a:endParaRPr lang="en-US" altLang="zh-CN" dirty="0" smtClean="0"/>
-          </a:p>
-          <a:p>
-            <a:endParaRPr lang="en-US" altLang="zh-CN" dirty="0">
-              <a:latin typeface="微软雅黑" pitchFamily="34" charset="-122"/>
-              <a:ea typeface="微软雅黑" pitchFamily="34" charset="-122"/>
-            </a:endParaRPr>
-          </a:p>
-          <a:p>
-            <a:endParaRPr lang="en-US" altLang="zh-CN" dirty="0" smtClean="0"/>
-          </a:p>
-          <a:p>
-            <a:endParaRPr lang="en-US" altLang="zh-CN" dirty="0">
-              <a:latin typeface="微软雅黑" pitchFamily="34" charset="-122"/>
-              <a:ea typeface="微软雅黑" pitchFamily="34" charset="-122"/>
-            </a:endParaRPr>
-          </a:p>
-          <a:p>
-            <a:endParaRPr lang="en-US" altLang="zh-CN" dirty="0" smtClean="0"/>
-          </a:p>
-          <a:p>
-            <a:endParaRPr lang="en-US" altLang="zh-CN" dirty="0">
-              <a:latin typeface="微软雅黑" pitchFamily="34" charset="-122"/>
-              <a:ea typeface="微软雅黑" pitchFamily="34" charset="-122"/>
-            </a:endParaRPr>
-          </a:p>
-          <a:p>
-            <a:endParaRPr lang="zh-CN" dirty="0">
-              <a:latin typeface="微软雅黑" pitchFamily="34" charset="-122"/>
-              <a:ea typeface="微软雅黑" pitchFamily="34" charset="-122"/>
-            </a:endParaRPr>
-          </a:p>
         </p:txBody>
       </p:sp>
-      <p:pic>
-        <p:nvPicPr>
-          <p:cNvPr id="4" name="图片 3"/>
-          <p:cNvPicPr>
-            <a:picLocks noChangeAspect="1"/>
-          </p:cNvPicPr>
-          <p:nvPr/>
-        </p:nvPicPr>
-        <p:blipFill>
-          <a:blip r:embed="rId2">
-            <a:extLst>
-              <a:ext uri="{28A0092B-C50C-407E-A947-70E740481C1C}">
-                <a14:useLocalDpi xmlns:a14="http://schemas.microsoft.com/office/drawing/2010/main" val="0"/>
-              </a:ext>
-            </a:extLst>
-          </a:blip>
-          <a:stretch>
-            <a:fillRect/>
-          </a:stretch>
-        </p:blipFill>
-        <p:spPr>
-          <a:xfrm>
-            <a:off x="4510236" y="1916832"/>
-            <a:ext cx="6660000" cy="3618532"/>
-          </a:xfrm>
-          <a:prstGeom prst="rect">
-            <a:avLst/>
-          </a:prstGeom>
-        </p:spPr>
-      </p:pic>
-      <p:pic>
-        <p:nvPicPr>
-          <p:cNvPr id="5" name="图片 4"/>
-          <p:cNvPicPr>
-            <a:picLocks noChangeAspect="1"/>
-          </p:cNvPicPr>
-          <p:nvPr/>
-        </p:nvPicPr>
-        <p:blipFill>
-          <a:blip r:embed="rId2">
-            <a:extLst>
-              <a:ext uri="{28A0092B-C50C-407E-A947-70E740481C1C}">
-                <a14:useLocalDpi xmlns:a14="http://schemas.microsoft.com/office/drawing/2010/main" val="0"/>
-              </a:ext>
-            </a:extLst>
-          </a:blip>
-          <a:stretch>
-            <a:fillRect/>
-          </a:stretch>
-        </p:blipFill>
-        <p:spPr>
-          <a:xfrm>
-            <a:off x="4997014" y="2363540"/>
-            <a:ext cx="6660000" cy="3618532"/>
-          </a:xfrm>
-          <a:prstGeom prst="rect">
-            <a:avLst/>
-          </a:prstGeom>
-        </p:spPr>
-      </p:pic>
-      <p:pic>
-        <p:nvPicPr>
-          <p:cNvPr id="6" name="图片 5"/>
-          <p:cNvPicPr>
-            <a:picLocks noChangeAspect="1"/>
-          </p:cNvPicPr>
-          <p:nvPr/>
-        </p:nvPicPr>
-        <p:blipFill>
-          <a:blip r:embed="rId2">
-            <a:extLst>
-              <a:ext uri="{28A0092B-C50C-407E-A947-70E740481C1C}">
-                <a14:useLocalDpi xmlns:a14="http://schemas.microsoft.com/office/drawing/2010/main" val="0"/>
-              </a:ext>
-            </a:extLst>
-          </a:blip>
-          <a:stretch>
-            <a:fillRect/>
-          </a:stretch>
-        </p:blipFill>
-        <p:spPr>
-          <a:xfrm>
-            <a:off x="5483792" y="3011612"/>
-            <a:ext cx="6660000" cy="3618532"/>
-          </a:xfrm>
-          <a:prstGeom prst="rect">
-            <a:avLst/>
-          </a:prstGeom>
-        </p:spPr>
-      </p:pic>
     </p:spTree>
     <p:extLst>
       <p:ext uri="{BB962C8B-B14F-4D97-AF65-F5344CB8AC3E}">
@@ -11352,13 +13664,6 @@
       </p:transition>
     </mc:Fallback>
   </mc:AlternateContent>
-  <p:timing>
-    <p:tnLst>
-      <p:par>
-        <p:cTn id="1" dur="indefinite" restart="never" nodeType="tmRoot"/>
-      </p:par>
-    </p:tnLst>
-  </p:timing>
 </p:sld>
 </file>
 
@@ -11394,6 +13699,10 @@
           <a:bodyPr/>
           <a:lstStyle/>
           <a:p>
+            <a:r>
+              <a:rPr lang="zh-CN" altLang="en-US" dirty="0"/>
+              <a:t>模块化</a:t>
+            </a:r>
             <a:endParaRPr lang="zh-CN" dirty="0">
               <a:latin typeface="微软雅黑" pitchFamily="34" charset="-122"/>
               <a:ea typeface="微软雅黑" pitchFamily="34" charset="-122"/>
@@ -11415,6 +13724,94 @@
         <p:txBody>
           <a:bodyPr/>
           <a:lstStyle/>
+          <a:p>
+            <a:r>
+              <a:rPr lang="zh-CN" altLang="en-US" sz="1800" dirty="0"/>
+              <a:t>模块化开发，</a:t>
+            </a:r>
+            <a:r>
+              <a:rPr lang="zh-CN" altLang="en-US" sz="1800" b="1" dirty="0"/>
+              <a:t>一个模块就是一个实现特定功能的文件，有了模块我们就可以更方便的使用别人的代码，要用什么功能就加载什么模块。</a:t>
+            </a:r>
+            <a:endParaRPr lang="zh-CN" altLang="en-US" sz="1800" dirty="0"/>
+          </a:p>
+          <a:p>
+            <a:r>
+              <a:rPr lang="zh-CN" altLang="en-US" sz="1800" dirty="0"/>
+              <a:t>模块化开发的</a:t>
+            </a:r>
+            <a:r>
+              <a:rPr lang="en-US" altLang="zh-CN" sz="1800" dirty="0"/>
+              <a:t>4</a:t>
+            </a:r>
+            <a:r>
+              <a:rPr lang="zh-CN" altLang="en-US" sz="1800" dirty="0"/>
+              <a:t>点好处：</a:t>
+            </a:r>
+          </a:p>
+          <a:p>
+            <a:r>
+              <a:rPr lang="zh-CN" altLang="en-US" sz="1800" dirty="0"/>
+              <a:t>　　</a:t>
+            </a:r>
+            <a:r>
+              <a:rPr lang="en-US" altLang="zh-CN" sz="1800" dirty="0"/>
+              <a:t>1 </a:t>
+            </a:r>
+            <a:r>
+              <a:rPr lang="zh-CN" altLang="en-US" sz="1800" dirty="0"/>
+              <a:t>避免变量污染，命名冲突</a:t>
+            </a:r>
+          </a:p>
+          <a:p>
+            <a:r>
+              <a:rPr lang="zh-CN" altLang="en-US" sz="1800" dirty="0"/>
+              <a:t>　　</a:t>
+            </a:r>
+            <a:r>
+              <a:rPr lang="en-US" altLang="zh-CN" sz="1800" dirty="0"/>
+              <a:t>2 </a:t>
+            </a:r>
+            <a:r>
+              <a:rPr lang="zh-CN" altLang="en-US" sz="1800" dirty="0"/>
+              <a:t>提高代码复用率</a:t>
+            </a:r>
+          </a:p>
+          <a:p>
+            <a:r>
+              <a:rPr lang="zh-CN" altLang="en-US" sz="1800" dirty="0"/>
+              <a:t>　　</a:t>
+            </a:r>
+            <a:r>
+              <a:rPr lang="en-US" altLang="zh-CN" sz="1800" dirty="0"/>
+              <a:t>3 </a:t>
+            </a:r>
+            <a:r>
+              <a:rPr lang="zh-CN" altLang="en-US" sz="1800" dirty="0"/>
+              <a:t>提高维护性</a:t>
+            </a:r>
+          </a:p>
+          <a:p>
+            <a:r>
+              <a:rPr lang="zh-CN" altLang="en-US" sz="1800" dirty="0"/>
+              <a:t>　　</a:t>
+            </a:r>
+            <a:r>
+              <a:rPr lang="en-US" altLang="zh-CN" sz="1800" dirty="0"/>
+              <a:t>4 </a:t>
+            </a:r>
+            <a:r>
+              <a:rPr lang="zh-CN" altLang="en-US" sz="1800" dirty="0"/>
+              <a:t>依赖关系的管理</a:t>
+            </a:r>
+            <a:endParaRPr lang="en-US" altLang="zh-CN" sz="1800" dirty="0"/>
+          </a:p>
+          <a:p>
+            <a:pPr marL="0" indent="0">
+              <a:buNone/>
+            </a:pPr>
+            <a:endParaRPr lang="zh-CN" altLang="en-US" sz="1400" dirty="0"/>
+          </a:p>
           <a:p>
             <a:endParaRPr lang="zh-CN" dirty="0">
               <a:latin typeface="微软雅黑" pitchFamily="34" charset="-122"/>
@@ -11445,17 +13842,2143 @@
       </p:transition>
     </mc:Fallback>
   </mc:AlternateContent>
-  <p:timing>
-    <p:tnLst>
-      <p:par>
-        <p:cTn id="1" dur="indefinite" restart="never" nodeType="tmRoot"/>
-      </p:par>
-    </p:tnLst>
-  </p:timing>
 </p:sld>
 </file>
 
 <file path=ppt/slides/slide17.xml><?xml version="1.0" encoding="utf-8"?>
+<p:sld xmlns:a="http://schemas.openxmlformats.org/drawingml/2006/main" xmlns:r="http://schemas.openxmlformats.org/officeDocument/2006/relationships" xmlns:p="http://schemas.openxmlformats.org/presentationml/2006/main">
+  <p:cSld>
+    <p:spTree>
+      <p:nvGrpSpPr>
+        <p:cNvPr id="1" name=""/>
+        <p:cNvGrpSpPr/>
+        <p:nvPr/>
+      </p:nvGrpSpPr>
+      <p:grpSpPr>
+        <a:xfrm>
+          <a:off x="0" y="0"/>
+          <a:ext cx="0" cy="0"/>
+          <a:chOff x="0" y="0"/>
+          <a:chExt cx="0" cy="0"/>
+        </a:xfrm>
+      </p:grpSpPr>
+      <p:sp>
+        <p:nvSpPr>
+          <p:cNvPr id="4" name="标题 3"/>
+          <p:cNvSpPr>
+            <a:spLocks noGrp="1"/>
+          </p:cNvSpPr>
+          <p:nvPr>
+            <p:ph type="title"/>
+          </p:nvPr>
+        </p:nvSpPr>
+        <p:spPr/>
+        <p:txBody>
+          <a:bodyPr/>
+          <a:lstStyle/>
+          <a:p>
+            <a:r>
+              <a:rPr lang="zh-CN" altLang="en-US" dirty="0"/>
+              <a:t>模块化</a:t>
+            </a:r>
+            <a:endParaRPr lang="zh-CN" dirty="0">
+              <a:latin typeface="微软雅黑" pitchFamily="34" charset="-122"/>
+              <a:ea typeface="微软雅黑" pitchFamily="34" charset="-122"/>
+            </a:endParaRPr>
+          </a:p>
+        </p:txBody>
+      </p:sp>
+      <p:sp>
+        <p:nvSpPr>
+          <p:cNvPr id="5" name="内容占位符 4"/>
+          <p:cNvSpPr>
+            <a:spLocks noGrp="1"/>
+          </p:cNvSpPr>
+          <p:nvPr>
+            <p:ph idx="1"/>
+          </p:nvPr>
+        </p:nvSpPr>
+        <p:spPr/>
+        <p:txBody>
+          <a:bodyPr/>
+          <a:lstStyle/>
+          <a:p>
+            <a:r>
+              <a:rPr lang="zh-CN" altLang="en-US" sz="1800" dirty="0"/>
+              <a:t>模块化开发，</a:t>
+            </a:r>
+            <a:r>
+              <a:rPr lang="zh-CN" altLang="en-US" sz="1800" b="1" dirty="0"/>
+              <a:t>一个模块就是一个实现特定功能的文件，有了模块我们就可以更方便的使用别人的代码，要用什么功能就加载什么模块。</a:t>
+            </a:r>
+            <a:endParaRPr lang="zh-CN" altLang="en-US" sz="1800" dirty="0"/>
+          </a:p>
+          <a:p>
+            <a:r>
+              <a:rPr lang="zh-CN" altLang="en-US" sz="1800" dirty="0"/>
+              <a:t>模块化开发的</a:t>
+            </a:r>
+            <a:r>
+              <a:rPr lang="en-US" altLang="zh-CN" sz="1800" dirty="0"/>
+              <a:t>4</a:t>
+            </a:r>
+            <a:r>
+              <a:rPr lang="zh-CN" altLang="en-US" sz="1800" dirty="0"/>
+              <a:t>点好处：</a:t>
+            </a:r>
+          </a:p>
+          <a:p>
+            <a:r>
+              <a:rPr lang="zh-CN" altLang="en-US" sz="1800" dirty="0"/>
+              <a:t>　　</a:t>
+            </a:r>
+            <a:r>
+              <a:rPr lang="en-US" altLang="zh-CN" sz="1800" dirty="0"/>
+              <a:t>1 </a:t>
+            </a:r>
+            <a:r>
+              <a:rPr lang="zh-CN" altLang="en-US" sz="1800" dirty="0"/>
+              <a:t>避免变量污染，命名冲突</a:t>
+            </a:r>
+          </a:p>
+          <a:p>
+            <a:r>
+              <a:rPr lang="zh-CN" altLang="en-US" sz="1800" dirty="0"/>
+              <a:t>　　</a:t>
+            </a:r>
+            <a:r>
+              <a:rPr lang="en-US" altLang="zh-CN" sz="1800" dirty="0"/>
+              <a:t>2  </a:t>
+            </a:r>
+            <a:r>
+              <a:rPr lang="zh-CN" altLang="en-US" sz="1800" dirty="0"/>
+              <a:t>提高代码复用率</a:t>
+            </a:r>
+          </a:p>
+          <a:p>
+            <a:r>
+              <a:rPr lang="zh-CN" altLang="en-US" sz="1800" dirty="0"/>
+              <a:t>　　</a:t>
+            </a:r>
+            <a:r>
+              <a:rPr lang="en-US" altLang="zh-CN" sz="1800" dirty="0"/>
+              <a:t>3 </a:t>
+            </a:r>
+            <a:r>
+              <a:rPr lang="zh-CN" altLang="en-US" sz="1800" dirty="0"/>
+              <a:t>提高维护性</a:t>
+            </a:r>
+          </a:p>
+          <a:p>
+            <a:r>
+              <a:rPr lang="zh-CN" altLang="en-US" sz="1800" dirty="0"/>
+              <a:t>　　</a:t>
+            </a:r>
+            <a:r>
+              <a:rPr lang="en-US" altLang="zh-CN" sz="1800" dirty="0"/>
+              <a:t>4 </a:t>
+            </a:r>
+            <a:r>
+              <a:rPr lang="zh-CN" altLang="en-US" sz="1800" dirty="0"/>
+              <a:t>依赖关系的管理</a:t>
+            </a:r>
+          </a:p>
+          <a:p>
+            <a:endParaRPr lang="zh-CN" dirty="0">
+              <a:latin typeface="微软雅黑" pitchFamily="34" charset="-122"/>
+              <a:ea typeface="微软雅黑" pitchFamily="34" charset="-122"/>
+            </a:endParaRPr>
+          </a:p>
+        </p:txBody>
+      </p:sp>
+      <p:pic>
+        <p:nvPicPr>
+          <p:cNvPr id="3" name="图片 2">
+            <a:extLst>
+              <a:ext uri="{FF2B5EF4-FFF2-40B4-BE49-F238E27FC236}">
+                <a16:creationId xmlns:a16="http://schemas.microsoft.com/office/drawing/2014/main" id="{D8C91AB4-B235-4249-89D3-30247C629C92}"/>
+              </a:ext>
+            </a:extLst>
+          </p:cNvPr>
+          <p:cNvPicPr>
+            <a:picLocks noChangeAspect="1"/>
+          </p:cNvPicPr>
+          <p:nvPr/>
+        </p:nvPicPr>
+        <p:blipFill>
+          <a:blip r:embed="rId2">
+            <a:extLst>
+              <a:ext uri="{28A0092B-C50C-407E-A947-70E740481C1C}">
+                <a14:useLocalDpi xmlns:a14="http://schemas.microsoft.com/office/drawing/2010/main" val="0"/>
+              </a:ext>
+            </a:extLst>
+          </a:blip>
+          <a:stretch>
+            <a:fillRect/>
+          </a:stretch>
+        </p:blipFill>
+        <p:spPr>
+          <a:xfrm>
+            <a:off x="4981699" y="18280"/>
+            <a:ext cx="7179650" cy="6858000"/>
+          </a:xfrm>
+          <a:prstGeom prst="rect">
+            <a:avLst/>
+          </a:prstGeom>
+        </p:spPr>
+      </p:pic>
+      <p:pic>
+        <p:nvPicPr>
+          <p:cNvPr id="6" name="图片 5">
+            <a:extLst>
+              <a:ext uri="{FF2B5EF4-FFF2-40B4-BE49-F238E27FC236}">
+                <a16:creationId xmlns:a16="http://schemas.microsoft.com/office/drawing/2014/main" id="{8BE5612E-3AAF-42A8-9012-E902736BAD7C}"/>
+              </a:ext>
+            </a:extLst>
+          </p:cNvPr>
+          <p:cNvPicPr>
+            <a:picLocks noChangeAspect="1"/>
+          </p:cNvPicPr>
+          <p:nvPr/>
+        </p:nvPicPr>
+        <p:blipFill>
+          <a:blip r:embed="rId3"/>
+          <a:stretch>
+            <a:fillRect/>
+          </a:stretch>
+        </p:blipFill>
+        <p:spPr>
+          <a:xfrm>
+            <a:off x="0" y="2564904"/>
+            <a:ext cx="3438852" cy="4323568"/>
+          </a:xfrm>
+          <a:prstGeom prst="rect">
+            <a:avLst/>
+          </a:prstGeom>
+        </p:spPr>
+      </p:pic>
+    </p:spTree>
+    <p:extLst>
+      <p:ext uri="{BB962C8B-B14F-4D97-AF65-F5344CB8AC3E}">
+        <p14:creationId xmlns:p14="http://schemas.microsoft.com/office/powerpoint/2010/main" val="1270124631"/>
+      </p:ext>
+    </p:extLst>
+  </p:cSld>
+  <p:clrMapOvr>
+    <a:masterClrMapping/>
+  </p:clrMapOvr>
+  <mc:AlternateContent xmlns:mc="http://schemas.openxmlformats.org/markup-compatibility/2006" xmlns:p14="http://schemas.microsoft.com/office/powerpoint/2010/main">
+    <mc:Choice Requires="p14">
+      <p:transition spd="med" p14:dur="700">
+        <p:fade/>
+      </p:transition>
+    </mc:Choice>
+    <mc:Fallback xmlns="">
+      <p:transition spd="med">
+        <p:fade/>
+      </p:transition>
+    </mc:Fallback>
+  </mc:AlternateContent>
+</p:sld>
+</file>
+
+<file path=ppt/slides/slide18.xml><?xml version="1.0" encoding="utf-8"?>
+<p:sld xmlns:a="http://schemas.openxmlformats.org/drawingml/2006/main" xmlns:r="http://schemas.openxmlformats.org/officeDocument/2006/relationships" xmlns:p="http://schemas.openxmlformats.org/presentationml/2006/main">
+  <p:cSld>
+    <p:spTree>
+      <p:nvGrpSpPr>
+        <p:cNvPr id="1" name=""/>
+        <p:cNvGrpSpPr/>
+        <p:nvPr/>
+      </p:nvGrpSpPr>
+      <p:grpSpPr>
+        <a:xfrm>
+          <a:off x="0" y="0"/>
+          <a:ext cx="0" cy="0"/>
+          <a:chOff x="0" y="0"/>
+          <a:chExt cx="0" cy="0"/>
+        </a:xfrm>
+      </p:grpSpPr>
+      <p:sp>
+        <p:nvSpPr>
+          <p:cNvPr id="4" name="标题 3"/>
+          <p:cNvSpPr>
+            <a:spLocks noGrp="1"/>
+          </p:cNvSpPr>
+          <p:nvPr>
+            <p:ph type="title"/>
+          </p:nvPr>
+        </p:nvSpPr>
+        <p:spPr/>
+        <p:txBody>
+          <a:bodyPr/>
+          <a:lstStyle/>
+          <a:p>
+            <a:r>
+              <a:rPr lang="zh-CN" altLang="en-US" dirty="0"/>
+              <a:t>前端自动化构建工具（</a:t>
+            </a:r>
+            <a:r>
+              <a:rPr lang="en-US" altLang="zh-CN" dirty="0"/>
+              <a:t> Webpack </a:t>
+            </a:r>
+            <a:r>
+              <a:rPr lang="zh-CN" altLang="en-US" dirty="0"/>
+              <a:t>，</a:t>
+            </a:r>
+            <a:r>
+              <a:rPr lang="en-US" altLang="zh-CN" dirty="0"/>
+              <a:t>Gulp</a:t>
+            </a:r>
+            <a:r>
+              <a:rPr lang="zh-CN" altLang="en-US" dirty="0"/>
+              <a:t>）</a:t>
+            </a:r>
+            <a:endParaRPr lang="zh-CN" dirty="0">
+              <a:latin typeface="微软雅黑" pitchFamily="34" charset="-122"/>
+              <a:ea typeface="微软雅黑" pitchFamily="34" charset="-122"/>
+            </a:endParaRPr>
+          </a:p>
+        </p:txBody>
+      </p:sp>
+      <p:sp>
+        <p:nvSpPr>
+          <p:cNvPr id="5" name="内容占位符 4"/>
+          <p:cNvSpPr>
+            <a:spLocks noGrp="1"/>
+          </p:cNvSpPr>
+          <p:nvPr>
+            <p:ph idx="1"/>
+          </p:nvPr>
+        </p:nvSpPr>
+        <p:spPr/>
+        <p:txBody>
+          <a:bodyPr>
+            <a:normAutofit fontScale="77500" lnSpcReduction="20000"/>
+          </a:bodyPr>
+          <a:lstStyle/>
+          <a:p>
+            <a:r>
+              <a:rPr lang="en-US" altLang="zh-CN" b="1" dirty="0"/>
+              <a:t>1.</a:t>
+            </a:r>
+            <a:r>
+              <a:rPr lang="zh-CN" altLang="en-US" b="1" dirty="0"/>
+              <a:t>介绍：</a:t>
+            </a:r>
+          </a:p>
+          <a:p>
+            <a:r>
+              <a:rPr lang="zh-CN" altLang="en-US" dirty="0"/>
+              <a:t>    是一套前端自动化构建工具，一个基于</a:t>
+            </a:r>
+            <a:r>
+              <a:rPr lang="en-US" altLang="zh-CN" dirty="0" err="1"/>
+              <a:t>nodeJs</a:t>
+            </a:r>
+            <a:r>
+              <a:rPr lang="zh-CN" altLang="en-US" dirty="0"/>
+              <a:t>的命令行工具，它是一个任务运    </a:t>
+            </a:r>
+            <a:endParaRPr lang="en-US" altLang="zh-CN" dirty="0"/>
+          </a:p>
+          <a:p>
+            <a:r>
+              <a:rPr lang="zh-CN" altLang="en-US" dirty="0"/>
+              <a:t>    行器</a:t>
+            </a:r>
+            <a:r>
+              <a:rPr lang="en-US" altLang="zh-CN" dirty="0"/>
+              <a:t>, </a:t>
+            </a:r>
+            <a:r>
+              <a:rPr lang="zh-CN" altLang="en-US" dirty="0"/>
+              <a:t>配合其丰富强大的插件</a:t>
+            </a:r>
+          </a:p>
+          <a:p>
+            <a:r>
+              <a:rPr lang="zh-CN" altLang="en-US" dirty="0"/>
+              <a:t>    执行任务时是同步的，要注意任务的顺序</a:t>
+            </a:r>
+          </a:p>
+          <a:p>
+            <a:r>
+              <a:rPr lang="en-US" altLang="zh-CN" b="1" dirty="0"/>
+              <a:t>2.</a:t>
+            </a:r>
+            <a:r>
+              <a:rPr lang="zh-CN" altLang="en-US" b="1" dirty="0"/>
+              <a:t>常用功能：</a:t>
+            </a:r>
+          </a:p>
+          <a:p>
+            <a:r>
+              <a:rPr lang="zh-CN" altLang="en-US" dirty="0"/>
+              <a:t>    合并文件</a:t>
+            </a:r>
+            <a:r>
+              <a:rPr lang="en-US" altLang="zh-CN" dirty="0"/>
+              <a:t>(</a:t>
+            </a:r>
+            <a:r>
+              <a:rPr lang="en-US" altLang="zh-CN" dirty="0" err="1"/>
+              <a:t>js</a:t>
+            </a:r>
+            <a:r>
+              <a:rPr lang="en-US" altLang="zh-CN" dirty="0"/>
+              <a:t>/</a:t>
+            </a:r>
+            <a:r>
+              <a:rPr lang="en-US" altLang="zh-CN" dirty="0" err="1"/>
+              <a:t>css</a:t>
+            </a:r>
+            <a:r>
+              <a:rPr lang="en-US" altLang="zh-CN" dirty="0"/>
+              <a:t>)</a:t>
+            </a:r>
+          </a:p>
+          <a:p>
+            <a:r>
+              <a:rPr lang="zh-CN" altLang="en-US" dirty="0"/>
+              <a:t>    压缩文件</a:t>
+            </a:r>
+            <a:r>
+              <a:rPr lang="en-US" altLang="zh-CN" dirty="0"/>
+              <a:t>(</a:t>
+            </a:r>
+            <a:r>
+              <a:rPr lang="en-US" altLang="zh-CN" dirty="0" err="1"/>
+              <a:t>js</a:t>
+            </a:r>
+            <a:r>
+              <a:rPr lang="en-US" altLang="zh-CN" dirty="0"/>
+              <a:t>/</a:t>
+            </a:r>
+            <a:r>
+              <a:rPr lang="en-US" altLang="zh-CN" dirty="0" err="1"/>
+              <a:t>css</a:t>
+            </a:r>
+            <a:r>
+              <a:rPr lang="en-US" altLang="zh-CN" dirty="0"/>
+              <a:t>)</a:t>
+            </a:r>
+          </a:p>
+          <a:p>
+            <a:r>
+              <a:rPr lang="zh-CN" altLang="en-US" dirty="0"/>
+              <a:t>    语法检查</a:t>
+            </a:r>
+            <a:r>
+              <a:rPr lang="en-US" altLang="zh-CN" dirty="0"/>
+              <a:t>(</a:t>
+            </a:r>
+            <a:r>
+              <a:rPr lang="en-US" altLang="zh-CN" dirty="0" err="1"/>
+              <a:t>js</a:t>
+            </a:r>
+            <a:r>
+              <a:rPr lang="en-US" altLang="zh-CN" dirty="0"/>
+              <a:t>)</a:t>
+            </a:r>
+          </a:p>
+          <a:p>
+            <a:r>
+              <a:rPr lang="en-US" altLang="zh-CN" dirty="0"/>
+              <a:t>    less/sass</a:t>
+            </a:r>
+            <a:r>
+              <a:rPr lang="zh-CN" altLang="en-US" dirty="0"/>
+              <a:t>预编译处理</a:t>
+            </a:r>
+          </a:p>
+          <a:p>
+            <a:r>
+              <a:rPr lang="zh-CN" altLang="en-US" dirty="0"/>
+              <a:t>    其它</a:t>
+            </a:r>
+          </a:p>
+          <a:p>
+            <a:pPr marL="0" indent="0">
+              <a:buNone/>
+            </a:pPr>
+            <a:endParaRPr lang="zh-CN" altLang="en-US" sz="1400" dirty="0"/>
+          </a:p>
+          <a:p>
+            <a:endParaRPr lang="zh-CN" dirty="0">
+              <a:latin typeface="微软雅黑" pitchFamily="34" charset="-122"/>
+              <a:ea typeface="微软雅黑" pitchFamily="34" charset="-122"/>
+            </a:endParaRPr>
+          </a:p>
+        </p:txBody>
+      </p:sp>
+    </p:spTree>
+    <p:extLst>
+      <p:ext uri="{BB962C8B-B14F-4D97-AF65-F5344CB8AC3E}">
+        <p14:creationId xmlns:p14="http://schemas.microsoft.com/office/powerpoint/2010/main" val="3471781742"/>
+      </p:ext>
+    </p:extLst>
+  </p:cSld>
+  <p:clrMapOvr>
+    <a:masterClrMapping/>
+  </p:clrMapOvr>
+  <mc:AlternateContent xmlns:mc="http://schemas.openxmlformats.org/markup-compatibility/2006" xmlns:p14="http://schemas.microsoft.com/office/powerpoint/2010/main">
+    <mc:Choice Requires="p14">
+      <p:transition spd="med" p14:dur="700">
+        <p:fade/>
+      </p:transition>
+    </mc:Choice>
+    <mc:Fallback xmlns="">
+      <p:transition spd="med">
+        <p:fade/>
+      </p:transition>
+    </mc:Fallback>
+  </mc:AlternateContent>
+</p:sld>
+</file>
+
+<file path=ppt/slides/slide19.xml><?xml version="1.0" encoding="utf-8"?>
+<p:sld xmlns:a="http://schemas.openxmlformats.org/drawingml/2006/main" xmlns:r="http://schemas.openxmlformats.org/officeDocument/2006/relationships" xmlns:p="http://schemas.openxmlformats.org/presentationml/2006/main">
+  <p:cSld>
+    <p:spTree>
+      <p:nvGrpSpPr>
+        <p:cNvPr id="1" name=""/>
+        <p:cNvGrpSpPr/>
+        <p:nvPr/>
+      </p:nvGrpSpPr>
+      <p:grpSpPr>
+        <a:xfrm>
+          <a:off x="0" y="0"/>
+          <a:ext cx="0" cy="0"/>
+          <a:chOff x="0" y="0"/>
+          <a:chExt cx="0" cy="0"/>
+        </a:xfrm>
+      </p:grpSpPr>
+      <p:sp>
+        <p:nvSpPr>
+          <p:cNvPr id="4" name="标题 3"/>
+          <p:cNvSpPr>
+            <a:spLocks noGrp="1"/>
+          </p:cNvSpPr>
+          <p:nvPr>
+            <p:ph type="title"/>
+          </p:nvPr>
+        </p:nvSpPr>
+        <p:spPr/>
+        <p:txBody>
+          <a:bodyPr/>
+          <a:lstStyle/>
+          <a:p>
+            <a:r>
+              <a:rPr lang="zh-CN" altLang="en-US" dirty="0"/>
+              <a:t>前端自动化构建工具（</a:t>
+            </a:r>
+            <a:r>
+              <a:rPr lang="en-US" altLang="zh-CN" dirty="0"/>
+              <a:t> Webpack </a:t>
+            </a:r>
+            <a:r>
+              <a:rPr lang="zh-CN" altLang="en-US" dirty="0"/>
+              <a:t>，</a:t>
+            </a:r>
+            <a:r>
+              <a:rPr lang="en-US" altLang="zh-CN" dirty="0"/>
+              <a:t>Gulp</a:t>
+            </a:r>
+            <a:r>
+              <a:rPr lang="zh-CN" altLang="en-US" dirty="0"/>
+              <a:t>）</a:t>
+            </a:r>
+            <a:endParaRPr lang="zh-CN" dirty="0">
+              <a:latin typeface="微软雅黑" pitchFamily="34" charset="-122"/>
+              <a:ea typeface="微软雅黑" pitchFamily="34" charset="-122"/>
+            </a:endParaRPr>
+          </a:p>
+        </p:txBody>
+      </p:sp>
+      <p:sp>
+        <p:nvSpPr>
+          <p:cNvPr id="5" name="内容占位符 4"/>
+          <p:cNvSpPr>
+            <a:spLocks noGrp="1"/>
+          </p:cNvSpPr>
+          <p:nvPr>
+            <p:ph idx="1"/>
+          </p:nvPr>
+        </p:nvSpPr>
+        <p:spPr/>
+        <p:txBody>
+          <a:bodyPr>
+            <a:normAutofit fontScale="77500" lnSpcReduction="20000"/>
+          </a:bodyPr>
+          <a:lstStyle/>
+          <a:p>
+            <a:r>
+              <a:rPr lang="en-US" altLang="zh-CN" b="1" dirty="0"/>
+              <a:t>1.</a:t>
+            </a:r>
+            <a:r>
+              <a:rPr lang="zh-CN" altLang="en-US" b="1" dirty="0"/>
+              <a:t>介绍：</a:t>
+            </a:r>
+          </a:p>
+          <a:p>
+            <a:r>
+              <a:rPr lang="zh-CN" altLang="en-US" dirty="0"/>
+              <a:t>    是一套前端自动化构建工具，一个基于</a:t>
+            </a:r>
+            <a:r>
+              <a:rPr lang="en-US" altLang="zh-CN" dirty="0" err="1"/>
+              <a:t>nodeJs</a:t>
+            </a:r>
+            <a:r>
+              <a:rPr lang="zh-CN" altLang="en-US" dirty="0"/>
+              <a:t>的命令行工具，它是一个任务运    </a:t>
+            </a:r>
+            <a:endParaRPr lang="en-US" altLang="zh-CN" dirty="0"/>
+          </a:p>
+          <a:p>
+            <a:r>
+              <a:rPr lang="zh-CN" altLang="en-US" dirty="0"/>
+              <a:t>    行器</a:t>
+            </a:r>
+            <a:r>
+              <a:rPr lang="en-US" altLang="zh-CN" dirty="0"/>
+              <a:t>, </a:t>
+            </a:r>
+            <a:r>
+              <a:rPr lang="zh-CN" altLang="en-US" dirty="0"/>
+              <a:t>配合其丰富强大的插件</a:t>
+            </a:r>
+          </a:p>
+          <a:p>
+            <a:r>
+              <a:rPr lang="zh-CN" altLang="en-US" dirty="0"/>
+              <a:t>    执行任务时是同步的，要注意任务的顺序</a:t>
+            </a:r>
+          </a:p>
+          <a:p>
+            <a:r>
+              <a:rPr lang="en-US" altLang="zh-CN" b="1" dirty="0"/>
+              <a:t>2.</a:t>
+            </a:r>
+            <a:r>
+              <a:rPr lang="zh-CN" altLang="en-US" b="1" dirty="0"/>
+              <a:t>常用功能：</a:t>
+            </a:r>
+          </a:p>
+          <a:p>
+            <a:r>
+              <a:rPr lang="zh-CN" altLang="en-US" dirty="0"/>
+              <a:t>    合并文件</a:t>
+            </a:r>
+            <a:r>
+              <a:rPr lang="en-US" altLang="zh-CN" dirty="0"/>
+              <a:t>(</a:t>
+            </a:r>
+            <a:r>
+              <a:rPr lang="en-US" altLang="zh-CN" dirty="0" err="1"/>
+              <a:t>js</a:t>
+            </a:r>
+            <a:r>
+              <a:rPr lang="en-US" altLang="zh-CN" dirty="0"/>
+              <a:t>/</a:t>
+            </a:r>
+            <a:r>
+              <a:rPr lang="en-US" altLang="zh-CN" dirty="0" err="1"/>
+              <a:t>css</a:t>
+            </a:r>
+            <a:r>
+              <a:rPr lang="en-US" altLang="zh-CN" dirty="0"/>
+              <a:t>)</a:t>
+            </a:r>
+          </a:p>
+          <a:p>
+            <a:r>
+              <a:rPr lang="zh-CN" altLang="en-US" dirty="0"/>
+              <a:t>    压缩文件</a:t>
+            </a:r>
+            <a:r>
+              <a:rPr lang="en-US" altLang="zh-CN" dirty="0"/>
+              <a:t>(</a:t>
+            </a:r>
+            <a:r>
+              <a:rPr lang="en-US" altLang="zh-CN" dirty="0" err="1"/>
+              <a:t>js</a:t>
+            </a:r>
+            <a:r>
+              <a:rPr lang="en-US" altLang="zh-CN" dirty="0"/>
+              <a:t>/</a:t>
+            </a:r>
+            <a:r>
+              <a:rPr lang="en-US" altLang="zh-CN" dirty="0" err="1"/>
+              <a:t>css</a:t>
+            </a:r>
+            <a:r>
+              <a:rPr lang="en-US" altLang="zh-CN" dirty="0"/>
+              <a:t>)</a:t>
+            </a:r>
+          </a:p>
+          <a:p>
+            <a:r>
+              <a:rPr lang="zh-CN" altLang="en-US" dirty="0"/>
+              <a:t>    语法检查</a:t>
+            </a:r>
+            <a:r>
+              <a:rPr lang="en-US" altLang="zh-CN" dirty="0"/>
+              <a:t>(</a:t>
+            </a:r>
+            <a:r>
+              <a:rPr lang="en-US" altLang="zh-CN" dirty="0" err="1"/>
+              <a:t>js</a:t>
+            </a:r>
+            <a:r>
+              <a:rPr lang="en-US" altLang="zh-CN" dirty="0"/>
+              <a:t>)</a:t>
+            </a:r>
+          </a:p>
+          <a:p>
+            <a:r>
+              <a:rPr lang="en-US" altLang="zh-CN" dirty="0"/>
+              <a:t>    less/sass</a:t>
+            </a:r>
+            <a:r>
+              <a:rPr lang="zh-CN" altLang="en-US" dirty="0"/>
+              <a:t>预编译处理</a:t>
+            </a:r>
+          </a:p>
+          <a:p>
+            <a:r>
+              <a:rPr lang="zh-CN" altLang="en-US" dirty="0"/>
+              <a:t>    其它</a:t>
+            </a:r>
+          </a:p>
+          <a:p>
+            <a:pPr marL="0" indent="0">
+              <a:buNone/>
+            </a:pPr>
+            <a:endParaRPr lang="zh-CN" altLang="en-US" sz="1400" dirty="0"/>
+          </a:p>
+          <a:p>
+            <a:endParaRPr lang="zh-CN" dirty="0">
+              <a:latin typeface="微软雅黑" pitchFamily="34" charset="-122"/>
+              <a:ea typeface="微软雅黑" pitchFamily="34" charset="-122"/>
+            </a:endParaRPr>
+          </a:p>
+        </p:txBody>
+      </p:sp>
+      <p:pic>
+        <p:nvPicPr>
+          <p:cNvPr id="2" name="图片 1">
+            <a:extLst>
+              <a:ext uri="{FF2B5EF4-FFF2-40B4-BE49-F238E27FC236}">
+                <a16:creationId xmlns:a16="http://schemas.microsoft.com/office/drawing/2014/main" id="{BF387ECD-4D90-44BE-970A-962A3D796A2F}"/>
+              </a:ext>
+            </a:extLst>
+          </p:cNvPr>
+          <p:cNvPicPr>
+            <a:picLocks noChangeAspect="1"/>
+          </p:cNvPicPr>
+          <p:nvPr/>
+        </p:nvPicPr>
+        <p:blipFill>
+          <a:blip r:embed="rId2"/>
+          <a:stretch>
+            <a:fillRect/>
+          </a:stretch>
+        </p:blipFill>
+        <p:spPr>
+          <a:xfrm>
+            <a:off x="14788" y="2953181"/>
+            <a:ext cx="4038095" cy="3447619"/>
+          </a:xfrm>
+          <a:prstGeom prst="rect">
+            <a:avLst/>
+          </a:prstGeom>
+        </p:spPr>
+      </p:pic>
+      <p:pic>
+        <p:nvPicPr>
+          <p:cNvPr id="3" name="图片 2">
+            <a:extLst>
+              <a:ext uri="{FF2B5EF4-FFF2-40B4-BE49-F238E27FC236}">
+                <a16:creationId xmlns:a16="http://schemas.microsoft.com/office/drawing/2014/main" id="{AF50BD7F-C563-44F4-B6F8-89492E6E27ED}"/>
+              </a:ext>
+            </a:extLst>
+          </p:cNvPr>
+          <p:cNvPicPr>
+            <a:picLocks noChangeAspect="1"/>
+          </p:cNvPicPr>
+          <p:nvPr/>
+        </p:nvPicPr>
+        <p:blipFill>
+          <a:blip r:embed="rId3"/>
+          <a:stretch>
+            <a:fillRect/>
+          </a:stretch>
+        </p:blipFill>
+        <p:spPr>
+          <a:xfrm>
+            <a:off x="4438228" y="-16368"/>
+            <a:ext cx="7924067" cy="6469704"/>
+          </a:xfrm>
+          <a:prstGeom prst="rect">
+            <a:avLst/>
+          </a:prstGeom>
+        </p:spPr>
+      </p:pic>
+    </p:spTree>
+    <p:extLst>
+      <p:ext uri="{BB962C8B-B14F-4D97-AF65-F5344CB8AC3E}">
+        <p14:creationId xmlns:p14="http://schemas.microsoft.com/office/powerpoint/2010/main" val="1614330922"/>
+      </p:ext>
+    </p:extLst>
+  </p:cSld>
+  <p:clrMapOvr>
+    <a:masterClrMapping/>
+  </p:clrMapOvr>
+  <mc:AlternateContent xmlns:mc="http://schemas.openxmlformats.org/markup-compatibility/2006" xmlns:p14="http://schemas.microsoft.com/office/powerpoint/2010/main">
+    <mc:Choice Requires="p14">
+      <p:transition spd="med" p14:dur="700">
+        <p:fade/>
+      </p:transition>
+    </mc:Choice>
+    <mc:Fallback xmlns="">
+      <p:transition spd="med">
+        <p:fade/>
+      </p:transition>
+    </mc:Fallback>
+  </mc:AlternateContent>
+</p:sld>
+</file>
+
+<file path=ppt/slides/slide2.xml><?xml version="1.0" encoding="utf-8"?>
+<p:sld xmlns:a="http://schemas.openxmlformats.org/drawingml/2006/main" xmlns:r="http://schemas.openxmlformats.org/officeDocument/2006/relationships" xmlns:p="http://schemas.openxmlformats.org/presentationml/2006/main">
+  <p:cSld>
+    <p:spTree>
+      <p:nvGrpSpPr>
+        <p:cNvPr id="1" name=""/>
+        <p:cNvGrpSpPr/>
+        <p:nvPr/>
+      </p:nvGrpSpPr>
+      <p:grpSpPr>
+        <a:xfrm>
+          <a:off x="0" y="0"/>
+          <a:ext cx="0" cy="0"/>
+          <a:chOff x="0" y="0"/>
+          <a:chExt cx="0" cy="0"/>
+        </a:xfrm>
+      </p:grpSpPr>
+      <p:sp>
+        <p:nvSpPr>
+          <p:cNvPr id="2" name="标题 1"/>
+          <p:cNvSpPr>
+            <a:spLocks noGrp="1"/>
+          </p:cNvSpPr>
+          <p:nvPr>
+            <p:ph type="ctrTitle"/>
+          </p:nvPr>
+        </p:nvSpPr>
+        <p:spPr/>
+        <p:txBody>
+          <a:bodyPr/>
+          <a:lstStyle/>
+          <a:p>
+            <a:r>
+              <a:rPr lang="zh-CN" altLang="en-US" dirty="0"/>
+              <a:t>最初</a:t>
+            </a:r>
+            <a:r>
+              <a:rPr lang="zh-CN" altLang="en-US" dirty="0">
+                <a:latin typeface="微软雅黑" pitchFamily="34" charset="-122"/>
+                <a:ea typeface="微软雅黑" pitchFamily="34" charset="-122"/>
+              </a:rPr>
+              <a:t>的前端</a:t>
+            </a:r>
+            <a:r>
+              <a:rPr lang="en-US" altLang="zh-CN" dirty="0">
+                <a:latin typeface="微软雅黑" pitchFamily="34" charset="-122"/>
+                <a:ea typeface="微软雅黑" pitchFamily="34" charset="-122"/>
+              </a:rPr>
+              <a:t>:</a:t>
+            </a:r>
+            <a:endParaRPr lang="zh-CN" dirty="0">
+              <a:latin typeface="微软雅黑" pitchFamily="34" charset="-122"/>
+              <a:ea typeface="微软雅黑" pitchFamily="34" charset="-122"/>
+            </a:endParaRPr>
+          </a:p>
+        </p:txBody>
+      </p:sp>
+      <p:sp>
+        <p:nvSpPr>
+          <p:cNvPr id="3" name="副标题 2"/>
+          <p:cNvSpPr>
+            <a:spLocks noGrp="1"/>
+          </p:cNvSpPr>
+          <p:nvPr>
+            <p:ph type="subTitle" idx="1"/>
+          </p:nvPr>
+        </p:nvSpPr>
+        <p:spPr>
+          <a:xfrm>
+            <a:off x="7085014" y="620688"/>
+            <a:ext cx="4572000" cy="5112568"/>
+          </a:xfrm>
+        </p:spPr>
+        <p:txBody>
+          <a:bodyPr>
+            <a:normAutofit/>
+          </a:bodyPr>
+          <a:lstStyle/>
+          <a:p>
+            <a:r>
+              <a:rPr lang="zh-CN" altLang="en-US" dirty="0"/>
+              <a:t>万维网（</a:t>
+            </a:r>
+            <a:r>
+              <a:rPr lang="en-US" altLang="zh-CN" dirty="0"/>
+              <a:t>WWW</a:t>
+            </a:r>
+            <a:r>
+              <a:rPr lang="zh-CN" altLang="en-US" dirty="0"/>
+              <a:t>）是欧洲核子研究组织的一帮科学家为了方便看文档、传论文而创造的，这就是为什么</a:t>
+            </a:r>
+            <a:r>
+              <a:rPr lang="en-US" altLang="zh-CN" dirty="0"/>
+              <a:t>Web</a:t>
+            </a:r>
+            <a:r>
+              <a:rPr lang="zh-CN" altLang="en-US" dirty="0"/>
+              <a:t>网页都基</a:t>
+            </a:r>
+            <a:endParaRPr lang="en-US" altLang="zh-CN" dirty="0"/>
+          </a:p>
+          <a:p>
+            <a:r>
+              <a:rPr lang="en-US" altLang="zh-CN" dirty="0"/>
+              <a:t>Document</a:t>
+            </a:r>
+            <a:r>
+              <a:rPr lang="zh-CN" altLang="en-US" dirty="0"/>
+              <a:t>。</a:t>
+            </a:r>
+            <a:endParaRPr lang="en-US" altLang="zh-CN" dirty="0"/>
+          </a:p>
+          <a:p>
+            <a:endParaRPr lang="en-US" altLang="zh-CN" dirty="0"/>
+          </a:p>
+          <a:p>
+            <a:r>
+              <a:rPr lang="en-US" altLang="zh-CN" dirty="0"/>
+              <a:t>Document</a:t>
+            </a:r>
+            <a:r>
+              <a:rPr lang="zh-CN" altLang="en-US" dirty="0"/>
+              <a:t>就是用 </a:t>
+            </a:r>
+            <a:r>
+              <a:rPr lang="zh-CN" altLang="en-US" dirty="0">
+                <a:solidFill>
+                  <a:srgbClr val="FF0000"/>
+                </a:solidFill>
+              </a:rPr>
+              <a:t>标记语言</a:t>
+            </a:r>
+            <a:r>
+              <a:rPr lang="en-US" altLang="zh-CN" dirty="0"/>
+              <a:t>+</a:t>
+            </a:r>
+            <a:r>
+              <a:rPr lang="zh-CN" altLang="en-US" dirty="0">
+                <a:solidFill>
+                  <a:srgbClr val="FF0000"/>
+                </a:solidFill>
+              </a:rPr>
+              <a:t>超链接编写由文字和图片</a:t>
+            </a:r>
+            <a:r>
+              <a:rPr lang="zh-CN" altLang="en-US" dirty="0"/>
+              <a:t>构成的</a:t>
+            </a:r>
+            <a:r>
+              <a:rPr lang="en-US" altLang="zh-CN" dirty="0"/>
+              <a:t>HTML</a:t>
+            </a:r>
+            <a:r>
+              <a:rPr lang="zh-CN" altLang="en-US" dirty="0"/>
+              <a:t>页面，这样的功能已经完全满足学术交流的需要，所以网页的早期形态和</a:t>
+            </a:r>
+            <a:r>
+              <a:rPr lang="en-US" altLang="zh-CN" dirty="0"/>
+              <a:t>Document</a:t>
+            </a:r>
+            <a:r>
+              <a:rPr lang="zh-CN" altLang="en-US" dirty="0"/>
+              <a:t>一样，完全基于</a:t>
+            </a:r>
+            <a:r>
+              <a:rPr lang="en-US" altLang="zh-CN" dirty="0"/>
+              <a:t>HTML</a:t>
+            </a:r>
+            <a:r>
+              <a:rPr lang="zh-CN" altLang="en-US" dirty="0"/>
+              <a:t>页面，并且所有内容都是静态的。</a:t>
+            </a:r>
+            <a:endParaRPr lang="en-US" altLang="zh-CN" dirty="0"/>
+          </a:p>
+          <a:p>
+            <a:endParaRPr lang="en-US" altLang="zh-CN" dirty="0"/>
+          </a:p>
+          <a:p>
+            <a:r>
+              <a:rPr lang="zh-CN" altLang="en-US" dirty="0"/>
+              <a:t>前端仅仅负责展示</a:t>
+            </a:r>
+            <a:r>
+              <a:rPr lang="en-US" altLang="zh-CN" dirty="0"/>
+              <a:t>…</a:t>
+            </a:r>
+            <a:endParaRPr lang="zh-CN" dirty="0">
+              <a:latin typeface="微软雅黑" pitchFamily="34" charset="-122"/>
+              <a:ea typeface="微软雅黑" pitchFamily="34" charset="-122"/>
+            </a:endParaRPr>
+          </a:p>
+        </p:txBody>
+      </p:sp>
+    </p:spTree>
+    <p:extLst>
+      <p:ext uri="{BB962C8B-B14F-4D97-AF65-F5344CB8AC3E}">
+        <p14:creationId xmlns:p14="http://schemas.microsoft.com/office/powerpoint/2010/main" val="1085444293"/>
+      </p:ext>
+    </p:extLst>
+  </p:cSld>
+  <p:clrMapOvr>
+    <a:masterClrMapping/>
+  </p:clrMapOvr>
+  <mc:AlternateContent xmlns:mc="http://schemas.openxmlformats.org/markup-compatibility/2006" xmlns:p14="http://schemas.microsoft.com/office/powerpoint/2010/main">
+    <mc:Choice Requires="p14">
+      <p:transition spd="med" p14:dur="700">
+        <p:fade/>
+      </p:transition>
+    </mc:Choice>
+    <mc:Fallback xmlns="">
+      <p:transition spd="med">
+        <p:fade/>
+      </p:transition>
+    </mc:Fallback>
+  </mc:AlternateContent>
+</p:sld>
+</file>
+
+<file path=ppt/slides/slide20.xml><?xml version="1.0" encoding="utf-8"?>
+<p:sld xmlns:a="http://schemas.openxmlformats.org/drawingml/2006/main" xmlns:r="http://schemas.openxmlformats.org/officeDocument/2006/relationships" xmlns:p="http://schemas.openxmlformats.org/presentationml/2006/main">
+  <p:cSld>
+    <p:spTree>
+      <p:nvGrpSpPr>
+        <p:cNvPr id="1" name=""/>
+        <p:cNvGrpSpPr/>
+        <p:nvPr/>
+      </p:nvGrpSpPr>
+      <p:grpSpPr>
+        <a:xfrm>
+          <a:off x="0" y="0"/>
+          <a:ext cx="0" cy="0"/>
+          <a:chOff x="0" y="0"/>
+          <a:chExt cx="0" cy="0"/>
+        </a:xfrm>
+      </p:grpSpPr>
+      <p:sp>
+        <p:nvSpPr>
+          <p:cNvPr id="4" name="标题 3"/>
+          <p:cNvSpPr>
+            <a:spLocks noGrp="1"/>
+          </p:cNvSpPr>
+          <p:nvPr>
+            <p:ph type="title"/>
+          </p:nvPr>
+        </p:nvSpPr>
+        <p:spPr/>
+        <p:txBody>
+          <a:bodyPr/>
+          <a:lstStyle/>
+          <a:p>
+            <a:r>
+              <a:rPr lang="en-US" altLang="zh-CN" dirty="0"/>
+              <a:t>Angular(</a:t>
+            </a:r>
+            <a:r>
+              <a:rPr lang="zh-CN" altLang="en-US" dirty="0"/>
+              <a:t>溯源</a:t>
+            </a:r>
+            <a:r>
+              <a:rPr lang="en-US" altLang="zh-CN" dirty="0"/>
+              <a:t>angular2)</a:t>
+            </a:r>
+            <a:endParaRPr lang="zh-CN" dirty="0">
+              <a:latin typeface="微软雅黑" pitchFamily="34" charset="-122"/>
+              <a:ea typeface="微软雅黑" pitchFamily="34" charset="-122"/>
+            </a:endParaRPr>
+          </a:p>
+        </p:txBody>
+      </p:sp>
+      <p:sp>
+        <p:nvSpPr>
+          <p:cNvPr id="5" name="内容占位符 4"/>
+          <p:cNvSpPr>
+            <a:spLocks noGrp="1"/>
+          </p:cNvSpPr>
+          <p:nvPr>
+            <p:ph idx="1"/>
+          </p:nvPr>
+        </p:nvSpPr>
+        <p:spPr/>
+        <p:txBody>
+          <a:bodyPr>
+            <a:normAutofit fontScale="92500"/>
+          </a:bodyPr>
+          <a:lstStyle/>
+          <a:p>
+            <a:r>
+              <a:rPr lang="en-US" altLang="zh-CN" b="1" dirty="0"/>
+              <a:t>1.</a:t>
+            </a:r>
+            <a:r>
+              <a:rPr lang="zh-CN" altLang="en-US" b="1" dirty="0"/>
+              <a:t>介绍：</a:t>
+            </a:r>
+          </a:p>
+          <a:p>
+            <a:r>
+              <a:rPr lang="zh-CN" altLang="en-US" sz="1900" dirty="0"/>
+              <a:t>     充分利用现代 </a:t>
+            </a:r>
+            <a:r>
+              <a:rPr lang="en-US" altLang="zh-CN" sz="1900" dirty="0"/>
+              <a:t>Web </a:t>
+            </a:r>
+            <a:r>
+              <a:rPr lang="zh-CN" altLang="en-US" sz="1900" dirty="0"/>
+              <a:t>平台的各种能力，提供 </a:t>
+            </a:r>
+            <a:r>
+              <a:rPr lang="en-US" altLang="zh-CN" sz="1900" dirty="0"/>
+              <a:t>App </a:t>
+            </a:r>
+            <a:r>
+              <a:rPr lang="zh-CN" altLang="en-US" sz="1900" dirty="0"/>
+              <a:t>式体验。高性能、离线使用、免安   </a:t>
+            </a:r>
+            <a:r>
+              <a:rPr lang="en-US" altLang="zh-CN" sz="1900" dirty="0"/>
+              <a:t>     </a:t>
+            </a:r>
+          </a:p>
+          <a:p>
+            <a:r>
+              <a:rPr lang="zh-CN" altLang="en-US" sz="1900" dirty="0"/>
+              <a:t>     装</a:t>
+            </a:r>
+            <a:endParaRPr lang="en-US" altLang="zh-CN" sz="1900" b="1" dirty="0"/>
+          </a:p>
+          <a:p>
+            <a:r>
+              <a:rPr lang="en-US" altLang="zh-CN" sz="1700" dirty="0"/>
+              <a:t>     Angular</a:t>
+            </a:r>
+            <a:r>
+              <a:rPr lang="zh-CN" altLang="en-US" sz="1700" dirty="0"/>
+              <a:t>会把你的模板转换成代码，针对现代</a:t>
+            </a:r>
+            <a:r>
+              <a:rPr lang="en-US" altLang="zh-CN" sz="1700" dirty="0"/>
+              <a:t>JavaScript</a:t>
+            </a:r>
+            <a:r>
+              <a:rPr lang="zh-CN" altLang="en-US" sz="1700" dirty="0"/>
+              <a:t>虚拟机进行高度优化，轻松获得框架提供</a:t>
+            </a:r>
+            <a:endParaRPr lang="en-US" altLang="zh-CN" sz="1700" dirty="0"/>
+          </a:p>
+          <a:p>
+            <a:r>
+              <a:rPr lang="zh-CN" altLang="en-US" sz="1700" dirty="0"/>
+              <a:t>     的高生产率，同时又能保留所有手写代码的优点。</a:t>
+            </a:r>
+            <a:endParaRPr lang="en-US" altLang="zh-CN" sz="1700" dirty="0"/>
+          </a:p>
+          <a:p>
+            <a:r>
+              <a:rPr lang="zh-CN" altLang="en-US" sz="1700" dirty="0"/>
+              <a:t>     通过简单而强大的模板语法，快速创建</a:t>
+            </a:r>
+            <a:r>
+              <a:rPr lang="en-US" altLang="zh-CN" sz="1700" dirty="0"/>
+              <a:t>UI</a:t>
+            </a:r>
+            <a:r>
+              <a:rPr lang="zh-CN" altLang="en-US" sz="1700" dirty="0"/>
+              <a:t>视图语法检查</a:t>
+            </a:r>
+            <a:r>
+              <a:rPr lang="en-US" altLang="zh-CN" sz="1700" dirty="0"/>
+              <a:t>(</a:t>
+            </a:r>
+            <a:r>
+              <a:rPr lang="en-US" altLang="zh-CN" sz="1700" dirty="0" err="1"/>
+              <a:t>js</a:t>
+            </a:r>
+            <a:r>
+              <a:rPr lang="en-US" altLang="zh-CN" sz="1700" dirty="0"/>
+              <a:t>)</a:t>
+            </a:r>
+          </a:p>
+          <a:p>
+            <a:r>
+              <a:rPr lang="en-US" altLang="zh-CN" sz="1700" dirty="0"/>
+              <a:t>     less/sass</a:t>
+            </a:r>
+            <a:r>
+              <a:rPr lang="zh-CN" altLang="en-US" sz="1700" dirty="0"/>
+              <a:t>预编译处理</a:t>
+            </a:r>
+          </a:p>
+          <a:p>
+            <a:r>
+              <a:rPr lang="zh-CN" altLang="en-US" sz="1700" dirty="0"/>
+              <a:t>     命令行工具：快速进入构建环节、添加组件和测试，然后立即部署</a:t>
+            </a:r>
+          </a:p>
+          <a:p>
+            <a:r>
+              <a:rPr lang="zh-CN" altLang="en-US" dirty="0"/>
+              <a:t>    </a:t>
+            </a:r>
+            <a:r>
+              <a:rPr lang="zh-CN" altLang="en-US" sz="1700" dirty="0"/>
+              <a:t>完善的生命周期流程</a:t>
+            </a:r>
+          </a:p>
+          <a:p>
+            <a:endParaRPr lang="zh-CN" dirty="0">
+              <a:latin typeface="微软雅黑" pitchFamily="34" charset="-122"/>
+              <a:ea typeface="微软雅黑" pitchFamily="34" charset="-122"/>
+            </a:endParaRPr>
+          </a:p>
+        </p:txBody>
+      </p:sp>
+    </p:spTree>
+    <p:extLst>
+      <p:ext uri="{BB962C8B-B14F-4D97-AF65-F5344CB8AC3E}">
+        <p14:creationId xmlns:p14="http://schemas.microsoft.com/office/powerpoint/2010/main" val="1198631484"/>
+      </p:ext>
+    </p:extLst>
+  </p:cSld>
+  <p:clrMapOvr>
+    <a:masterClrMapping/>
+  </p:clrMapOvr>
+  <mc:AlternateContent xmlns:mc="http://schemas.openxmlformats.org/markup-compatibility/2006" xmlns:p14="http://schemas.microsoft.com/office/powerpoint/2010/main">
+    <mc:Choice Requires="p14">
+      <p:transition spd="med" p14:dur="700">
+        <p:fade/>
+      </p:transition>
+    </mc:Choice>
+    <mc:Fallback xmlns="">
+      <p:transition spd="med">
+        <p:fade/>
+      </p:transition>
+    </mc:Fallback>
+  </mc:AlternateContent>
+</p:sld>
+</file>
+
+<file path=ppt/slides/slide21.xml><?xml version="1.0" encoding="utf-8"?>
+<p:sld xmlns:a="http://schemas.openxmlformats.org/drawingml/2006/main" xmlns:r="http://schemas.openxmlformats.org/officeDocument/2006/relationships" xmlns:p="http://schemas.openxmlformats.org/presentationml/2006/main">
+  <p:cSld>
+    <p:spTree>
+      <p:nvGrpSpPr>
+        <p:cNvPr id="1" name=""/>
+        <p:cNvGrpSpPr/>
+        <p:nvPr/>
+      </p:nvGrpSpPr>
+      <p:grpSpPr>
+        <a:xfrm>
+          <a:off x="0" y="0"/>
+          <a:ext cx="0" cy="0"/>
+          <a:chOff x="0" y="0"/>
+          <a:chExt cx="0" cy="0"/>
+        </a:xfrm>
+      </p:grpSpPr>
+      <p:sp>
+        <p:nvSpPr>
+          <p:cNvPr id="4" name="标题 3"/>
+          <p:cNvSpPr>
+            <a:spLocks noGrp="1"/>
+          </p:cNvSpPr>
+          <p:nvPr>
+            <p:ph type="title"/>
+          </p:nvPr>
+        </p:nvSpPr>
+        <p:spPr/>
+        <p:txBody>
+          <a:bodyPr/>
+          <a:lstStyle/>
+          <a:p>
+            <a:r>
+              <a:rPr lang="en-US" altLang="zh-CN" dirty="0"/>
+              <a:t>Angular(</a:t>
+            </a:r>
+            <a:r>
+              <a:rPr lang="zh-CN" altLang="en-US" dirty="0"/>
+              <a:t>溯源</a:t>
+            </a:r>
+            <a:r>
+              <a:rPr lang="en-US" altLang="zh-CN" dirty="0"/>
+              <a:t>angular2)</a:t>
+            </a:r>
+            <a:endParaRPr lang="zh-CN" dirty="0">
+              <a:latin typeface="微软雅黑" pitchFamily="34" charset="-122"/>
+              <a:ea typeface="微软雅黑" pitchFamily="34" charset="-122"/>
+            </a:endParaRPr>
+          </a:p>
+        </p:txBody>
+      </p:sp>
+      <p:sp>
+        <p:nvSpPr>
+          <p:cNvPr id="5" name="内容占位符 4"/>
+          <p:cNvSpPr>
+            <a:spLocks noGrp="1"/>
+          </p:cNvSpPr>
+          <p:nvPr>
+            <p:ph idx="1"/>
+          </p:nvPr>
+        </p:nvSpPr>
+        <p:spPr/>
+        <p:txBody>
+          <a:bodyPr>
+            <a:normAutofit fontScale="92500"/>
+          </a:bodyPr>
+          <a:lstStyle/>
+          <a:p>
+            <a:r>
+              <a:rPr lang="en-US" altLang="zh-CN" b="1" dirty="0"/>
+              <a:t>1.</a:t>
+            </a:r>
+            <a:r>
+              <a:rPr lang="zh-CN" altLang="en-US" b="1" dirty="0"/>
+              <a:t>介绍：</a:t>
+            </a:r>
+          </a:p>
+          <a:p>
+            <a:r>
+              <a:rPr lang="zh-CN" altLang="en-US" sz="1900" dirty="0"/>
+              <a:t>     充分利用现代 </a:t>
+            </a:r>
+            <a:r>
+              <a:rPr lang="en-US" altLang="zh-CN" sz="1900" dirty="0"/>
+              <a:t>Web </a:t>
+            </a:r>
+            <a:r>
+              <a:rPr lang="zh-CN" altLang="en-US" sz="1900" dirty="0"/>
+              <a:t>平台的各种能力，提供 </a:t>
+            </a:r>
+            <a:r>
+              <a:rPr lang="en-US" altLang="zh-CN" sz="1900" dirty="0"/>
+              <a:t>App </a:t>
+            </a:r>
+            <a:r>
+              <a:rPr lang="zh-CN" altLang="en-US" sz="1900" dirty="0"/>
+              <a:t>式体验。高性能、离线使用、免安   </a:t>
+            </a:r>
+            <a:r>
+              <a:rPr lang="en-US" altLang="zh-CN" sz="1900" dirty="0"/>
+              <a:t>     </a:t>
+            </a:r>
+          </a:p>
+          <a:p>
+            <a:r>
+              <a:rPr lang="zh-CN" altLang="en-US" sz="1900" dirty="0"/>
+              <a:t>     装</a:t>
+            </a:r>
+            <a:endParaRPr lang="en-US" altLang="zh-CN" sz="1900" b="1" dirty="0"/>
+          </a:p>
+          <a:p>
+            <a:r>
+              <a:rPr lang="en-US" altLang="zh-CN" sz="1700" dirty="0"/>
+              <a:t>     Angular</a:t>
+            </a:r>
+            <a:r>
+              <a:rPr lang="zh-CN" altLang="en-US" sz="1700" dirty="0"/>
+              <a:t>会把你的模板转换成代码，针对现代</a:t>
+            </a:r>
+            <a:r>
+              <a:rPr lang="en-US" altLang="zh-CN" sz="1700" dirty="0"/>
+              <a:t>JavaScript</a:t>
+            </a:r>
+            <a:r>
+              <a:rPr lang="zh-CN" altLang="en-US" sz="1700" dirty="0"/>
+              <a:t>虚拟机进行高度优化，轻松获得框架提供</a:t>
+            </a:r>
+            <a:endParaRPr lang="en-US" altLang="zh-CN" sz="1700" dirty="0"/>
+          </a:p>
+          <a:p>
+            <a:r>
+              <a:rPr lang="zh-CN" altLang="en-US" sz="1700" dirty="0"/>
+              <a:t>     的高生产率，同时又能保留所有手写代码的优点。</a:t>
+            </a:r>
+            <a:endParaRPr lang="en-US" altLang="zh-CN" sz="1700" dirty="0"/>
+          </a:p>
+          <a:p>
+            <a:r>
+              <a:rPr lang="zh-CN" altLang="en-US" sz="1700" dirty="0"/>
+              <a:t>     通过简单而强大的模板语法，快速创建</a:t>
+            </a:r>
+            <a:r>
+              <a:rPr lang="en-US" altLang="zh-CN" sz="1700" dirty="0"/>
+              <a:t>UI</a:t>
+            </a:r>
+            <a:r>
+              <a:rPr lang="zh-CN" altLang="en-US" sz="1700" dirty="0"/>
+              <a:t>视图语法检查</a:t>
+            </a:r>
+            <a:r>
+              <a:rPr lang="en-US" altLang="zh-CN" sz="1700" dirty="0"/>
+              <a:t>(</a:t>
+            </a:r>
+            <a:r>
+              <a:rPr lang="en-US" altLang="zh-CN" sz="1700" dirty="0" err="1"/>
+              <a:t>js</a:t>
+            </a:r>
+            <a:r>
+              <a:rPr lang="en-US" altLang="zh-CN" sz="1700" dirty="0"/>
+              <a:t>)</a:t>
+            </a:r>
+          </a:p>
+          <a:p>
+            <a:r>
+              <a:rPr lang="en-US" altLang="zh-CN" sz="1700" dirty="0"/>
+              <a:t>     less/sass</a:t>
+            </a:r>
+            <a:r>
+              <a:rPr lang="zh-CN" altLang="en-US" sz="1700" dirty="0"/>
+              <a:t>预编译处理</a:t>
+            </a:r>
+          </a:p>
+          <a:p>
+            <a:r>
+              <a:rPr lang="zh-CN" altLang="en-US" sz="1700" dirty="0"/>
+              <a:t>     命令行工具：快速进入构建环节、添加组件和测试，然后立即部署</a:t>
+            </a:r>
+          </a:p>
+          <a:p>
+            <a:r>
+              <a:rPr lang="zh-CN" altLang="en-US" dirty="0"/>
+              <a:t>    </a:t>
+            </a:r>
+            <a:r>
+              <a:rPr lang="zh-CN" altLang="en-US" sz="1700" dirty="0"/>
+              <a:t>完善的生命周期流程</a:t>
+            </a:r>
+          </a:p>
+          <a:p>
+            <a:endParaRPr lang="zh-CN" dirty="0">
+              <a:latin typeface="微软雅黑" pitchFamily="34" charset="-122"/>
+              <a:ea typeface="微软雅黑" pitchFamily="34" charset="-122"/>
+            </a:endParaRPr>
+          </a:p>
+        </p:txBody>
+      </p:sp>
+      <p:pic>
+        <p:nvPicPr>
+          <p:cNvPr id="2" name="图片 1">
+            <a:extLst>
+              <a:ext uri="{FF2B5EF4-FFF2-40B4-BE49-F238E27FC236}">
+                <a16:creationId xmlns:a16="http://schemas.microsoft.com/office/drawing/2014/main" id="{9672D0C8-83AC-4107-A6B3-608264D1A9E4}"/>
+              </a:ext>
+            </a:extLst>
+          </p:cNvPr>
+          <p:cNvPicPr>
+            <a:picLocks noChangeAspect="1"/>
+          </p:cNvPicPr>
+          <p:nvPr/>
+        </p:nvPicPr>
+        <p:blipFill>
+          <a:blip r:embed="rId2"/>
+          <a:stretch>
+            <a:fillRect/>
+          </a:stretch>
+        </p:blipFill>
+        <p:spPr>
+          <a:xfrm>
+            <a:off x="0" y="30864"/>
+            <a:ext cx="2504762" cy="6314286"/>
+          </a:xfrm>
+          <a:prstGeom prst="rect">
+            <a:avLst/>
+          </a:prstGeom>
+        </p:spPr>
+      </p:pic>
+      <p:pic>
+        <p:nvPicPr>
+          <p:cNvPr id="3" name="图片 2">
+            <a:extLst>
+              <a:ext uri="{FF2B5EF4-FFF2-40B4-BE49-F238E27FC236}">
+                <a16:creationId xmlns:a16="http://schemas.microsoft.com/office/drawing/2014/main" id="{30990292-5759-4432-B246-EC3495A6A498}"/>
+              </a:ext>
+            </a:extLst>
+          </p:cNvPr>
+          <p:cNvPicPr>
+            <a:picLocks noChangeAspect="1"/>
+          </p:cNvPicPr>
+          <p:nvPr/>
+        </p:nvPicPr>
+        <p:blipFill>
+          <a:blip r:embed="rId3"/>
+          <a:stretch>
+            <a:fillRect/>
+          </a:stretch>
+        </p:blipFill>
+        <p:spPr>
+          <a:xfrm>
+            <a:off x="1995898" y="1936970"/>
+            <a:ext cx="5466667" cy="2923809"/>
+          </a:xfrm>
+          <a:prstGeom prst="rect">
+            <a:avLst/>
+          </a:prstGeom>
+        </p:spPr>
+      </p:pic>
+      <p:pic>
+        <p:nvPicPr>
+          <p:cNvPr id="6" name="图片 5">
+            <a:extLst>
+              <a:ext uri="{FF2B5EF4-FFF2-40B4-BE49-F238E27FC236}">
+                <a16:creationId xmlns:a16="http://schemas.microsoft.com/office/drawing/2014/main" id="{F56544A2-D543-47BE-96BC-05DB5C3EF307}"/>
+              </a:ext>
+            </a:extLst>
+          </p:cNvPr>
+          <p:cNvPicPr>
+            <a:picLocks noChangeAspect="1"/>
+          </p:cNvPicPr>
+          <p:nvPr/>
+        </p:nvPicPr>
+        <p:blipFill>
+          <a:blip r:embed="rId4"/>
+          <a:stretch>
+            <a:fillRect/>
+          </a:stretch>
+        </p:blipFill>
+        <p:spPr>
+          <a:xfrm>
+            <a:off x="7462565" y="-22480"/>
+            <a:ext cx="4726260" cy="6858000"/>
+          </a:xfrm>
+          <a:prstGeom prst="rect">
+            <a:avLst/>
+          </a:prstGeom>
+        </p:spPr>
+      </p:pic>
+    </p:spTree>
+    <p:extLst>
+      <p:ext uri="{BB962C8B-B14F-4D97-AF65-F5344CB8AC3E}">
+        <p14:creationId xmlns:p14="http://schemas.microsoft.com/office/powerpoint/2010/main" val="2279278427"/>
+      </p:ext>
+    </p:extLst>
+  </p:cSld>
+  <p:clrMapOvr>
+    <a:masterClrMapping/>
+  </p:clrMapOvr>
+  <mc:AlternateContent xmlns:mc="http://schemas.openxmlformats.org/markup-compatibility/2006" xmlns:p14="http://schemas.microsoft.com/office/powerpoint/2010/main">
+    <mc:Choice Requires="p14">
+      <p:transition spd="med" p14:dur="700">
+        <p:fade/>
+      </p:transition>
+    </mc:Choice>
+    <mc:Fallback xmlns="">
+      <p:transition spd="med">
+        <p:fade/>
+      </p:transition>
+    </mc:Fallback>
+  </mc:AlternateContent>
+</p:sld>
+</file>
+
+<file path=ppt/slides/slide22.xml><?xml version="1.0" encoding="utf-8"?>
+<p:sld xmlns:a="http://schemas.openxmlformats.org/drawingml/2006/main" xmlns:r="http://schemas.openxmlformats.org/officeDocument/2006/relationships" xmlns:p="http://schemas.openxmlformats.org/presentationml/2006/main">
+  <p:cSld>
+    <p:spTree>
+      <p:nvGrpSpPr>
+        <p:cNvPr id="1" name=""/>
+        <p:cNvGrpSpPr/>
+        <p:nvPr/>
+      </p:nvGrpSpPr>
+      <p:grpSpPr>
+        <a:xfrm>
+          <a:off x="0" y="0"/>
+          <a:ext cx="0" cy="0"/>
+          <a:chOff x="0" y="0"/>
+          <a:chExt cx="0" cy="0"/>
+        </a:xfrm>
+      </p:grpSpPr>
+      <p:sp>
+        <p:nvSpPr>
+          <p:cNvPr id="4" name="标题 3"/>
+          <p:cNvSpPr>
+            <a:spLocks noGrp="1"/>
+          </p:cNvSpPr>
+          <p:nvPr>
+            <p:ph type="title"/>
+          </p:nvPr>
+        </p:nvSpPr>
+        <p:spPr/>
+        <p:txBody>
+          <a:bodyPr/>
+          <a:lstStyle/>
+          <a:p>
+            <a:r>
+              <a:rPr lang="zh-CN" altLang="en-US" dirty="0"/>
+              <a:t>技术点讲解：双向绑定</a:t>
+            </a:r>
+            <a:endParaRPr lang="zh-CN" dirty="0">
+              <a:latin typeface="微软雅黑" pitchFamily="34" charset="-122"/>
+              <a:ea typeface="微软雅黑" pitchFamily="34" charset="-122"/>
+            </a:endParaRPr>
+          </a:p>
+        </p:txBody>
+      </p:sp>
+      <p:sp>
+        <p:nvSpPr>
+          <p:cNvPr id="5" name="内容占位符 4"/>
+          <p:cNvSpPr>
+            <a:spLocks noGrp="1"/>
+          </p:cNvSpPr>
+          <p:nvPr>
+            <p:ph idx="1"/>
+          </p:nvPr>
+        </p:nvSpPr>
+        <p:spPr/>
+        <p:txBody>
+          <a:bodyPr>
+            <a:normAutofit/>
+          </a:bodyPr>
+          <a:lstStyle/>
+          <a:p>
+            <a:r>
+              <a:rPr lang="en-US" altLang="zh-CN" dirty="0"/>
+              <a:t>data=&gt;view</a:t>
+            </a:r>
+            <a:r>
+              <a:rPr lang="zh-CN" altLang="en-US" dirty="0"/>
+              <a:t>：数据绑定，模板语法是 </a:t>
+            </a:r>
+            <a:r>
+              <a:rPr lang="en-US" altLang="zh-CN" dirty="0"/>
+              <a:t>[]</a:t>
+            </a:r>
+          </a:p>
+          <a:p>
+            <a:r>
+              <a:rPr lang="en-US" altLang="zh-CN" dirty="0"/>
+              <a:t>view=&gt;data</a:t>
+            </a:r>
+            <a:r>
+              <a:rPr lang="zh-CN" altLang="en-US" dirty="0"/>
+              <a:t>：事件绑定，模板语法是 </a:t>
+            </a:r>
+            <a:r>
+              <a:rPr lang="en-US" altLang="zh-CN" dirty="0"/>
+              <a:t>()</a:t>
+            </a:r>
+          </a:p>
+          <a:p>
+            <a:r>
+              <a:rPr lang="en-US" altLang="zh-CN" dirty="0"/>
+              <a:t>Angular</a:t>
+            </a:r>
+            <a:r>
+              <a:rPr lang="zh-CN" altLang="en-US" b="1" dirty="0"/>
+              <a:t>他的双向绑定就是数据绑定</a:t>
+            </a:r>
+            <a:r>
+              <a:rPr lang="en-US" altLang="zh-CN" b="1" dirty="0"/>
+              <a:t>+</a:t>
+            </a:r>
+            <a:r>
+              <a:rPr lang="zh-CN" altLang="en-US" b="1" dirty="0"/>
+              <a:t>事件绑定</a:t>
+            </a:r>
+            <a:r>
+              <a:rPr lang="zh-CN" altLang="en-US" dirty="0"/>
+              <a:t>，模板语法是 </a:t>
+            </a:r>
+            <a:r>
+              <a:rPr lang="en-US" altLang="zh-CN" dirty="0"/>
+              <a:t>[()] </a:t>
+            </a:r>
+            <a:r>
+              <a:rPr lang="zh-CN" altLang="en-US" dirty="0"/>
+              <a:t>。</a:t>
+            </a:r>
+          </a:p>
+          <a:p>
+            <a:endParaRPr lang="zh-CN" dirty="0">
+              <a:latin typeface="微软雅黑" pitchFamily="34" charset="-122"/>
+              <a:ea typeface="微软雅黑" pitchFamily="34" charset="-122"/>
+            </a:endParaRPr>
+          </a:p>
+        </p:txBody>
+      </p:sp>
+    </p:spTree>
+    <p:extLst>
+      <p:ext uri="{BB962C8B-B14F-4D97-AF65-F5344CB8AC3E}">
+        <p14:creationId xmlns:p14="http://schemas.microsoft.com/office/powerpoint/2010/main" val="1481632603"/>
+      </p:ext>
+    </p:extLst>
+  </p:cSld>
+  <p:clrMapOvr>
+    <a:masterClrMapping/>
+  </p:clrMapOvr>
+  <mc:AlternateContent xmlns:mc="http://schemas.openxmlformats.org/markup-compatibility/2006" xmlns:p14="http://schemas.microsoft.com/office/powerpoint/2010/main">
+    <mc:Choice Requires="p14">
+      <p:transition spd="med" p14:dur="700">
+        <p:fade/>
+      </p:transition>
+    </mc:Choice>
+    <mc:Fallback xmlns="">
+      <p:transition spd="med">
+        <p:fade/>
+      </p:transition>
+    </mc:Fallback>
+  </mc:AlternateContent>
+</p:sld>
+</file>
+
+<file path=ppt/slides/slide23.xml><?xml version="1.0" encoding="utf-8"?>
+<p:sld xmlns:a="http://schemas.openxmlformats.org/drawingml/2006/main" xmlns:r="http://schemas.openxmlformats.org/officeDocument/2006/relationships" xmlns:p="http://schemas.openxmlformats.org/presentationml/2006/main">
+  <p:cSld>
+    <p:spTree>
+      <p:nvGrpSpPr>
+        <p:cNvPr id="1" name=""/>
+        <p:cNvGrpSpPr/>
+        <p:nvPr/>
+      </p:nvGrpSpPr>
+      <p:grpSpPr>
+        <a:xfrm>
+          <a:off x="0" y="0"/>
+          <a:ext cx="0" cy="0"/>
+          <a:chOff x="0" y="0"/>
+          <a:chExt cx="0" cy="0"/>
+        </a:xfrm>
+      </p:grpSpPr>
+      <p:sp>
+        <p:nvSpPr>
+          <p:cNvPr id="4" name="标题 3"/>
+          <p:cNvSpPr>
+            <a:spLocks noGrp="1"/>
+          </p:cNvSpPr>
+          <p:nvPr>
+            <p:ph type="title"/>
+          </p:nvPr>
+        </p:nvSpPr>
+        <p:spPr/>
+        <p:txBody>
+          <a:bodyPr/>
+          <a:lstStyle/>
+          <a:p>
+            <a:r>
+              <a:rPr lang="zh-CN" altLang="en-US" dirty="0"/>
+              <a:t>技术点讲解：组件开发</a:t>
+            </a:r>
+            <a:endParaRPr lang="zh-CN" dirty="0">
+              <a:latin typeface="微软雅黑" pitchFamily="34" charset="-122"/>
+              <a:ea typeface="微软雅黑" pitchFamily="34" charset="-122"/>
+            </a:endParaRPr>
+          </a:p>
+        </p:txBody>
+      </p:sp>
+      <p:sp>
+        <p:nvSpPr>
+          <p:cNvPr id="5" name="内容占位符 4"/>
+          <p:cNvSpPr>
+            <a:spLocks noGrp="1"/>
+          </p:cNvSpPr>
+          <p:nvPr>
+            <p:ph idx="1"/>
+          </p:nvPr>
+        </p:nvSpPr>
+        <p:spPr/>
+        <p:txBody>
+          <a:bodyPr>
+            <a:normAutofit fontScale="92500"/>
+          </a:bodyPr>
+          <a:lstStyle/>
+          <a:p>
+            <a:r>
+              <a:rPr lang="en-US" altLang="zh-CN" b="1" dirty="0"/>
+              <a:t>1.</a:t>
+            </a:r>
+            <a:r>
+              <a:rPr lang="zh-CN" altLang="en-US" b="1" dirty="0"/>
+              <a:t>介绍：</a:t>
+            </a:r>
+          </a:p>
+          <a:p>
+            <a:r>
+              <a:rPr lang="zh-CN" altLang="en-US" sz="1900" dirty="0"/>
+              <a:t>     充分利用现代 </a:t>
+            </a:r>
+            <a:r>
+              <a:rPr lang="en-US" altLang="zh-CN" sz="1900" dirty="0"/>
+              <a:t>Web </a:t>
+            </a:r>
+            <a:r>
+              <a:rPr lang="zh-CN" altLang="en-US" sz="1900" dirty="0"/>
+              <a:t>平台的各种能力，提供 </a:t>
+            </a:r>
+            <a:r>
+              <a:rPr lang="en-US" altLang="zh-CN" sz="1900" dirty="0"/>
+              <a:t>App </a:t>
+            </a:r>
+            <a:r>
+              <a:rPr lang="zh-CN" altLang="en-US" sz="1900" dirty="0"/>
+              <a:t>式体验。高性能、离线使用、免安   </a:t>
+            </a:r>
+            <a:r>
+              <a:rPr lang="en-US" altLang="zh-CN" sz="1900" dirty="0"/>
+              <a:t>     </a:t>
+            </a:r>
+          </a:p>
+          <a:p>
+            <a:r>
+              <a:rPr lang="zh-CN" altLang="en-US" sz="1900" dirty="0"/>
+              <a:t>     装</a:t>
+            </a:r>
+            <a:endParaRPr lang="en-US" altLang="zh-CN" sz="1900" b="1" dirty="0"/>
+          </a:p>
+          <a:p>
+            <a:r>
+              <a:rPr lang="en-US" altLang="zh-CN" sz="1700" dirty="0"/>
+              <a:t>     Angular</a:t>
+            </a:r>
+            <a:r>
+              <a:rPr lang="zh-CN" altLang="en-US" sz="1700" dirty="0"/>
+              <a:t>会把你的模板转换成代码，针对现代</a:t>
+            </a:r>
+            <a:r>
+              <a:rPr lang="en-US" altLang="zh-CN" sz="1700" dirty="0"/>
+              <a:t>JavaScript</a:t>
+            </a:r>
+            <a:r>
+              <a:rPr lang="zh-CN" altLang="en-US" sz="1700" dirty="0"/>
+              <a:t>虚拟机进行高度优化，轻松获得框架提供</a:t>
+            </a:r>
+            <a:endParaRPr lang="en-US" altLang="zh-CN" sz="1700" dirty="0"/>
+          </a:p>
+          <a:p>
+            <a:r>
+              <a:rPr lang="zh-CN" altLang="en-US" sz="1700" dirty="0"/>
+              <a:t>     的高生产率，同时又能保留所有手写代码的优点。</a:t>
+            </a:r>
+            <a:endParaRPr lang="en-US" altLang="zh-CN" sz="1700" dirty="0"/>
+          </a:p>
+          <a:p>
+            <a:r>
+              <a:rPr lang="zh-CN" altLang="en-US" sz="1700" dirty="0"/>
+              <a:t>     通过简单而强大的模板语法，快速创建</a:t>
+            </a:r>
+            <a:r>
+              <a:rPr lang="en-US" altLang="zh-CN" sz="1700" dirty="0"/>
+              <a:t>UI</a:t>
+            </a:r>
+            <a:r>
+              <a:rPr lang="zh-CN" altLang="en-US" sz="1700" dirty="0"/>
+              <a:t>视图语法检查</a:t>
+            </a:r>
+            <a:r>
+              <a:rPr lang="en-US" altLang="zh-CN" sz="1700" dirty="0"/>
+              <a:t>(</a:t>
+            </a:r>
+            <a:r>
+              <a:rPr lang="en-US" altLang="zh-CN" sz="1700" dirty="0" err="1"/>
+              <a:t>js</a:t>
+            </a:r>
+            <a:r>
+              <a:rPr lang="en-US" altLang="zh-CN" sz="1700" dirty="0"/>
+              <a:t>)</a:t>
+            </a:r>
+          </a:p>
+          <a:p>
+            <a:r>
+              <a:rPr lang="en-US" altLang="zh-CN" sz="1700" dirty="0"/>
+              <a:t>     less/sass</a:t>
+            </a:r>
+            <a:r>
+              <a:rPr lang="zh-CN" altLang="en-US" sz="1700" dirty="0"/>
+              <a:t>预编译处理</a:t>
+            </a:r>
+          </a:p>
+          <a:p>
+            <a:r>
+              <a:rPr lang="zh-CN" altLang="en-US" sz="1700" dirty="0"/>
+              <a:t>     命令行工具：快速进入构建环节、添加组件和测试，然后立即部署</a:t>
+            </a:r>
+          </a:p>
+          <a:p>
+            <a:r>
+              <a:rPr lang="zh-CN" altLang="en-US" dirty="0"/>
+              <a:t>    </a:t>
+            </a:r>
+            <a:r>
+              <a:rPr lang="zh-CN" altLang="en-US" sz="1700" dirty="0"/>
+              <a:t>完善的生命周期流程</a:t>
+            </a:r>
+          </a:p>
+          <a:p>
+            <a:endParaRPr lang="zh-CN" dirty="0">
+              <a:latin typeface="微软雅黑" pitchFamily="34" charset="-122"/>
+              <a:ea typeface="微软雅黑" pitchFamily="34" charset="-122"/>
+            </a:endParaRPr>
+          </a:p>
+        </p:txBody>
+      </p:sp>
+    </p:spTree>
+    <p:extLst>
+      <p:ext uri="{BB962C8B-B14F-4D97-AF65-F5344CB8AC3E}">
+        <p14:creationId xmlns:p14="http://schemas.microsoft.com/office/powerpoint/2010/main" val="3595859389"/>
+      </p:ext>
+    </p:extLst>
+  </p:cSld>
+  <p:clrMapOvr>
+    <a:masterClrMapping/>
+  </p:clrMapOvr>
+  <mc:AlternateContent xmlns:mc="http://schemas.openxmlformats.org/markup-compatibility/2006" xmlns:p14="http://schemas.microsoft.com/office/powerpoint/2010/main">
+    <mc:Choice Requires="p14">
+      <p:transition spd="med" p14:dur="700">
+        <p:fade/>
+      </p:transition>
+    </mc:Choice>
+    <mc:Fallback xmlns="">
+      <p:transition spd="med">
+        <p:fade/>
+      </p:transition>
+    </mc:Fallback>
+  </mc:AlternateContent>
+</p:sld>
+</file>
+
+<file path=ppt/slides/slide24.xml><?xml version="1.0" encoding="utf-8"?>
+<p:sld xmlns:a="http://schemas.openxmlformats.org/drawingml/2006/main" xmlns:r="http://schemas.openxmlformats.org/officeDocument/2006/relationships" xmlns:p="http://schemas.openxmlformats.org/presentationml/2006/main">
+  <p:cSld>
+    <p:spTree>
+      <p:nvGrpSpPr>
+        <p:cNvPr id="1" name=""/>
+        <p:cNvGrpSpPr/>
+        <p:nvPr/>
+      </p:nvGrpSpPr>
+      <p:grpSpPr>
+        <a:xfrm>
+          <a:off x="0" y="0"/>
+          <a:ext cx="0" cy="0"/>
+          <a:chOff x="0" y="0"/>
+          <a:chExt cx="0" cy="0"/>
+        </a:xfrm>
+      </p:grpSpPr>
+      <p:sp>
+        <p:nvSpPr>
+          <p:cNvPr id="4" name="标题 3"/>
+          <p:cNvSpPr>
+            <a:spLocks noGrp="1"/>
+          </p:cNvSpPr>
+          <p:nvPr>
+            <p:ph type="title"/>
+          </p:nvPr>
+        </p:nvSpPr>
+        <p:spPr/>
+        <p:txBody>
+          <a:bodyPr/>
+          <a:lstStyle/>
+          <a:p>
+            <a:r>
+              <a:rPr lang="zh-CN" altLang="en-US" dirty="0"/>
+              <a:t>技术点讲解：面向对象开发</a:t>
+            </a:r>
+            <a:endParaRPr lang="zh-CN" dirty="0">
+              <a:latin typeface="微软雅黑" pitchFamily="34" charset="-122"/>
+              <a:ea typeface="微软雅黑" pitchFamily="34" charset="-122"/>
+            </a:endParaRPr>
+          </a:p>
+        </p:txBody>
+      </p:sp>
+      <p:sp>
+        <p:nvSpPr>
+          <p:cNvPr id="5" name="内容占位符 4"/>
+          <p:cNvSpPr>
+            <a:spLocks noGrp="1"/>
+          </p:cNvSpPr>
+          <p:nvPr>
+            <p:ph idx="1"/>
+          </p:nvPr>
+        </p:nvSpPr>
+        <p:spPr/>
+        <p:txBody>
+          <a:bodyPr>
+            <a:normAutofit fontScale="92500"/>
+          </a:bodyPr>
+          <a:lstStyle/>
+          <a:p>
+            <a:r>
+              <a:rPr lang="en-US" altLang="zh-CN" b="1" dirty="0"/>
+              <a:t>1.</a:t>
+            </a:r>
+            <a:r>
+              <a:rPr lang="zh-CN" altLang="en-US" b="1" dirty="0"/>
+              <a:t>介绍：</a:t>
+            </a:r>
+          </a:p>
+          <a:p>
+            <a:r>
+              <a:rPr lang="zh-CN" altLang="en-US" sz="1900" dirty="0"/>
+              <a:t>     充分利用现代 </a:t>
+            </a:r>
+            <a:r>
+              <a:rPr lang="en-US" altLang="zh-CN" sz="1900" dirty="0"/>
+              <a:t>Web </a:t>
+            </a:r>
+            <a:r>
+              <a:rPr lang="zh-CN" altLang="en-US" sz="1900" dirty="0"/>
+              <a:t>平台的各种能力，提供 </a:t>
+            </a:r>
+            <a:r>
+              <a:rPr lang="en-US" altLang="zh-CN" sz="1900" dirty="0"/>
+              <a:t>App </a:t>
+            </a:r>
+            <a:r>
+              <a:rPr lang="zh-CN" altLang="en-US" sz="1900" dirty="0"/>
+              <a:t>式体验。高性能、离线使用、免安   </a:t>
+            </a:r>
+            <a:r>
+              <a:rPr lang="en-US" altLang="zh-CN" sz="1900" dirty="0"/>
+              <a:t>     </a:t>
+            </a:r>
+          </a:p>
+          <a:p>
+            <a:r>
+              <a:rPr lang="zh-CN" altLang="en-US" sz="1900" dirty="0"/>
+              <a:t>     装</a:t>
+            </a:r>
+            <a:endParaRPr lang="en-US" altLang="zh-CN" sz="1900" b="1" dirty="0"/>
+          </a:p>
+          <a:p>
+            <a:r>
+              <a:rPr lang="en-US" altLang="zh-CN" sz="1700" dirty="0"/>
+              <a:t>     Angular</a:t>
+            </a:r>
+            <a:r>
+              <a:rPr lang="zh-CN" altLang="en-US" sz="1700" dirty="0"/>
+              <a:t>会把你的模板转换成代码，针对现代</a:t>
+            </a:r>
+            <a:r>
+              <a:rPr lang="en-US" altLang="zh-CN" sz="1700" dirty="0"/>
+              <a:t>JavaScript</a:t>
+            </a:r>
+            <a:r>
+              <a:rPr lang="zh-CN" altLang="en-US" sz="1700" dirty="0"/>
+              <a:t>虚拟机进行高度优化，轻松获得框架提供</a:t>
+            </a:r>
+            <a:endParaRPr lang="en-US" altLang="zh-CN" sz="1700" dirty="0"/>
+          </a:p>
+          <a:p>
+            <a:r>
+              <a:rPr lang="zh-CN" altLang="en-US" sz="1700" dirty="0"/>
+              <a:t>     的高生产率，同时又能保留所有手写代码的优点。</a:t>
+            </a:r>
+            <a:endParaRPr lang="en-US" altLang="zh-CN" sz="1700" dirty="0"/>
+          </a:p>
+          <a:p>
+            <a:r>
+              <a:rPr lang="zh-CN" altLang="en-US" sz="1700" dirty="0"/>
+              <a:t>     通过简单而强大的模板语法，快速创建</a:t>
+            </a:r>
+            <a:r>
+              <a:rPr lang="en-US" altLang="zh-CN" sz="1700" dirty="0"/>
+              <a:t>UI</a:t>
+            </a:r>
+            <a:r>
+              <a:rPr lang="zh-CN" altLang="en-US" sz="1700" dirty="0"/>
+              <a:t>视图语法检查</a:t>
+            </a:r>
+            <a:r>
+              <a:rPr lang="en-US" altLang="zh-CN" sz="1700" dirty="0"/>
+              <a:t>(</a:t>
+            </a:r>
+            <a:r>
+              <a:rPr lang="en-US" altLang="zh-CN" sz="1700" dirty="0" err="1"/>
+              <a:t>js</a:t>
+            </a:r>
+            <a:r>
+              <a:rPr lang="en-US" altLang="zh-CN" sz="1700" dirty="0"/>
+              <a:t>)</a:t>
+            </a:r>
+          </a:p>
+          <a:p>
+            <a:r>
+              <a:rPr lang="en-US" altLang="zh-CN" sz="1700" dirty="0"/>
+              <a:t>     less/sass</a:t>
+            </a:r>
+            <a:r>
+              <a:rPr lang="zh-CN" altLang="en-US" sz="1700" dirty="0"/>
+              <a:t>预编译处理</a:t>
+            </a:r>
+          </a:p>
+          <a:p>
+            <a:r>
+              <a:rPr lang="zh-CN" altLang="en-US" sz="1700" dirty="0"/>
+              <a:t>     命令行工具：快速进入构建环节、添加组件和测试，然后立即部署</a:t>
+            </a:r>
+          </a:p>
+          <a:p>
+            <a:r>
+              <a:rPr lang="zh-CN" altLang="en-US" dirty="0"/>
+              <a:t>    </a:t>
+            </a:r>
+            <a:r>
+              <a:rPr lang="zh-CN" altLang="en-US" sz="1700" dirty="0"/>
+              <a:t>完善的生命周期流程</a:t>
+            </a:r>
+          </a:p>
+          <a:p>
+            <a:endParaRPr lang="zh-CN" dirty="0">
+              <a:latin typeface="微软雅黑" pitchFamily="34" charset="-122"/>
+              <a:ea typeface="微软雅黑" pitchFamily="34" charset="-122"/>
+            </a:endParaRPr>
+          </a:p>
+        </p:txBody>
+      </p:sp>
+    </p:spTree>
+    <p:extLst>
+      <p:ext uri="{BB962C8B-B14F-4D97-AF65-F5344CB8AC3E}">
+        <p14:creationId xmlns:p14="http://schemas.microsoft.com/office/powerpoint/2010/main" val="2028677179"/>
+      </p:ext>
+    </p:extLst>
+  </p:cSld>
+  <p:clrMapOvr>
+    <a:masterClrMapping/>
+  </p:clrMapOvr>
+  <mc:AlternateContent xmlns:mc="http://schemas.openxmlformats.org/markup-compatibility/2006" xmlns:p14="http://schemas.microsoft.com/office/powerpoint/2010/main">
+    <mc:Choice Requires="p14">
+      <p:transition spd="med" p14:dur="700">
+        <p:fade/>
+      </p:transition>
+    </mc:Choice>
+    <mc:Fallback xmlns="">
+      <p:transition spd="med">
+        <p:fade/>
+      </p:transition>
+    </mc:Fallback>
+  </mc:AlternateContent>
+</p:sld>
+</file>
+
+<file path=ppt/slides/slide25.xml><?xml version="1.0" encoding="utf-8"?>
 <p:sld xmlns:a="http://schemas.openxmlformats.org/drawingml/2006/main" xmlns:r="http://schemas.openxmlformats.org/officeDocument/2006/relationships" xmlns:p="http://schemas.openxmlformats.org/presentationml/2006/main">
   <p:cSld>
     <p:spTree>
@@ -11541,17 +16064,10 @@
       </p:transition>
     </mc:Fallback>
   </mc:AlternateContent>
-  <p:timing>
-    <p:tnLst>
-      <p:par>
-        <p:cTn id="1" dur="indefinite" restart="never" nodeType="tmRoot"/>
-      </p:par>
-    </p:tnLst>
-  </p:timing>
 </p:sld>
 </file>
 
-<file path=ppt/slides/slide18.xml><?xml version="1.0" encoding="utf-8"?>
+<file path=ppt/slides/slide26.xml><?xml version="1.0" encoding="utf-8"?>
 <p:sld xmlns:a="http://schemas.openxmlformats.org/drawingml/2006/main" xmlns:r="http://schemas.openxmlformats.org/officeDocument/2006/relationships" xmlns:p="http://schemas.openxmlformats.org/presentationml/2006/main">
   <p:cSld>
     <p:spTree>
@@ -11634,17 +16150,10 @@
       </p:transition>
     </mc:Fallback>
   </mc:AlternateContent>
-  <p:timing>
-    <p:tnLst>
-      <p:par>
-        <p:cTn id="1" dur="indefinite" restart="never" nodeType="tmRoot"/>
-      </p:par>
-    </p:tnLst>
-  </p:timing>
 </p:sld>
 </file>
 
-<file path=ppt/slides/slide19.xml><?xml version="1.0" encoding="utf-8"?>
+<file path=ppt/slides/slide27.xml><?xml version="1.0" encoding="utf-8"?>
 <p:sld xmlns:a="http://schemas.openxmlformats.org/drawingml/2006/main" xmlns:r="http://schemas.openxmlformats.org/officeDocument/2006/relationships" xmlns:p="http://schemas.openxmlformats.org/presentationml/2006/main">
   <p:cSld>
     <p:spTree>
@@ -11749,294 +16258,10 @@
       </p:transition>
     </mc:Fallback>
   </mc:AlternateContent>
-  <p:timing>
-    <p:tnLst>
-      <p:par>
-        <p:cTn id="1" dur="indefinite" restart="never" nodeType="tmRoot"/>
-      </p:par>
-    </p:tnLst>
-  </p:timing>
 </p:sld>
 </file>
 
-<file path=ppt/slides/slide2.xml><?xml version="1.0" encoding="utf-8"?>
-<p:sld xmlns:a="http://schemas.openxmlformats.org/drawingml/2006/main" xmlns:r="http://schemas.openxmlformats.org/officeDocument/2006/relationships" xmlns:p="http://schemas.openxmlformats.org/presentationml/2006/main">
-  <p:cSld>
-    <p:spTree>
-      <p:nvGrpSpPr>
-        <p:cNvPr id="1" name=""/>
-        <p:cNvGrpSpPr/>
-        <p:nvPr/>
-      </p:nvGrpSpPr>
-      <p:grpSpPr>
-        <a:xfrm>
-          <a:off x="0" y="0"/>
-          <a:ext cx="0" cy="0"/>
-          <a:chOff x="0" y="0"/>
-          <a:chExt cx="0" cy="0"/>
-        </a:xfrm>
-      </p:grpSpPr>
-      <p:sp>
-        <p:nvSpPr>
-          <p:cNvPr id="2" name="标题 1"/>
-          <p:cNvSpPr>
-            <a:spLocks noGrp="1"/>
-          </p:cNvSpPr>
-          <p:nvPr>
-            <p:ph type="ctrTitle"/>
-          </p:nvPr>
-        </p:nvSpPr>
-        <p:spPr/>
-        <p:txBody>
-          <a:bodyPr/>
-          <a:lstStyle/>
-          <a:p>
-            <a:r>
-              <a:rPr lang="zh-CN" altLang="en-US" dirty="0"/>
-              <a:t>最初</a:t>
-            </a:r>
-            <a:r>
-              <a:rPr lang="zh-CN" altLang="en-US" dirty="0" smtClean="0">
-                <a:latin typeface="微软雅黑" pitchFamily="34" charset="-122"/>
-                <a:ea typeface="微软雅黑" pitchFamily="34" charset="-122"/>
-              </a:rPr>
-              <a:t>的前端</a:t>
-            </a:r>
-            <a:r>
-              <a:rPr lang="en-US" altLang="zh-CN" dirty="0" smtClean="0">
-                <a:latin typeface="微软雅黑" pitchFamily="34" charset="-122"/>
-                <a:ea typeface="微软雅黑" pitchFamily="34" charset="-122"/>
-              </a:rPr>
-              <a:t>:</a:t>
-            </a:r>
-            <a:endParaRPr lang="zh-CN" dirty="0">
-              <a:latin typeface="微软雅黑" pitchFamily="34" charset="-122"/>
-              <a:ea typeface="微软雅黑" pitchFamily="34" charset="-122"/>
-            </a:endParaRPr>
-          </a:p>
-        </p:txBody>
-      </p:sp>
-      <p:sp>
-        <p:nvSpPr>
-          <p:cNvPr id="3" name="副标题 2"/>
-          <p:cNvSpPr>
-            <a:spLocks noGrp="1"/>
-          </p:cNvSpPr>
-          <p:nvPr>
-            <p:ph type="subTitle" idx="1"/>
-          </p:nvPr>
-        </p:nvSpPr>
-        <p:spPr>
-          <a:xfrm>
-            <a:off x="7085014" y="620688"/>
-            <a:ext cx="4572000" cy="5112568"/>
-          </a:xfrm>
-        </p:spPr>
-        <p:txBody>
-          <a:bodyPr>
-            <a:normAutofit/>
-          </a:bodyPr>
-          <a:lstStyle/>
-          <a:p>
-            <a:r>
-              <a:rPr lang="zh-CN" altLang="en-US" dirty="0"/>
-              <a:t>万维网（</a:t>
-            </a:r>
-            <a:r>
-              <a:rPr lang="en-US" altLang="zh-CN" dirty="0"/>
-              <a:t>WWW</a:t>
-            </a:r>
-            <a:r>
-              <a:rPr lang="zh-CN" altLang="en-US" dirty="0"/>
-              <a:t>）是欧洲核子研究组织的一帮科学家为了方便看文档、传论文而创造的，这就是为什么</a:t>
-            </a:r>
-            <a:r>
-              <a:rPr lang="en-US" altLang="zh-CN" dirty="0"/>
-              <a:t>Web</a:t>
-            </a:r>
-            <a:r>
-              <a:rPr lang="zh-CN" altLang="en-US" dirty="0"/>
-              <a:t>网页都</a:t>
-            </a:r>
-            <a:r>
-              <a:rPr lang="zh-CN" altLang="en-US" dirty="0" smtClean="0"/>
-              <a:t>基</a:t>
-            </a:r>
-            <a:endParaRPr lang="en-US" altLang="zh-CN" dirty="0" smtClean="0"/>
-          </a:p>
-          <a:p>
-            <a:r>
-              <a:rPr lang="en-US" altLang="zh-CN" dirty="0" smtClean="0"/>
-              <a:t>Document</a:t>
-            </a:r>
-            <a:r>
-              <a:rPr lang="zh-CN" altLang="en-US" dirty="0" smtClean="0"/>
-              <a:t>。</a:t>
-            </a:r>
-            <a:endParaRPr lang="en-US" altLang="zh-CN" dirty="0" smtClean="0"/>
-          </a:p>
-          <a:p>
-            <a:endParaRPr lang="en-US" altLang="zh-CN" dirty="0"/>
-          </a:p>
-          <a:p>
-            <a:r>
-              <a:rPr lang="en-US" altLang="zh-CN" dirty="0" smtClean="0"/>
-              <a:t>Document</a:t>
-            </a:r>
-            <a:r>
-              <a:rPr lang="zh-CN" altLang="en-US" dirty="0"/>
-              <a:t>就是</a:t>
-            </a:r>
-            <a:r>
-              <a:rPr lang="zh-CN" altLang="en-US" dirty="0" smtClean="0"/>
-              <a:t>用 </a:t>
-            </a:r>
-            <a:r>
-              <a:rPr lang="zh-CN" altLang="en-US" dirty="0" smtClean="0">
-                <a:solidFill>
-                  <a:srgbClr val="FF0000"/>
-                </a:solidFill>
-              </a:rPr>
-              <a:t>标记</a:t>
-            </a:r>
-            <a:r>
-              <a:rPr lang="zh-CN" altLang="en-US" dirty="0">
-                <a:solidFill>
-                  <a:srgbClr val="FF0000"/>
-                </a:solidFill>
-              </a:rPr>
-              <a:t>语言</a:t>
-            </a:r>
-            <a:r>
-              <a:rPr lang="en-US" altLang="zh-CN" dirty="0"/>
-              <a:t>+</a:t>
-            </a:r>
-            <a:r>
-              <a:rPr lang="zh-CN" altLang="en-US" dirty="0">
-                <a:solidFill>
-                  <a:srgbClr val="FF0000"/>
-                </a:solidFill>
-              </a:rPr>
-              <a:t>超</a:t>
-            </a:r>
-            <a:r>
-              <a:rPr lang="zh-CN" altLang="en-US" dirty="0" smtClean="0">
-                <a:solidFill>
-                  <a:srgbClr val="FF0000"/>
-                </a:solidFill>
-              </a:rPr>
-              <a:t>链接</a:t>
-            </a:r>
-            <a:r>
-              <a:rPr lang="zh-CN" altLang="en-US" dirty="0">
-                <a:solidFill>
-                  <a:srgbClr val="FF0000"/>
-                </a:solidFill>
-              </a:rPr>
-              <a:t>编写</a:t>
-            </a:r>
-            <a:r>
-              <a:rPr lang="zh-CN" altLang="en-US" dirty="0" smtClean="0">
-                <a:solidFill>
-                  <a:srgbClr val="FF0000"/>
-                </a:solidFill>
-              </a:rPr>
-              <a:t>由</a:t>
-            </a:r>
-            <a:r>
-              <a:rPr lang="zh-CN" altLang="en-US" dirty="0">
-                <a:solidFill>
-                  <a:srgbClr val="FF0000"/>
-                </a:solidFill>
-              </a:rPr>
-              <a:t>文字和图片</a:t>
-            </a:r>
-            <a:r>
-              <a:rPr lang="zh-CN" altLang="en-US" dirty="0"/>
-              <a:t>构成的</a:t>
-            </a:r>
-            <a:r>
-              <a:rPr lang="en-US" altLang="zh-CN" dirty="0"/>
-              <a:t>HTML</a:t>
-            </a:r>
-            <a:r>
-              <a:rPr lang="zh-CN" altLang="en-US" dirty="0"/>
-              <a:t>页面，这样的功能已经完全满足学术交流的需要，所以网页的早期形态和</a:t>
-            </a:r>
-            <a:r>
-              <a:rPr lang="en-US" altLang="zh-CN" dirty="0"/>
-              <a:t>Document</a:t>
-            </a:r>
-            <a:r>
-              <a:rPr lang="zh-CN" altLang="en-US" dirty="0"/>
-              <a:t>一样，完全基于</a:t>
-            </a:r>
-            <a:r>
-              <a:rPr lang="en-US" altLang="zh-CN" dirty="0"/>
-              <a:t>HTML</a:t>
-            </a:r>
-            <a:r>
-              <a:rPr lang="zh-CN" altLang="en-US" dirty="0"/>
-              <a:t>页面，并且所有内容都是静态的</a:t>
-            </a:r>
-            <a:r>
-              <a:rPr lang="zh-CN" altLang="en-US" dirty="0" smtClean="0"/>
-              <a:t>。</a:t>
-            </a:r>
-            <a:endParaRPr lang="en-US" altLang="zh-CN" dirty="0" smtClean="0"/>
-          </a:p>
-          <a:p>
-            <a:endParaRPr lang="en-US" altLang="zh-CN" dirty="0" smtClean="0"/>
-          </a:p>
-          <a:p>
-            <a:r>
-              <a:rPr lang="zh-CN" altLang="en-US" dirty="0" smtClean="0"/>
-              <a:t>前端仅仅负责展示</a:t>
-            </a:r>
-            <a:r>
-              <a:rPr lang="en-US" altLang="zh-CN" dirty="0" smtClean="0"/>
-              <a:t>…</a:t>
-            </a:r>
-            <a:endParaRPr lang="zh-CN" dirty="0">
-              <a:latin typeface="微软雅黑" pitchFamily="34" charset="-122"/>
-              <a:ea typeface="微软雅黑" pitchFamily="34" charset="-122"/>
-            </a:endParaRPr>
-          </a:p>
-        </p:txBody>
-      </p:sp>
-    </p:spTree>
-    <p:extLst>
-      <p:ext uri="{BB962C8B-B14F-4D97-AF65-F5344CB8AC3E}">
-        <p14:creationId xmlns:p14="http://schemas.microsoft.com/office/powerpoint/2010/main" val="1085444293"/>
-      </p:ext>
-    </p:extLst>
-  </p:cSld>
-  <p:clrMapOvr>
-    <a:masterClrMapping/>
-  </p:clrMapOvr>
-  <mc:AlternateContent xmlns:mc="http://schemas.openxmlformats.org/markup-compatibility/2006" xmlns:p14="http://schemas.microsoft.com/office/powerpoint/2010/main">
-    <mc:Choice Requires="p14">
-      <p:transition spd="med" p14:dur="700">
-        <p:fade/>
-      </p:transition>
-    </mc:Choice>
-    <mc:Fallback xmlns="">
-      <p:transition spd="med">
-        <p:fade/>
-      </p:transition>
-    </mc:Fallback>
-  </mc:AlternateContent>
-  <p:timing>
-    <p:tnLst>
-      <p:par>
-        <p:cTn id="1" dur="indefinite" restart="never" nodeType="tmRoot"/>
-      </p:par>
-    </p:tnLst>
-  </p:timing>
-</p:sld>
-</file>
-
-<file path=ppt/slides/slide20.xml><?xml version="1.0" encoding="utf-8"?>
+<file path=ppt/slides/slide28.xml><?xml version="1.0" encoding="utf-8"?>
 <p:sld xmlns:a="http://schemas.openxmlformats.org/drawingml/2006/main" xmlns:r="http://schemas.openxmlformats.org/officeDocument/2006/relationships" xmlns:p="http://schemas.openxmlformats.org/presentationml/2006/main">
   <p:cSld>
     <p:spTree>
@@ -12396,17 +16621,10 @@
       </p:transition>
     </mc:Fallback>
   </mc:AlternateContent>
-  <p:timing>
-    <p:tnLst>
-      <p:par>
-        <p:cTn id="1" dur="indefinite" restart="never" nodeType="tmRoot"/>
-      </p:par>
-    </p:tnLst>
-  </p:timing>
 </p:sld>
 </file>
 
-<file path=ppt/slides/slide21.xml><?xml version="1.0" encoding="utf-8"?>
+<file path=ppt/slides/slide29.xml><?xml version="1.0" encoding="utf-8"?>
 <p:sld xmlns:a="http://schemas.openxmlformats.org/drawingml/2006/main" xmlns:r="http://schemas.openxmlformats.org/officeDocument/2006/relationships" xmlns:p="http://schemas.openxmlformats.org/presentationml/2006/main">
   <p:cSld>
     <p:spTree>
@@ -12555,17 +16773,219 @@
       </p:transition>
     </mc:Fallback>
   </mc:AlternateContent>
-  <p:timing>
-    <p:tnLst>
-      <p:par>
-        <p:cTn id="1" dur="indefinite" restart="never" nodeType="tmRoot"/>
-      </p:par>
-    </p:tnLst>
-  </p:timing>
 </p:sld>
 </file>
 
-<file path=ppt/slides/slide22.xml><?xml version="1.0" encoding="utf-8"?>
+<file path=ppt/slides/slide3.xml><?xml version="1.0" encoding="utf-8"?>
+<p:sld xmlns:a="http://schemas.openxmlformats.org/drawingml/2006/main" xmlns:r="http://schemas.openxmlformats.org/officeDocument/2006/relationships" xmlns:p="http://schemas.openxmlformats.org/presentationml/2006/main">
+  <p:cSld>
+    <p:spTree>
+      <p:nvGrpSpPr>
+        <p:cNvPr id="1" name=""/>
+        <p:cNvGrpSpPr/>
+        <p:nvPr/>
+      </p:nvGrpSpPr>
+      <p:grpSpPr>
+        <a:xfrm>
+          <a:off x="0" y="0"/>
+          <a:ext cx="0" cy="0"/>
+          <a:chOff x="0" y="0"/>
+          <a:chExt cx="0" cy="0"/>
+        </a:xfrm>
+      </p:grpSpPr>
+      <p:sp>
+        <p:nvSpPr>
+          <p:cNvPr id="2" name="标题 1"/>
+          <p:cNvSpPr>
+            <a:spLocks noGrp="1"/>
+          </p:cNvSpPr>
+          <p:nvPr>
+            <p:ph type="ctrTitle"/>
+          </p:nvPr>
+        </p:nvSpPr>
+        <p:spPr/>
+        <p:txBody>
+          <a:bodyPr/>
+          <a:lstStyle/>
+          <a:p>
+            <a:r>
+              <a:rPr lang="zh-CN" altLang="en-US" dirty="0"/>
+              <a:t>早期特征</a:t>
+            </a:r>
+            <a:r>
+              <a:rPr lang="en-US" altLang="zh-CN" dirty="0">
+                <a:latin typeface="微软雅黑" pitchFamily="34" charset="-122"/>
+                <a:ea typeface="微软雅黑" pitchFamily="34" charset="-122"/>
+              </a:rPr>
+              <a:t>:</a:t>
+            </a:r>
+            <a:endParaRPr lang="zh-CN" dirty="0">
+              <a:latin typeface="微软雅黑" pitchFamily="34" charset="-122"/>
+              <a:ea typeface="微软雅黑" pitchFamily="34" charset="-122"/>
+            </a:endParaRPr>
+          </a:p>
+        </p:txBody>
+      </p:sp>
+      <p:sp>
+        <p:nvSpPr>
+          <p:cNvPr id="3" name="副标题 2"/>
+          <p:cNvSpPr>
+            <a:spLocks noGrp="1"/>
+          </p:cNvSpPr>
+          <p:nvPr>
+            <p:ph type="subTitle" idx="1"/>
+          </p:nvPr>
+        </p:nvSpPr>
+        <p:spPr>
+          <a:xfrm>
+            <a:off x="7085014" y="620688"/>
+            <a:ext cx="4572000" cy="4713312"/>
+          </a:xfrm>
+        </p:spPr>
+        <p:txBody>
+          <a:bodyPr>
+            <a:normAutofit/>
+          </a:bodyPr>
+          <a:lstStyle/>
+          <a:p>
+            <a:r>
+              <a:rPr lang="en-US" altLang="zh-CN" dirty="0"/>
+              <a:t>       </a:t>
+            </a:r>
+            <a:r>
+              <a:rPr lang="zh-CN" altLang="en-US" dirty="0"/>
+              <a:t>第一，所有的网页都基于</a:t>
+            </a:r>
+            <a:r>
+              <a:rPr lang="en-US" altLang="zh-CN" dirty="0"/>
+              <a:t>HTML</a:t>
+            </a:r>
+            <a:r>
+              <a:rPr lang="zh-CN" altLang="en-US" dirty="0"/>
+              <a:t>页面</a:t>
+            </a:r>
+            <a:r>
+              <a:rPr lang="en-US" altLang="zh-CN" dirty="0"/>
+              <a:t>(</a:t>
+            </a:r>
+            <a:r>
+              <a:rPr lang="zh-CN" altLang="en-US" dirty="0"/>
+              <a:t>图片</a:t>
+            </a:r>
+            <a:r>
+              <a:rPr lang="en-US" altLang="zh-CN" dirty="0"/>
+              <a:t>+</a:t>
+            </a:r>
+            <a:r>
+              <a:rPr lang="zh-CN" altLang="en-US" dirty="0"/>
+              <a:t>文字</a:t>
+            </a:r>
+            <a:r>
+              <a:rPr lang="en-US" altLang="zh-CN" dirty="0"/>
+              <a:t>+</a:t>
+            </a:r>
+            <a:r>
+              <a:rPr lang="zh-CN" altLang="en-US" dirty="0"/>
+              <a:t>超链接</a:t>
+            </a:r>
+            <a:r>
+              <a:rPr lang="en-US" altLang="zh-CN" dirty="0"/>
+              <a:t>)</a:t>
+            </a:r>
+            <a:r>
+              <a:rPr lang="zh-CN" altLang="en-US" dirty="0"/>
+              <a:t> 。</a:t>
+            </a:r>
+            <a:endParaRPr lang="en-US" altLang="zh-CN" dirty="0"/>
+          </a:p>
+          <a:p>
+            <a:endParaRPr lang="en-US" altLang="zh-CN" dirty="0"/>
+          </a:p>
+          <a:p>
+            <a:endParaRPr lang="en-US" altLang="zh-CN" dirty="0"/>
+          </a:p>
+          <a:p>
+            <a:endParaRPr lang="en-US" altLang="zh-CN" dirty="0"/>
+          </a:p>
+          <a:p>
+            <a:endParaRPr lang="en-US" altLang="zh-CN" dirty="0"/>
+          </a:p>
+          <a:p>
+            <a:endParaRPr lang="en-US" altLang="zh-CN" dirty="0"/>
+          </a:p>
+          <a:p>
+            <a:endParaRPr lang="en-US" altLang="zh-CN" dirty="0"/>
+          </a:p>
+          <a:p>
+            <a:endParaRPr lang="en-US" altLang="zh-CN" dirty="0"/>
+          </a:p>
+          <a:p>
+            <a:endParaRPr lang="en-US" altLang="zh-CN" dirty="0"/>
+          </a:p>
+          <a:p>
+            <a:endParaRPr lang="en-US" altLang="zh-CN" dirty="0"/>
+          </a:p>
+          <a:p>
+            <a:endParaRPr lang="en-US" altLang="zh-CN" dirty="0"/>
+          </a:p>
+          <a:p>
+            <a:endParaRPr lang="en-US" altLang="zh-CN" dirty="0"/>
+          </a:p>
+          <a:p>
+            <a:endParaRPr lang="en-US" altLang="zh-CN" dirty="0"/>
+          </a:p>
+        </p:txBody>
+      </p:sp>
+      <p:pic>
+        <p:nvPicPr>
+          <p:cNvPr id="4" name="图片 3"/>
+          <p:cNvPicPr>
+            <a:picLocks noChangeAspect="1"/>
+          </p:cNvPicPr>
+          <p:nvPr/>
+        </p:nvPicPr>
+        <p:blipFill>
+          <a:blip r:embed="rId2"/>
+          <a:stretch>
+            <a:fillRect/>
+          </a:stretch>
+        </p:blipFill>
+        <p:spPr>
+          <a:xfrm>
+            <a:off x="4294212" y="1767270"/>
+            <a:ext cx="7650798" cy="3672408"/>
+          </a:xfrm>
+          <a:prstGeom prst="rect">
+            <a:avLst/>
+          </a:prstGeom>
+        </p:spPr>
+      </p:pic>
+    </p:spTree>
+    <p:extLst>
+      <p:ext uri="{BB962C8B-B14F-4D97-AF65-F5344CB8AC3E}">
+        <p14:creationId xmlns:p14="http://schemas.microsoft.com/office/powerpoint/2010/main" val="3428058400"/>
+      </p:ext>
+    </p:extLst>
+  </p:cSld>
+  <p:clrMapOvr>
+    <a:masterClrMapping/>
+  </p:clrMapOvr>
+  <mc:AlternateContent xmlns:mc="http://schemas.openxmlformats.org/markup-compatibility/2006" xmlns:p14="http://schemas.microsoft.com/office/powerpoint/2010/main">
+    <mc:Choice Requires="p14">
+      <p:transition spd="med" p14:dur="700">
+        <p:fade/>
+      </p:transition>
+    </mc:Choice>
+    <mc:Fallback xmlns="">
+      <p:transition spd="med">
+        <p:fade/>
+      </p:transition>
+    </mc:Fallback>
+  </mc:AlternateContent>
+</p:sld>
+</file>
+
+<file path=ppt/slides/slide30.xml><?xml version="1.0" encoding="utf-8"?>
 <p:sld xmlns:a="http://schemas.openxmlformats.org/drawingml/2006/main" xmlns:r="http://schemas.openxmlformats.org/officeDocument/2006/relationships" xmlns:p="http://schemas.openxmlformats.org/presentationml/2006/main">
   <p:cSld>
     <p:spTree>
@@ -12626,17 +17046,10 @@
       </p:transition>
     </mc:Fallback>
   </mc:AlternateContent>
-  <p:timing>
-    <p:tnLst>
-      <p:par>
-        <p:cTn id="1" dur="indefinite" restart="never" nodeType="tmRoot"/>
-      </p:par>
-    </p:tnLst>
-  </p:timing>
 </p:sld>
 </file>
 
-<file path=ppt/slides/slide23.xml><?xml version="1.0" encoding="utf-8"?>
+<file path=ppt/slides/slide31.xml><?xml version="1.0" encoding="utf-8"?>
 <p:sld xmlns:a="http://schemas.openxmlformats.org/drawingml/2006/main" xmlns:r="http://schemas.openxmlformats.org/officeDocument/2006/relationships" xmlns:p="http://schemas.openxmlformats.org/presentationml/2006/main">
   <p:cSld>
     <p:spTree>
@@ -12675,17 +17088,10 @@
       </p:transition>
     </mc:Fallback>
   </mc:AlternateContent>
-  <p:timing>
-    <p:tnLst>
-      <p:par>
-        <p:cTn id="1" dur="indefinite" restart="never" nodeType="tmRoot"/>
-      </p:par>
-    </p:tnLst>
-  </p:timing>
 </p:sld>
 </file>
 
-<file path=ppt/slides/slide24.xml><?xml version="1.0" encoding="utf-8"?>
+<file path=ppt/slides/slide32.xml><?xml version="1.0" encoding="utf-8"?>
 <p:sld xmlns:a="http://schemas.openxmlformats.org/drawingml/2006/main" xmlns:r="http://schemas.openxmlformats.org/officeDocument/2006/relationships" xmlns:p="http://schemas.openxmlformats.org/presentationml/2006/main">
   <p:cSld>
     <p:spTree>
@@ -12790,17 +17196,10 @@
       </p:transition>
     </mc:Fallback>
   </mc:AlternateContent>
-  <p:timing>
-    <p:tnLst>
-      <p:par>
-        <p:cTn id="1" dur="indefinite" restart="never" nodeType="tmRoot"/>
-      </p:par>
-    </p:tnLst>
-  </p:timing>
 </p:sld>
 </file>
 
-<file path=ppt/slides/slide25.xml><?xml version="1.0" encoding="utf-8"?>
+<file path=ppt/slides/slide33.xml><?xml version="1.0" encoding="utf-8"?>
 <p:sld xmlns:a="http://schemas.openxmlformats.org/drawingml/2006/main" xmlns:r="http://schemas.openxmlformats.org/officeDocument/2006/relationships" xmlns:p="http://schemas.openxmlformats.org/presentationml/2006/main">
   <p:cSld>
     <p:spTree>
@@ -12908,17 +17307,10 @@
       </p:transition>
     </mc:Fallback>
   </mc:AlternateContent>
-  <p:timing>
-    <p:tnLst>
-      <p:par>
-        <p:cTn id="1" dur="indefinite" restart="never" nodeType="tmRoot"/>
-      </p:par>
-    </p:tnLst>
-  </p:timing>
 </p:sld>
 </file>
 
-<file path=ppt/slides/slide26.xml><?xml version="1.0" encoding="utf-8"?>
+<file path=ppt/slides/slide34.xml><?xml version="1.0" encoding="utf-8"?>
 <p:sld xmlns:a="http://schemas.openxmlformats.org/drawingml/2006/main" xmlns:r="http://schemas.openxmlformats.org/officeDocument/2006/relationships" xmlns:p="http://schemas.openxmlformats.org/presentationml/2006/main">
   <p:cSld>
     <p:spTree>
@@ -13013,237 +17405,6 @@
       </p:transition>
     </mc:Fallback>
   </mc:AlternateContent>
-  <p:timing>
-    <p:tnLst>
-      <p:par>
-        <p:cTn id="1" dur="indefinite" restart="never" nodeType="tmRoot"/>
-      </p:par>
-    </p:tnLst>
-  </p:timing>
-</p:sld>
-</file>
-
-<file path=ppt/slides/slide3.xml><?xml version="1.0" encoding="utf-8"?>
-<p:sld xmlns:a="http://schemas.openxmlformats.org/drawingml/2006/main" xmlns:r="http://schemas.openxmlformats.org/officeDocument/2006/relationships" xmlns:p="http://schemas.openxmlformats.org/presentationml/2006/main">
-  <p:cSld>
-    <p:spTree>
-      <p:nvGrpSpPr>
-        <p:cNvPr id="1" name=""/>
-        <p:cNvGrpSpPr/>
-        <p:nvPr/>
-      </p:nvGrpSpPr>
-      <p:grpSpPr>
-        <a:xfrm>
-          <a:off x="0" y="0"/>
-          <a:ext cx="0" cy="0"/>
-          <a:chOff x="0" y="0"/>
-          <a:chExt cx="0" cy="0"/>
-        </a:xfrm>
-      </p:grpSpPr>
-      <p:sp>
-        <p:nvSpPr>
-          <p:cNvPr id="2" name="标题 1"/>
-          <p:cNvSpPr>
-            <a:spLocks noGrp="1"/>
-          </p:cNvSpPr>
-          <p:nvPr>
-            <p:ph type="ctrTitle"/>
-          </p:nvPr>
-        </p:nvSpPr>
-        <p:spPr/>
-        <p:txBody>
-          <a:bodyPr/>
-          <a:lstStyle/>
-          <a:p>
-            <a:r>
-              <a:rPr lang="zh-CN" altLang="en-US" dirty="0" smtClean="0"/>
-              <a:t>早期特征</a:t>
-            </a:r>
-            <a:r>
-              <a:rPr lang="en-US" altLang="zh-CN" dirty="0" smtClean="0">
-                <a:latin typeface="微软雅黑" pitchFamily="34" charset="-122"/>
-                <a:ea typeface="微软雅黑" pitchFamily="34" charset="-122"/>
-              </a:rPr>
-              <a:t>:</a:t>
-            </a:r>
-            <a:endParaRPr lang="zh-CN" dirty="0">
-              <a:latin typeface="微软雅黑" pitchFamily="34" charset="-122"/>
-              <a:ea typeface="微软雅黑" pitchFamily="34" charset="-122"/>
-            </a:endParaRPr>
-          </a:p>
-        </p:txBody>
-      </p:sp>
-      <p:sp>
-        <p:nvSpPr>
-          <p:cNvPr id="3" name="副标题 2"/>
-          <p:cNvSpPr>
-            <a:spLocks noGrp="1"/>
-          </p:cNvSpPr>
-          <p:nvPr>
-            <p:ph type="subTitle" idx="1"/>
-          </p:nvPr>
-        </p:nvSpPr>
-        <p:spPr>
-          <a:xfrm>
-            <a:off x="7085014" y="620688"/>
-            <a:ext cx="4572000" cy="4713312"/>
-          </a:xfrm>
-        </p:spPr>
-        <p:txBody>
-          <a:bodyPr>
-            <a:normAutofit/>
-          </a:bodyPr>
-          <a:lstStyle/>
-          <a:p>
-            <a:r>
-              <a:rPr lang="en-US" altLang="zh-CN" dirty="0"/>
-              <a:t> </a:t>
-            </a:r>
-            <a:r>
-              <a:rPr lang="en-US" altLang="zh-CN" dirty="0" smtClean="0"/>
-              <a:t>      </a:t>
-            </a:r>
-            <a:r>
-              <a:rPr lang="zh-CN" altLang="en-US" dirty="0" smtClean="0"/>
-              <a:t>第一</a:t>
-            </a:r>
-            <a:r>
-              <a:rPr lang="zh-CN" altLang="en-US" dirty="0"/>
-              <a:t>，所有的网页都基于</a:t>
-            </a:r>
-            <a:r>
-              <a:rPr lang="en-US" altLang="zh-CN" dirty="0"/>
-              <a:t>HTML</a:t>
-            </a:r>
-            <a:r>
-              <a:rPr lang="zh-CN" altLang="en-US" dirty="0" smtClean="0"/>
-              <a:t>页面</a:t>
-            </a:r>
-            <a:r>
-              <a:rPr lang="en-US" altLang="zh-CN" dirty="0" smtClean="0"/>
-              <a:t>(</a:t>
-            </a:r>
-            <a:r>
-              <a:rPr lang="zh-CN" altLang="en-US" dirty="0" smtClean="0"/>
-              <a:t>图片</a:t>
-            </a:r>
-            <a:r>
-              <a:rPr lang="en-US" altLang="zh-CN" dirty="0" smtClean="0"/>
-              <a:t>+</a:t>
-            </a:r>
-            <a:r>
-              <a:rPr lang="zh-CN" altLang="en-US" dirty="0" smtClean="0"/>
-              <a:t>文字</a:t>
-            </a:r>
-            <a:r>
-              <a:rPr lang="en-US" altLang="zh-CN" dirty="0" smtClean="0"/>
-              <a:t>+</a:t>
-            </a:r>
-            <a:r>
-              <a:rPr lang="zh-CN" altLang="en-US" dirty="0" smtClean="0"/>
-              <a:t>超链接</a:t>
-            </a:r>
-            <a:r>
-              <a:rPr lang="en-US" altLang="zh-CN" dirty="0" smtClean="0"/>
-              <a:t>)</a:t>
-            </a:r>
-            <a:r>
-              <a:rPr lang="zh-CN" altLang="en-US" dirty="0" smtClean="0"/>
-              <a:t> 。</a:t>
-            </a:r>
-            <a:endParaRPr lang="en-US" altLang="zh-CN" dirty="0" smtClean="0"/>
-          </a:p>
-          <a:p>
-            <a:endParaRPr lang="en-US" altLang="zh-CN" dirty="0"/>
-          </a:p>
-          <a:p>
-            <a:endParaRPr lang="en-US" altLang="zh-CN" dirty="0" smtClean="0"/>
-          </a:p>
-          <a:p>
-            <a:endParaRPr lang="en-US" altLang="zh-CN" dirty="0"/>
-          </a:p>
-          <a:p>
-            <a:endParaRPr lang="en-US" altLang="zh-CN" dirty="0" smtClean="0"/>
-          </a:p>
-          <a:p>
-            <a:endParaRPr lang="en-US" altLang="zh-CN" dirty="0"/>
-          </a:p>
-          <a:p>
-            <a:endParaRPr lang="en-US" altLang="zh-CN" dirty="0" smtClean="0"/>
-          </a:p>
-          <a:p>
-            <a:endParaRPr lang="en-US" altLang="zh-CN" dirty="0"/>
-          </a:p>
-          <a:p>
-            <a:endParaRPr lang="en-US" altLang="zh-CN" dirty="0" smtClean="0"/>
-          </a:p>
-          <a:p>
-            <a:endParaRPr lang="en-US" altLang="zh-CN" dirty="0"/>
-          </a:p>
-          <a:p>
-            <a:endParaRPr lang="en-US" altLang="zh-CN" dirty="0" smtClean="0"/>
-          </a:p>
-          <a:p>
-            <a:endParaRPr lang="en-US" altLang="zh-CN" dirty="0"/>
-          </a:p>
-          <a:p>
-            <a:endParaRPr lang="en-US" altLang="zh-CN" dirty="0" smtClean="0"/>
-          </a:p>
-        </p:txBody>
-      </p:sp>
-      <p:pic>
-        <p:nvPicPr>
-          <p:cNvPr id="4" name="图片 3"/>
-          <p:cNvPicPr>
-            <a:picLocks noChangeAspect="1"/>
-          </p:cNvPicPr>
-          <p:nvPr/>
-        </p:nvPicPr>
-        <p:blipFill>
-          <a:blip r:embed="rId2"/>
-          <a:stretch>
-            <a:fillRect/>
-          </a:stretch>
-        </p:blipFill>
-        <p:spPr>
-          <a:xfrm>
-            <a:off x="4294212" y="1767270"/>
-            <a:ext cx="7650798" cy="3672408"/>
-          </a:xfrm>
-          <a:prstGeom prst="rect">
-            <a:avLst/>
-          </a:prstGeom>
-        </p:spPr>
-      </p:pic>
-    </p:spTree>
-    <p:extLst>
-      <p:ext uri="{BB962C8B-B14F-4D97-AF65-F5344CB8AC3E}">
-        <p14:creationId xmlns:p14="http://schemas.microsoft.com/office/powerpoint/2010/main" val="3428058400"/>
-      </p:ext>
-    </p:extLst>
-  </p:cSld>
-  <p:clrMapOvr>
-    <a:masterClrMapping/>
-  </p:clrMapOvr>
-  <mc:AlternateContent xmlns:mc="http://schemas.openxmlformats.org/markup-compatibility/2006" xmlns:p14="http://schemas.microsoft.com/office/powerpoint/2010/main">
-    <mc:Choice Requires="p14">
-      <p:transition spd="med" p14:dur="700">
-        <p:fade/>
-      </p:transition>
-    </mc:Choice>
-    <mc:Fallback xmlns="">
-      <p:transition spd="med">
-        <p:fade/>
-      </p:transition>
-    </mc:Fallback>
-  </mc:AlternateContent>
-  <p:timing>
-    <p:tnLst>
-      <p:par>
-        <p:cTn id="1" dur="indefinite" restart="never" nodeType="tmRoot"/>
-      </p:par>
-    </p:tnLst>
-  </p:timing>
 </p:sld>
 </file>
 
@@ -13280,11 +17441,11 @@
           <a:lstStyle/>
           <a:p>
             <a:r>
-              <a:rPr lang="zh-CN" altLang="en-US" dirty="0" smtClean="0"/>
+              <a:rPr lang="zh-CN" altLang="en-US" dirty="0"/>
               <a:t>早期特征</a:t>
             </a:r>
             <a:r>
-              <a:rPr lang="en-US" altLang="zh-CN" dirty="0" smtClean="0">
+              <a:rPr lang="en-US" altLang="zh-CN" dirty="0">
                 <a:latin typeface="微软雅黑" pitchFamily="34" charset="-122"/>
                 <a:ea typeface="微软雅黑" pitchFamily="34" charset="-122"/>
               </a:rPr>
@@ -13324,13 +17485,9 @@
           <a:p>
             <a:r>
               <a:rPr lang="zh-CN" altLang="en-US" dirty="0"/>
-              <a:t>      </a:t>
-            </a:r>
-            <a:r>
-              <a:rPr lang="zh-CN" altLang="en-US" dirty="0" smtClean="0"/>
-              <a:t> 第二，计算任务只能在服务端实现。</a:t>
-            </a:r>
-            <a:endParaRPr lang="en-US" altLang="zh-CN" dirty="0" smtClean="0"/>
+              <a:t>       第二，计算任务只能在服务端实现。</a:t>
+            </a:r>
+            <a:endParaRPr lang="en-US" altLang="zh-CN" dirty="0"/>
           </a:p>
           <a:p>
             <a:endParaRPr lang="en-US" altLang="zh-CN" dirty="0">
@@ -13339,7 +17496,7 @@
             </a:endParaRPr>
           </a:p>
           <a:p>
-            <a:endParaRPr lang="en-US" altLang="zh-CN" dirty="0" smtClean="0"/>
+            <a:endParaRPr lang="en-US" altLang="zh-CN" dirty="0"/>
           </a:p>
           <a:p>
             <a:endParaRPr lang="en-US" altLang="zh-CN" dirty="0">
@@ -13348,7 +17505,7 @@
             </a:endParaRPr>
           </a:p>
           <a:p>
-            <a:endParaRPr lang="en-US" altLang="zh-CN" dirty="0" smtClean="0"/>
+            <a:endParaRPr lang="en-US" altLang="zh-CN" dirty="0"/>
           </a:p>
           <a:p>
             <a:endParaRPr lang="en-US" altLang="zh-CN" dirty="0">
@@ -13357,7 +17514,7 @@
             </a:endParaRPr>
           </a:p>
           <a:p>
-            <a:endParaRPr lang="en-US" altLang="zh-CN" dirty="0" smtClean="0"/>
+            <a:endParaRPr lang="en-US" altLang="zh-CN" dirty="0"/>
           </a:p>
           <a:p>
             <a:endParaRPr lang="en-US" altLang="zh-CN" dirty="0">
@@ -13366,7 +17523,7 @@
             </a:endParaRPr>
           </a:p>
           <a:p>
-            <a:endParaRPr lang="en-US" altLang="zh-CN" dirty="0" smtClean="0"/>
+            <a:endParaRPr lang="en-US" altLang="zh-CN" dirty="0"/>
           </a:p>
           <a:p>
             <a:endParaRPr lang="en-US" altLang="zh-CN" dirty="0">
@@ -13375,7 +17532,7 @@
             </a:endParaRPr>
           </a:p>
           <a:p>
-            <a:endParaRPr lang="en-US" altLang="zh-CN" dirty="0" smtClean="0"/>
+            <a:endParaRPr lang="en-US" altLang="zh-CN" dirty="0"/>
           </a:p>
           <a:p>
             <a:endParaRPr lang="en-US" altLang="zh-CN" dirty="0">
@@ -13443,13 +17600,6 @@
       </p:transition>
     </mc:Fallback>
   </mc:AlternateContent>
-  <p:timing>
-    <p:tnLst>
-      <p:par>
-        <p:cTn id="1" dur="indefinite" restart="never" nodeType="tmRoot"/>
-      </p:par>
-    </p:tnLst>
-  </p:timing>
 </p:sld>
 </file>
 
@@ -13486,11 +17636,11 @@
           <a:lstStyle/>
           <a:p>
             <a:r>
-              <a:rPr lang="zh-CN" altLang="en-US" dirty="0" smtClean="0"/>
+              <a:rPr lang="zh-CN" altLang="en-US" dirty="0"/>
               <a:t>早期特征</a:t>
             </a:r>
             <a:r>
-              <a:rPr lang="en-US" altLang="zh-CN" dirty="0" smtClean="0">
+              <a:rPr lang="en-US" altLang="zh-CN" dirty="0">
                 <a:latin typeface="微软雅黑" pitchFamily="34" charset="-122"/>
                 <a:ea typeface="微软雅黑" pitchFamily="34" charset="-122"/>
               </a:rPr>
@@ -13530,52 +17680,39 @@
           <a:p>
             <a:r>
               <a:rPr lang="zh-CN" altLang="en-US" dirty="0"/>
-              <a:t>       第三，所有页面都是静态的</a:t>
-            </a:r>
-            <a:r>
-              <a:rPr lang="zh-CN" altLang="en-US" dirty="0" smtClean="0"/>
-              <a:t>，</a:t>
-            </a:r>
-            <a:r>
-              <a:rPr lang="en-US" altLang="zh-CN" dirty="0" smtClean="0"/>
+              <a:t>       第三，所有页面都是静态的，</a:t>
+            </a:r>
+            <a:r>
+              <a:rPr lang="en-US" altLang="zh-CN" dirty="0"/>
               <a:t>(</a:t>
             </a:r>
             <a:r>
-              <a:rPr lang="zh-CN" altLang="en-US" dirty="0" smtClean="0"/>
+              <a:rPr lang="zh-CN" altLang="en-US" dirty="0"/>
               <a:t>比如</a:t>
             </a:r>
             <a:r>
-              <a:rPr lang="en-US" altLang="zh-CN" dirty="0" smtClean="0"/>
+              <a:rPr lang="en-US" altLang="zh-CN" dirty="0"/>
               <a:t>:</a:t>
             </a:r>
             <a:r>
-              <a:rPr lang="zh-CN" altLang="en-US" dirty="0" smtClean="0"/>
-              <a:t>页面</a:t>
-            </a:r>
-            <a:r>
               <a:rPr lang="zh-CN" altLang="en-US" dirty="0"/>
-              <a:t>布局一模一样，也必须写一千个单独的</a:t>
-            </a:r>
-            <a:r>
-              <a:rPr lang="zh-CN" altLang="en-US" dirty="0" smtClean="0"/>
-              <a:t>页面</a:t>
-            </a:r>
-            <a:r>
-              <a:rPr lang="en-US" altLang="zh-CN" dirty="0" smtClean="0"/>
+              <a:t>页面布局一模一样，也必须写一千个单独的页面</a:t>
+            </a:r>
+            <a:r>
+              <a:rPr lang="en-US" altLang="zh-CN" dirty="0"/>
               <a:t>)</a:t>
             </a:r>
             <a:r>
-              <a:rPr lang="zh-CN" altLang="en-US" dirty="0" smtClean="0"/>
+              <a:rPr lang="zh-CN" altLang="en-US" dirty="0"/>
               <a:t>。</a:t>
             </a:r>
-            <a:endParaRPr lang="zh-CN" altLang="en-US" dirty="0"/>
-          </a:p>
-          <a:p>
-            <a:r>
-              <a:rPr lang="zh-CN" altLang="en-US" dirty="0" smtClean="0"/>
+          </a:p>
+          <a:p>
+            <a:r>
+              <a:rPr lang="zh-CN" altLang="en-US" dirty="0"/>
               <a:t>。</a:t>
             </a:r>
-            <a:endParaRPr lang="en-US" altLang="zh-CN" dirty="0" smtClean="0"/>
+            <a:endParaRPr lang="en-US" altLang="zh-CN" dirty="0"/>
           </a:p>
           <a:p>
             <a:endParaRPr lang="en-US" altLang="zh-CN" dirty="0">
@@ -13584,7 +17721,7 @@
             </a:endParaRPr>
           </a:p>
           <a:p>
-            <a:endParaRPr lang="en-US" altLang="zh-CN" dirty="0" smtClean="0"/>
+            <a:endParaRPr lang="en-US" altLang="zh-CN" dirty="0"/>
           </a:p>
           <a:p>
             <a:endParaRPr lang="en-US" altLang="zh-CN" dirty="0">
@@ -13593,7 +17730,7 @@
             </a:endParaRPr>
           </a:p>
           <a:p>
-            <a:endParaRPr lang="en-US" altLang="zh-CN" dirty="0" smtClean="0"/>
+            <a:endParaRPr lang="en-US" altLang="zh-CN" dirty="0"/>
           </a:p>
           <a:p>
             <a:endParaRPr lang="en-US" altLang="zh-CN" dirty="0">
@@ -13602,7 +17739,7 @@
             </a:endParaRPr>
           </a:p>
           <a:p>
-            <a:endParaRPr lang="en-US" altLang="zh-CN" dirty="0" smtClean="0"/>
+            <a:endParaRPr lang="en-US" altLang="zh-CN" dirty="0"/>
           </a:p>
           <a:p>
             <a:endParaRPr lang="en-US" altLang="zh-CN" dirty="0">
@@ -13611,7 +17748,7 @@
             </a:endParaRPr>
           </a:p>
           <a:p>
-            <a:endParaRPr lang="en-US" altLang="zh-CN" dirty="0" smtClean="0"/>
+            <a:endParaRPr lang="en-US" altLang="zh-CN" dirty="0"/>
           </a:p>
           <a:p>
             <a:endParaRPr lang="en-US" altLang="zh-CN" dirty="0">
@@ -13739,13 +17876,6 @@
       </p:transition>
     </mc:Fallback>
   </mc:AlternateContent>
-  <p:timing>
-    <p:tnLst>
-      <p:par>
-        <p:cTn id="1" dur="indefinite" restart="never" nodeType="tmRoot"/>
-      </p:par>
-    </p:tnLst>
-  </p:timing>
 </p:sld>
 </file>
 
@@ -13785,48 +17915,44 @@
           <a:p>
             <a:r>
               <a:rPr lang="zh-CN" altLang="en-US" sz="4000" dirty="0"/>
-              <a:t>带来</a:t>
-            </a:r>
-            <a:r>
-              <a:rPr lang="zh-CN" altLang="en-US" sz="4000" dirty="0" smtClean="0"/>
-              <a:t>的问题</a:t>
-            </a:r>
-            <a:r>
-              <a:rPr lang="en-US" altLang="zh-CN" sz="4000" dirty="0" smtClean="0"/>
+              <a:t>带来的问题</a:t>
+            </a:r>
+            <a:r>
+              <a:rPr lang="en-US" altLang="zh-CN" sz="4000" dirty="0"/>
               <a:t>:</a:t>
             </a:r>
             <a:br>
-              <a:rPr lang="en-US" altLang="zh-CN" sz="4000" dirty="0" smtClean="0"/>
+              <a:rPr lang="en-US" altLang="zh-CN" sz="4000" dirty="0"/>
             </a:br>
             <a:r>
-              <a:rPr lang="en-US" altLang="zh-CN" sz="4000" dirty="0" smtClean="0"/>
+              <a:rPr lang="en-US" altLang="zh-CN" sz="4000" dirty="0"/>
               <a:t>	</a:t>
             </a:r>
             <a:r>
-              <a:rPr lang="zh-CN" altLang="en-US" sz="2800" dirty="0" smtClean="0"/>
+              <a:rPr lang="zh-CN" altLang="en-US" sz="2800" dirty="0"/>
               <a:t>后端</a:t>
             </a:r>
             <a:r>
-              <a:rPr lang="en-US" altLang="zh-CN" sz="2800" dirty="0" smtClean="0"/>
+              <a:rPr lang="en-US" altLang="zh-CN" sz="2800" dirty="0"/>
               <a:t>==</a:t>
             </a:r>
             <a:r>
-              <a:rPr lang="zh-CN" altLang="en-US" sz="2800" dirty="0" smtClean="0"/>
+              <a:rPr lang="zh-CN" altLang="en-US" sz="2800" dirty="0"/>
               <a:t>前端</a:t>
             </a:r>
             <a:r>
-              <a:rPr lang="en-US" altLang="zh-CN" sz="2800" dirty="0" smtClean="0"/>
+              <a:rPr lang="en-US" altLang="zh-CN" sz="2800" dirty="0"/>
               <a:t>?</a:t>
             </a:r>
             <a:br>
-              <a:rPr lang="en-US" altLang="zh-CN" sz="2800" dirty="0" smtClean="0"/>
+              <a:rPr lang="en-US" altLang="zh-CN" sz="2800" dirty="0"/>
             </a:br>
             <a:r>
-              <a:rPr lang="en-US" altLang="zh-CN" sz="2800" dirty="0" smtClean="0"/>
+              <a:rPr lang="en-US" altLang="zh-CN" sz="2800" dirty="0"/>
               <a:t>	</a:t>
             </a:r>
             <a:r>
-              <a:rPr lang="zh-CN" altLang="en-US" sz="2800" dirty="0" smtClean="0"/>
+              <a:rPr lang="zh-CN" altLang="en-US" sz="2800" dirty="0"/>
               <a:t>耦合性代码</a:t>
             </a:r>
             <a:endParaRPr lang="zh-CN" sz="2800" dirty="0"/>
@@ -13861,14 +17987,10 @@
             </a:r>
             <a:r>
               <a:rPr lang="zh-CN" altLang="en-US" dirty="0"/>
-              <a:t> </a:t>
-            </a:r>
-            <a:r>
-              <a:rPr lang="zh-CN" altLang="en-US" dirty="0" smtClean="0"/>
-              <a:t>     </a:t>
-            </a:r>
-            <a:r>
-              <a:rPr lang="en-US" altLang="zh-CN" dirty="0" smtClean="0">
+              <a:t>      </a:t>
+            </a:r>
+            <a:r>
+              <a:rPr lang="en-US" altLang="zh-CN" dirty="0">
                 <a:solidFill>
                   <a:srgbClr val="FF0000"/>
                 </a:solidFill>
@@ -13876,7 +17998,7 @@
               <a:t>1.</a:t>
             </a:r>
             <a:r>
-              <a:rPr lang="zh-CN" altLang="en-US" dirty="0" smtClean="0">
+              <a:rPr lang="zh-CN" altLang="en-US" dirty="0">
                 <a:solidFill>
                   <a:srgbClr val="FF0000"/>
                 </a:solidFill>
@@ -13962,25 +18084,21 @@
               <a:t>输入校验</a:t>
             </a:r>
             <a:r>
-              <a:rPr lang="en-US" altLang="zh-CN" dirty="0" smtClean="0"/>
-              <a:t>)</a:t>
-            </a:r>
-            <a:r>
               <a:rPr lang="en-US" altLang="zh-CN" dirty="0"/>
-              <a:t> </a:t>
+              <a:t>) </a:t>
             </a:r>
             <a:r>
               <a:rPr lang="zh-CN" altLang="en-US" dirty="0"/>
               <a:t> </a:t>
             </a:r>
-            <a:endParaRPr lang="en-US" altLang="zh-CN" dirty="0" smtClean="0"/>
-          </a:p>
-          <a:p>
-            <a:endParaRPr lang="en-US" altLang="zh-CN" dirty="0" smtClean="0"/>
-          </a:p>
-          <a:p>
-            <a:r>
-              <a:rPr lang="zh-CN" altLang="en-US" dirty="0" smtClean="0">
+            <a:endParaRPr lang="en-US" altLang="zh-CN" dirty="0"/>
+          </a:p>
+          <a:p>
+            <a:endParaRPr lang="en-US" altLang="zh-CN" dirty="0"/>
+          </a:p>
+          <a:p>
+            <a:r>
+              <a:rPr lang="zh-CN" altLang="en-US" dirty="0">
                 <a:solidFill>
                   <a:srgbClr val="FF0000"/>
                 </a:solidFill>
@@ -13988,7 +18106,7 @@
               <a:t>       </a:t>
             </a:r>
             <a:r>
-              <a:rPr lang="en-US" altLang="zh-CN" dirty="0" smtClean="0">
+              <a:rPr lang="en-US" altLang="zh-CN" dirty="0">
                 <a:solidFill>
                   <a:srgbClr val="FF0000"/>
                 </a:solidFill>
@@ -13996,31 +18114,15 @@
               <a:t>2.</a:t>
             </a:r>
             <a:r>
-              <a:rPr lang="zh-CN" altLang="en-US" dirty="0" smtClean="0">
-                <a:solidFill>
-                  <a:srgbClr val="FF0000"/>
-                </a:solidFill>
-              </a:rPr>
-              <a:t>耦合</a:t>
-            </a:r>
-            <a:r>
               <a:rPr lang="zh-CN" altLang="en-US" dirty="0">
                 <a:solidFill>
                   <a:srgbClr val="FF0000"/>
                 </a:solidFill>
               </a:rPr>
-              <a:t>性</a:t>
-            </a:r>
-            <a:r>
-              <a:rPr lang="zh-CN" altLang="en-US" dirty="0" smtClean="0">
-                <a:solidFill>
-                  <a:srgbClr val="FF0000"/>
-                </a:solidFill>
-              </a:rPr>
-              <a:t>代码</a:t>
-            </a:r>
-            <a:r>
-              <a:rPr lang="en-US" altLang="zh-CN" dirty="0" smtClean="0">
+              <a:t>耦合性代码</a:t>
+            </a:r>
+            <a:r>
+              <a:rPr lang="en-US" altLang="zh-CN" dirty="0">
                 <a:solidFill>
                   <a:srgbClr val="FF0000"/>
                 </a:solidFill>
@@ -14028,35 +18130,31 @@
               <a:t>:</a:t>
             </a:r>
             <a:r>
-              <a:rPr lang="zh-CN" altLang="en-US" dirty="0" smtClean="0"/>
-              <a:t>后端</a:t>
-            </a:r>
-            <a:r>
               <a:rPr lang="zh-CN" altLang="en-US" dirty="0"/>
-              <a:t>返回</a:t>
-            </a:r>
-            <a:r>
-              <a:rPr lang="en-US" altLang="zh-CN" dirty="0" smtClean="0"/>
+              <a:t>后端返回</a:t>
+            </a:r>
+            <a:r>
+              <a:rPr lang="en-US" altLang="zh-CN" dirty="0"/>
               <a:t>html,</a:t>
             </a:r>
             <a:r>
-              <a:rPr lang="zh-CN" altLang="en-US" dirty="0" smtClean="0"/>
+              <a:rPr lang="zh-CN" altLang="en-US" dirty="0"/>
               <a:t>但页面数据已经绑定</a:t>
             </a:r>
             <a:r>
-              <a:rPr lang="en-US" altLang="zh-CN" dirty="0" smtClean="0"/>
+              <a:rPr lang="en-US" altLang="zh-CN" dirty="0"/>
               <a:t>,</a:t>
             </a:r>
             <a:r>
-              <a:rPr lang="zh-CN" altLang="en-US" dirty="0" smtClean="0"/>
+              <a:rPr lang="zh-CN" altLang="en-US" dirty="0"/>
               <a:t>前端操作度很低</a:t>
             </a:r>
             <a:r>
-              <a:rPr lang="en-US" altLang="zh-CN" dirty="0" smtClean="0"/>
+              <a:rPr lang="en-US" altLang="zh-CN" dirty="0"/>
               <a:t>,</a:t>
             </a:r>
             <a:r>
-              <a:rPr lang="zh-CN" altLang="en-US" dirty="0" smtClean="0"/>
+              <a:rPr lang="zh-CN" altLang="en-US" dirty="0"/>
               <a:t>前后端工作界限不清晰。</a:t>
             </a:r>
             <a:endParaRPr lang="en-US" altLang="zh-CN" dirty="0"/>
@@ -14074,29 +18172,29 @@
               <a:t>比如</a:t>
             </a:r>
             <a:r>
-              <a:rPr lang="en-US" altLang="zh-CN" dirty="0" smtClean="0"/>
+              <a:rPr lang="en-US" altLang="zh-CN" dirty="0"/>
               <a:t>:</a:t>
             </a:r>
             <a:r>
-              <a:rPr lang="zh-CN" altLang="en-US" dirty="0" smtClean="0"/>
+              <a:rPr lang="zh-CN" altLang="en-US" dirty="0"/>
               <a:t>页面尺寸</a:t>
             </a:r>
             <a:r>
-              <a:rPr lang="en-US" altLang="zh-CN" dirty="0" smtClean="0"/>
+              <a:rPr lang="en-US" altLang="zh-CN" dirty="0"/>
               <a:t>,</a:t>
             </a:r>
             <a:r>
-              <a:rPr lang="zh-CN" altLang="en-US" dirty="0" smtClean="0"/>
+              <a:rPr lang="zh-CN" altLang="en-US" dirty="0"/>
               <a:t>文本元素数量</a:t>
             </a:r>
             <a:r>
-              <a:rPr lang="en-US" altLang="zh-CN" dirty="0" smtClean="0"/>
+              <a:rPr lang="en-US" altLang="zh-CN" dirty="0"/>
               <a:t>)</a:t>
             </a:r>
           </a:p>
           <a:p>
             <a:r>
-              <a:rPr lang="en-US" altLang="zh-CN" dirty="0" smtClean="0"/>
+              <a:rPr lang="en-US" altLang="zh-CN" dirty="0"/>
               <a:t>        </a:t>
             </a:r>
           </a:p>
@@ -14124,13 +18222,6 @@
       </p:transition>
     </mc:Fallback>
   </mc:AlternateContent>
-  <p:timing>
-    <p:tnLst>
-      <p:par>
-        <p:cTn id="1" dur="indefinite" restart="never" nodeType="tmRoot"/>
-      </p:par>
-    </p:tnLst>
-  </p:timing>
 </p:sld>
 </file>
 
@@ -14173,7 +18264,7 @@
               <a:t>从后端走向前端</a:t>
             </a:r>
             <a:r>
-              <a:rPr lang="en-US" altLang="zh-CN" dirty="0" smtClean="0">
+              <a:rPr lang="en-US" altLang="zh-CN" dirty="0">
                 <a:latin typeface="微软雅黑" pitchFamily="34" charset="-122"/>
                 <a:ea typeface="微软雅黑" pitchFamily="34" charset="-122"/>
               </a:rPr>
@@ -14209,14 +18300,14 @@
           <a:lstStyle/>
           <a:p>
             <a:r>
-              <a:rPr lang="zh-CN" altLang="en-US" dirty="0" smtClean="0"/>
+              <a:rPr lang="zh-CN" altLang="en-US" dirty="0"/>
               <a:t>突破</a:t>
             </a:r>
             <a:r>
-              <a:rPr lang="en-US" altLang="zh-CN" dirty="0" smtClean="0"/>
+              <a:rPr lang="en-US" altLang="zh-CN" dirty="0"/>
               <a:t>:</a:t>
             </a:r>
-            <a:endParaRPr lang="en-US" altLang="zh-CN" dirty="0" smtClean="0">
+            <a:endParaRPr lang="en-US" altLang="zh-CN" dirty="0">
               <a:latin typeface="微软雅黑" pitchFamily="34" charset="-122"/>
               <a:ea typeface="微软雅黑" pitchFamily="34" charset="-122"/>
             </a:endParaRPr>
@@ -14226,7 +18317,7 @@
           </a:p>
           <a:p>
             <a:r>
-              <a:rPr lang="en-US" altLang="zh-CN" sz="1400" dirty="0" smtClean="0"/>
+              <a:rPr lang="en-US" altLang="zh-CN" sz="1400" dirty="0"/>
               <a:t>      1995</a:t>
             </a:r>
             <a:r>
@@ -14234,7 +18325,7 @@
               <a:t>年网景推出了</a:t>
             </a:r>
             <a:r>
-              <a:rPr lang="en-US" altLang="zh-CN" sz="1400" dirty="0" smtClean="0"/>
+              <a:rPr lang="en-US" altLang="zh-CN" sz="1400" dirty="0"/>
               <a:t>JavaScript</a:t>
             </a:r>
           </a:p>
@@ -14244,14 +18335,10 @@
           <a:p>
             <a:r>
               <a:rPr lang="zh-CN" altLang="en-US" sz="1400" dirty="0"/>
-              <a:t> </a:t>
-            </a:r>
-            <a:r>
-              <a:rPr lang="zh-CN" altLang="en-US" sz="1400" dirty="0" smtClean="0"/>
-              <a:t>      </a:t>
-            </a:r>
-            <a:r>
-              <a:rPr lang="en-US" altLang="zh-CN" sz="1400" dirty="0" smtClean="0"/>
+              <a:t>       </a:t>
+            </a:r>
+            <a:r>
+              <a:rPr lang="en-US" altLang="zh-CN" sz="1400" dirty="0"/>
               <a:t>2006</a:t>
             </a:r>
             <a:r>
@@ -14272,20 +18359,16 @@
             </a:r>
             <a:r>
               <a:rPr lang="zh-CN" altLang="en-US" sz="1400" dirty="0"/>
-              <a:t>正式纳入</a:t>
-            </a:r>
-            <a:r>
-              <a:rPr lang="zh-CN" altLang="en-US" sz="1400" dirty="0" smtClean="0"/>
-              <a:t>标准</a:t>
-            </a:r>
-            <a:endParaRPr lang="en-US" altLang="zh-CN" sz="1400" dirty="0" smtClean="0"/>
-          </a:p>
-          <a:p>
+              <a:t>正式纳入标准</a:t>
+            </a:r>
             <a:endParaRPr lang="en-US" altLang="zh-CN" sz="1400" dirty="0"/>
           </a:p>
           <a:p>
-            <a:r>
-              <a:rPr lang="en-US" altLang="zh-CN" sz="1400" dirty="0" smtClean="0"/>
+            <a:endParaRPr lang="en-US" altLang="zh-CN" sz="1400" dirty="0"/>
+          </a:p>
+          <a:p>
+            <a:r>
+              <a:rPr lang="en-US" altLang="zh-CN" sz="1400" dirty="0"/>
               <a:t>       2006</a:t>
             </a:r>
             <a:r>
@@ -14305,7 +18388,7 @@
               <a:t>发布了</a:t>
             </a:r>
             <a:r>
-              <a:rPr lang="en-US" altLang="zh-CN" sz="1400" dirty="0" smtClean="0"/>
+              <a:rPr lang="en-US" altLang="zh-CN" sz="1400" dirty="0"/>
               <a:t>jQuery.</a:t>
             </a:r>
           </a:p>
@@ -14335,27 +18418,23 @@
             </a:r>
             <a:r>
               <a:rPr lang="zh-CN" altLang="en-US" sz="1400" dirty="0"/>
-              <a:t>后端只负责数据，前端负责其余工作</a:t>
-            </a:r>
-            <a:r>
-              <a:rPr lang="zh-CN" altLang="en-US" sz="1400" dirty="0" smtClean="0"/>
-              <a:t>。</a:t>
-            </a:r>
-            <a:endParaRPr lang="en-US" altLang="zh-CN" sz="1400" dirty="0" smtClean="0"/>
-          </a:p>
-          <a:p>
+              <a:t>后端只负责数据，前端负责其余工作。</a:t>
+            </a:r>
             <a:endParaRPr lang="en-US" altLang="zh-CN" sz="1400" dirty="0"/>
           </a:p>
           <a:p>
+            <a:endParaRPr lang="en-US" altLang="zh-CN" sz="1400" dirty="0"/>
+          </a:p>
+          <a:p>
             <a:endParaRPr lang="zh-CN" altLang="en-US" sz="1400" dirty="0"/>
           </a:p>
           <a:p>
             <a:r>
-              <a:rPr lang="zh-CN" altLang="en-US" dirty="0" smtClean="0"/>
+              <a:rPr lang="zh-CN" altLang="en-US" dirty="0"/>
               <a:t>模式探索</a:t>
             </a:r>
             <a:r>
-              <a:rPr lang="en-US" altLang="zh-CN" dirty="0" smtClean="0"/>
+              <a:rPr lang="en-US" altLang="zh-CN" dirty="0"/>
               <a:t>:</a:t>
             </a:r>
           </a:p>
@@ -14366,14 +18445,14 @@
               </a:lnSpc>
             </a:pPr>
             <a:r>
-              <a:rPr lang="en-US" altLang="zh-CN" dirty="0" smtClean="0"/>
+              <a:rPr lang="en-US" altLang="zh-CN" dirty="0"/>
               <a:t>    </a:t>
             </a:r>
             <a:r>
-              <a:rPr lang="zh-CN" altLang="en-US" sz="1400" dirty="0" smtClean="0"/>
+              <a:rPr lang="zh-CN" altLang="en-US" sz="1400" dirty="0"/>
               <a:t>前后端分离</a:t>
             </a:r>
-            <a:endParaRPr lang="en-US" altLang="zh-CN" sz="1400" dirty="0" smtClean="0"/>
+            <a:endParaRPr lang="en-US" altLang="zh-CN" sz="1400" dirty="0"/>
           </a:p>
           <a:p>
             <a:pPr>
@@ -14382,31 +18461,31 @@
               </a:lnSpc>
             </a:pPr>
             <a:r>
-              <a:rPr lang="en-US" altLang="zh-CN" sz="1400" dirty="0" smtClean="0"/>
+              <a:rPr lang="en-US" altLang="zh-CN" sz="1400" dirty="0"/>
               <a:t>       MV</a:t>
             </a:r>
             <a:r>
-              <a:rPr lang="zh-CN" altLang="en-US" sz="1400" dirty="0" smtClean="0"/>
+              <a:rPr lang="zh-CN" altLang="en-US" sz="1400" dirty="0"/>
               <a:t>*</a:t>
             </a:r>
             <a:r>
-              <a:rPr lang="en-US" altLang="zh-CN" sz="1400" dirty="0" smtClean="0"/>
+              <a:rPr lang="en-US" altLang="zh-CN" sz="1400" dirty="0"/>
               <a:t>web</a:t>
             </a:r>
             <a:r>
-              <a:rPr lang="zh-CN" altLang="en-US" sz="1400" dirty="0" smtClean="0"/>
+              <a:rPr lang="zh-CN" altLang="en-US" sz="1400" dirty="0"/>
               <a:t>架构</a:t>
             </a:r>
             <a:r>
-              <a:rPr lang="en-US" altLang="zh-CN" sz="1400" dirty="0" smtClean="0"/>
+              <a:rPr lang="en-US" altLang="zh-CN" sz="1400" dirty="0"/>
               <a:t>(</a:t>
             </a:r>
             <a:r>
-              <a:rPr lang="en-US" altLang="zh-CN" sz="1400" dirty="0" err="1" smtClean="0"/>
+              <a:rPr lang="en-US" altLang="zh-CN" sz="1400" dirty="0" err="1"/>
               <a:t>mvc,mvp,mvvm</a:t>
             </a:r>
             <a:r>
-              <a:rPr lang="en-US" altLang="zh-CN" sz="1400" dirty="0" smtClean="0"/>
+              <a:rPr lang="en-US" altLang="zh-CN" sz="1400" dirty="0"/>
               <a:t>)</a:t>
             </a:r>
           </a:p>
@@ -14417,21 +18496,20 @@
               </a:lnSpc>
             </a:pPr>
             <a:r>
-              <a:rPr lang="en-US" altLang="zh-CN" sz="1400" dirty="0" smtClean="0"/>
+              <a:rPr lang="en-US" altLang="zh-CN" sz="1400" dirty="0"/>
               <a:t>       </a:t>
             </a:r>
             <a:r>
-              <a:rPr lang="zh-CN" altLang="en-US" sz="1400" dirty="0" smtClean="0"/>
+              <a:rPr lang="zh-CN" altLang="en-US" sz="1400" dirty="0"/>
               <a:t>桌面版到移动版</a:t>
             </a:r>
-            <a:endParaRPr lang="en-US" altLang="zh-CN" sz="1400" dirty="0" smtClean="0"/>
-          </a:p>
-          <a:p>
-            <a:r>
-              <a:rPr lang="en-US" altLang="zh-CN" dirty="0" smtClean="0"/>
+            <a:endParaRPr lang="en-US" altLang="zh-CN" sz="1400" dirty="0"/>
+          </a:p>
+          <a:p>
+            <a:r>
+              <a:rPr lang="en-US" altLang="zh-CN" dirty="0"/>
               <a:t>     </a:t>
             </a:r>
-            <a:endParaRPr lang="en-US" altLang="zh-CN" dirty="0"/>
           </a:p>
         </p:txBody>
       </p:sp>
@@ -14457,13 +18535,6 @@
       </p:transition>
     </mc:Fallback>
   </mc:AlternateContent>
-  <p:timing>
-    <p:tnLst>
-      <p:par>
-        <p:cTn id="1" dur="indefinite" restart="never" nodeType="tmRoot"/>
-      </p:par>
-    </p:tnLst>
-  </p:timing>
 </p:sld>
 </file>
 
@@ -14501,14 +18572,10 @@
           <a:p>
             <a:r>
               <a:rPr lang="zh-CN" altLang="en-US" dirty="0"/>
-              <a:t>中</a:t>
-            </a:r>
-            <a:r>
-              <a:rPr lang="zh-CN" altLang="en-US" dirty="0" smtClean="0"/>
-              <a:t>期特征</a:t>
-            </a:r>
-            <a:r>
-              <a:rPr lang="en-US" altLang="zh-CN" dirty="0" smtClean="0">
+              <a:t>中期特征</a:t>
+            </a:r>
+            <a:r>
+              <a:rPr lang="en-US" altLang="zh-CN" dirty="0">
                 <a:latin typeface="微软雅黑" pitchFamily="34" charset="-122"/>
                 <a:ea typeface="微软雅黑" pitchFamily="34" charset="-122"/>
               </a:rPr>
@@ -14544,7 +18611,7 @@
           <a:lstStyle/>
           <a:p>
             <a:r>
-              <a:rPr lang="zh-CN" altLang="en-US" dirty="0" smtClean="0"/>
+              <a:rPr lang="zh-CN" altLang="en-US" dirty="0"/>
               <a:t>第一</a:t>
             </a:r>
             <a:r>
@@ -14552,16 +18619,16 @@
               <a:t>:</a:t>
             </a:r>
             <a:r>
-              <a:rPr lang="zh-CN" altLang="en-US" dirty="0" smtClean="0"/>
+              <a:rPr lang="zh-CN" altLang="en-US" dirty="0"/>
               <a:t>前后端分离</a:t>
             </a:r>
-            <a:endParaRPr lang="en-US" altLang="zh-CN" dirty="0" smtClean="0"/>
-          </a:p>
-          <a:p>
             <a:endParaRPr lang="en-US" altLang="zh-CN" dirty="0"/>
           </a:p>
           <a:p>
-            <a:endParaRPr lang="en-US" altLang="zh-CN" dirty="0" smtClean="0"/>
+            <a:endParaRPr lang="en-US" altLang="zh-CN" dirty="0"/>
+          </a:p>
+          <a:p>
+            <a:endParaRPr lang="en-US" altLang="zh-CN" dirty="0"/>
           </a:p>
           <a:p>
             <a:r>
@@ -14569,47 +18636,39 @@
               <a:t>1</a:t>
             </a:r>
             <a:r>
-              <a:rPr lang="zh-CN" altLang="en-US" dirty="0" smtClean="0"/>
-              <a:t>、</a:t>
-            </a:r>
-            <a:r>
               <a:rPr lang="zh-CN" altLang="en-US" dirty="0"/>
-              <a:t>交互形式</a:t>
-            </a:r>
-          </a:p>
-          <a:p>
-            <a:r>
-              <a:rPr lang="zh-CN" altLang="en-US" dirty="0"/>
-              <a:t/>
-            </a:r>
+              <a:t>、交互形式</a:t>
+            </a:r>
+          </a:p>
+          <a:p>
             <a:br>
               <a:rPr lang="zh-CN" altLang="en-US" dirty="0"/>
             </a:br>
-            <a:endParaRPr lang="en-US" altLang="zh-CN" dirty="0" smtClean="0"/>
-          </a:p>
-          <a:p>
             <a:endParaRPr lang="en-US" altLang="zh-CN" dirty="0"/>
           </a:p>
           <a:p>
-            <a:endParaRPr lang="en-US" altLang="zh-CN" dirty="0" smtClean="0"/>
-          </a:p>
-          <a:p>
             <a:endParaRPr lang="en-US" altLang="zh-CN" dirty="0"/>
           </a:p>
           <a:p>
-            <a:endParaRPr lang="en-US" altLang="zh-CN" dirty="0" smtClean="0"/>
-          </a:p>
-          <a:p>
             <a:endParaRPr lang="en-US" altLang="zh-CN" dirty="0"/>
           </a:p>
           <a:p>
-            <a:endParaRPr lang="en-US" altLang="zh-CN" dirty="0" smtClean="0"/>
-          </a:p>
-          <a:p>
             <a:endParaRPr lang="en-US" altLang="zh-CN" dirty="0"/>
           </a:p>
           <a:p>
-            <a:endParaRPr lang="en-US" altLang="zh-CN" dirty="0" smtClean="0"/>
+            <a:endParaRPr lang="en-US" altLang="zh-CN" dirty="0"/>
+          </a:p>
+          <a:p>
+            <a:endParaRPr lang="en-US" altLang="zh-CN" dirty="0"/>
+          </a:p>
+          <a:p>
+            <a:endParaRPr lang="en-US" altLang="zh-CN" dirty="0"/>
+          </a:p>
+          <a:p>
+            <a:endParaRPr lang="en-US" altLang="zh-CN" dirty="0"/>
+          </a:p>
+          <a:p>
+            <a:endParaRPr lang="en-US" altLang="zh-CN" dirty="0"/>
           </a:p>
         </p:txBody>
       </p:sp>
@@ -14705,10 +18764,6 @@
               </a:rPr>
               <a:t>请求进行交互，前端获取到数据后，进行页面的组装和渲染，最终返回给浏览器。</a:t>
             </a:r>
-            <a:endParaRPr lang="zh-CN" altLang="en-US" sz="1400" dirty="0">
-              <a:latin typeface="微软雅黑" panose="020B0503020204020204" pitchFamily="34" charset="-122"/>
-              <a:ea typeface="微软雅黑" panose="020B0503020204020204" pitchFamily="34" charset="-122"/>
-            </a:endParaRPr>
           </a:p>
         </p:txBody>
       </p:sp>
@@ -14734,13 +18789,6 @@
       </p:transition>
     </mc:Fallback>
   </mc:AlternateContent>
-  <p:timing>
-    <p:tnLst>
-      <p:par>
-        <p:cTn id="1" dur="indefinite" restart="never" nodeType="tmRoot"/>
-      </p:par>
-    </p:tnLst>
-  </p:timing>
 </p:sld>
 </file>
 
@@ -14778,14 +18826,10 @@
           <a:p>
             <a:r>
               <a:rPr lang="zh-CN" altLang="en-US" dirty="0"/>
-              <a:t>中</a:t>
-            </a:r>
-            <a:r>
-              <a:rPr lang="zh-CN" altLang="en-US" dirty="0" smtClean="0"/>
-              <a:t>期特征</a:t>
-            </a:r>
-            <a:r>
-              <a:rPr lang="en-US" altLang="zh-CN" dirty="0" smtClean="0">
+              <a:t>中期特征</a:t>
+            </a:r>
+            <a:r>
+              <a:rPr lang="en-US" altLang="zh-CN" dirty="0">
                 <a:latin typeface="微软雅黑" pitchFamily="34" charset="-122"/>
                 <a:ea typeface="微软雅黑" pitchFamily="34" charset="-122"/>
               </a:rPr>
@@ -14821,7 +18865,7 @@
           <a:lstStyle/>
           <a:p>
             <a:r>
-              <a:rPr lang="zh-CN" altLang="en-US" dirty="0" smtClean="0"/>
+              <a:rPr lang="zh-CN" altLang="en-US" dirty="0"/>
               <a:t>第一</a:t>
             </a:r>
             <a:r>
@@ -14829,16 +18873,16 @@
               <a:t>:</a:t>
             </a:r>
             <a:r>
-              <a:rPr lang="zh-CN" altLang="en-US" dirty="0" smtClean="0"/>
+              <a:rPr lang="zh-CN" altLang="en-US" dirty="0"/>
               <a:t>前后端分离</a:t>
             </a:r>
-            <a:endParaRPr lang="en-US" altLang="zh-CN" dirty="0" smtClean="0"/>
-          </a:p>
-          <a:p>
             <a:endParaRPr lang="en-US" altLang="zh-CN" dirty="0"/>
           </a:p>
           <a:p>
-            <a:endParaRPr lang="en-US" altLang="zh-CN" dirty="0" smtClean="0"/>
+            <a:endParaRPr lang="en-US" altLang="zh-CN" dirty="0"/>
+          </a:p>
+          <a:p>
+            <a:endParaRPr lang="en-US" altLang="zh-CN" dirty="0"/>
           </a:p>
           <a:p>
             <a:r>
@@ -14846,47 +18890,39 @@
               <a:t>2</a:t>
             </a:r>
             <a:r>
-              <a:rPr lang="zh-CN" altLang="en-US" dirty="0" smtClean="0"/>
-              <a:t>、</a:t>
-            </a:r>
-            <a:r>
               <a:rPr lang="zh-CN" altLang="en-US" dirty="0"/>
-              <a:t>代码组织方式</a:t>
-            </a:r>
-          </a:p>
-          <a:p>
-            <a:r>
-              <a:rPr lang="zh-CN" altLang="en-US" dirty="0"/>
-              <a:t/>
-            </a:r>
+              <a:t>、代码组织方式</a:t>
+            </a:r>
+          </a:p>
+          <a:p>
             <a:br>
               <a:rPr lang="zh-CN" altLang="en-US" dirty="0"/>
             </a:br>
-            <a:endParaRPr lang="en-US" altLang="zh-CN" dirty="0" smtClean="0"/>
-          </a:p>
-          <a:p>
             <a:endParaRPr lang="en-US" altLang="zh-CN" dirty="0"/>
           </a:p>
           <a:p>
-            <a:endParaRPr lang="en-US" altLang="zh-CN" dirty="0" smtClean="0"/>
-          </a:p>
-          <a:p>
             <a:endParaRPr lang="en-US" altLang="zh-CN" dirty="0"/>
           </a:p>
           <a:p>
-            <a:endParaRPr lang="en-US" altLang="zh-CN" dirty="0" smtClean="0"/>
-          </a:p>
-          <a:p>
             <a:endParaRPr lang="en-US" altLang="zh-CN" dirty="0"/>
           </a:p>
           <a:p>
-            <a:endParaRPr lang="en-US" altLang="zh-CN" dirty="0" smtClean="0"/>
-          </a:p>
-          <a:p>
             <a:endParaRPr lang="en-US" altLang="zh-CN" dirty="0"/>
           </a:p>
           <a:p>
-            <a:endParaRPr lang="en-US" altLang="zh-CN" dirty="0" smtClean="0"/>
+            <a:endParaRPr lang="en-US" altLang="zh-CN" dirty="0"/>
+          </a:p>
+          <a:p>
+            <a:endParaRPr lang="en-US" altLang="zh-CN" dirty="0"/>
+          </a:p>
+          <a:p>
+            <a:endParaRPr lang="en-US" altLang="zh-CN" dirty="0"/>
+          </a:p>
+          <a:p>
+            <a:endParaRPr lang="en-US" altLang="zh-CN" dirty="0"/>
+          </a:p>
+          <a:p>
+            <a:endParaRPr lang="en-US" altLang="zh-CN" dirty="0"/>
           </a:p>
         </p:txBody>
       </p:sp>
@@ -14913,25 +18949,11 @@
           <a:lstStyle/>
           <a:p>
             <a:r>
-              <a:rPr lang="zh-CN" altLang="en-US" sz="1100" b="1" dirty="0" smtClean="0">
-                <a:latin typeface="微软雅黑" panose="020B0503020204020204" pitchFamily="34" charset="-122"/>
-                <a:ea typeface="微软雅黑" panose="020B0503020204020204" pitchFamily="34" charset="-122"/>
-              </a:rPr>
-              <a:t>前后端半</a:t>
-            </a:r>
-            <a:r>
               <a:rPr lang="zh-CN" altLang="en-US" sz="1100" b="1" dirty="0">
                 <a:latin typeface="微软雅黑" panose="020B0503020204020204" pitchFamily="34" charset="-122"/>
                 <a:ea typeface="微软雅黑" panose="020B0503020204020204" pitchFamily="34" charset="-122"/>
               </a:rPr>
-              <a:t>分离</a:t>
-            </a:r>
-            <a:r>
-              <a:rPr lang="zh-CN" altLang="en-US" sz="1100" dirty="0">
-                <a:latin typeface="微软雅黑" panose="020B0503020204020204" pitchFamily="34" charset="-122"/>
-                <a:ea typeface="微软雅黑" panose="020B0503020204020204" pitchFamily="34" charset="-122"/>
-              </a:rPr>
-              <a:t/>
+              <a:t>前后端半分离</a:t>
             </a:r>
             <a:br>
               <a:rPr lang="zh-CN" altLang="en-US" sz="1100" dirty="0">
@@ -14953,14 +18975,7 @@
                 <a:latin typeface="微软雅黑" panose="020B0503020204020204" pitchFamily="34" charset="-122"/>
                 <a:ea typeface="微软雅黑" panose="020B0503020204020204" pitchFamily="34" charset="-122"/>
               </a:rPr>
-              <a:t>前后端</a:t>
-            </a:r>
-            <a:r>
-              <a:rPr lang="zh-CN" altLang="en-US" sz="1100" b="1" dirty="0" smtClean="0">
-                <a:latin typeface="微软雅黑" panose="020B0503020204020204" pitchFamily="34" charset="-122"/>
-                <a:ea typeface="微软雅黑" panose="020B0503020204020204" pitchFamily="34" charset="-122"/>
-              </a:rPr>
-              <a:t>分离</a:t>
+              <a:t>前后端分离</a:t>
             </a:r>
             <a:r>
               <a:rPr lang="zh-CN" altLang="en-US" sz="1100" dirty="0">
@@ -15087,13 +19102,6 @@
       </p:transition>
     </mc:Fallback>
   </mc:AlternateContent>
-  <p:timing>
-    <p:tnLst>
-      <p:par>
-        <p:cTn id="1" dur="indefinite" restart="never" nodeType="tmRoot"/>
-      </p:par>
-    </p:tnLst>
-  </p:timing>
 </p:sld>
 </file>
 

--- a/溯源前端赏析.pptx
+++ b/溯源前端赏析.pptx
@@ -5,10 +5,10 @@
     <p:sldMasterId id="2147483720" r:id="rId2"/>
   </p:sldMasterIdLst>
   <p:notesMasterIdLst>
-    <p:notesMasterId r:id="rId37"/>
+    <p:notesMasterId r:id="rId30"/>
   </p:notesMasterIdLst>
   <p:handoutMasterIdLst>
-    <p:handoutMasterId r:id="rId38"/>
+    <p:handoutMasterId r:id="rId31"/>
   </p:handoutMasterIdLst>
   <p:sldIdLst>
     <p:sldId id="269" r:id="rId3"/>
@@ -34,17 +34,10 @@
     <p:sldId id="299" r:id="rId23"/>
     <p:sldId id="300" r:id="rId24"/>
     <p:sldId id="301" r:id="rId25"/>
-    <p:sldId id="302" r:id="rId26"/>
-    <p:sldId id="277" r:id="rId27"/>
-    <p:sldId id="270" r:id="rId28"/>
-    <p:sldId id="271" r:id="rId29"/>
-    <p:sldId id="278" r:id="rId30"/>
-    <p:sldId id="272" r:id="rId31"/>
-    <p:sldId id="273" r:id="rId32"/>
-    <p:sldId id="274" r:id="rId33"/>
-    <p:sldId id="275" r:id="rId34"/>
-    <p:sldId id="276" r:id="rId35"/>
-    <p:sldId id="279" r:id="rId36"/>
+    <p:sldId id="303" r:id="rId26"/>
+    <p:sldId id="302" r:id="rId27"/>
+    <p:sldId id="304" r:id="rId28"/>
+    <p:sldId id="279" r:id="rId29"/>
   </p:sldIdLst>
   <p:sldSz cx="12188825" cy="6858000"/>
   <p:notesSz cx="6858000" cy="9144000"/>
@@ -194,393 +187,6 @@
     </p:ext>
   </p:extLst>
 </p:presentation>
-</file>
-
-<file path=ppt/charts/chart1.xml><?xml version="1.0" encoding="utf-8"?>
-<c:chartSpace xmlns:c="http://schemas.openxmlformats.org/drawingml/2006/chart" xmlns:a="http://schemas.openxmlformats.org/drawingml/2006/main" xmlns:r="http://schemas.openxmlformats.org/officeDocument/2006/relationships" xmlns:c16r2="http://schemas.microsoft.com/office/drawing/2015/06/chart">
-  <c:date1904 val="0"/>
-  <c:lang val="zh-CN"/>
-  <c:roundedCorners val="0"/>
-  <mc:AlternateContent xmlns:mc="http://schemas.openxmlformats.org/markup-compatibility/2006">
-    <mc:Choice xmlns:c14="http://schemas.microsoft.com/office/drawing/2007/8/2/chart" Requires="c14">
-      <c14:style val="102"/>
-    </mc:Choice>
-    <mc:Fallback>
-      <c:style val="2"/>
-    </mc:Fallback>
-  </mc:AlternateContent>
-  <c:chart>
-    <c:autoTitleDeleted val="1"/>
-    <c:plotArea>
-      <c:layout/>
-      <c:barChart>
-        <c:barDir val="col"/>
-        <c:grouping val="clustered"/>
-        <c:varyColors val="0"/>
-        <c:ser>
-          <c:idx val="0"/>
-          <c:order val="0"/>
-          <c:tx>
-            <c:strRef>
-              <c:f>Sheet1!$B$1</c:f>
-              <c:strCache>
-                <c:ptCount val="1"/>
-                <c:pt idx="0">
-                  <c:v>Series 1</c:v>
-                </c:pt>
-              </c:strCache>
-            </c:strRef>
-          </c:tx>
-          <c:spPr>
-            <a:solidFill>
-              <a:schemeClr val="accent1"/>
-            </a:solidFill>
-            <a:ln>
-              <a:noFill/>
-            </a:ln>
-            <a:effectLst/>
-          </c:spPr>
-          <c:invertIfNegative val="0"/>
-          <c:cat>
-            <c:strRef>
-              <c:f>Sheet1!$A$2:$A$5</c:f>
-              <c:strCache>
-                <c:ptCount val="4"/>
-                <c:pt idx="0">
-                  <c:v>Category 1</c:v>
-                </c:pt>
-                <c:pt idx="1">
-                  <c:v>Category 2</c:v>
-                </c:pt>
-                <c:pt idx="2">
-                  <c:v>Category 3</c:v>
-                </c:pt>
-                <c:pt idx="3">
-                  <c:v>Category 4</c:v>
-                </c:pt>
-              </c:strCache>
-            </c:strRef>
-          </c:cat>
-          <c:val>
-            <c:numRef>
-              <c:f>Sheet1!$B$2:$B$5</c:f>
-              <c:numCache>
-                <c:formatCode>General</c:formatCode>
-                <c:ptCount val="4"/>
-                <c:pt idx="0">
-                  <c:v>4.3</c:v>
-                </c:pt>
-                <c:pt idx="1">
-                  <c:v>2.5</c:v>
-                </c:pt>
-                <c:pt idx="2">
-                  <c:v>3.5</c:v>
-                </c:pt>
-                <c:pt idx="3">
-                  <c:v>4.5</c:v>
-                </c:pt>
-              </c:numCache>
-            </c:numRef>
-          </c:val>
-          <c:extLst>
-            <c:ext xmlns:c16="http://schemas.microsoft.com/office/drawing/2014/chart" uri="{C3380CC4-5D6E-409C-BE32-E72D297353CC}">
-              <c16:uniqueId val="{00000000-2EF0-4042-A174-01C1B68E9352}"/>
-            </c:ext>
-          </c:extLst>
-        </c:ser>
-        <c:ser>
-          <c:idx val="1"/>
-          <c:order val="1"/>
-          <c:tx>
-            <c:strRef>
-              <c:f>Sheet1!$C$1</c:f>
-              <c:strCache>
-                <c:ptCount val="1"/>
-                <c:pt idx="0">
-                  <c:v>Series 2</c:v>
-                </c:pt>
-              </c:strCache>
-            </c:strRef>
-          </c:tx>
-          <c:spPr>
-            <a:solidFill>
-              <a:schemeClr val="accent2"/>
-            </a:solidFill>
-            <a:ln>
-              <a:noFill/>
-            </a:ln>
-            <a:effectLst/>
-          </c:spPr>
-          <c:invertIfNegative val="0"/>
-          <c:cat>
-            <c:strRef>
-              <c:f>Sheet1!$A$2:$A$5</c:f>
-              <c:strCache>
-                <c:ptCount val="4"/>
-                <c:pt idx="0">
-                  <c:v>Category 1</c:v>
-                </c:pt>
-                <c:pt idx="1">
-                  <c:v>Category 2</c:v>
-                </c:pt>
-                <c:pt idx="2">
-                  <c:v>Category 3</c:v>
-                </c:pt>
-                <c:pt idx="3">
-                  <c:v>Category 4</c:v>
-                </c:pt>
-              </c:strCache>
-            </c:strRef>
-          </c:cat>
-          <c:val>
-            <c:numRef>
-              <c:f>Sheet1!$C$2:$C$5</c:f>
-              <c:numCache>
-                <c:formatCode>General</c:formatCode>
-                <c:ptCount val="4"/>
-                <c:pt idx="0">
-                  <c:v>2.4</c:v>
-                </c:pt>
-                <c:pt idx="1">
-                  <c:v>4.4000000000000004</c:v>
-                </c:pt>
-                <c:pt idx="2">
-                  <c:v>1.8</c:v>
-                </c:pt>
-                <c:pt idx="3">
-                  <c:v>2.8</c:v>
-                </c:pt>
-              </c:numCache>
-            </c:numRef>
-          </c:val>
-          <c:extLst>
-            <c:ext xmlns:c16="http://schemas.microsoft.com/office/drawing/2014/chart" uri="{C3380CC4-5D6E-409C-BE32-E72D297353CC}">
-              <c16:uniqueId val="{00000001-2EF0-4042-A174-01C1B68E9352}"/>
-            </c:ext>
-          </c:extLst>
-        </c:ser>
-        <c:ser>
-          <c:idx val="2"/>
-          <c:order val="2"/>
-          <c:tx>
-            <c:strRef>
-              <c:f>Sheet1!$D$1</c:f>
-              <c:strCache>
-                <c:ptCount val="1"/>
-                <c:pt idx="0">
-                  <c:v>Series 3</c:v>
-                </c:pt>
-              </c:strCache>
-            </c:strRef>
-          </c:tx>
-          <c:spPr>
-            <a:solidFill>
-              <a:schemeClr val="accent3"/>
-            </a:solidFill>
-            <a:ln>
-              <a:noFill/>
-            </a:ln>
-            <a:effectLst/>
-          </c:spPr>
-          <c:invertIfNegative val="0"/>
-          <c:cat>
-            <c:strRef>
-              <c:f>Sheet1!$A$2:$A$5</c:f>
-              <c:strCache>
-                <c:ptCount val="4"/>
-                <c:pt idx="0">
-                  <c:v>Category 1</c:v>
-                </c:pt>
-                <c:pt idx="1">
-                  <c:v>Category 2</c:v>
-                </c:pt>
-                <c:pt idx="2">
-                  <c:v>Category 3</c:v>
-                </c:pt>
-                <c:pt idx="3">
-                  <c:v>Category 4</c:v>
-                </c:pt>
-              </c:strCache>
-            </c:strRef>
-          </c:cat>
-          <c:val>
-            <c:numRef>
-              <c:f>Sheet1!$D$2:$D$5</c:f>
-              <c:numCache>
-                <c:formatCode>General</c:formatCode>
-                <c:ptCount val="4"/>
-                <c:pt idx="0">
-                  <c:v>2</c:v>
-                </c:pt>
-                <c:pt idx="1">
-                  <c:v>2</c:v>
-                </c:pt>
-                <c:pt idx="2">
-                  <c:v>3</c:v>
-                </c:pt>
-                <c:pt idx="3">
-                  <c:v>5</c:v>
-                </c:pt>
-              </c:numCache>
-            </c:numRef>
-          </c:val>
-          <c:extLst>
-            <c:ext xmlns:c16="http://schemas.microsoft.com/office/drawing/2014/chart" uri="{C3380CC4-5D6E-409C-BE32-E72D297353CC}">
-              <c16:uniqueId val="{00000002-2EF0-4042-A174-01C1B68E9352}"/>
-            </c:ext>
-          </c:extLst>
-        </c:ser>
-        <c:dLbls>
-          <c:showLegendKey val="0"/>
-          <c:showVal val="0"/>
-          <c:showCatName val="0"/>
-          <c:showSerName val="0"/>
-          <c:showPercent val="0"/>
-          <c:showBubbleSize val="0"/>
-        </c:dLbls>
-        <c:gapWidth val="219"/>
-        <c:overlap val="-27"/>
-        <c:axId val="6465408"/>
-        <c:axId val="6466944"/>
-      </c:barChart>
-      <c:catAx>
-        <c:axId val="6465408"/>
-        <c:scaling>
-          <c:orientation val="minMax"/>
-        </c:scaling>
-        <c:delete val="0"/>
-        <c:axPos val="b"/>
-        <c:numFmt formatCode="General" sourceLinked="0"/>
-        <c:majorTickMark val="none"/>
-        <c:minorTickMark val="none"/>
-        <c:tickLblPos val="nextTo"/>
-        <c:spPr>
-          <a:noFill/>
-          <a:ln>
-            <a:noFill/>
-          </a:ln>
-          <a:effectLst/>
-        </c:spPr>
-        <c:txPr>
-          <a:bodyPr rot="-60000000" vert="horz"/>
-          <a:lstStyle/>
-          <a:p>
-            <a:pPr>
-              <a:defRPr/>
-            </a:pPr>
-            <a:endParaRPr lang="zh-CN"/>
-          </a:p>
-        </c:txPr>
-        <c:crossAx val="6466944"/>
-        <c:crosses val="autoZero"/>
-        <c:auto val="1"/>
-        <c:lblAlgn val="ctr"/>
-        <c:lblOffset val="100"/>
-        <c:noMultiLvlLbl val="0"/>
-      </c:catAx>
-      <c:valAx>
-        <c:axId val="6466944"/>
-        <c:scaling>
-          <c:orientation val="minMax"/>
-        </c:scaling>
-        <c:delete val="0"/>
-        <c:axPos val="l"/>
-        <c:majorGridlines>
-          <c:spPr>
-            <a:ln w="9525" cap="flat" cmpd="sng" algn="ctr">
-              <a:solidFill>
-                <a:schemeClr val="tx1">
-                  <a:lumMod val="15000"/>
-                  <a:lumOff val="85000"/>
-                </a:schemeClr>
-              </a:solidFill>
-              <a:round/>
-            </a:ln>
-            <a:effectLst/>
-          </c:spPr>
-        </c:majorGridlines>
-        <c:numFmt formatCode="General" sourceLinked="0"/>
-        <c:majorTickMark val="none"/>
-        <c:minorTickMark val="none"/>
-        <c:tickLblPos val="nextTo"/>
-        <c:spPr>
-          <a:noFill/>
-          <a:ln>
-            <a:noFill/>
-          </a:ln>
-          <a:effectLst/>
-        </c:spPr>
-        <c:txPr>
-          <a:bodyPr rot="-60000000" vert="horz"/>
-          <a:lstStyle/>
-          <a:p>
-            <a:pPr>
-              <a:defRPr/>
-            </a:pPr>
-            <a:endParaRPr lang="zh-CN"/>
-          </a:p>
-        </c:txPr>
-        <c:crossAx val="6465408"/>
-        <c:crosses val="autoZero"/>
-        <c:crossBetween val="between"/>
-      </c:valAx>
-      <c:spPr>
-        <a:noFill/>
-        <a:ln>
-          <a:noFill/>
-        </a:ln>
-        <a:effectLst/>
-      </c:spPr>
-    </c:plotArea>
-    <c:legend>
-      <c:legendPos val="b"/>
-      <c:overlay val="0"/>
-      <c:spPr>
-        <a:noFill/>
-        <a:ln>
-          <a:noFill/>
-        </a:ln>
-        <a:effectLst/>
-      </c:spPr>
-      <c:txPr>
-        <a:bodyPr rot="0" vert="horz"/>
-        <a:lstStyle/>
-        <a:p>
-          <a:pPr>
-            <a:defRPr/>
-          </a:pPr>
-          <a:endParaRPr lang="zh-CN"/>
-        </a:p>
-      </c:txPr>
-    </c:legend>
-    <c:plotVisOnly val="1"/>
-    <c:dispBlanksAs val="gap"/>
-    <c:showDLblsOverMax val="0"/>
-  </c:chart>
-  <c:spPr>
-    <a:noFill/>
-    <a:ln>
-      <a:noFill/>
-    </a:ln>
-    <a:effectLst/>
-  </c:spPr>
-  <c:txPr>
-    <a:bodyPr/>
-    <a:lstStyle/>
-    <a:p>
-      <a:pPr>
-        <a:defRPr>
-          <a:latin typeface="微软雅黑" pitchFamily="34" charset="-122"/>
-          <a:ea typeface="微软雅黑" pitchFamily="34" charset="-122"/>
-        </a:defRPr>
-      </a:pPr>
-      <a:endParaRPr lang="zh-CN"/>
-    </a:p>
-  </c:txPr>
-  <c:externalData r:id="rId1">
-    <c:autoUpdate val="0"/>
-  </c:externalData>
-</c:chartSpace>
 </file>
 
 <file path=ppt/diagrams/colors1.xml><?xml version="1.0" encoding="utf-8"?>
@@ -1330,881 +936,6 @@
 </dgm:colorsDef>
 </file>
 
-<file path=ppt/diagrams/colors2.xml><?xml version="1.0" encoding="utf-8"?>
-<dgm:colorsDef xmlns:dgm="http://schemas.openxmlformats.org/drawingml/2006/diagram" xmlns:a="http://schemas.openxmlformats.org/drawingml/2006/main" uniqueId="urn:microsoft.com/office/officeart/2005/8/colors/accent1_3">
-  <dgm:title val=""/>
-  <dgm:desc val=""/>
-  <dgm:catLst>
-    <dgm:cat type="accent1" pri="11300"/>
-  </dgm:catLst>
-  <dgm:styleLbl name="node0">
-    <dgm:fillClrLst meth="repeat">
-      <a:schemeClr val="accent1">
-        <a:shade val="80000"/>
-      </a:schemeClr>
-    </dgm:fillClrLst>
-    <dgm:linClrLst meth="repeat">
-      <a:schemeClr val="lt1"/>
-    </dgm:linClrLst>
-    <dgm:effectClrLst/>
-    <dgm:txLinClrLst/>
-    <dgm:txFillClrLst/>
-    <dgm:txEffectClrLst/>
-  </dgm:styleLbl>
-  <dgm:styleLbl name="alignNode1">
-    <dgm:fillClrLst>
-      <a:schemeClr val="accent1">
-        <a:shade val="80000"/>
-      </a:schemeClr>
-      <a:schemeClr val="accent1">
-        <a:tint val="70000"/>
-      </a:schemeClr>
-    </dgm:fillClrLst>
-    <dgm:linClrLst>
-      <a:schemeClr val="accent1">
-        <a:shade val="80000"/>
-      </a:schemeClr>
-      <a:schemeClr val="accent1">
-        <a:tint val="70000"/>
-      </a:schemeClr>
-    </dgm:linClrLst>
-    <dgm:effectClrLst/>
-    <dgm:txLinClrLst/>
-    <dgm:txFillClrLst/>
-    <dgm:txEffectClrLst/>
-  </dgm:styleLbl>
-  <dgm:styleLbl name="node1">
-    <dgm:fillClrLst>
-      <a:schemeClr val="accent1">
-        <a:shade val="80000"/>
-      </a:schemeClr>
-      <a:schemeClr val="accent1">
-        <a:tint val="70000"/>
-      </a:schemeClr>
-    </dgm:fillClrLst>
-    <dgm:linClrLst meth="repeat">
-      <a:schemeClr val="lt1"/>
-    </dgm:linClrLst>
-    <dgm:effectClrLst/>
-    <dgm:txLinClrLst/>
-    <dgm:txFillClrLst/>
-    <dgm:txEffectClrLst/>
-  </dgm:styleLbl>
-  <dgm:styleLbl name="lnNode1">
-    <dgm:fillClrLst>
-      <a:schemeClr val="accent1">
-        <a:shade val="80000"/>
-      </a:schemeClr>
-      <a:schemeClr val="accent1">
-        <a:tint val="70000"/>
-      </a:schemeClr>
-    </dgm:fillClrLst>
-    <dgm:linClrLst meth="repeat">
-      <a:schemeClr val="lt1"/>
-    </dgm:linClrLst>
-    <dgm:effectClrLst/>
-    <dgm:txLinClrLst/>
-    <dgm:txFillClrLst/>
-    <dgm:txEffectClrLst/>
-  </dgm:styleLbl>
-  <dgm:styleLbl name="vennNode1">
-    <dgm:fillClrLst>
-      <a:schemeClr val="accent1">
-        <a:shade val="80000"/>
-        <a:alpha val="50000"/>
-      </a:schemeClr>
-      <a:schemeClr val="accent1">
-        <a:tint val="70000"/>
-        <a:alpha val="50000"/>
-      </a:schemeClr>
-    </dgm:fillClrLst>
-    <dgm:linClrLst meth="repeat">
-      <a:schemeClr val="lt1"/>
-    </dgm:linClrLst>
-    <dgm:effectClrLst/>
-    <dgm:txLinClrLst/>
-    <dgm:txFillClrLst/>
-    <dgm:txEffectClrLst/>
-  </dgm:styleLbl>
-  <dgm:styleLbl name="node2">
-    <dgm:fillClrLst>
-      <a:schemeClr val="accent1">
-        <a:tint val="99000"/>
-      </a:schemeClr>
-    </dgm:fillClrLst>
-    <dgm:linClrLst meth="repeat">
-      <a:schemeClr val="lt1"/>
-    </dgm:linClrLst>
-    <dgm:effectClrLst/>
-    <dgm:txLinClrLst/>
-    <dgm:txFillClrLst/>
-    <dgm:txEffectClrLst/>
-  </dgm:styleLbl>
-  <dgm:styleLbl name="node3">
-    <dgm:fillClrLst>
-      <a:schemeClr val="accent1">
-        <a:tint val="80000"/>
-      </a:schemeClr>
-    </dgm:fillClrLst>
-    <dgm:linClrLst meth="repeat">
-      <a:schemeClr val="lt1"/>
-    </dgm:linClrLst>
-    <dgm:effectClrLst/>
-    <dgm:txLinClrLst/>
-    <dgm:txFillClrLst/>
-    <dgm:txEffectClrLst/>
-  </dgm:styleLbl>
-  <dgm:styleLbl name="node4">
-    <dgm:fillClrLst>
-      <a:schemeClr val="accent1">
-        <a:tint val="70000"/>
-      </a:schemeClr>
-    </dgm:fillClrLst>
-    <dgm:linClrLst meth="repeat">
-      <a:schemeClr val="lt1"/>
-    </dgm:linClrLst>
-    <dgm:effectClrLst/>
-    <dgm:txLinClrLst/>
-    <dgm:txFillClrLst/>
-    <dgm:txEffectClrLst/>
-  </dgm:styleLbl>
-  <dgm:styleLbl name="fgImgPlace1">
-    <dgm:fillClrLst>
-      <a:schemeClr val="accent1">
-        <a:tint val="50000"/>
-      </a:schemeClr>
-      <a:schemeClr val="accent1">
-        <a:tint val="20000"/>
-      </a:schemeClr>
-    </dgm:fillClrLst>
-    <dgm:linClrLst meth="repeat">
-      <a:schemeClr val="lt1"/>
-    </dgm:linClrLst>
-    <dgm:effectClrLst/>
-    <dgm:txLinClrLst/>
-    <dgm:txFillClrLst meth="repeat">
-      <a:schemeClr val="lt1"/>
-    </dgm:txFillClrLst>
-    <dgm:txEffectClrLst/>
-  </dgm:styleLbl>
-  <dgm:styleLbl name="alignImgPlace1">
-    <dgm:fillClrLst>
-      <a:schemeClr val="accent1">
-        <a:tint val="50000"/>
-      </a:schemeClr>
-      <a:schemeClr val="accent1">
-        <a:tint val="20000"/>
-      </a:schemeClr>
-    </dgm:fillClrLst>
-    <dgm:linClrLst meth="repeat">
-      <a:schemeClr val="lt1"/>
-    </dgm:linClrLst>
-    <dgm:effectClrLst/>
-    <dgm:txLinClrLst/>
-    <dgm:txFillClrLst meth="repeat">
-      <a:schemeClr val="lt1"/>
-    </dgm:txFillClrLst>
-    <dgm:txEffectClrLst/>
-  </dgm:styleLbl>
-  <dgm:styleLbl name="bgImgPlace1">
-    <dgm:fillClrLst>
-      <a:schemeClr val="accent1">
-        <a:tint val="50000"/>
-      </a:schemeClr>
-      <a:schemeClr val="accent1">
-        <a:tint val="20000"/>
-      </a:schemeClr>
-    </dgm:fillClrLst>
-    <dgm:linClrLst meth="repeat">
-      <a:schemeClr val="lt1"/>
-    </dgm:linClrLst>
-    <dgm:effectClrLst/>
-    <dgm:txLinClrLst/>
-    <dgm:txFillClrLst meth="repeat">
-      <a:schemeClr val="lt1"/>
-    </dgm:txFillClrLst>
-    <dgm:txEffectClrLst/>
-  </dgm:styleLbl>
-  <dgm:styleLbl name="sibTrans2D1">
-    <dgm:fillClrLst>
-      <a:schemeClr val="accent1">
-        <a:shade val="90000"/>
-      </a:schemeClr>
-      <a:schemeClr val="accent1">
-        <a:tint val="70000"/>
-      </a:schemeClr>
-    </dgm:fillClrLst>
-    <dgm:linClrLst>
-      <a:schemeClr val="accent1">
-        <a:shade val="90000"/>
-      </a:schemeClr>
-      <a:schemeClr val="accent1">
-        <a:tint val="70000"/>
-      </a:schemeClr>
-    </dgm:linClrLst>
-    <dgm:effectClrLst/>
-    <dgm:txLinClrLst/>
-    <dgm:txFillClrLst/>
-    <dgm:txEffectClrLst/>
-  </dgm:styleLbl>
-  <dgm:styleLbl name="fgSibTrans2D1">
-    <dgm:fillClrLst>
-      <a:schemeClr val="accent1">
-        <a:shade val="90000"/>
-      </a:schemeClr>
-      <a:schemeClr val="accent1">
-        <a:tint val="70000"/>
-      </a:schemeClr>
-    </dgm:fillClrLst>
-    <dgm:linClrLst>
-      <a:schemeClr val="accent1">
-        <a:shade val="90000"/>
-      </a:schemeClr>
-      <a:schemeClr val="accent1">
-        <a:tint val="70000"/>
-      </a:schemeClr>
-    </dgm:linClrLst>
-    <dgm:effectClrLst/>
-    <dgm:txLinClrLst/>
-    <dgm:txFillClrLst meth="repeat">
-      <a:schemeClr val="lt1"/>
-    </dgm:txFillClrLst>
-    <dgm:txEffectClrLst/>
-  </dgm:styleLbl>
-  <dgm:styleLbl name="bgSibTrans2D1">
-    <dgm:fillClrLst>
-      <a:schemeClr val="accent1">
-        <a:shade val="90000"/>
-      </a:schemeClr>
-      <a:schemeClr val="accent1">
-        <a:tint val="70000"/>
-      </a:schemeClr>
-    </dgm:fillClrLst>
-    <dgm:linClrLst>
-      <a:schemeClr val="accent1">
-        <a:shade val="90000"/>
-      </a:schemeClr>
-      <a:schemeClr val="accent1">
-        <a:tint val="70000"/>
-      </a:schemeClr>
-    </dgm:linClrLst>
-    <dgm:effectClrLst/>
-    <dgm:txLinClrLst/>
-    <dgm:txFillClrLst meth="repeat">
-      <a:schemeClr val="lt1"/>
-    </dgm:txFillClrLst>
-    <dgm:txEffectClrLst/>
-  </dgm:styleLbl>
-  <dgm:styleLbl name="sibTrans1D1">
-    <dgm:fillClrLst>
-      <a:schemeClr val="accent1">
-        <a:shade val="90000"/>
-      </a:schemeClr>
-      <a:schemeClr val="accent1">
-        <a:tint val="70000"/>
-      </a:schemeClr>
-    </dgm:fillClrLst>
-    <dgm:linClrLst>
-      <a:schemeClr val="accent1">
-        <a:shade val="90000"/>
-      </a:schemeClr>
-      <a:schemeClr val="accent1">
-        <a:tint val="70000"/>
-      </a:schemeClr>
-    </dgm:linClrLst>
-    <dgm:effectClrLst/>
-    <dgm:txLinClrLst/>
-    <dgm:txFillClrLst meth="repeat">
-      <a:schemeClr val="tx1"/>
-    </dgm:txFillClrLst>
-    <dgm:txEffectClrLst/>
-  </dgm:styleLbl>
-  <dgm:styleLbl name="callout">
-    <dgm:fillClrLst meth="repeat">
-      <a:schemeClr val="accent1"/>
-    </dgm:fillClrLst>
-    <dgm:linClrLst meth="repeat">
-      <a:schemeClr val="accent1"/>
-    </dgm:linClrLst>
-    <dgm:effectClrLst/>
-    <dgm:txLinClrLst/>
-    <dgm:txFillClrLst meth="repeat">
-      <a:schemeClr val="tx1"/>
-    </dgm:txFillClrLst>
-    <dgm:txEffectClrLst/>
-  </dgm:styleLbl>
-  <dgm:styleLbl name="asst0">
-    <dgm:fillClrLst meth="repeat">
-      <a:schemeClr val="accent1">
-        <a:shade val="80000"/>
-      </a:schemeClr>
-    </dgm:fillClrLst>
-    <dgm:linClrLst meth="repeat">
-      <a:schemeClr val="lt1"/>
-    </dgm:linClrLst>
-    <dgm:effectClrLst/>
-    <dgm:txLinClrLst/>
-    <dgm:txFillClrLst/>
-    <dgm:txEffectClrLst/>
-  </dgm:styleLbl>
-  <dgm:styleLbl name="asst1">
-    <dgm:fillClrLst meth="repeat">
-      <a:schemeClr val="accent1">
-        <a:shade val="80000"/>
-      </a:schemeClr>
-    </dgm:fillClrLst>
-    <dgm:linClrLst meth="repeat">
-      <a:schemeClr val="lt1"/>
-    </dgm:linClrLst>
-    <dgm:effectClrLst/>
-    <dgm:txLinClrLst/>
-    <dgm:txFillClrLst/>
-    <dgm:txEffectClrLst/>
-  </dgm:styleLbl>
-  <dgm:styleLbl name="asst2">
-    <dgm:fillClrLst>
-      <a:schemeClr val="accent1">
-        <a:tint val="99000"/>
-      </a:schemeClr>
-    </dgm:fillClrLst>
-    <dgm:linClrLst meth="repeat">
-      <a:schemeClr val="lt1"/>
-    </dgm:linClrLst>
-    <dgm:effectClrLst/>
-    <dgm:txLinClrLst/>
-    <dgm:txFillClrLst/>
-    <dgm:txEffectClrLst/>
-  </dgm:styleLbl>
-  <dgm:styleLbl name="asst3">
-    <dgm:fillClrLst>
-      <a:schemeClr val="accent1">
-        <a:tint val="80000"/>
-      </a:schemeClr>
-    </dgm:fillClrLst>
-    <dgm:linClrLst meth="repeat">
-      <a:schemeClr val="lt1"/>
-    </dgm:linClrLst>
-    <dgm:effectClrLst/>
-    <dgm:txLinClrLst/>
-    <dgm:txFillClrLst/>
-    <dgm:txEffectClrLst/>
-  </dgm:styleLbl>
-  <dgm:styleLbl name="asst4">
-    <dgm:fillClrLst>
-      <a:schemeClr val="accent1">
-        <a:tint val="70000"/>
-      </a:schemeClr>
-    </dgm:fillClrLst>
-    <dgm:linClrLst meth="repeat">
-      <a:schemeClr val="lt1"/>
-    </dgm:linClrLst>
-    <dgm:effectClrLst/>
-    <dgm:txLinClrLst/>
-    <dgm:txFillClrLst/>
-    <dgm:txEffectClrLst/>
-  </dgm:styleLbl>
-  <dgm:styleLbl name="parChTrans2D1">
-    <dgm:fillClrLst meth="repeat">
-      <a:schemeClr val="accent1">
-        <a:tint val="60000"/>
-      </a:schemeClr>
-    </dgm:fillClrLst>
-    <dgm:linClrLst meth="repeat">
-      <a:schemeClr val="accent1">
-        <a:tint val="60000"/>
-      </a:schemeClr>
-    </dgm:linClrLst>
-    <dgm:effectClrLst/>
-    <dgm:txLinClrLst/>
-    <dgm:txFillClrLst meth="repeat">
-      <a:schemeClr val="lt1"/>
-    </dgm:txFillClrLst>
-    <dgm:txEffectClrLst/>
-  </dgm:styleLbl>
-  <dgm:styleLbl name="parChTrans2D2">
-    <dgm:fillClrLst meth="repeat">
-      <a:schemeClr val="accent1">
-        <a:tint val="90000"/>
-      </a:schemeClr>
-    </dgm:fillClrLst>
-    <dgm:linClrLst meth="repeat">
-      <a:schemeClr val="accent1">
-        <a:tint val="90000"/>
-      </a:schemeClr>
-    </dgm:linClrLst>
-    <dgm:effectClrLst/>
-    <dgm:txLinClrLst/>
-    <dgm:txFillClrLst/>
-    <dgm:txEffectClrLst/>
-  </dgm:styleLbl>
-  <dgm:styleLbl name="parChTrans2D3">
-    <dgm:fillClrLst meth="repeat">
-      <a:schemeClr val="accent1">
-        <a:tint val="70000"/>
-      </a:schemeClr>
-    </dgm:fillClrLst>
-    <dgm:linClrLst meth="repeat">
-      <a:schemeClr val="accent1">
-        <a:tint val="70000"/>
-      </a:schemeClr>
-    </dgm:linClrLst>
-    <dgm:effectClrLst/>
-    <dgm:txLinClrLst/>
-    <dgm:txFillClrLst/>
-    <dgm:txEffectClrLst/>
-  </dgm:styleLbl>
-  <dgm:styleLbl name="parChTrans2D4">
-    <dgm:fillClrLst meth="repeat">
-      <a:schemeClr val="accent1">
-        <a:tint val="50000"/>
-      </a:schemeClr>
-    </dgm:fillClrLst>
-    <dgm:linClrLst meth="repeat">
-      <a:schemeClr val="accent1">
-        <a:tint val="50000"/>
-      </a:schemeClr>
-    </dgm:linClrLst>
-    <dgm:effectClrLst/>
-    <dgm:txLinClrLst/>
-    <dgm:txFillClrLst meth="repeat">
-      <a:schemeClr val="lt1"/>
-    </dgm:txFillClrLst>
-    <dgm:txEffectClrLst/>
-  </dgm:styleLbl>
-  <dgm:styleLbl name="parChTrans1D1">
-    <dgm:fillClrLst meth="repeat">
-      <a:schemeClr val="accent1">
-        <a:shade val="80000"/>
-      </a:schemeClr>
-    </dgm:fillClrLst>
-    <dgm:linClrLst meth="repeat">
-      <a:schemeClr val="accent1">
-        <a:shade val="80000"/>
-      </a:schemeClr>
-    </dgm:linClrLst>
-    <dgm:effectClrLst/>
-    <dgm:txLinClrLst/>
-    <dgm:txFillClrLst meth="repeat">
-      <a:schemeClr val="tx1"/>
-    </dgm:txFillClrLst>
-    <dgm:txEffectClrLst/>
-  </dgm:styleLbl>
-  <dgm:styleLbl name="parChTrans1D2">
-    <dgm:fillClrLst meth="repeat">
-      <a:schemeClr val="accent1">
-        <a:tint val="99000"/>
-      </a:schemeClr>
-    </dgm:fillClrLst>
-    <dgm:linClrLst meth="repeat">
-      <a:schemeClr val="accent1">
-        <a:tint val="99000"/>
-      </a:schemeClr>
-    </dgm:linClrLst>
-    <dgm:effectClrLst/>
-    <dgm:txLinClrLst/>
-    <dgm:txFillClrLst meth="repeat">
-      <a:schemeClr val="tx1"/>
-    </dgm:txFillClrLst>
-    <dgm:txEffectClrLst/>
-  </dgm:styleLbl>
-  <dgm:styleLbl name="parChTrans1D3">
-    <dgm:fillClrLst meth="repeat">
-      <a:schemeClr val="accent1">
-        <a:tint val="80000"/>
-      </a:schemeClr>
-    </dgm:fillClrLst>
-    <dgm:linClrLst meth="repeat">
-      <a:schemeClr val="accent1">
-        <a:tint val="80000"/>
-      </a:schemeClr>
-    </dgm:linClrLst>
-    <dgm:effectClrLst/>
-    <dgm:txLinClrLst/>
-    <dgm:txFillClrLst meth="repeat">
-      <a:schemeClr val="tx1"/>
-    </dgm:txFillClrLst>
-    <dgm:txEffectClrLst/>
-  </dgm:styleLbl>
-  <dgm:styleLbl name="parChTrans1D4">
-    <dgm:fillClrLst meth="repeat">
-      <a:schemeClr val="accent1">
-        <a:tint val="70000"/>
-      </a:schemeClr>
-    </dgm:fillClrLst>
-    <dgm:linClrLst meth="repeat">
-      <a:schemeClr val="accent1">
-        <a:tint val="70000"/>
-      </a:schemeClr>
-    </dgm:linClrLst>
-    <dgm:effectClrLst/>
-    <dgm:txLinClrLst/>
-    <dgm:txFillClrLst meth="repeat">
-      <a:schemeClr val="tx1"/>
-    </dgm:txFillClrLst>
-    <dgm:txEffectClrLst/>
-  </dgm:styleLbl>
-  <dgm:styleLbl name="fgAcc1">
-    <dgm:fillClrLst meth="repeat">
-      <a:schemeClr val="lt1">
-        <a:alpha val="90000"/>
-      </a:schemeClr>
-    </dgm:fillClrLst>
-    <dgm:linClrLst>
-      <a:schemeClr val="accent1">
-        <a:shade val="80000"/>
-      </a:schemeClr>
-      <a:schemeClr val="accent1">
-        <a:tint val="70000"/>
-      </a:schemeClr>
-    </dgm:linClrLst>
-    <dgm:effectClrLst/>
-    <dgm:txLinClrLst/>
-    <dgm:txFillClrLst meth="repeat">
-      <a:schemeClr val="dk1"/>
-    </dgm:txFillClrLst>
-    <dgm:txEffectClrLst/>
-  </dgm:styleLbl>
-  <dgm:styleLbl name="conFgAcc1">
-    <dgm:fillClrLst meth="repeat">
-      <a:schemeClr val="lt1">
-        <a:alpha val="90000"/>
-      </a:schemeClr>
-    </dgm:fillClrLst>
-    <dgm:linClrLst>
-      <a:schemeClr val="accent1">
-        <a:shade val="80000"/>
-      </a:schemeClr>
-      <a:schemeClr val="accent1">
-        <a:tint val="70000"/>
-      </a:schemeClr>
-    </dgm:linClrLst>
-    <dgm:effectClrLst/>
-    <dgm:txLinClrLst/>
-    <dgm:txFillClrLst meth="repeat">
-      <a:schemeClr val="dk1"/>
-    </dgm:txFillClrLst>
-    <dgm:txEffectClrLst/>
-  </dgm:styleLbl>
-  <dgm:styleLbl name="alignAcc1">
-    <dgm:fillClrLst meth="repeat">
-      <a:schemeClr val="lt1">
-        <a:alpha val="90000"/>
-      </a:schemeClr>
-    </dgm:fillClrLst>
-    <dgm:linClrLst>
-      <a:schemeClr val="accent1">
-        <a:shade val="80000"/>
-      </a:schemeClr>
-      <a:schemeClr val="accent1">
-        <a:tint val="70000"/>
-      </a:schemeClr>
-    </dgm:linClrLst>
-    <dgm:effectClrLst/>
-    <dgm:txLinClrLst/>
-    <dgm:txFillClrLst meth="repeat">
-      <a:schemeClr val="dk1"/>
-    </dgm:txFillClrLst>
-    <dgm:txEffectClrLst/>
-  </dgm:styleLbl>
-  <dgm:styleLbl name="trAlignAcc1">
-    <dgm:fillClrLst meth="repeat">
-      <a:schemeClr val="lt1">
-        <a:alpha val="40000"/>
-      </a:schemeClr>
-    </dgm:fillClrLst>
-    <dgm:linClrLst meth="repeat">
-      <a:schemeClr val="accent1"/>
-    </dgm:linClrLst>
-    <dgm:effectClrLst/>
-    <dgm:txLinClrLst/>
-    <dgm:txFillClrLst meth="repeat">
-      <a:schemeClr val="dk1"/>
-    </dgm:txFillClrLst>
-    <dgm:txEffectClrLst/>
-  </dgm:styleLbl>
-  <dgm:styleLbl name="bgAcc1">
-    <dgm:fillClrLst meth="repeat">
-      <a:schemeClr val="lt1">
-        <a:alpha val="90000"/>
-      </a:schemeClr>
-    </dgm:fillClrLst>
-    <dgm:linClrLst>
-      <a:schemeClr val="accent1">
-        <a:shade val="80000"/>
-      </a:schemeClr>
-      <a:schemeClr val="accent1">
-        <a:tint val="70000"/>
-      </a:schemeClr>
-    </dgm:linClrLst>
-    <dgm:effectClrLst/>
-    <dgm:txLinClrLst/>
-    <dgm:txFillClrLst meth="repeat">
-      <a:schemeClr val="dk1"/>
-    </dgm:txFillClrLst>
-    <dgm:txEffectClrLst/>
-  </dgm:styleLbl>
-  <dgm:styleLbl name="solidFgAcc1">
-    <dgm:fillClrLst meth="repeat">
-      <a:schemeClr val="lt1"/>
-    </dgm:fillClrLst>
-    <dgm:linClrLst>
-      <a:schemeClr val="accent1">
-        <a:shade val="80000"/>
-      </a:schemeClr>
-      <a:schemeClr val="accent1">
-        <a:tint val="70000"/>
-      </a:schemeClr>
-    </dgm:linClrLst>
-    <dgm:effectClrLst/>
-    <dgm:txLinClrLst/>
-    <dgm:txFillClrLst meth="repeat">
-      <a:schemeClr val="dk1"/>
-    </dgm:txFillClrLst>
-    <dgm:txEffectClrLst/>
-  </dgm:styleLbl>
-  <dgm:styleLbl name="solidAlignAcc1">
-    <dgm:fillClrLst meth="repeat">
-      <a:schemeClr val="lt1"/>
-    </dgm:fillClrLst>
-    <dgm:linClrLst meth="repeat">
-      <a:schemeClr val="accent1"/>
-    </dgm:linClrLst>
-    <dgm:effectClrLst/>
-    <dgm:txLinClrLst/>
-    <dgm:txFillClrLst meth="repeat">
-      <a:schemeClr val="dk1"/>
-    </dgm:txFillClrLst>
-    <dgm:txEffectClrLst/>
-  </dgm:styleLbl>
-  <dgm:styleLbl name="solidBgAcc1">
-    <dgm:fillClrLst meth="repeat">
-      <a:schemeClr val="lt1"/>
-    </dgm:fillClrLst>
-    <dgm:linClrLst meth="repeat">
-      <a:schemeClr val="accent1"/>
-    </dgm:linClrLst>
-    <dgm:effectClrLst/>
-    <dgm:txLinClrLst/>
-    <dgm:txFillClrLst meth="repeat">
-      <a:schemeClr val="dk1"/>
-    </dgm:txFillClrLst>
-    <dgm:txEffectClrLst/>
-  </dgm:styleLbl>
-  <dgm:styleLbl name="fgAccFollowNode1">
-    <dgm:fillClrLst meth="repeat">
-      <a:schemeClr val="accent1">
-        <a:alpha val="90000"/>
-        <a:tint val="40000"/>
-      </a:schemeClr>
-    </dgm:fillClrLst>
-    <dgm:linClrLst meth="repeat">
-      <a:schemeClr val="accent1">
-        <a:alpha val="90000"/>
-        <a:tint val="40000"/>
-      </a:schemeClr>
-    </dgm:linClrLst>
-    <dgm:effectClrLst/>
-    <dgm:txLinClrLst/>
-    <dgm:txFillClrLst meth="repeat">
-      <a:schemeClr val="dk1"/>
-    </dgm:txFillClrLst>
-    <dgm:txEffectClrLst/>
-  </dgm:styleLbl>
-  <dgm:styleLbl name="alignAccFollowNode1">
-    <dgm:fillClrLst meth="repeat">
-      <a:schemeClr val="accent1">
-        <a:alpha val="90000"/>
-        <a:tint val="40000"/>
-      </a:schemeClr>
-    </dgm:fillClrLst>
-    <dgm:linClrLst meth="repeat">
-      <a:schemeClr val="accent1">
-        <a:alpha val="90000"/>
-        <a:tint val="40000"/>
-      </a:schemeClr>
-    </dgm:linClrLst>
-    <dgm:effectClrLst/>
-    <dgm:txLinClrLst/>
-    <dgm:txFillClrLst meth="repeat">
-      <a:schemeClr val="dk1"/>
-    </dgm:txFillClrLst>
-    <dgm:txEffectClrLst/>
-  </dgm:styleLbl>
-  <dgm:styleLbl name="bgAccFollowNode1">
-    <dgm:fillClrLst meth="repeat">
-      <a:schemeClr val="accent1">
-        <a:alpha val="90000"/>
-        <a:tint val="40000"/>
-      </a:schemeClr>
-    </dgm:fillClrLst>
-    <dgm:linClrLst meth="repeat">
-      <a:schemeClr val="lt1"/>
-    </dgm:linClrLst>
-    <dgm:effectClrLst/>
-    <dgm:txLinClrLst/>
-    <dgm:txFillClrLst meth="repeat">
-      <a:schemeClr val="dk1"/>
-    </dgm:txFillClrLst>
-    <dgm:txEffectClrLst/>
-  </dgm:styleLbl>
-  <dgm:styleLbl name="fgAcc0">
-    <dgm:fillClrLst meth="repeat">
-      <a:schemeClr val="lt1">
-        <a:alpha val="90000"/>
-      </a:schemeClr>
-    </dgm:fillClrLst>
-    <dgm:linClrLst meth="repeat">
-      <a:schemeClr val="accent1">
-        <a:shade val="80000"/>
-      </a:schemeClr>
-    </dgm:linClrLst>
-    <dgm:effectClrLst/>
-    <dgm:txLinClrLst/>
-    <dgm:txFillClrLst meth="repeat">
-      <a:schemeClr val="dk1"/>
-    </dgm:txFillClrLst>
-    <dgm:txEffectClrLst/>
-  </dgm:styleLbl>
-  <dgm:styleLbl name="fgAcc2">
-    <dgm:fillClrLst meth="repeat">
-      <a:schemeClr val="lt1">
-        <a:alpha val="90000"/>
-      </a:schemeClr>
-    </dgm:fillClrLst>
-    <dgm:linClrLst meth="repeat">
-      <a:schemeClr val="accent1">
-        <a:tint val="99000"/>
-      </a:schemeClr>
-    </dgm:linClrLst>
-    <dgm:effectClrLst/>
-    <dgm:txLinClrLst/>
-    <dgm:txFillClrLst meth="repeat">
-      <a:schemeClr val="dk1"/>
-    </dgm:txFillClrLst>
-    <dgm:txEffectClrLst/>
-  </dgm:styleLbl>
-  <dgm:styleLbl name="fgAcc3">
-    <dgm:fillClrLst meth="repeat">
-      <a:schemeClr val="lt1">
-        <a:alpha val="90000"/>
-      </a:schemeClr>
-    </dgm:fillClrLst>
-    <dgm:linClrLst meth="repeat">
-      <a:schemeClr val="accent1">
-        <a:tint val="80000"/>
-      </a:schemeClr>
-    </dgm:linClrLst>
-    <dgm:effectClrLst/>
-    <dgm:txLinClrLst/>
-    <dgm:txFillClrLst meth="repeat">
-      <a:schemeClr val="dk1"/>
-    </dgm:txFillClrLst>
-    <dgm:txEffectClrLst/>
-  </dgm:styleLbl>
-  <dgm:styleLbl name="fgAcc4">
-    <dgm:fillClrLst meth="repeat">
-      <a:schemeClr val="lt1">
-        <a:alpha val="90000"/>
-      </a:schemeClr>
-    </dgm:fillClrLst>
-    <dgm:linClrLst meth="repeat">
-      <a:schemeClr val="accent1">
-        <a:tint val="70000"/>
-      </a:schemeClr>
-    </dgm:linClrLst>
-    <dgm:effectClrLst/>
-    <dgm:txLinClrLst/>
-    <dgm:txFillClrLst meth="repeat">
-      <a:schemeClr val="dk1"/>
-    </dgm:txFillClrLst>
-    <dgm:txEffectClrLst/>
-  </dgm:styleLbl>
-  <dgm:styleLbl name="bgShp">
-    <dgm:fillClrLst meth="repeat">
-      <a:schemeClr val="accent1">
-        <a:tint val="40000"/>
-      </a:schemeClr>
-    </dgm:fillClrLst>
-    <dgm:linClrLst meth="repeat">
-      <a:schemeClr val="dk1"/>
-    </dgm:linClrLst>
-    <dgm:effectClrLst/>
-    <dgm:txLinClrLst/>
-    <dgm:txFillClrLst meth="repeat">
-      <a:schemeClr val="dk1"/>
-    </dgm:txFillClrLst>
-    <dgm:txEffectClrLst/>
-  </dgm:styleLbl>
-  <dgm:styleLbl name="dkBgShp">
-    <dgm:fillClrLst meth="repeat">
-      <a:schemeClr val="accent1">
-        <a:shade val="90000"/>
-      </a:schemeClr>
-    </dgm:fillClrLst>
-    <dgm:linClrLst meth="repeat">
-      <a:schemeClr val="dk1"/>
-    </dgm:linClrLst>
-    <dgm:effectClrLst/>
-    <dgm:txLinClrLst/>
-    <dgm:txFillClrLst meth="repeat">
-      <a:schemeClr val="lt1"/>
-    </dgm:txFillClrLst>
-    <dgm:txEffectClrLst/>
-  </dgm:styleLbl>
-  <dgm:styleLbl name="trBgShp">
-    <dgm:fillClrLst meth="repeat">
-      <a:schemeClr val="accent1">
-        <a:tint val="50000"/>
-        <a:alpha val="40000"/>
-      </a:schemeClr>
-    </dgm:fillClrLst>
-    <dgm:linClrLst meth="repeat">
-      <a:schemeClr val="accent1"/>
-    </dgm:linClrLst>
-    <dgm:effectClrLst/>
-    <dgm:txLinClrLst/>
-    <dgm:txFillClrLst meth="repeat">
-      <a:schemeClr val="lt1"/>
-    </dgm:txFillClrLst>
-    <dgm:txEffectClrLst/>
-  </dgm:styleLbl>
-  <dgm:styleLbl name="fgShp">
-    <dgm:fillClrLst meth="repeat">
-      <a:schemeClr val="accent1">
-        <a:tint val="40000"/>
-      </a:schemeClr>
-    </dgm:fillClrLst>
-    <dgm:linClrLst meth="repeat">
-      <a:schemeClr val="lt1"/>
-    </dgm:linClrLst>
-    <dgm:effectClrLst/>
-    <dgm:txLinClrLst/>
-    <dgm:txFillClrLst meth="repeat">
-      <a:schemeClr val="dk1"/>
-    </dgm:txFillClrLst>
-    <dgm:txEffectClrLst/>
-  </dgm:styleLbl>
-  <dgm:styleLbl name="revTx">
-    <dgm:fillClrLst meth="repeat">
-      <a:schemeClr val="lt1">
-        <a:alpha val="0"/>
-      </a:schemeClr>
-    </dgm:fillClrLst>
-    <dgm:linClrLst meth="repeat">
-      <a:schemeClr val="dk1">
-        <a:alpha val="0"/>
-      </a:schemeClr>
-    </dgm:linClrLst>
-    <dgm:effectClrLst/>
-    <dgm:txLinClrLst/>
-    <dgm:txFillClrLst meth="repeat">
-      <a:schemeClr val="tx1"/>
-    </dgm:txFillClrLst>
-    <dgm:txEffectClrLst/>
-  </dgm:styleLbl>
-</dgm:colorsDef>
-</file>
-
 <file path=ppt/diagrams/data1.xml><?xml version="1.0" encoding="utf-8"?>
 <dgm:dataModel xmlns:dgm="http://schemas.openxmlformats.org/drawingml/2006/diagram" xmlns:a="http://schemas.openxmlformats.org/drawingml/2006/main">
   <dgm:ptLst>
@@ -2477,428 +1208,6 @@
     <dgm:cxn modelId="{483C3DA0-8BA3-4286-B107-77108C4B97CE}" type="presParOf" srcId="{1AF3A3BE-DB29-4725-B3CE-A44C19686F4D}" destId="{F273C22F-D6A1-46D9-8A1C-E0E8E04BE23D}" srcOrd="3" destOrd="0" presId="urn:microsoft.com/office/officeart/2005/8/layout/vList5"/>
     <dgm:cxn modelId="{775046D7-6EB7-4B7A-9567-BA85569EECA2}" type="presParOf" srcId="{1AF3A3BE-DB29-4725-B3CE-A44C19686F4D}" destId="{7560A714-7926-40A6-89CA-1A381D2F28B9}" srcOrd="4" destOrd="0" presId="urn:microsoft.com/office/officeart/2005/8/layout/vList5"/>
     <dgm:cxn modelId="{F79BF773-BBB7-40DF-9209-23E6F5E0413F}" type="presParOf" srcId="{7560A714-7926-40A6-89CA-1A381D2F28B9}" destId="{E93DC463-2BAA-4782-BC1C-E9CAE91C05B4}" srcOrd="0" destOrd="0" presId="urn:microsoft.com/office/officeart/2005/8/layout/vList5"/>
-  </dgm:cxnLst>
-  <dgm:bg/>
-  <dgm:whole/>
-  <dgm:extLst>
-    <a:ext uri="http://schemas.microsoft.com/office/drawing/2008/diagram">
-      <dsp:dataModelExt xmlns:dsp="http://schemas.microsoft.com/office/drawing/2008/diagram" relId="rId6" minVer="http://schemas.openxmlformats.org/drawingml/2006/diagram"/>
-    </a:ext>
-  </dgm:extLst>
-</dgm:dataModel>
-</file>
-
-<file path=ppt/diagrams/data2.xml><?xml version="1.0" encoding="utf-8"?>
-<dgm:dataModel xmlns:dgm="http://schemas.openxmlformats.org/drawingml/2006/diagram" xmlns:a="http://schemas.openxmlformats.org/drawingml/2006/main">
-  <dgm:ptLst>
-    <dgm:pt modelId="{7C8D75FB-44B4-4D58-9D1B-A90B582CF886}" type="doc">
-      <dgm:prSet loTypeId="urn:microsoft.com/office/officeart/2005/8/layout/vList2" loCatId="list" qsTypeId="urn:microsoft.com/office/officeart/2005/8/quickstyle/simple4" qsCatId="simple" csTypeId="urn:microsoft.com/office/officeart/2005/8/colors/accent1_3" csCatId="accent1" phldr="1"/>
-      <dgm:spPr/>
-      <dgm:t>
-        <a:bodyPr/>
-        <a:lstStyle/>
-        <a:p>
-          <a:endParaRPr lang="zh-CN"/>
-        </a:p>
-      </dgm:t>
-    </dgm:pt>
-    <dgm:pt modelId="{01319AA5-B50C-4D90-A905-F300549B66ED}">
-      <dgm:prSet phldrT="[文本]"/>
-      <dgm:spPr/>
-      <dgm:t>
-        <a:bodyPr/>
-        <a:lstStyle/>
-        <a:p>
-          <a:r>
-            <a:rPr lang="zh-CN">
-              <a:latin typeface="微软雅黑" pitchFamily="34" charset="-122"/>
-              <a:ea typeface="微软雅黑" pitchFamily="34" charset="-122"/>
-            </a:rPr>
-            <a:t>组 A</a:t>
-          </a:r>
-        </a:p>
-      </dgm:t>
-    </dgm:pt>
-    <dgm:pt modelId="{815CECC5-8315-43F1-880A-E29B71867343}" type="parTrans" cxnId="{4992C860-D087-47F1-8EF3-AB34EA0F6D11}">
-      <dgm:prSet/>
-      <dgm:spPr/>
-      <dgm:t>
-        <a:bodyPr/>
-        <a:lstStyle/>
-        <a:p>
-          <a:endParaRPr lang="zh-CN"/>
-        </a:p>
-      </dgm:t>
-    </dgm:pt>
-    <dgm:pt modelId="{37E2493A-1961-4F19-8AC5-E2FE83AFB115}" type="sibTrans" cxnId="{4992C860-D087-47F1-8EF3-AB34EA0F6D11}">
-      <dgm:prSet/>
-      <dgm:spPr/>
-      <dgm:t>
-        <a:bodyPr/>
-        <a:lstStyle/>
-        <a:p>
-          <a:endParaRPr lang="zh-CN"/>
-        </a:p>
-      </dgm:t>
-    </dgm:pt>
-    <dgm:pt modelId="{1959B001-6CBB-4443-A3A1-15167EA1BD3C}">
-      <dgm:prSet phldrT="[文本]"/>
-      <dgm:spPr/>
-      <dgm:t>
-        <a:bodyPr/>
-        <a:lstStyle/>
-        <a:p>
-          <a:r>
-            <a:rPr lang="zh-CN">
-              <a:latin typeface="微软雅黑" pitchFamily="34" charset="-122"/>
-              <a:ea typeface="微软雅黑" pitchFamily="34" charset="-122"/>
-            </a:rPr>
-            <a:t>步骤 1</a:t>
-          </a:r>
-        </a:p>
-      </dgm:t>
-    </dgm:pt>
-    <dgm:pt modelId="{248919A7-E7A3-4508-B9A7-6B0A3D5FAB1C}" type="parTrans" cxnId="{A8589EA5-6583-4136-8929-CC0003F52FE4}">
-      <dgm:prSet/>
-      <dgm:spPr/>
-      <dgm:t>
-        <a:bodyPr/>
-        <a:lstStyle/>
-        <a:p>
-          <a:endParaRPr lang="zh-CN"/>
-        </a:p>
-      </dgm:t>
-    </dgm:pt>
-    <dgm:pt modelId="{AF52E228-29E9-4C2B-9095-1FEDA0228ABC}" type="sibTrans" cxnId="{A8589EA5-6583-4136-8929-CC0003F52FE4}">
-      <dgm:prSet/>
-      <dgm:spPr/>
-      <dgm:t>
-        <a:bodyPr/>
-        <a:lstStyle/>
-        <a:p>
-          <a:endParaRPr lang="zh-CN"/>
-        </a:p>
-      </dgm:t>
-    </dgm:pt>
-    <dgm:pt modelId="{B10C8BE2-5594-4485-87C0-8B2EA38F8ED3}">
-      <dgm:prSet phldrT="[文本]"/>
-      <dgm:spPr/>
-      <dgm:t>
-        <a:bodyPr/>
-        <a:lstStyle/>
-        <a:p>
-          <a:r>
-            <a:rPr lang="zh-CN" dirty="0">
-              <a:latin typeface="微软雅黑" pitchFamily="34" charset="-122"/>
-              <a:ea typeface="微软雅黑" pitchFamily="34" charset="-122"/>
-            </a:rPr>
-            <a:t>步骤 2</a:t>
-          </a:r>
-        </a:p>
-      </dgm:t>
-    </dgm:pt>
-    <dgm:pt modelId="{2A78F060-55A8-4D16-BC42-22BFA6BF59A6}" type="parTrans" cxnId="{836E7CB1-66DA-47A7-8B90-7E7F66F8F79A}">
-      <dgm:prSet/>
-      <dgm:spPr/>
-      <dgm:t>
-        <a:bodyPr/>
-        <a:lstStyle/>
-        <a:p>
-          <a:endParaRPr lang="zh-CN"/>
-        </a:p>
-      </dgm:t>
-    </dgm:pt>
-    <dgm:pt modelId="{5EF26A01-4B3D-406D-BB6E-BBF36BB4AAF8}" type="sibTrans" cxnId="{836E7CB1-66DA-47A7-8B90-7E7F66F8F79A}">
-      <dgm:prSet/>
-      <dgm:spPr/>
-      <dgm:t>
-        <a:bodyPr/>
-        <a:lstStyle/>
-        <a:p>
-          <a:endParaRPr lang="zh-CN"/>
-        </a:p>
-      </dgm:t>
-    </dgm:pt>
-    <dgm:pt modelId="{F7D06F7A-0507-413E-B51D-4A8FB4E65DF0}">
-      <dgm:prSet phldrT="[文本]"/>
-      <dgm:spPr/>
-      <dgm:t>
-        <a:bodyPr/>
-        <a:lstStyle/>
-        <a:p>
-          <a:r>
-            <a:rPr lang="zh-CN">
-              <a:latin typeface="微软雅黑" pitchFamily="34" charset="-122"/>
-              <a:ea typeface="微软雅黑" pitchFamily="34" charset="-122"/>
-            </a:rPr>
-            <a:t>组 B</a:t>
-          </a:r>
-        </a:p>
-      </dgm:t>
-    </dgm:pt>
-    <dgm:pt modelId="{A650A600-F128-47D0-815E-0BEF7B38FABB}" type="parTrans" cxnId="{0457F374-147A-4B3E-9EE1-4BB5E2FA8572}">
-      <dgm:prSet/>
-      <dgm:spPr/>
-      <dgm:t>
-        <a:bodyPr/>
-        <a:lstStyle/>
-        <a:p>
-          <a:endParaRPr lang="zh-CN"/>
-        </a:p>
-      </dgm:t>
-    </dgm:pt>
-    <dgm:pt modelId="{2BBC0394-1F1B-433D-A8CE-02D4DA57EBE1}" type="sibTrans" cxnId="{0457F374-147A-4B3E-9EE1-4BB5E2FA8572}">
-      <dgm:prSet/>
-      <dgm:spPr/>
-      <dgm:t>
-        <a:bodyPr/>
-        <a:lstStyle/>
-        <a:p>
-          <a:endParaRPr lang="zh-CN"/>
-        </a:p>
-      </dgm:t>
-    </dgm:pt>
-    <dgm:pt modelId="{70A5F71C-4AC4-4481-BCE8-951280474C5F}">
-      <dgm:prSet phldrT="[文本]"/>
-      <dgm:spPr/>
-      <dgm:t>
-        <a:bodyPr/>
-        <a:lstStyle/>
-        <a:p>
-          <a:r>
-            <a:rPr lang="zh-CN" dirty="0">
-              <a:latin typeface="微软雅黑" pitchFamily="34" charset="-122"/>
-              <a:ea typeface="微软雅黑" pitchFamily="34" charset="-122"/>
-            </a:rPr>
-            <a:t>步骤 3</a:t>
-          </a:r>
-        </a:p>
-      </dgm:t>
-    </dgm:pt>
-    <dgm:pt modelId="{F7944426-3F37-45F4-AFCD-A2B13B656836}" type="parTrans" cxnId="{FFD5F20A-FC4D-40DB-B861-AF9524AAC66E}">
-      <dgm:prSet/>
-      <dgm:spPr/>
-      <dgm:t>
-        <a:bodyPr/>
-        <a:lstStyle/>
-        <a:p>
-          <a:endParaRPr lang="zh-CN"/>
-        </a:p>
-      </dgm:t>
-    </dgm:pt>
-    <dgm:pt modelId="{742CEB09-A582-437B-8803-133CF6A08D50}" type="sibTrans" cxnId="{FFD5F20A-FC4D-40DB-B861-AF9524AAC66E}">
-      <dgm:prSet/>
-      <dgm:spPr/>
-      <dgm:t>
-        <a:bodyPr/>
-        <a:lstStyle/>
-        <a:p>
-          <a:endParaRPr lang="zh-CN"/>
-        </a:p>
-      </dgm:t>
-    </dgm:pt>
-    <dgm:pt modelId="{80A6D6DF-A255-4F3B-963E-859C77C2EE21}">
-      <dgm:prSet phldrT="[文本]"/>
-      <dgm:spPr/>
-      <dgm:t>
-        <a:bodyPr/>
-        <a:lstStyle/>
-        <a:p>
-          <a:r>
-            <a:rPr lang="zh-CN">
-              <a:latin typeface="微软雅黑" pitchFamily="34" charset="-122"/>
-              <a:ea typeface="微软雅黑" pitchFamily="34" charset="-122"/>
-            </a:rPr>
-            <a:t>步骤 4</a:t>
-          </a:r>
-        </a:p>
-      </dgm:t>
-    </dgm:pt>
-    <dgm:pt modelId="{CA76610A-3CD7-402C-ACC3-93A466B36091}" type="parTrans" cxnId="{100C389D-E00B-46E7-97F0-D3BCF758F321}">
-      <dgm:prSet/>
-      <dgm:spPr/>
-      <dgm:t>
-        <a:bodyPr/>
-        <a:lstStyle/>
-        <a:p>
-          <a:endParaRPr lang="zh-CN"/>
-        </a:p>
-      </dgm:t>
-    </dgm:pt>
-    <dgm:pt modelId="{0F1C71DB-C26D-4EFC-8FA1-26BCF4A7A4F9}" type="sibTrans" cxnId="{100C389D-E00B-46E7-97F0-D3BCF758F321}">
-      <dgm:prSet/>
-      <dgm:spPr/>
-      <dgm:t>
-        <a:bodyPr/>
-        <a:lstStyle/>
-        <a:p>
-          <a:endParaRPr lang="zh-CN"/>
-        </a:p>
-      </dgm:t>
-    </dgm:pt>
-    <dgm:pt modelId="{B03A1E7D-E820-4125-9CB4-2656AAF49B44}">
-      <dgm:prSet phldrT="[文本]"/>
-      <dgm:spPr/>
-      <dgm:t>
-        <a:bodyPr/>
-        <a:lstStyle/>
-        <a:p>
-          <a:r>
-            <a:rPr lang="zh-CN">
-              <a:latin typeface="微软雅黑" pitchFamily="34" charset="-122"/>
-              <a:ea typeface="微软雅黑" pitchFamily="34" charset="-122"/>
-            </a:rPr>
-            <a:t>组 C</a:t>
-          </a:r>
-        </a:p>
-      </dgm:t>
-    </dgm:pt>
-    <dgm:pt modelId="{F35AD03D-8149-4C7A-9B23-46999FF7CFF1}" type="parTrans" cxnId="{147A4DF6-5996-43AB-AAE3-13486945608F}">
-      <dgm:prSet/>
-      <dgm:spPr/>
-      <dgm:t>
-        <a:bodyPr/>
-        <a:lstStyle/>
-        <a:p>
-          <a:endParaRPr lang="zh-CN"/>
-        </a:p>
-      </dgm:t>
-    </dgm:pt>
-    <dgm:pt modelId="{B6B9FA1C-DDDA-435E-B569-6CFE6E30B115}" type="sibTrans" cxnId="{147A4DF6-5996-43AB-AAE3-13486945608F}">
-      <dgm:prSet/>
-      <dgm:spPr/>
-      <dgm:t>
-        <a:bodyPr/>
-        <a:lstStyle/>
-        <a:p>
-          <a:endParaRPr lang="zh-CN"/>
-        </a:p>
-      </dgm:t>
-    </dgm:pt>
-    <dgm:pt modelId="{A48082CE-A9F3-4417-8FE2-6DF4D3ED37A7}">
-      <dgm:prSet phldrT="[文本]"/>
-      <dgm:spPr/>
-      <dgm:t>
-        <a:bodyPr/>
-        <a:lstStyle/>
-        <a:p>
-          <a:r>
-            <a:rPr lang="zh-CN" dirty="0">
-              <a:latin typeface="微软雅黑" pitchFamily="34" charset="-122"/>
-              <a:ea typeface="微软雅黑" pitchFamily="34" charset="-122"/>
-            </a:rPr>
-            <a:t>步骤 5</a:t>
-          </a:r>
-        </a:p>
-      </dgm:t>
-    </dgm:pt>
-    <dgm:pt modelId="{A938A158-6689-44EB-B5D2-C61FFB1E7C59}" type="parTrans" cxnId="{2DA6EB4C-F7D3-4C2E-B307-B492179FA735}">
-      <dgm:prSet/>
-      <dgm:spPr/>
-      <dgm:t>
-        <a:bodyPr/>
-        <a:lstStyle/>
-        <a:p>
-          <a:endParaRPr lang="zh-CN"/>
-        </a:p>
-      </dgm:t>
-    </dgm:pt>
-    <dgm:pt modelId="{059C562E-277D-4B7C-B988-0E9CB9BD4A83}" type="sibTrans" cxnId="{2DA6EB4C-F7D3-4C2E-B307-B492179FA735}">
-      <dgm:prSet/>
-      <dgm:spPr/>
-      <dgm:t>
-        <a:bodyPr/>
-        <a:lstStyle/>
-        <a:p>
-          <a:endParaRPr lang="zh-CN"/>
-        </a:p>
-      </dgm:t>
-    </dgm:pt>
-    <dgm:pt modelId="{C4497D8F-7A7D-427C-8D16-8CB4F4A134BE}" type="pres">
-      <dgm:prSet presAssocID="{7C8D75FB-44B4-4D58-9D1B-A90B582CF886}" presName="linear" presStyleCnt="0">
-        <dgm:presLayoutVars>
-          <dgm:animLvl val="lvl"/>
-          <dgm:resizeHandles val="exact"/>
-        </dgm:presLayoutVars>
-      </dgm:prSet>
-      <dgm:spPr/>
-    </dgm:pt>
-    <dgm:pt modelId="{FDD36B4F-5AEE-493A-A2C7-D255F33D7ED0}" type="pres">
-      <dgm:prSet presAssocID="{01319AA5-B50C-4D90-A905-F300549B66ED}" presName="parentText" presStyleLbl="node1" presStyleIdx="0" presStyleCnt="3">
-        <dgm:presLayoutVars>
-          <dgm:chMax val="0"/>
-          <dgm:bulletEnabled val="1"/>
-        </dgm:presLayoutVars>
-      </dgm:prSet>
-      <dgm:spPr/>
-    </dgm:pt>
-    <dgm:pt modelId="{802F44E0-5600-49C0-9614-DDE06230BCAB}" type="pres">
-      <dgm:prSet presAssocID="{01319AA5-B50C-4D90-A905-F300549B66ED}" presName="childText" presStyleLbl="revTx" presStyleIdx="0" presStyleCnt="3">
-        <dgm:presLayoutVars>
-          <dgm:bulletEnabled val="1"/>
-        </dgm:presLayoutVars>
-      </dgm:prSet>
-      <dgm:spPr/>
-    </dgm:pt>
-    <dgm:pt modelId="{7A49BB88-7937-485F-959B-601F5C9ED20D}" type="pres">
-      <dgm:prSet presAssocID="{F7D06F7A-0507-413E-B51D-4A8FB4E65DF0}" presName="parentText" presStyleLbl="node1" presStyleIdx="1" presStyleCnt="3">
-        <dgm:presLayoutVars>
-          <dgm:chMax val="0"/>
-          <dgm:bulletEnabled val="1"/>
-        </dgm:presLayoutVars>
-      </dgm:prSet>
-      <dgm:spPr/>
-    </dgm:pt>
-    <dgm:pt modelId="{17D08123-0351-4A0B-A02F-825F3E29B603}" type="pres">
-      <dgm:prSet presAssocID="{F7D06F7A-0507-413E-B51D-4A8FB4E65DF0}" presName="childText" presStyleLbl="revTx" presStyleIdx="1" presStyleCnt="3">
-        <dgm:presLayoutVars>
-          <dgm:bulletEnabled val="1"/>
-        </dgm:presLayoutVars>
-      </dgm:prSet>
-      <dgm:spPr/>
-    </dgm:pt>
-    <dgm:pt modelId="{C97C8A5C-B9F6-4FDA-BF74-97BAB2625D71}" type="pres">
-      <dgm:prSet presAssocID="{B03A1E7D-E820-4125-9CB4-2656AAF49B44}" presName="parentText" presStyleLbl="node1" presStyleIdx="2" presStyleCnt="3">
-        <dgm:presLayoutVars>
-          <dgm:chMax val="0"/>
-          <dgm:bulletEnabled val="1"/>
-        </dgm:presLayoutVars>
-      </dgm:prSet>
-      <dgm:spPr/>
-    </dgm:pt>
-    <dgm:pt modelId="{70F98462-E34E-4F2B-801C-AD9B11C4B7C8}" type="pres">
-      <dgm:prSet presAssocID="{B03A1E7D-E820-4125-9CB4-2656AAF49B44}" presName="childText" presStyleLbl="revTx" presStyleIdx="2" presStyleCnt="3">
-        <dgm:presLayoutVars>
-          <dgm:bulletEnabled val="1"/>
-        </dgm:presLayoutVars>
-      </dgm:prSet>
-      <dgm:spPr/>
-    </dgm:pt>
-  </dgm:ptLst>
-  <dgm:cxnLst>
-    <dgm:cxn modelId="{F6D9C304-98EC-4FB6-A705-1F3FA8855CAE}" type="presOf" srcId="{70A5F71C-4AC4-4481-BCE8-951280474C5F}" destId="{17D08123-0351-4A0B-A02F-825F3E29B603}" srcOrd="0" destOrd="0" presId="urn:microsoft.com/office/officeart/2005/8/layout/vList2"/>
-    <dgm:cxn modelId="{FFD5F20A-FC4D-40DB-B861-AF9524AAC66E}" srcId="{F7D06F7A-0507-413E-B51D-4A8FB4E65DF0}" destId="{70A5F71C-4AC4-4481-BCE8-951280474C5F}" srcOrd="0" destOrd="0" parTransId="{F7944426-3F37-45F4-AFCD-A2B13B656836}" sibTransId="{742CEB09-A582-437B-8803-133CF6A08D50}"/>
-    <dgm:cxn modelId="{4992C860-D087-47F1-8EF3-AB34EA0F6D11}" srcId="{7C8D75FB-44B4-4D58-9D1B-A90B582CF886}" destId="{01319AA5-B50C-4D90-A905-F300549B66ED}" srcOrd="0" destOrd="0" parTransId="{815CECC5-8315-43F1-880A-E29B71867343}" sibTransId="{37E2493A-1961-4F19-8AC5-E2FE83AFB115}"/>
-    <dgm:cxn modelId="{63C39B4A-05E9-4B13-9A0B-C0173E501F11}" type="presOf" srcId="{B03A1E7D-E820-4125-9CB4-2656AAF49B44}" destId="{C97C8A5C-B9F6-4FDA-BF74-97BAB2625D71}" srcOrd="0" destOrd="0" presId="urn:microsoft.com/office/officeart/2005/8/layout/vList2"/>
-    <dgm:cxn modelId="{2DA6EB4C-F7D3-4C2E-B307-B492179FA735}" srcId="{B03A1E7D-E820-4125-9CB4-2656AAF49B44}" destId="{A48082CE-A9F3-4417-8FE2-6DF4D3ED37A7}" srcOrd="0" destOrd="0" parTransId="{A938A158-6689-44EB-B5D2-C61FFB1E7C59}" sibTransId="{059C562E-277D-4B7C-B988-0E9CB9BD4A83}"/>
-    <dgm:cxn modelId="{0457F374-147A-4B3E-9EE1-4BB5E2FA8572}" srcId="{7C8D75FB-44B4-4D58-9D1B-A90B582CF886}" destId="{F7D06F7A-0507-413E-B51D-4A8FB4E65DF0}" srcOrd="1" destOrd="0" parTransId="{A650A600-F128-47D0-815E-0BEF7B38FABB}" sibTransId="{2BBC0394-1F1B-433D-A8CE-02D4DA57EBE1}"/>
-    <dgm:cxn modelId="{FEFB489B-8B68-4E4D-921B-7A69E6C5D54E}" type="presOf" srcId="{1959B001-6CBB-4443-A3A1-15167EA1BD3C}" destId="{802F44E0-5600-49C0-9614-DDE06230BCAB}" srcOrd="0" destOrd="0" presId="urn:microsoft.com/office/officeart/2005/8/layout/vList2"/>
-    <dgm:cxn modelId="{100C389D-E00B-46E7-97F0-D3BCF758F321}" srcId="{F7D06F7A-0507-413E-B51D-4A8FB4E65DF0}" destId="{80A6D6DF-A255-4F3B-963E-859C77C2EE21}" srcOrd="1" destOrd="0" parTransId="{CA76610A-3CD7-402C-ACC3-93A466B36091}" sibTransId="{0F1C71DB-C26D-4EFC-8FA1-26BCF4A7A4F9}"/>
-    <dgm:cxn modelId="{B69AF5A1-BD25-4800-880A-E0045445B760}" type="presOf" srcId="{B10C8BE2-5594-4485-87C0-8B2EA38F8ED3}" destId="{802F44E0-5600-49C0-9614-DDE06230BCAB}" srcOrd="0" destOrd="1" presId="urn:microsoft.com/office/officeart/2005/8/layout/vList2"/>
-    <dgm:cxn modelId="{A8589EA5-6583-4136-8929-CC0003F52FE4}" srcId="{01319AA5-B50C-4D90-A905-F300549B66ED}" destId="{1959B001-6CBB-4443-A3A1-15167EA1BD3C}" srcOrd="0" destOrd="0" parTransId="{248919A7-E7A3-4508-B9A7-6B0A3D5FAB1C}" sibTransId="{AF52E228-29E9-4C2B-9095-1FEDA0228ABC}"/>
-    <dgm:cxn modelId="{836E7CB1-66DA-47A7-8B90-7E7F66F8F79A}" srcId="{01319AA5-B50C-4D90-A905-F300549B66ED}" destId="{B10C8BE2-5594-4485-87C0-8B2EA38F8ED3}" srcOrd="1" destOrd="0" parTransId="{2A78F060-55A8-4D16-BC42-22BFA6BF59A6}" sibTransId="{5EF26A01-4B3D-406D-BB6E-BBF36BB4AAF8}"/>
-    <dgm:cxn modelId="{A20C46B4-AAD9-4541-B478-FD0C206A6130}" type="presOf" srcId="{80A6D6DF-A255-4F3B-963E-859C77C2EE21}" destId="{17D08123-0351-4A0B-A02F-825F3E29B603}" srcOrd="0" destOrd="1" presId="urn:microsoft.com/office/officeart/2005/8/layout/vList2"/>
-    <dgm:cxn modelId="{4B0680BE-1045-4AA6-9C65-D364E4009CFE}" type="presOf" srcId="{7C8D75FB-44B4-4D58-9D1B-A90B582CF886}" destId="{C4497D8F-7A7D-427C-8D16-8CB4F4A134BE}" srcOrd="0" destOrd="0" presId="urn:microsoft.com/office/officeart/2005/8/layout/vList2"/>
-    <dgm:cxn modelId="{F1078CE0-BD7E-434B-87F7-829E4FCAA0AD}" type="presOf" srcId="{A48082CE-A9F3-4417-8FE2-6DF4D3ED37A7}" destId="{70F98462-E34E-4F2B-801C-AD9B11C4B7C8}" srcOrd="0" destOrd="0" presId="urn:microsoft.com/office/officeart/2005/8/layout/vList2"/>
-    <dgm:cxn modelId="{7C0CCFEF-2EB9-4931-982D-380DC0388B21}" type="presOf" srcId="{01319AA5-B50C-4D90-A905-F300549B66ED}" destId="{FDD36B4F-5AEE-493A-A2C7-D255F33D7ED0}" srcOrd="0" destOrd="0" presId="urn:microsoft.com/office/officeart/2005/8/layout/vList2"/>
-    <dgm:cxn modelId="{147A4DF6-5996-43AB-AAE3-13486945608F}" srcId="{7C8D75FB-44B4-4D58-9D1B-A90B582CF886}" destId="{B03A1E7D-E820-4125-9CB4-2656AAF49B44}" srcOrd="2" destOrd="0" parTransId="{F35AD03D-8149-4C7A-9B23-46999FF7CFF1}" sibTransId="{B6B9FA1C-DDDA-435E-B569-6CFE6E30B115}"/>
-    <dgm:cxn modelId="{166355F6-6B91-48F1-A486-7CB8E9C2899C}" type="presOf" srcId="{F7D06F7A-0507-413E-B51D-4A8FB4E65DF0}" destId="{7A49BB88-7937-485F-959B-601F5C9ED20D}" srcOrd="0" destOrd="0" presId="urn:microsoft.com/office/officeart/2005/8/layout/vList2"/>
-    <dgm:cxn modelId="{B6BC0906-9D79-4B2D-B324-A8AB6C41E128}" type="presParOf" srcId="{C4497D8F-7A7D-427C-8D16-8CB4F4A134BE}" destId="{FDD36B4F-5AEE-493A-A2C7-D255F33D7ED0}" srcOrd="0" destOrd="0" presId="urn:microsoft.com/office/officeart/2005/8/layout/vList2"/>
-    <dgm:cxn modelId="{9214B181-ECF6-4635-98FC-1E49559ABB80}" type="presParOf" srcId="{C4497D8F-7A7D-427C-8D16-8CB4F4A134BE}" destId="{802F44E0-5600-49C0-9614-DDE06230BCAB}" srcOrd="1" destOrd="0" presId="urn:microsoft.com/office/officeart/2005/8/layout/vList2"/>
-    <dgm:cxn modelId="{87DADC99-E4C7-4CF0-BC27-EF029FBAD394}" type="presParOf" srcId="{C4497D8F-7A7D-427C-8D16-8CB4F4A134BE}" destId="{7A49BB88-7937-485F-959B-601F5C9ED20D}" srcOrd="2" destOrd="0" presId="urn:microsoft.com/office/officeart/2005/8/layout/vList2"/>
-    <dgm:cxn modelId="{5FF06750-D34D-4F47-BAD0-5769E5DAFB30}" type="presParOf" srcId="{C4497D8F-7A7D-427C-8D16-8CB4F4A134BE}" destId="{17D08123-0351-4A0B-A02F-825F3E29B603}" srcOrd="3" destOrd="0" presId="urn:microsoft.com/office/officeart/2005/8/layout/vList2"/>
-    <dgm:cxn modelId="{C33292E0-E2D9-463B-B7FD-534D28235B65}" type="presParOf" srcId="{C4497D8F-7A7D-427C-8D16-8CB4F4A134BE}" destId="{C97C8A5C-B9F6-4FDA-BF74-97BAB2625D71}" srcOrd="4" destOrd="0" presId="urn:microsoft.com/office/officeart/2005/8/layout/vList2"/>
-    <dgm:cxn modelId="{47DBC6FC-27F7-4516-99A5-FA86D1F1352D}" type="presParOf" srcId="{C4497D8F-7A7D-427C-8D16-8CB4F4A134BE}" destId="{70F98462-E34E-4F2B-801C-AD9B11C4B7C8}" srcOrd="5" destOrd="0" presId="urn:microsoft.com/office/officeart/2005/8/layout/vList2"/>
   </dgm:cxnLst>
   <dgm:bg/>
   <dgm:whole/>
@@ -3229,542 +1538,6 @@
 </dsp:drawing>
 </file>
 
-<file path=ppt/diagrams/drawing2.xml><?xml version="1.0" encoding="utf-8"?>
-<dsp:drawing xmlns:dgm="http://schemas.openxmlformats.org/drawingml/2006/diagram" xmlns:dsp="http://schemas.microsoft.com/office/drawing/2008/diagram" xmlns:a="http://schemas.openxmlformats.org/drawingml/2006/main">
-  <dsp:spTree>
-    <dsp:nvGrpSpPr>
-      <dsp:cNvPr id="0" name=""/>
-      <dsp:cNvGrpSpPr/>
-    </dsp:nvGrpSpPr>
-    <dsp:grpSpPr/>
-    <dsp:sp modelId="{FDD36B4F-5AEE-493A-A2C7-D255F33D7ED0}">
-      <dsp:nvSpPr>
-        <dsp:cNvPr id="0" name=""/>
-        <dsp:cNvSpPr/>
-      </dsp:nvSpPr>
-      <dsp:spPr>
-        <a:xfrm>
-          <a:off x="0" y="10509"/>
-          <a:ext cx="6786562" cy="878377"/>
-        </a:xfrm>
-        <a:prstGeom prst="roundRect">
-          <a:avLst/>
-        </a:prstGeom>
-        <a:solidFill>
-          <a:schemeClr val="accent1">
-            <a:shade val="80000"/>
-            <a:hueOff val="0"/>
-            <a:satOff val="0"/>
-            <a:lumOff val="0"/>
-            <a:alphaOff val="0"/>
-          </a:schemeClr>
-        </a:solidFill>
-        <a:ln>
-          <a:noFill/>
-        </a:ln>
-        <a:effectLst>
-          <a:outerShdw blurRad="39999" dist="23000" dir="5400000" algn="bl" rotWithShape="0">
-            <a:srgbClr val="000000">
-              <a:alpha val="40000"/>
-            </a:srgbClr>
-          </a:outerShdw>
-        </a:effectLst>
-      </dsp:spPr>
-      <dsp:style>
-        <a:lnRef idx="0">
-          <a:scrgbClr r="0" g="0" b="0"/>
-        </a:lnRef>
-        <a:fillRef idx="3">
-          <a:scrgbClr r="0" g="0" b="0"/>
-        </a:fillRef>
-        <a:effectRef idx="2">
-          <a:scrgbClr r="0" g="0" b="0"/>
-        </a:effectRef>
-        <a:fontRef idx="minor">
-          <a:schemeClr val="lt1"/>
-        </a:fontRef>
-      </dsp:style>
-      <dsp:txBody>
-        <a:bodyPr spcFirstLastPara="0" vert="horz" wrap="square" lIns="106680" tIns="106680" rIns="106680" bIns="106680" numCol="1" spcCol="1270" anchor="ctr" anchorCtr="0">
-          <a:noAutofit/>
-        </a:bodyPr>
-        <a:lstStyle/>
-        <a:p>
-          <a:pPr marL="0" lvl="0" indent="0" algn="l" defTabSz="1244600">
-            <a:lnSpc>
-              <a:spcPct val="90000"/>
-            </a:lnSpc>
-            <a:spcBef>
-              <a:spcPct val="0"/>
-            </a:spcBef>
-            <a:spcAft>
-              <a:spcPct val="35000"/>
-            </a:spcAft>
-            <a:buNone/>
-          </a:pPr>
-          <a:r>
-            <a:rPr lang="zh-CN" altLang="en-US" sz="2800" kern="1200">
-              <a:latin typeface="微软雅黑" pitchFamily="34" charset="-122"/>
-              <a:ea typeface="微软雅黑" pitchFamily="34" charset="-122"/>
-            </a:rPr>
-            <a:t>组 </a:t>
-          </a:r>
-          <a:r>
-            <a:rPr lang="en-US" altLang="zh-CN" sz="2800" kern="1200">
-              <a:latin typeface="微软雅黑" pitchFamily="34" charset="-122"/>
-              <a:ea typeface="微软雅黑" pitchFamily="34" charset="-122"/>
-            </a:rPr>
-            <a:t>A</a:t>
-          </a:r>
-        </a:p>
-      </dsp:txBody>
-      <dsp:txXfrm>
-        <a:off x="42879" y="53388"/>
-        <a:ext cx="6700804" cy="792619"/>
-      </dsp:txXfrm>
-    </dsp:sp>
-    <dsp:sp modelId="{802F44E0-5600-49C0-9614-DDE06230BCAB}">
-      <dsp:nvSpPr>
-        <dsp:cNvPr id="0" name=""/>
-        <dsp:cNvSpPr/>
-      </dsp:nvSpPr>
-      <dsp:spPr>
-        <a:xfrm>
-          <a:off x="0" y="888887"/>
-          <a:ext cx="6786562" cy="1043280"/>
-        </a:xfrm>
-        <a:prstGeom prst="rect">
-          <a:avLst/>
-        </a:prstGeom>
-        <a:noFill/>
-        <a:ln>
-          <a:noFill/>
-        </a:ln>
-        <a:effectLst/>
-      </dsp:spPr>
-      <dsp:style>
-        <a:lnRef idx="0">
-          <a:scrgbClr r="0" g="0" b="0"/>
-        </a:lnRef>
-        <a:fillRef idx="0">
-          <a:scrgbClr r="0" g="0" b="0"/>
-        </a:fillRef>
-        <a:effectRef idx="0">
-          <a:scrgbClr r="0" g="0" b="0"/>
-        </a:effectRef>
-        <a:fontRef idx="minor"/>
-      </dsp:style>
-      <dsp:txBody>
-        <a:bodyPr spcFirstLastPara="0" vert="horz" wrap="square" lIns="215473" tIns="35560" rIns="199136" bIns="35560" numCol="1" spcCol="1270" anchor="t" anchorCtr="0">
-          <a:noAutofit/>
-        </a:bodyPr>
-        <a:lstStyle/>
-        <a:p>
-          <a:pPr marL="228600" lvl="1" indent="-228600" algn="l" defTabSz="977900">
-            <a:lnSpc>
-              <a:spcPct val="90000"/>
-            </a:lnSpc>
-            <a:spcBef>
-              <a:spcPct val="0"/>
-            </a:spcBef>
-            <a:spcAft>
-              <a:spcPct val="20000"/>
-            </a:spcAft>
-            <a:buChar char="•"/>
-          </a:pPr>
-          <a:r>
-            <a:rPr lang="zh-CN" altLang="en-US" sz="2200" kern="1200">
-              <a:latin typeface="微软雅黑" pitchFamily="34" charset="-122"/>
-              <a:ea typeface="微软雅黑" pitchFamily="34" charset="-122"/>
-            </a:rPr>
-            <a:t>步骤 </a:t>
-          </a:r>
-          <a:r>
-            <a:rPr lang="en-US" altLang="zh-CN" sz="2200" kern="1200">
-              <a:latin typeface="微软雅黑" pitchFamily="34" charset="-122"/>
-              <a:ea typeface="微软雅黑" pitchFamily="34" charset="-122"/>
-            </a:rPr>
-            <a:t>1</a:t>
-          </a:r>
-        </a:p>
-        <a:p>
-          <a:pPr marL="228600" lvl="1" indent="-228600" algn="l" defTabSz="977900">
-            <a:lnSpc>
-              <a:spcPct val="90000"/>
-            </a:lnSpc>
-            <a:spcBef>
-              <a:spcPct val="0"/>
-            </a:spcBef>
-            <a:spcAft>
-              <a:spcPct val="20000"/>
-            </a:spcAft>
-            <a:buChar char="•"/>
-          </a:pPr>
-          <a:r>
-            <a:rPr lang="zh-CN" altLang="en-US" sz="2200" kern="1200" dirty="0">
-              <a:latin typeface="微软雅黑" pitchFamily="34" charset="-122"/>
-              <a:ea typeface="微软雅黑" pitchFamily="34" charset="-122"/>
-            </a:rPr>
-            <a:t>步骤 </a:t>
-          </a:r>
-          <a:r>
-            <a:rPr lang="en-US" altLang="zh-CN" sz="2200" kern="1200" dirty="0">
-              <a:latin typeface="微软雅黑" pitchFamily="34" charset="-122"/>
-              <a:ea typeface="微软雅黑" pitchFamily="34" charset="-122"/>
-            </a:rPr>
-            <a:t>2</a:t>
-          </a:r>
-        </a:p>
-      </dsp:txBody>
-      <dsp:txXfrm>
-        <a:off x="0" y="888887"/>
-        <a:ext cx="6786562" cy="1043280"/>
-      </dsp:txXfrm>
-    </dsp:sp>
-    <dsp:sp modelId="{7A49BB88-7937-485F-959B-601F5C9ED20D}">
-      <dsp:nvSpPr>
-        <dsp:cNvPr id="0" name=""/>
-        <dsp:cNvSpPr/>
-      </dsp:nvSpPr>
-      <dsp:spPr>
-        <a:xfrm>
-          <a:off x="0" y="1932167"/>
-          <a:ext cx="6786562" cy="878377"/>
-        </a:xfrm>
-        <a:prstGeom prst="roundRect">
-          <a:avLst/>
-        </a:prstGeom>
-        <a:solidFill>
-          <a:schemeClr val="accent1">
-            <a:shade val="80000"/>
-            <a:hueOff val="-15656"/>
-            <a:satOff val="-8415"/>
-            <a:lumOff val="14895"/>
-            <a:alphaOff val="0"/>
-          </a:schemeClr>
-        </a:solidFill>
-        <a:ln>
-          <a:noFill/>
-        </a:ln>
-        <a:effectLst>
-          <a:outerShdw blurRad="39999" dist="23000" dir="5400000" algn="bl" rotWithShape="0">
-            <a:srgbClr val="000000">
-              <a:alpha val="40000"/>
-            </a:srgbClr>
-          </a:outerShdw>
-        </a:effectLst>
-      </dsp:spPr>
-      <dsp:style>
-        <a:lnRef idx="0">
-          <a:scrgbClr r="0" g="0" b="0"/>
-        </a:lnRef>
-        <a:fillRef idx="3">
-          <a:scrgbClr r="0" g="0" b="0"/>
-        </a:fillRef>
-        <a:effectRef idx="2">
-          <a:scrgbClr r="0" g="0" b="0"/>
-        </a:effectRef>
-        <a:fontRef idx="minor">
-          <a:schemeClr val="lt1"/>
-        </a:fontRef>
-      </dsp:style>
-      <dsp:txBody>
-        <a:bodyPr spcFirstLastPara="0" vert="horz" wrap="square" lIns="106680" tIns="106680" rIns="106680" bIns="106680" numCol="1" spcCol="1270" anchor="ctr" anchorCtr="0">
-          <a:noAutofit/>
-        </a:bodyPr>
-        <a:lstStyle/>
-        <a:p>
-          <a:pPr marL="0" lvl="0" indent="0" algn="l" defTabSz="1244600">
-            <a:lnSpc>
-              <a:spcPct val="90000"/>
-            </a:lnSpc>
-            <a:spcBef>
-              <a:spcPct val="0"/>
-            </a:spcBef>
-            <a:spcAft>
-              <a:spcPct val="35000"/>
-            </a:spcAft>
-            <a:buNone/>
-          </a:pPr>
-          <a:r>
-            <a:rPr lang="zh-CN" altLang="en-US" sz="2800" kern="1200">
-              <a:latin typeface="微软雅黑" pitchFamily="34" charset="-122"/>
-              <a:ea typeface="微软雅黑" pitchFamily="34" charset="-122"/>
-            </a:rPr>
-            <a:t>组 </a:t>
-          </a:r>
-          <a:r>
-            <a:rPr lang="en-US" altLang="zh-CN" sz="2800" kern="1200">
-              <a:latin typeface="微软雅黑" pitchFamily="34" charset="-122"/>
-              <a:ea typeface="微软雅黑" pitchFamily="34" charset="-122"/>
-            </a:rPr>
-            <a:t>B</a:t>
-          </a:r>
-        </a:p>
-      </dsp:txBody>
-      <dsp:txXfrm>
-        <a:off x="42879" y="1975046"/>
-        <a:ext cx="6700804" cy="792619"/>
-      </dsp:txXfrm>
-    </dsp:sp>
-    <dsp:sp modelId="{17D08123-0351-4A0B-A02F-825F3E29B603}">
-      <dsp:nvSpPr>
-        <dsp:cNvPr id="0" name=""/>
-        <dsp:cNvSpPr/>
-      </dsp:nvSpPr>
-      <dsp:spPr>
-        <a:xfrm>
-          <a:off x="0" y="2810544"/>
-          <a:ext cx="6786562" cy="1043280"/>
-        </a:xfrm>
-        <a:prstGeom prst="rect">
-          <a:avLst/>
-        </a:prstGeom>
-        <a:noFill/>
-        <a:ln>
-          <a:noFill/>
-        </a:ln>
-        <a:effectLst/>
-      </dsp:spPr>
-      <dsp:style>
-        <a:lnRef idx="0">
-          <a:scrgbClr r="0" g="0" b="0"/>
-        </a:lnRef>
-        <a:fillRef idx="0">
-          <a:scrgbClr r="0" g="0" b="0"/>
-        </a:fillRef>
-        <a:effectRef idx="0">
-          <a:scrgbClr r="0" g="0" b="0"/>
-        </a:effectRef>
-        <a:fontRef idx="minor"/>
-      </dsp:style>
-      <dsp:txBody>
-        <a:bodyPr spcFirstLastPara="0" vert="horz" wrap="square" lIns="215473" tIns="35560" rIns="199136" bIns="35560" numCol="1" spcCol="1270" anchor="t" anchorCtr="0">
-          <a:noAutofit/>
-        </a:bodyPr>
-        <a:lstStyle/>
-        <a:p>
-          <a:pPr marL="228600" lvl="1" indent="-228600" algn="l" defTabSz="977900">
-            <a:lnSpc>
-              <a:spcPct val="90000"/>
-            </a:lnSpc>
-            <a:spcBef>
-              <a:spcPct val="0"/>
-            </a:spcBef>
-            <a:spcAft>
-              <a:spcPct val="20000"/>
-            </a:spcAft>
-            <a:buChar char="•"/>
-          </a:pPr>
-          <a:r>
-            <a:rPr lang="zh-CN" altLang="en-US" sz="2200" kern="1200" dirty="0">
-              <a:latin typeface="微软雅黑" pitchFamily="34" charset="-122"/>
-              <a:ea typeface="微软雅黑" pitchFamily="34" charset="-122"/>
-            </a:rPr>
-            <a:t>步骤 </a:t>
-          </a:r>
-          <a:r>
-            <a:rPr lang="en-US" altLang="zh-CN" sz="2200" kern="1200" dirty="0">
-              <a:latin typeface="微软雅黑" pitchFamily="34" charset="-122"/>
-              <a:ea typeface="微软雅黑" pitchFamily="34" charset="-122"/>
-            </a:rPr>
-            <a:t>3</a:t>
-          </a:r>
-        </a:p>
-        <a:p>
-          <a:pPr marL="228600" lvl="1" indent="-228600" algn="l" defTabSz="977900">
-            <a:lnSpc>
-              <a:spcPct val="90000"/>
-            </a:lnSpc>
-            <a:spcBef>
-              <a:spcPct val="0"/>
-            </a:spcBef>
-            <a:spcAft>
-              <a:spcPct val="20000"/>
-            </a:spcAft>
-            <a:buChar char="•"/>
-          </a:pPr>
-          <a:r>
-            <a:rPr lang="zh-CN" altLang="en-US" sz="2200" kern="1200">
-              <a:latin typeface="微软雅黑" pitchFamily="34" charset="-122"/>
-              <a:ea typeface="微软雅黑" pitchFamily="34" charset="-122"/>
-            </a:rPr>
-            <a:t>步骤 </a:t>
-          </a:r>
-          <a:r>
-            <a:rPr lang="en-US" altLang="zh-CN" sz="2200" kern="1200">
-              <a:latin typeface="微软雅黑" pitchFamily="34" charset="-122"/>
-              <a:ea typeface="微软雅黑" pitchFamily="34" charset="-122"/>
-            </a:rPr>
-            <a:t>4</a:t>
-          </a:r>
-        </a:p>
-      </dsp:txBody>
-      <dsp:txXfrm>
-        <a:off x="0" y="2810544"/>
-        <a:ext cx="6786562" cy="1043280"/>
-      </dsp:txXfrm>
-    </dsp:sp>
-    <dsp:sp modelId="{C97C8A5C-B9F6-4FDA-BF74-97BAB2625D71}">
-      <dsp:nvSpPr>
-        <dsp:cNvPr id="0" name=""/>
-        <dsp:cNvSpPr/>
-      </dsp:nvSpPr>
-      <dsp:spPr>
-        <a:xfrm>
-          <a:off x="0" y="3853824"/>
-          <a:ext cx="6786562" cy="878377"/>
-        </a:xfrm>
-        <a:prstGeom prst="roundRect">
-          <a:avLst/>
-        </a:prstGeom>
-        <a:solidFill>
-          <a:schemeClr val="accent1">
-            <a:shade val="80000"/>
-            <a:hueOff val="-31313"/>
-            <a:satOff val="-16830"/>
-            <a:lumOff val="29790"/>
-            <a:alphaOff val="0"/>
-          </a:schemeClr>
-        </a:solidFill>
-        <a:ln>
-          <a:noFill/>
-        </a:ln>
-        <a:effectLst>
-          <a:outerShdw blurRad="39999" dist="23000" dir="5400000" algn="bl" rotWithShape="0">
-            <a:srgbClr val="000000">
-              <a:alpha val="40000"/>
-            </a:srgbClr>
-          </a:outerShdw>
-        </a:effectLst>
-      </dsp:spPr>
-      <dsp:style>
-        <a:lnRef idx="0">
-          <a:scrgbClr r="0" g="0" b="0"/>
-        </a:lnRef>
-        <a:fillRef idx="3">
-          <a:scrgbClr r="0" g="0" b="0"/>
-        </a:fillRef>
-        <a:effectRef idx="2">
-          <a:scrgbClr r="0" g="0" b="0"/>
-        </a:effectRef>
-        <a:fontRef idx="minor">
-          <a:schemeClr val="lt1"/>
-        </a:fontRef>
-      </dsp:style>
-      <dsp:txBody>
-        <a:bodyPr spcFirstLastPara="0" vert="horz" wrap="square" lIns="106680" tIns="106680" rIns="106680" bIns="106680" numCol="1" spcCol="1270" anchor="ctr" anchorCtr="0">
-          <a:noAutofit/>
-        </a:bodyPr>
-        <a:lstStyle/>
-        <a:p>
-          <a:pPr marL="0" lvl="0" indent="0" algn="l" defTabSz="1244600">
-            <a:lnSpc>
-              <a:spcPct val="90000"/>
-            </a:lnSpc>
-            <a:spcBef>
-              <a:spcPct val="0"/>
-            </a:spcBef>
-            <a:spcAft>
-              <a:spcPct val="35000"/>
-            </a:spcAft>
-            <a:buNone/>
-          </a:pPr>
-          <a:r>
-            <a:rPr lang="zh-CN" altLang="en-US" sz="2800" kern="1200">
-              <a:latin typeface="微软雅黑" pitchFamily="34" charset="-122"/>
-              <a:ea typeface="微软雅黑" pitchFamily="34" charset="-122"/>
-            </a:rPr>
-            <a:t>组 </a:t>
-          </a:r>
-          <a:r>
-            <a:rPr lang="en-US" altLang="zh-CN" sz="2800" kern="1200">
-              <a:latin typeface="微软雅黑" pitchFamily="34" charset="-122"/>
-              <a:ea typeface="微软雅黑" pitchFamily="34" charset="-122"/>
-            </a:rPr>
-            <a:t>C</a:t>
-          </a:r>
-        </a:p>
-      </dsp:txBody>
-      <dsp:txXfrm>
-        <a:off x="42879" y="3896703"/>
-        <a:ext cx="6700804" cy="792619"/>
-      </dsp:txXfrm>
-    </dsp:sp>
-    <dsp:sp modelId="{70F98462-E34E-4F2B-801C-AD9B11C4B7C8}">
-      <dsp:nvSpPr>
-        <dsp:cNvPr id="0" name=""/>
-        <dsp:cNvSpPr/>
-      </dsp:nvSpPr>
-      <dsp:spPr>
-        <a:xfrm>
-          <a:off x="0" y="4732202"/>
-          <a:ext cx="6786562" cy="507150"/>
-        </a:xfrm>
-        <a:prstGeom prst="rect">
-          <a:avLst/>
-        </a:prstGeom>
-        <a:noFill/>
-        <a:ln>
-          <a:noFill/>
-        </a:ln>
-        <a:effectLst/>
-      </dsp:spPr>
-      <dsp:style>
-        <a:lnRef idx="0">
-          <a:scrgbClr r="0" g="0" b="0"/>
-        </a:lnRef>
-        <a:fillRef idx="0">
-          <a:scrgbClr r="0" g="0" b="0"/>
-        </a:fillRef>
-        <a:effectRef idx="0">
-          <a:scrgbClr r="0" g="0" b="0"/>
-        </a:effectRef>
-        <a:fontRef idx="minor"/>
-      </dsp:style>
-      <dsp:txBody>
-        <a:bodyPr spcFirstLastPara="0" vert="horz" wrap="square" lIns="215473" tIns="35560" rIns="199136" bIns="35560" numCol="1" spcCol="1270" anchor="t" anchorCtr="0">
-          <a:noAutofit/>
-        </a:bodyPr>
-        <a:lstStyle/>
-        <a:p>
-          <a:pPr marL="228600" lvl="1" indent="-228600" algn="l" defTabSz="977900">
-            <a:lnSpc>
-              <a:spcPct val="90000"/>
-            </a:lnSpc>
-            <a:spcBef>
-              <a:spcPct val="0"/>
-            </a:spcBef>
-            <a:spcAft>
-              <a:spcPct val="20000"/>
-            </a:spcAft>
-            <a:buChar char="•"/>
-          </a:pPr>
-          <a:r>
-            <a:rPr lang="zh-CN" altLang="en-US" sz="2200" kern="1200" dirty="0">
-              <a:latin typeface="微软雅黑" pitchFamily="34" charset="-122"/>
-              <a:ea typeface="微软雅黑" pitchFamily="34" charset="-122"/>
-            </a:rPr>
-            <a:t>步骤 </a:t>
-          </a:r>
-          <a:r>
-            <a:rPr lang="en-US" altLang="zh-CN" sz="2200" kern="1200" dirty="0">
-              <a:latin typeface="微软雅黑" pitchFamily="34" charset="-122"/>
-              <a:ea typeface="微软雅黑" pitchFamily="34" charset="-122"/>
-            </a:rPr>
-            <a:t>5</a:t>
-          </a:r>
-        </a:p>
-      </dsp:txBody>
-      <dsp:txXfrm>
-        <a:off x="0" y="4732202"/>
-        <a:ext cx="6786562" cy="507150"/>
-      </dsp:txXfrm>
-    </dsp:sp>
-  </dsp:spTree>
-</dsp:drawing>
-</file>
-
 <file path=ppt/diagrams/layout1.xml><?xml version="1.0" encoding="utf-8"?>
 <dgm:layoutDef xmlns:dgm="http://schemas.openxmlformats.org/drawingml/2006/diagram" xmlns:a="http://schemas.openxmlformats.org/drawingml/2006/main" uniqueId="urn:microsoft.com/office/officeart/2005/8/layout/vList5">
   <dgm:title val=""/>
@@ -3993,173 +1766,6 @@
           <dgm:ruleLst/>
         </dgm:layoutNode>
       </dgm:forEach>
-    </dgm:forEach>
-  </dgm:layoutNode>
-</dgm:layoutDef>
-</file>
-
-<file path=ppt/diagrams/layout2.xml><?xml version="1.0" encoding="utf-8"?>
-<dgm:layoutDef xmlns:dgm="http://schemas.openxmlformats.org/drawingml/2006/diagram" xmlns:a="http://schemas.openxmlformats.org/drawingml/2006/main" uniqueId="urn:microsoft.com/office/officeart/2005/8/layout/vList2">
-  <dgm:title val=""/>
-  <dgm:desc val=""/>
-  <dgm:catLst>
-    <dgm:cat type="list" pri="3000"/>
-    <dgm:cat type="convert" pri="1000"/>
-  </dgm:catLst>
-  <dgm:sampData>
-    <dgm:dataModel>
-      <dgm:ptLst>
-        <dgm:pt modelId="0" type="doc"/>
-        <dgm:pt modelId="1">
-          <dgm:prSet phldr="1"/>
-        </dgm:pt>
-        <dgm:pt modelId="11">
-          <dgm:prSet phldr="1"/>
-        </dgm:pt>
-        <dgm:pt modelId="2">
-          <dgm:prSet phldr="1"/>
-        </dgm:pt>
-        <dgm:pt modelId="21">
-          <dgm:prSet phldr="1"/>
-        </dgm:pt>
-      </dgm:ptLst>
-      <dgm:cxnLst>
-        <dgm:cxn modelId="4" srcId="0" destId="1" srcOrd="0" destOrd="0"/>
-        <dgm:cxn modelId="5" srcId="0" destId="2" srcOrd="1" destOrd="0"/>
-        <dgm:cxn modelId="12" srcId="1" destId="11" srcOrd="0" destOrd="0"/>
-        <dgm:cxn modelId="23" srcId="2" destId="21" srcOrd="0" destOrd="0"/>
-      </dgm:cxnLst>
-      <dgm:bg/>
-      <dgm:whole/>
-    </dgm:dataModel>
-  </dgm:sampData>
-  <dgm:styleData>
-    <dgm:dataModel>
-      <dgm:ptLst>
-        <dgm:pt modelId="0" type="doc"/>
-        <dgm:pt modelId="1"/>
-        <dgm:pt modelId="2"/>
-      </dgm:ptLst>
-      <dgm:cxnLst>
-        <dgm:cxn modelId="3" srcId="0" destId="1" srcOrd="0" destOrd="0"/>
-        <dgm:cxn modelId="4" srcId="0" destId="2" srcOrd="1" destOrd="0"/>
-      </dgm:cxnLst>
-      <dgm:bg/>
-      <dgm:whole/>
-    </dgm:dataModel>
-  </dgm:styleData>
-  <dgm:clrData>
-    <dgm:dataModel>
-      <dgm:ptLst>
-        <dgm:pt modelId="0" type="doc"/>
-        <dgm:pt modelId="1"/>
-        <dgm:pt modelId="2"/>
-        <dgm:pt modelId="3"/>
-        <dgm:pt modelId="4"/>
-      </dgm:ptLst>
-      <dgm:cxnLst>
-        <dgm:cxn modelId="5" srcId="0" destId="1" srcOrd="0" destOrd="0"/>
-        <dgm:cxn modelId="6" srcId="0" destId="2" srcOrd="1" destOrd="0"/>
-        <dgm:cxn modelId="7" srcId="0" destId="3" srcOrd="2" destOrd="0"/>
-        <dgm:cxn modelId="8" srcId="0" destId="4" srcOrd="3" destOrd="0"/>
-      </dgm:cxnLst>
-      <dgm:bg/>
-      <dgm:whole/>
-    </dgm:dataModel>
-  </dgm:clrData>
-  <dgm:layoutNode name="linear">
-    <dgm:varLst>
-      <dgm:animLvl val="lvl"/>
-      <dgm:resizeHandles val="exact"/>
-    </dgm:varLst>
-    <dgm:alg type="lin">
-      <dgm:param type="linDir" val="fromT"/>
-      <dgm:param type="vertAlign" val="mid"/>
-    </dgm:alg>
-    <dgm:shape xmlns:r="http://schemas.openxmlformats.org/officeDocument/2006/relationships" r:blip="">
-      <dgm:adjLst/>
-    </dgm:shape>
-    <dgm:presOf/>
-    <dgm:constrLst>
-      <dgm:constr type="w" for="ch" forName="parentText" refType="w"/>
-      <dgm:constr type="h" for="ch" forName="parentText" refType="primFontSz" refFor="ch" refForName="parentText" fact="0.52"/>
-      <dgm:constr type="w" for="ch" forName="childText" refType="w"/>
-      <dgm:constr type="h" for="ch" forName="childText" refType="primFontSz" refFor="ch" refForName="parentText" fact="0.46"/>
-      <dgm:constr type="h" for="ch" forName="parentText" op="equ"/>
-      <dgm:constr type="primFontSz" for="ch" forName="parentText" op="equ" val="65"/>
-      <dgm:constr type="primFontSz" for="ch" forName="childText" refType="primFontSz" refFor="ch" refForName="parentText" op="equ"/>
-      <dgm:constr type="h" for="ch" forName="spacer" refType="primFontSz" refFor="ch" refForName="parentText" fact="0.08"/>
-    </dgm:constrLst>
-    <dgm:ruleLst>
-      <dgm:rule type="primFontSz" for="ch" forName="parentText" val="5" fact="NaN" max="NaN"/>
-    </dgm:ruleLst>
-    <dgm:forEach name="Name0" axis="ch" ptType="node">
-      <dgm:layoutNode name="parentText" styleLbl="node1">
-        <dgm:varLst>
-          <dgm:chMax val="0"/>
-          <dgm:bulletEnabled val="1"/>
-        </dgm:varLst>
-        <dgm:alg type="tx">
-          <dgm:param type="parTxLTRAlign" val="l"/>
-          <dgm:param type="parTxRTLAlign" val="r"/>
-        </dgm:alg>
-        <dgm:shape xmlns:r="http://schemas.openxmlformats.org/officeDocument/2006/relationships" type="roundRect" r:blip="">
-          <dgm:adjLst/>
-        </dgm:shape>
-        <dgm:presOf axis="self"/>
-        <dgm:constrLst>
-          <dgm:constr type="tMarg" refType="primFontSz" fact="0.3"/>
-          <dgm:constr type="bMarg" refType="primFontSz" fact="0.3"/>
-          <dgm:constr type="lMarg" refType="primFontSz" fact="0.3"/>
-          <dgm:constr type="rMarg" refType="primFontSz" fact="0.3"/>
-        </dgm:constrLst>
-        <dgm:ruleLst>
-          <dgm:rule type="h" val="INF" fact="NaN" max="NaN"/>
-        </dgm:ruleLst>
-      </dgm:layoutNode>
-      <dgm:choose name="Name1">
-        <dgm:if name="Name2" axis="ch" ptType="node" func="cnt" op="gte" val="1">
-          <dgm:layoutNode name="childText" styleLbl="revTx">
-            <dgm:varLst>
-              <dgm:bulletEnabled val="1"/>
-            </dgm:varLst>
-            <dgm:alg type="tx">
-              <dgm:param type="stBulletLvl" val="1"/>
-              <dgm:param type="lnSpAfChP" val="20"/>
-            </dgm:alg>
-            <dgm:shape xmlns:r="http://schemas.openxmlformats.org/officeDocument/2006/relationships" type="rect" r:blip="">
-              <dgm:adjLst/>
-            </dgm:shape>
-            <dgm:presOf axis="des" ptType="node"/>
-            <dgm:constrLst>
-              <dgm:constr type="tMarg" refType="primFontSz" fact="0.1"/>
-              <dgm:constr type="bMarg" refType="primFontSz" fact="0.1"/>
-              <dgm:constr type="lMarg" refType="w" fact="0.09"/>
-            </dgm:constrLst>
-            <dgm:ruleLst>
-              <dgm:rule type="h" val="INF" fact="NaN" max="NaN"/>
-            </dgm:ruleLst>
-          </dgm:layoutNode>
-        </dgm:if>
-        <dgm:else name="Name3">
-          <dgm:choose name="Name4">
-            <dgm:if name="Name5" axis="par ch" ptType="doc node" func="cnt" op="gte" val="2">
-              <dgm:forEach name="Name6" axis="followSib" ptType="sibTrans" cnt="1">
-                <dgm:layoutNode name="spacer">
-                  <dgm:alg type="sp"/>
-                  <dgm:shape xmlns:r="http://schemas.openxmlformats.org/officeDocument/2006/relationships" r:blip="">
-                    <dgm:adjLst/>
-                  </dgm:shape>
-                  <dgm:presOf/>
-                  <dgm:constrLst/>
-                  <dgm:ruleLst/>
-                </dgm:layoutNode>
-              </dgm:forEach>
-            </dgm:if>
-            <dgm:else name="Name7"/>
-          </dgm:choose>
-        </dgm:else>
-      </dgm:choose>
     </dgm:forEach>
   </dgm:layoutNode>
 </dgm:layoutDef>
@@ -5199,1040 +2805,6 @@
 </dgm:styleDef>
 </file>
 
-<file path=ppt/diagrams/quickStyle2.xml><?xml version="1.0" encoding="utf-8"?>
-<dgm:styleDef xmlns:dgm="http://schemas.openxmlformats.org/drawingml/2006/diagram" xmlns:a="http://schemas.openxmlformats.org/drawingml/2006/main" uniqueId="urn:microsoft.com/office/officeart/2005/8/quickstyle/simple4">
-  <dgm:title val=""/>
-  <dgm:desc val=""/>
-  <dgm:catLst>
-    <dgm:cat type="simple" pri="10400"/>
-  </dgm:catLst>
-  <dgm:scene3d>
-    <a:camera prst="orthographicFront"/>
-    <a:lightRig rig="threePt" dir="t"/>
-  </dgm:scene3d>
-  <dgm:styleLbl name="node0">
-    <dgm:scene3d>
-      <a:camera prst="orthographicFront"/>
-      <a:lightRig rig="threePt" dir="t"/>
-    </dgm:scene3d>
-    <dgm:sp3d/>
-    <dgm:txPr/>
-    <dgm:style>
-      <a:lnRef idx="0">
-        <a:scrgbClr r="0" g="0" b="0"/>
-      </a:lnRef>
-      <a:fillRef idx="3">
-        <a:scrgbClr r="0" g="0" b="0"/>
-      </a:fillRef>
-      <a:effectRef idx="2">
-        <a:scrgbClr r="0" g="0" b="0"/>
-      </a:effectRef>
-      <a:fontRef idx="minor">
-        <a:schemeClr val="lt1"/>
-      </a:fontRef>
-    </dgm:style>
-  </dgm:styleLbl>
-  <dgm:styleLbl name="lnNode1">
-    <dgm:scene3d>
-      <a:camera prst="orthographicFront"/>
-      <a:lightRig rig="threePt" dir="t"/>
-    </dgm:scene3d>
-    <dgm:sp3d/>
-    <dgm:txPr/>
-    <dgm:style>
-      <a:lnRef idx="1">
-        <a:scrgbClr r="0" g="0" b="0"/>
-      </a:lnRef>
-      <a:fillRef idx="3">
-        <a:scrgbClr r="0" g="0" b="0"/>
-      </a:fillRef>
-      <a:effectRef idx="2">
-        <a:scrgbClr r="0" g="0" b="0"/>
-      </a:effectRef>
-      <a:fontRef idx="minor">
-        <a:schemeClr val="lt1"/>
-      </a:fontRef>
-    </dgm:style>
-  </dgm:styleLbl>
-  <dgm:styleLbl name="vennNode1">
-    <dgm:scene3d>
-      <a:camera prst="orthographicFront"/>
-      <a:lightRig rig="threePt" dir="t"/>
-    </dgm:scene3d>
-    <dgm:sp3d/>
-    <dgm:txPr/>
-    <dgm:style>
-      <a:lnRef idx="0">
-        <a:scrgbClr r="0" g="0" b="0"/>
-      </a:lnRef>
-      <a:fillRef idx="3">
-        <a:scrgbClr r="0" g="0" b="0"/>
-      </a:fillRef>
-      <a:effectRef idx="0">
-        <a:scrgbClr r="0" g="0" b="0"/>
-      </a:effectRef>
-      <a:fontRef idx="minor">
-        <a:schemeClr val="tx1"/>
-      </a:fontRef>
-    </dgm:style>
-  </dgm:styleLbl>
-  <dgm:styleLbl name="alignNode1">
-    <dgm:scene3d>
-      <a:camera prst="orthographicFront"/>
-      <a:lightRig rig="threePt" dir="t"/>
-    </dgm:scene3d>
-    <dgm:sp3d/>
-    <dgm:txPr/>
-    <dgm:style>
-      <a:lnRef idx="1">
-        <a:scrgbClr r="0" g="0" b="0"/>
-      </a:lnRef>
-      <a:fillRef idx="3">
-        <a:scrgbClr r="0" g="0" b="0"/>
-      </a:fillRef>
-      <a:effectRef idx="2">
-        <a:scrgbClr r="0" g="0" b="0"/>
-      </a:effectRef>
-      <a:fontRef idx="minor">
-        <a:schemeClr val="lt1"/>
-      </a:fontRef>
-    </dgm:style>
-  </dgm:styleLbl>
-  <dgm:styleLbl name="node1">
-    <dgm:scene3d>
-      <a:camera prst="orthographicFront"/>
-      <a:lightRig rig="threePt" dir="t"/>
-    </dgm:scene3d>
-    <dgm:sp3d/>
-    <dgm:txPr/>
-    <dgm:style>
-      <a:lnRef idx="0">
-        <a:scrgbClr r="0" g="0" b="0"/>
-      </a:lnRef>
-      <a:fillRef idx="3">
-        <a:scrgbClr r="0" g="0" b="0"/>
-      </a:fillRef>
-      <a:effectRef idx="2">
-        <a:scrgbClr r="0" g="0" b="0"/>
-      </a:effectRef>
-      <a:fontRef idx="minor">
-        <a:schemeClr val="lt1"/>
-      </a:fontRef>
-    </dgm:style>
-  </dgm:styleLbl>
-  <dgm:styleLbl name="node2">
-    <dgm:scene3d>
-      <a:camera prst="orthographicFront"/>
-      <a:lightRig rig="threePt" dir="t"/>
-    </dgm:scene3d>
-    <dgm:sp3d/>
-    <dgm:txPr/>
-    <dgm:style>
-      <a:lnRef idx="0">
-        <a:scrgbClr r="0" g="0" b="0"/>
-      </a:lnRef>
-      <a:fillRef idx="3">
-        <a:scrgbClr r="0" g="0" b="0"/>
-      </a:fillRef>
-      <a:effectRef idx="2">
-        <a:scrgbClr r="0" g="0" b="0"/>
-      </a:effectRef>
-      <a:fontRef idx="minor">
-        <a:schemeClr val="lt1"/>
-      </a:fontRef>
-    </dgm:style>
-  </dgm:styleLbl>
-  <dgm:styleLbl name="node3">
-    <dgm:scene3d>
-      <a:camera prst="orthographicFront"/>
-      <a:lightRig rig="threePt" dir="t"/>
-    </dgm:scene3d>
-    <dgm:sp3d/>
-    <dgm:txPr/>
-    <dgm:style>
-      <a:lnRef idx="0">
-        <a:scrgbClr r="0" g="0" b="0"/>
-      </a:lnRef>
-      <a:fillRef idx="3">
-        <a:scrgbClr r="0" g="0" b="0"/>
-      </a:fillRef>
-      <a:effectRef idx="2">
-        <a:scrgbClr r="0" g="0" b="0"/>
-      </a:effectRef>
-      <a:fontRef idx="minor">
-        <a:schemeClr val="lt1"/>
-      </a:fontRef>
-    </dgm:style>
-  </dgm:styleLbl>
-  <dgm:styleLbl name="node4">
-    <dgm:scene3d>
-      <a:camera prst="orthographicFront"/>
-      <a:lightRig rig="threePt" dir="t"/>
-    </dgm:scene3d>
-    <dgm:sp3d/>
-    <dgm:txPr/>
-    <dgm:style>
-      <a:lnRef idx="0">
-        <a:scrgbClr r="0" g="0" b="0"/>
-      </a:lnRef>
-      <a:fillRef idx="3">
-        <a:scrgbClr r="0" g="0" b="0"/>
-      </a:fillRef>
-      <a:effectRef idx="2">
-        <a:scrgbClr r="0" g="0" b="0"/>
-      </a:effectRef>
-      <a:fontRef idx="minor">
-        <a:schemeClr val="lt1"/>
-      </a:fontRef>
-    </dgm:style>
-  </dgm:styleLbl>
-  <dgm:styleLbl name="fgImgPlace1">
-    <dgm:scene3d>
-      <a:camera prst="orthographicFront"/>
-      <a:lightRig rig="threePt" dir="t"/>
-    </dgm:scene3d>
-    <dgm:sp3d/>
-    <dgm:txPr/>
-    <dgm:style>
-      <a:lnRef idx="0">
-        <a:scrgbClr r="0" g="0" b="0"/>
-      </a:lnRef>
-      <a:fillRef idx="1">
-        <a:scrgbClr r="0" g="0" b="0"/>
-      </a:fillRef>
-      <a:effectRef idx="2">
-        <a:scrgbClr r="0" g="0" b="0"/>
-      </a:effectRef>
-      <a:fontRef idx="minor"/>
-    </dgm:style>
-  </dgm:styleLbl>
-  <dgm:styleLbl name="alignImgPlace1">
-    <dgm:scene3d>
-      <a:camera prst="orthographicFront"/>
-      <a:lightRig rig="threePt" dir="t"/>
-    </dgm:scene3d>
-    <dgm:sp3d/>
-    <dgm:txPr/>
-    <dgm:style>
-      <a:lnRef idx="0">
-        <a:scrgbClr r="0" g="0" b="0"/>
-      </a:lnRef>
-      <a:fillRef idx="1">
-        <a:scrgbClr r="0" g="0" b="0"/>
-      </a:fillRef>
-      <a:effectRef idx="2">
-        <a:scrgbClr r="0" g="0" b="0"/>
-      </a:effectRef>
-      <a:fontRef idx="minor"/>
-    </dgm:style>
-  </dgm:styleLbl>
-  <dgm:styleLbl name="bgImgPlace1">
-    <dgm:scene3d>
-      <a:camera prst="orthographicFront"/>
-      <a:lightRig rig="threePt" dir="t"/>
-    </dgm:scene3d>
-    <dgm:sp3d/>
-    <dgm:txPr/>
-    <dgm:style>
-      <a:lnRef idx="0">
-        <a:scrgbClr r="0" g="0" b="0"/>
-      </a:lnRef>
-      <a:fillRef idx="1">
-        <a:scrgbClr r="0" g="0" b="0"/>
-      </a:fillRef>
-      <a:effectRef idx="2">
-        <a:scrgbClr r="0" g="0" b="0"/>
-      </a:effectRef>
-      <a:fontRef idx="minor"/>
-    </dgm:style>
-  </dgm:styleLbl>
-  <dgm:styleLbl name="sibTrans2D1">
-    <dgm:scene3d>
-      <a:camera prst="orthographicFront"/>
-      <a:lightRig rig="threePt" dir="t"/>
-    </dgm:scene3d>
-    <dgm:sp3d/>
-    <dgm:txPr/>
-    <dgm:style>
-      <a:lnRef idx="0">
-        <a:scrgbClr r="0" g="0" b="0"/>
-      </a:lnRef>
-      <a:fillRef idx="3">
-        <a:scrgbClr r="0" g="0" b="0"/>
-      </a:fillRef>
-      <a:effectRef idx="2">
-        <a:scrgbClr r="0" g="0" b="0"/>
-      </a:effectRef>
-      <a:fontRef idx="minor">
-        <a:schemeClr val="lt1"/>
-      </a:fontRef>
-    </dgm:style>
-  </dgm:styleLbl>
-  <dgm:styleLbl name="fgSibTrans2D1">
-    <dgm:scene3d>
-      <a:camera prst="orthographicFront"/>
-      <a:lightRig rig="threePt" dir="t"/>
-    </dgm:scene3d>
-    <dgm:sp3d/>
-    <dgm:txPr/>
-    <dgm:style>
-      <a:lnRef idx="0">
-        <a:scrgbClr r="0" g="0" b="0"/>
-      </a:lnRef>
-      <a:fillRef idx="3">
-        <a:scrgbClr r="0" g="0" b="0"/>
-      </a:fillRef>
-      <a:effectRef idx="2">
-        <a:scrgbClr r="0" g="0" b="0"/>
-      </a:effectRef>
-      <a:fontRef idx="minor">
-        <a:schemeClr val="lt1"/>
-      </a:fontRef>
-    </dgm:style>
-  </dgm:styleLbl>
-  <dgm:styleLbl name="bgSibTrans2D1">
-    <dgm:scene3d>
-      <a:camera prst="orthographicFront"/>
-      <a:lightRig rig="threePt" dir="t"/>
-    </dgm:scene3d>
-    <dgm:sp3d/>
-    <dgm:txPr/>
-    <dgm:style>
-      <a:lnRef idx="0">
-        <a:scrgbClr r="0" g="0" b="0"/>
-      </a:lnRef>
-      <a:fillRef idx="3">
-        <a:scrgbClr r="0" g="0" b="0"/>
-      </a:fillRef>
-      <a:effectRef idx="2">
-        <a:scrgbClr r="0" g="0" b="0"/>
-      </a:effectRef>
-      <a:fontRef idx="minor">
-        <a:schemeClr val="lt1"/>
-      </a:fontRef>
-    </dgm:style>
-  </dgm:styleLbl>
-  <dgm:styleLbl name="sibTrans1D1">
-    <dgm:scene3d>
-      <a:camera prst="orthographicFront"/>
-      <a:lightRig rig="threePt" dir="t"/>
-    </dgm:scene3d>
-    <dgm:sp3d/>
-    <dgm:txPr/>
-    <dgm:style>
-      <a:lnRef idx="1">
-        <a:scrgbClr r="0" g="0" b="0"/>
-      </a:lnRef>
-      <a:fillRef idx="0">
-        <a:scrgbClr r="0" g="0" b="0"/>
-      </a:fillRef>
-      <a:effectRef idx="0">
-        <a:scrgbClr r="0" g="0" b="0"/>
-      </a:effectRef>
-      <a:fontRef idx="minor"/>
-    </dgm:style>
-  </dgm:styleLbl>
-  <dgm:styleLbl name="callout">
-    <dgm:scene3d>
-      <a:camera prst="orthographicFront"/>
-      <a:lightRig rig="threePt" dir="t"/>
-    </dgm:scene3d>
-    <dgm:sp3d/>
-    <dgm:txPr/>
-    <dgm:style>
-      <a:lnRef idx="2">
-        <a:scrgbClr r="0" g="0" b="0"/>
-      </a:lnRef>
-      <a:fillRef idx="1">
-        <a:scrgbClr r="0" g="0" b="0"/>
-      </a:fillRef>
-      <a:effectRef idx="1">
-        <a:scrgbClr r="0" g="0" b="0"/>
-      </a:effectRef>
-      <a:fontRef idx="minor"/>
-    </dgm:style>
-  </dgm:styleLbl>
-  <dgm:styleLbl name="asst0">
-    <dgm:scene3d>
-      <a:camera prst="orthographicFront"/>
-      <a:lightRig rig="threePt" dir="t"/>
-    </dgm:scene3d>
-    <dgm:sp3d/>
-    <dgm:txPr/>
-    <dgm:style>
-      <a:lnRef idx="0">
-        <a:scrgbClr r="0" g="0" b="0"/>
-      </a:lnRef>
-      <a:fillRef idx="3">
-        <a:scrgbClr r="0" g="0" b="0"/>
-      </a:fillRef>
-      <a:effectRef idx="2">
-        <a:scrgbClr r="0" g="0" b="0"/>
-      </a:effectRef>
-      <a:fontRef idx="minor">
-        <a:schemeClr val="lt1"/>
-      </a:fontRef>
-    </dgm:style>
-  </dgm:styleLbl>
-  <dgm:styleLbl name="asst1">
-    <dgm:scene3d>
-      <a:camera prst="orthographicFront"/>
-      <a:lightRig rig="threePt" dir="t"/>
-    </dgm:scene3d>
-    <dgm:sp3d/>
-    <dgm:txPr/>
-    <dgm:style>
-      <a:lnRef idx="0">
-        <a:scrgbClr r="0" g="0" b="0"/>
-      </a:lnRef>
-      <a:fillRef idx="3">
-        <a:scrgbClr r="0" g="0" b="0"/>
-      </a:fillRef>
-      <a:effectRef idx="2">
-        <a:scrgbClr r="0" g="0" b="0"/>
-      </a:effectRef>
-      <a:fontRef idx="minor">
-        <a:schemeClr val="lt1"/>
-      </a:fontRef>
-    </dgm:style>
-  </dgm:styleLbl>
-  <dgm:styleLbl name="asst2">
-    <dgm:scene3d>
-      <a:camera prst="orthographicFront"/>
-      <a:lightRig rig="threePt" dir="t"/>
-    </dgm:scene3d>
-    <dgm:sp3d/>
-    <dgm:txPr/>
-    <dgm:style>
-      <a:lnRef idx="0">
-        <a:scrgbClr r="0" g="0" b="0"/>
-      </a:lnRef>
-      <a:fillRef idx="3">
-        <a:scrgbClr r="0" g="0" b="0"/>
-      </a:fillRef>
-      <a:effectRef idx="2">
-        <a:scrgbClr r="0" g="0" b="0"/>
-      </a:effectRef>
-      <a:fontRef idx="minor">
-        <a:schemeClr val="lt1"/>
-      </a:fontRef>
-    </dgm:style>
-  </dgm:styleLbl>
-  <dgm:styleLbl name="asst3">
-    <dgm:scene3d>
-      <a:camera prst="orthographicFront"/>
-      <a:lightRig rig="threePt" dir="t"/>
-    </dgm:scene3d>
-    <dgm:sp3d/>
-    <dgm:txPr/>
-    <dgm:style>
-      <a:lnRef idx="0">
-        <a:scrgbClr r="0" g="0" b="0"/>
-      </a:lnRef>
-      <a:fillRef idx="3">
-        <a:scrgbClr r="0" g="0" b="0"/>
-      </a:fillRef>
-      <a:effectRef idx="2">
-        <a:scrgbClr r="0" g="0" b="0"/>
-      </a:effectRef>
-      <a:fontRef idx="minor">
-        <a:schemeClr val="lt1"/>
-      </a:fontRef>
-    </dgm:style>
-  </dgm:styleLbl>
-  <dgm:styleLbl name="asst4">
-    <dgm:scene3d>
-      <a:camera prst="orthographicFront"/>
-      <a:lightRig rig="threePt" dir="t"/>
-    </dgm:scene3d>
-    <dgm:sp3d/>
-    <dgm:txPr/>
-    <dgm:style>
-      <a:lnRef idx="0">
-        <a:scrgbClr r="0" g="0" b="0"/>
-      </a:lnRef>
-      <a:fillRef idx="3">
-        <a:scrgbClr r="0" g="0" b="0"/>
-      </a:fillRef>
-      <a:effectRef idx="2">
-        <a:scrgbClr r="0" g="0" b="0"/>
-      </a:effectRef>
-      <a:fontRef idx="minor">
-        <a:schemeClr val="lt1"/>
-      </a:fontRef>
-    </dgm:style>
-  </dgm:styleLbl>
-  <dgm:styleLbl name="parChTrans2D1">
-    <dgm:scene3d>
-      <a:camera prst="orthographicFront"/>
-      <a:lightRig rig="threePt" dir="t"/>
-    </dgm:scene3d>
-    <dgm:sp3d/>
-    <dgm:txPr/>
-    <dgm:style>
-      <a:lnRef idx="0">
-        <a:scrgbClr r="0" g="0" b="0"/>
-      </a:lnRef>
-      <a:fillRef idx="3">
-        <a:scrgbClr r="0" g="0" b="0"/>
-      </a:fillRef>
-      <a:effectRef idx="2">
-        <a:scrgbClr r="0" g="0" b="0"/>
-      </a:effectRef>
-      <a:fontRef idx="minor">
-        <a:schemeClr val="lt1"/>
-      </a:fontRef>
-    </dgm:style>
-  </dgm:styleLbl>
-  <dgm:styleLbl name="parChTrans2D2">
-    <dgm:scene3d>
-      <a:camera prst="orthographicFront"/>
-      <a:lightRig rig="threePt" dir="t"/>
-    </dgm:scene3d>
-    <dgm:sp3d/>
-    <dgm:txPr/>
-    <dgm:style>
-      <a:lnRef idx="0">
-        <a:scrgbClr r="0" g="0" b="0"/>
-      </a:lnRef>
-      <a:fillRef idx="3">
-        <a:scrgbClr r="0" g="0" b="0"/>
-      </a:fillRef>
-      <a:effectRef idx="2">
-        <a:scrgbClr r="0" g="0" b="0"/>
-      </a:effectRef>
-      <a:fontRef idx="minor">
-        <a:schemeClr val="lt1"/>
-      </a:fontRef>
-    </dgm:style>
-  </dgm:styleLbl>
-  <dgm:styleLbl name="parChTrans2D3">
-    <dgm:scene3d>
-      <a:camera prst="orthographicFront"/>
-      <a:lightRig rig="threePt" dir="t"/>
-    </dgm:scene3d>
-    <dgm:sp3d/>
-    <dgm:txPr/>
-    <dgm:style>
-      <a:lnRef idx="1">
-        <a:scrgbClr r="0" g="0" b="0"/>
-      </a:lnRef>
-      <a:fillRef idx="3">
-        <a:scrgbClr r="0" g="0" b="0"/>
-      </a:fillRef>
-      <a:effectRef idx="2">
-        <a:scrgbClr r="0" g="0" b="0"/>
-      </a:effectRef>
-      <a:fontRef idx="minor">
-        <a:schemeClr val="lt1"/>
-      </a:fontRef>
-    </dgm:style>
-  </dgm:styleLbl>
-  <dgm:styleLbl name="parChTrans2D4">
-    <dgm:scene3d>
-      <a:camera prst="orthographicFront"/>
-      <a:lightRig rig="threePt" dir="t"/>
-    </dgm:scene3d>
-    <dgm:sp3d/>
-    <dgm:txPr/>
-    <dgm:style>
-      <a:lnRef idx="1">
-        <a:scrgbClr r="0" g="0" b="0"/>
-      </a:lnRef>
-      <a:fillRef idx="3">
-        <a:scrgbClr r="0" g="0" b="0"/>
-      </a:fillRef>
-      <a:effectRef idx="2">
-        <a:scrgbClr r="0" g="0" b="0"/>
-      </a:effectRef>
-      <a:fontRef idx="minor">
-        <a:schemeClr val="lt1"/>
-      </a:fontRef>
-    </dgm:style>
-  </dgm:styleLbl>
-  <dgm:styleLbl name="parChTrans1D1">
-    <dgm:scene3d>
-      <a:camera prst="orthographicFront"/>
-      <a:lightRig rig="threePt" dir="t"/>
-    </dgm:scene3d>
-    <dgm:sp3d/>
-    <dgm:txPr/>
-    <dgm:style>
-      <a:lnRef idx="1">
-        <a:scrgbClr r="0" g="0" b="0"/>
-      </a:lnRef>
-      <a:fillRef idx="0">
-        <a:scrgbClr r="0" g="0" b="0"/>
-      </a:fillRef>
-      <a:effectRef idx="0">
-        <a:scrgbClr r="0" g="0" b="0"/>
-      </a:effectRef>
-      <a:fontRef idx="minor"/>
-    </dgm:style>
-  </dgm:styleLbl>
-  <dgm:styleLbl name="parChTrans1D2">
-    <dgm:scene3d>
-      <a:camera prst="orthographicFront"/>
-      <a:lightRig rig="threePt" dir="t"/>
-    </dgm:scene3d>
-    <dgm:sp3d/>
-    <dgm:txPr/>
-    <dgm:style>
-      <a:lnRef idx="1">
-        <a:scrgbClr r="0" g="0" b="0"/>
-      </a:lnRef>
-      <a:fillRef idx="0">
-        <a:scrgbClr r="0" g="0" b="0"/>
-      </a:fillRef>
-      <a:effectRef idx="0">
-        <a:scrgbClr r="0" g="0" b="0"/>
-      </a:effectRef>
-      <a:fontRef idx="minor"/>
-    </dgm:style>
-  </dgm:styleLbl>
-  <dgm:styleLbl name="parChTrans1D3">
-    <dgm:scene3d>
-      <a:camera prst="orthographicFront"/>
-      <a:lightRig rig="threePt" dir="t"/>
-    </dgm:scene3d>
-    <dgm:sp3d/>
-    <dgm:txPr/>
-    <dgm:style>
-      <a:lnRef idx="1">
-        <a:scrgbClr r="0" g="0" b="0"/>
-      </a:lnRef>
-      <a:fillRef idx="0">
-        <a:scrgbClr r="0" g="0" b="0"/>
-      </a:fillRef>
-      <a:effectRef idx="0">
-        <a:scrgbClr r="0" g="0" b="0"/>
-      </a:effectRef>
-      <a:fontRef idx="minor"/>
-    </dgm:style>
-  </dgm:styleLbl>
-  <dgm:styleLbl name="parChTrans1D4">
-    <dgm:scene3d>
-      <a:camera prst="orthographicFront"/>
-      <a:lightRig rig="threePt" dir="t"/>
-    </dgm:scene3d>
-    <dgm:sp3d/>
-    <dgm:txPr/>
-    <dgm:style>
-      <a:lnRef idx="1">
-        <a:scrgbClr r="0" g="0" b="0"/>
-      </a:lnRef>
-      <a:fillRef idx="0">
-        <a:scrgbClr r="0" g="0" b="0"/>
-      </a:fillRef>
-      <a:effectRef idx="0">
-        <a:scrgbClr r="0" g="0" b="0"/>
-      </a:effectRef>
-      <a:fontRef idx="minor"/>
-    </dgm:style>
-  </dgm:styleLbl>
-  <dgm:styleLbl name="fgAcc1">
-    <dgm:scene3d>
-      <a:camera prst="orthographicFront"/>
-      <a:lightRig rig="threePt" dir="t"/>
-    </dgm:scene3d>
-    <dgm:sp3d/>
-    <dgm:txPr/>
-    <dgm:style>
-      <a:lnRef idx="1">
-        <a:scrgbClr r="0" g="0" b="0"/>
-      </a:lnRef>
-      <a:fillRef idx="1">
-        <a:scrgbClr r="0" g="0" b="0"/>
-      </a:fillRef>
-      <a:effectRef idx="0">
-        <a:scrgbClr r="0" g="0" b="0"/>
-      </a:effectRef>
-      <a:fontRef idx="minor"/>
-    </dgm:style>
-  </dgm:styleLbl>
-  <dgm:styleLbl name="conFgAcc1">
-    <dgm:scene3d>
-      <a:camera prst="orthographicFront"/>
-      <a:lightRig rig="threePt" dir="t"/>
-    </dgm:scene3d>
-    <dgm:sp3d/>
-    <dgm:txPr/>
-    <dgm:style>
-      <a:lnRef idx="1">
-        <a:scrgbClr r="0" g="0" b="0"/>
-      </a:lnRef>
-      <a:fillRef idx="1">
-        <a:scrgbClr r="0" g="0" b="0"/>
-      </a:fillRef>
-      <a:effectRef idx="0">
-        <a:scrgbClr r="0" g="0" b="0"/>
-      </a:effectRef>
-      <a:fontRef idx="minor"/>
-    </dgm:style>
-  </dgm:styleLbl>
-  <dgm:styleLbl name="alignAcc1">
-    <dgm:scene3d>
-      <a:camera prst="orthographicFront"/>
-      <a:lightRig rig="threePt" dir="t"/>
-    </dgm:scene3d>
-    <dgm:sp3d/>
-    <dgm:txPr/>
-    <dgm:style>
-      <a:lnRef idx="1">
-        <a:scrgbClr r="0" g="0" b="0"/>
-      </a:lnRef>
-      <a:fillRef idx="1">
-        <a:scrgbClr r="0" g="0" b="0"/>
-      </a:fillRef>
-      <a:effectRef idx="0">
-        <a:scrgbClr r="0" g="0" b="0"/>
-      </a:effectRef>
-      <a:fontRef idx="minor"/>
-    </dgm:style>
-  </dgm:styleLbl>
-  <dgm:styleLbl name="trAlignAcc1">
-    <dgm:scene3d>
-      <a:camera prst="orthographicFront"/>
-      <a:lightRig rig="threePt" dir="t"/>
-    </dgm:scene3d>
-    <dgm:sp3d/>
-    <dgm:txPr/>
-    <dgm:style>
-      <a:lnRef idx="1">
-        <a:scrgbClr r="0" g="0" b="0"/>
-      </a:lnRef>
-      <a:fillRef idx="1">
-        <a:scrgbClr r="0" g="0" b="0"/>
-      </a:fillRef>
-      <a:effectRef idx="0">
-        <a:scrgbClr r="0" g="0" b="0"/>
-      </a:effectRef>
-      <a:fontRef idx="minor"/>
-    </dgm:style>
-  </dgm:styleLbl>
-  <dgm:styleLbl name="bgAcc1">
-    <dgm:scene3d>
-      <a:camera prst="orthographicFront"/>
-      <a:lightRig rig="threePt" dir="t"/>
-    </dgm:scene3d>
-    <dgm:sp3d/>
-    <dgm:txPr/>
-    <dgm:style>
-      <a:lnRef idx="1">
-        <a:scrgbClr r="0" g="0" b="0"/>
-      </a:lnRef>
-      <a:fillRef idx="1">
-        <a:scrgbClr r="0" g="0" b="0"/>
-      </a:fillRef>
-      <a:effectRef idx="0">
-        <a:scrgbClr r="0" g="0" b="0"/>
-      </a:effectRef>
-      <a:fontRef idx="minor"/>
-    </dgm:style>
-  </dgm:styleLbl>
-  <dgm:styleLbl name="solidFgAcc1">
-    <dgm:scene3d>
-      <a:camera prst="orthographicFront"/>
-      <a:lightRig rig="threePt" dir="t"/>
-    </dgm:scene3d>
-    <dgm:sp3d/>
-    <dgm:txPr/>
-    <dgm:style>
-      <a:lnRef idx="1">
-        <a:scrgbClr r="0" g="0" b="0"/>
-      </a:lnRef>
-      <a:fillRef idx="1">
-        <a:scrgbClr r="0" g="0" b="0"/>
-      </a:fillRef>
-      <a:effectRef idx="0">
-        <a:scrgbClr r="0" g="0" b="0"/>
-      </a:effectRef>
-      <a:fontRef idx="minor"/>
-    </dgm:style>
-  </dgm:styleLbl>
-  <dgm:styleLbl name="solidAlignAcc1">
-    <dgm:scene3d>
-      <a:camera prst="orthographicFront"/>
-      <a:lightRig rig="threePt" dir="t"/>
-    </dgm:scene3d>
-    <dgm:sp3d/>
-    <dgm:txPr/>
-    <dgm:style>
-      <a:lnRef idx="1">
-        <a:scrgbClr r="0" g="0" b="0"/>
-      </a:lnRef>
-      <a:fillRef idx="1">
-        <a:scrgbClr r="0" g="0" b="0"/>
-      </a:fillRef>
-      <a:effectRef idx="0">
-        <a:scrgbClr r="0" g="0" b="0"/>
-      </a:effectRef>
-      <a:fontRef idx="minor"/>
-    </dgm:style>
-  </dgm:styleLbl>
-  <dgm:styleLbl name="solidBgAcc1">
-    <dgm:scene3d>
-      <a:camera prst="orthographicFront"/>
-      <a:lightRig rig="threePt" dir="t"/>
-    </dgm:scene3d>
-    <dgm:sp3d/>
-    <dgm:txPr/>
-    <dgm:style>
-      <a:lnRef idx="1">
-        <a:scrgbClr r="0" g="0" b="0"/>
-      </a:lnRef>
-      <a:fillRef idx="1">
-        <a:scrgbClr r="0" g="0" b="0"/>
-      </a:fillRef>
-      <a:effectRef idx="0">
-        <a:scrgbClr r="0" g="0" b="0"/>
-      </a:effectRef>
-      <a:fontRef idx="minor"/>
-    </dgm:style>
-  </dgm:styleLbl>
-  <dgm:styleLbl name="fgAccFollowNode1">
-    <dgm:scene3d>
-      <a:camera prst="orthographicFront"/>
-      <a:lightRig rig="threePt" dir="t"/>
-    </dgm:scene3d>
-    <dgm:sp3d/>
-    <dgm:txPr/>
-    <dgm:style>
-      <a:lnRef idx="1">
-        <a:scrgbClr r="0" g="0" b="0"/>
-      </a:lnRef>
-      <a:fillRef idx="1">
-        <a:scrgbClr r="0" g="0" b="0"/>
-      </a:fillRef>
-      <a:effectRef idx="0">
-        <a:scrgbClr r="0" g="0" b="0"/>
-      </a:effectRef>
-      <a:fontRef idx="minor"/>
-    </dgm:style>
-  </dgm:styleLbl>
-  <dgm:styleLbl name="alignAccFollowNode1">
-    <dgm:scene3d>
-      <a:camera prst="orthographicFront"/>
-      <a:lightRig rig="threePt" dir="t"/>
-    </dgm:scene3d>
-    <dgm:sp3d/>
-    <dgm:txPr/>
-    <dgm:style>
-      <a:lnRef idx="1">
-        <a:scrgbClr r="0" g="0" b="0"/>
-      </a:lnRef>
-      <a:fillRef idx="1">
-        <a:scrgbClr r="0" g="0" b="0"/>
-      </a:fillRef>
-      <a:effectRef idx="0">
-        <a:scrgbClr r="0" g="0" b="0"/>
-      </a:effectRef>
-      <a:fontRef idx="minor"/>
-    </dgm:style>
-  </dgm:styleLbl>
-  <dgm:styleLbl name="bgAccFollowNode1">
-    <dgm:scene3d>
-      <a:camera prst="orthographicFront"/>
-      <a:lightRig rig="threePt" dir="t"/>
-    </dgm:scene3d>
-    <dgm:sp3d/>
-    <dgm:txPr/>
-    <dgm:style>
-      <a:lnRef idx="1">
-        <a:scrgbClr r="0" g="0" b="0"/>
-      </a:lnRef>
-      <a:fillRef idx="1">
-        <a:scrgbClr r="0" g="0" b="0"/>
-      </a:fillRef>
-      <a:effectRef idx="0">
-        <a:scrgbClr r="0" g="0" b="0"/>
-      </a:effectRef>
-      <a:fontRef idx="minor"/>
-    </dgm:style>
-  </dgm:styleLbl>
-  <dgm:styleLbl name="fgAcc0">
-    <dgm:scene3d>
-      <a:camera prst="orthographicFront"/>
-      <a:lightRig rig="threePt" dir="t"/>
-    </dgm:scene3d>
-    <dgm:sp3d/>
-    <dgm:txPr/>
-    <dgm:style>
-      <a:lnRef idx="1">
-        <a:scrgbClr r="0" g="0" b="0"/>
-      </a:lnRef>
-      <a:fillRef idx="1">
-        <a:scrgbClr r="0" g="0" b="0"/>
-      </a:fillRef>
-      <a:effectRef idx="0">
-        <a:scrgbClr r="0" g="0" b="0"/>
-      </a:effectRef>
-      <a:fontRef idx="minor"/>
-    </dgm:style>
-  </dgm:styleLbl>
-  <dgm:styleLbl name="fgAcc2">
-    <dgm:scene3d>
-      <a:camera prst="orthographicFront"/>
-      <a:lightRig rig="threePt" dir="t"/>
-    </dgm:scene3d>
-    <dgm:sp3d/>
-    <dgm:txPr/>
-    <dgm:style>
-      <a:lnRef idx="1">
-        <a:scrgbClr r="0" g="0" b="0"/>
-      </a:lnRef>
-      <a:fillRef idx="1">
-        <a:scrgbClr r="0" g="0" b="0"/>
-      </a:fillRef>
-      <a:effectRef idx="0">
-        <a:scrgbClr r="0" g="0" b="0"/>
-      </a:effectRef>
-      <a:fontRef idx="minor"/>
-    </dgm:style>
-  </dgm:styleLbl>
-  <dgm:styleLbl name="fgAcc3">
-    <dgm:scene3d>
-      <a:camera prst="orthographicFront"/>
-      <a:lightRig rig="threePt" dir="t"/>
-    </dgm:scene3d>
-    <dgm:sp3d/>
-    <dgm:txPr/>
-    <dgm:style>
-      <a:lnRef idx="1">
-        <a:scrgbClr r="0" g="0" b="0"/>
-      </a:lnRef>
-      <a:fillRef idx="1">
-        <a:scrgbClr r="0" g="0" b="0"/>
-      </a:fillRef>
-      <a:effectRef idx="0">
-        <a:scrgbClr r="0" g="0" b="0"/>
-      </a:effectRef>
-      <a:fontRef idx="minor"/>
-    </dgm:style>
-  </dgm:styleLbl>
-  <dgm:styleLbl name="fgAcc4">
-    <dgm:scene3d>
-      <a:camera prst="orthographicFront"/>
-      <a:lightRig rig="threePt" dir="t"/>
-    </dgm:scene3d>
-    <dgm:sp3d/>
-    <dgm:txPr/>
-    <dgm:style>
-      <a:lnRef idx="1">
-        <a:scrgbClr r="0" g="0" b="0"/>
-      </a:lnRef>
-      <a:fillRef idx="1">
-        <a:scrgbClr r="0" g="0" b="0"/>
-      </a:fillRef>
-      <a:effectRef idx="0">
-        <a:scrgbClr r="0" g="0" b="0"/>
-      </a:effectRef>
-      <a:fontRef idx="minor"/>
-    </dgm:style>
-  </dgm:styleLbl>
-  <dgm:styleLbl name="bgShp">
-    <dgm:scene3d>
-      <a:camera prst="orthographicFront"/>
-      <a:lightRig rig="threePt" dir="t"/>
-    </dgm:scene3d>
-    <dgm:sp3d/>
-    <dgm:txPr/>
-    <dgm:style>
-      <a:lnRef idx="0">
-        <a:scrgbClr r="0" g="0" b="0"/>
-      </a:lnRef>
-      <a:fillRef idx="1">
-        <a:scrgbClr r="0" g="0" b="0"/>
-      </a:fillRef>
-      <a:effectRef idx="2">
-        <a:scrgbClr r="0" g="0" b="0"/>
-      </a:effectRef>
-      <a:fontRef idx="minor"/>
-    </dgm:style>
-  </dgm:styleLbl>
-  <dgm:styleLbl name="dkBgShp">
-    <dgm:scene3d>
-      <a:camera prst="orthographicFront"/>
-      <a:lightRig rig="threePt" dir="t"/>
-    </dgm:scene3d>
-    <dgm:sp3d/>
-    <dgm:txPr/>
-    <dgm:style>
-      <a:lnRef idx="0">
-        <a:scrgbClr r="0" g="0" b="0"/>
-      </a:lnRef>
-      <a:fillRef idx="1">
-        <a:scrgbClr r="0" g="0" b="0"/>
-      </a:fillRef>
-      <a:effectRef idx="2">
-        <a:scrgbClr r="0" g="0" b="0"/>
-      </a:effectRef>
-      <a:fontRef idx="minor"/>
-    </dgm:style>
-  </dgm:styleLbl>
-  <dgm:styleLbl name="trBgShp">
-    <dgm:scene3d>
-      <a:camera prst="orthographicFront"/>
-      <a:lightRig rig="threePt" dir="t"/>
-    </dgm:scene3d>
-    <dgm:sp3d/>
-    <dgm:txPr/>
-    <dgm:style>
-      <a:lnRef idx="0">
-        <a:scrgbClr r="0" g="0" b="0"/>
-      </a:lnRef>
-      <a:fillRef idx="1">
-        <a:scrgbClr r="0" g="0" b="0"/>
-      </a:fillRef>
-      <a:effectRef idx="0">
-        <a:scrgbClr r="0" g="0" b="0"/>
-      </a:effectRef>
-      <a:fontRef idx="minor"/>
-    </dgm:style>
-  </dgm:styleLbl>
-  <dgm:styleLbl name="fgShp">
-    <dgm:scene3d>
-      <a:camera prst="orthographicFront"/>
-      <a:lightRig rig="threePt" dir="t"/>
-    </dgm:scene3d>
-    <dgm:sp3d/>
-    <dgm:txPr/>
-    <dgm:style>
-      <a:lnRef idx="0">
-        <a:scrgbClr r="0" g="0" b="0"/>
-      </a:lnRef>
-      <a:fillRef idx="3">
-        <a:scrgbClr r="0" g="0" b="0"/>
-      </a:fillRef>
-      <a:effectRef idx="2">
-        <a:scrgbClr r="0" g="0" b="0"/>
-      </a:effectRef>
-      <a:fontRef idx="minor"/>
-    </dgm:style>
-  </dgm:styleLbl>
-  <dgm:styleLbl name="revTx">
-    <dgm:scene3d>
-      <a:camera prst="orthographicFront"/>
-      <a:lightRig rig="threePt" dir="t"/>
-    </dgm:scene3d>
-    <dgm:sp3d/>
-    <dgm:txPr/>
-    <dgm:style>
-      <a:lnRef idx="0">
-        <a:scrgbClr r="0" g="0" b="0"/>
-      </a:lnRef>
-      <a:fillRef idx="0">
-        <a:scrgbClr r="0" g="0" b="0"/>
-      </a:fillRef>
-      <a:effectRef idx="0">
-        <a:scrgbClr r="0" g="0" b="0"/>
-      </a:effectRef>
-      <a:fontRef idx="minor"/>
-    </dgm:style>
-  </dgm:styleLbl>
-</dgm:styleDef>
-</file>
-
 <file path=ppt/handoutMasters/handoutMaster1.xml><?xml version="1.0" encoding="utf-8"?>
 <p:handoutMaster xmlns:a="http://schemas.openxmlformats.org/drawingml/2006/main" xmlns:r="http://schemas.openxmlformats.org/officeDocument/2006/relationships" xmlns:p="http://schemas.openxmlformats.org/presentationml/2006/main">
   <p:cSld>
@@ -6479,7 +3051,7 @@
           </a:lstStyle>
           <a:p>
             <a:fld id="{28C08BCD-7B2F-4BCE-87AF-5D67EFFE4D17}" type="datetimeFigureOut">
-              <a:t>2018/12/11</a:t>
+              <a:t>2018/12/12</a:t>
             </a:fld>
             <a:endParaRPr lang="zh-CN"/>
           </a:p>
@@ -6900,7 +3472,7 @@
           <a:p>
             <a:fld id="{1B6A1353-EEA5-436B-AB14-1D84B195E669}" type="slidenum">
               <a:rPr lang="en-US" altLang="zh-CN" smtClean="0"/>
-              <a:t>34</a:t>
+              <a:t>27</a:t>
             </a:fld>
             <a:endParaRPr lang="zh-CN" altLang="en-US"/>
           </a:p>
@@ -7318,7 +3890,7 @@
           <a:p>
             <a:fld id="{8E36636D-D922-432D-A958-524484B5923D}" type="datetimeFigureOut">
               <a:pPr/>
-              <a:t>2018/12/11</a:t>
+              <a:t>2018/12/12</a:t>
             </a:fld>
             <a:endParaRPr lang="zh-CN"/>
           </a:p>
@@ -7692,7 +4264,7 @@
           <a:p>
             <a:fld id="{749F4917-CE56-4645-8050-1555FA0B180B}" type="datetimeFigureOut">
               <a:pPr/>
-              <a:t>2018/12/11</a:t>
+              <a:t>2018/12/12</a:t>
             </a:fld>
             <a:endParaRPr lang="zh-CN"/>
           </a:p>
@@ -8013,7 +4585,7 @@
           <a:p>
             <a:fld id="{8E36636D-D922-432D-A958-524484B5923D}" type="datetimeFigureOut">
               <a:pPr/>
-              <a:t>2018/12/11</a:t>
+              <a:t>2018/12/12</a:t>
             </a:fld>
             <a:endParaRPr lang="zh-CN"/>
           </a:p>
@@ -8172,7 +4744,7 @@
           <a:p>
             <a:fld id="{8E36636D-D922-432D-A958-524484B5923D}" type="datetimeFigureOut">
               <a:pPr/>
-              <a:t>2018/12/11</a:t>
+              <a:t>2018/12/12</a:t>
             </a:fld>
             <a:endParaRPr lang="zh-CN"/>
           </a:p>
@@ -8393,7 +4965,7 @@
           <a:p>
             <a:fld id="{8E36636D-D922-432D-A958-524484B5923D}" type="datetimeFigureOut">
               <a:pPr/>
-              <a:t>2018/12/11</a:t>
+              <a:t>2018/12/12</a:t>
             </a:fld>
             <a:endParaRPr lang="zh-CN"/>
           </a:p>
@@ -8813,7 +5385,7 @@
           <a:p>
             <a:fld id="{8E36636D-D922-432D-A958-524484B5923D}" type="datetimeFigureOut">
               <a:pPr/>
-              <a:t>2018/12/11</a:t>
+              <a:t>2018/12/12</a:t>
             </a:fld>
             <a:endParaRPr lang="zh-CN"/>
           </a:p>
@@ -9314,7 +5886,7 @@
           <a:p>
             <a:fld id="{8E36636D-D922-432D-A958-524484B5923D}" type="datetimeFigureOut">
               <a:pPr/>
-              <a:t>2018/12/11</a:t>
+              <a:t>2018/12/12</a:t>
             </a:fld>
             <a:endParaRPr lang="zh-CN"/>
           </a:p>
@@ -9613,7 +6185,7 @@
           <a:p>
             <a:fld id="{8E36636D-D922-432D-A958-524484B5923D}" type="datetimeFigureOut">
               <a:pPr/>
-              <a:t>2018/12/11</a:t>
+              <a:t>2018/12/12</a:t>
             </a:fld>
             <a:endParaRPr lang="zh-CN"/>
           </a:p>
@@ -10052,7 +6624,7 @@
           <a:p>
             <a:fld id="{8E36636D-D922-432D-A958-524484B5923D}" type="datetimeFigureOut">
               <a:pPr/>
-              <a:t>2018/12/11</a:t>
+              <a:t>2018/12/12</a:t>
             </a:fld>
             <a:endParaRPr lang="zh-CN"/>
           </a:p>
@@ -10177,7 +6749,7 @@
           <a:p>
             <a:fld id="{8E36636D-D922-432D-A958-524484B5923D}" type="datetimeFigureOut">
               <a:pPr/>
-              <a:t>2018/12/11</a:t>
+              <a:t>2018/12/12</a:t>
             </a:fld>
             <a:endParaRPr lang="zh-CN"/>
           </a:p>
@@ -10279,7 +6851,7 @@
           <a:p>
             <a:fld id="{8E36636D-D922-432D-A958-524484B5923D}" type="datetimeFigureOut">
               <a:pPr/>
-              <a:t>2018/12/11</a:t>
+              <a:t>2018/12/12</a:t>
             </a:fld>
             <a:endParaRPr lang="zh-CN"/>
           </a:p>
@@ -10696,7 +7268,7 @@
           <a:p>
             <a:fld id="{8E36636D-D922-432D-A958-524484B5923D}" type="datetimeFigureOut">
               <a:pPr/>
-              <a:t>2018/12/11</a:t>
+              <a:t>2018/12/12</a:t>
             </a:fld>
             <a:endParaRPr lang="zh-CN"/>
           </a:p>
@@ -11209,7 +7781,7 @@
             <a:fld id="{8E36636D-D922-432D-A958-524484B5923D}" type="datetimeFigureOut">
               <a:rPr lang="en-US" altLang="zh-CN" smtClean="0"/>
               <a:pPr/>
-              <a:t>12/11/2018</a:t>
+              <a:t>12/12/2018</a:t>
             </a:fld>
             <a:endParaRPr lang="en-US" altLang="zh-CN"/>
           </a:p>
@@ -14057,6 +10629,66 @@
           </a:prstGeom>
         </p:spPr>
       </p:pic>
+      <p:pic>
+        <p:nvPicPr>
+          <p:cNvPr id="7" name="图片 6">
+            <a:extLst>
+              <a:ext uri="{FF2B5EF4-FFF2-40B4-BE49-F238E27FC236}">
+                <a16:creationId xmlns:a16="http://schemas.microsoft.com/office/drawing/2014/main" id="{A1B5546F-4747-4A39-B3DE-2F4314DB8D63}"/>
+              </a:ext>
+            </a:extLst>
+          </p:cNvPr>
+          <p:cNvPicPr>
+            <a:picLocks noChangeAspect="1"/>
+          </p:cNvPicPr>
+          <p:nvPr/>
+        </p:nvPicPr>
+        <p:blipFill>
+          <a:blip r:embed="rId4"/>
+          <a:stretch>
+            <a:fillRect/>
+          </a:stretch>
+        </p:blipFill>
+        <p:spPr>
+          <a:xfrm>
+            <a:off x="11492322" y="6172200"/>
+            <a:ext cx="657143" cy="638095"/>
+          </a:xfrm>
+          <a:prstGeom prst="rect">
+            <a:avLst/>
+          </a:prstGeom>
+        </p:spPr>
+      </p:pic>
+      <p:pic>
+        <p:nvPicPr>
+          <p:cNvPr id="8" name="图片 7">
+            <a:extLst>
+              <a:ext uri="{FF2B5EF4-FFF2-40B4-BE49-F238E27FC236}">
+                <a16:creationId xmlns:a16="http://schemas.microsoft.com/office/drawing/2014/main" id="{D76E8A8A-3C8B-484A-BB79-F660AE7CB050}"/>
+              </a:ext>
+            </a:extLst>
+          </p:cNvPr>
+          <p:cNvPicPr>
+            <a:picLocks noChangeAspect="1"/>
+          </p:cNvPicPr>
+          <p:nvPr/>
+        </p:nvPicPr>
+        <p:blipFill>
+          <a:blip r:embed="rId5"/>
+          <a:stretch>
+            <a:fillRect/>
+          </a:stretch>
+        </p:blipFill>
+        <p:spPr>
+          <a:xfrm>
+            <a:off x="2705519" y="6162762"/>
+            <a:ext cx="733333" cy="695238"/>
+          </a:xfrm>
+          <a:prstGeom prst="rect">
+            <a:avLst/>
+          </a:prstGeom>
+        </p:spPr>
+      </p:pic>
     </p:spTree>
     <p:extLst>
       <p:ext uri="{BB962C8B-B14F-4D97-AF65-F5344CB8AC3E}">
@@ -14621,6 +11253,66 @@
           <a:xfrm>
             <a:off x="4438228" y="-16368"/>
             <a:ext cx="7924067" cy="6469704"/>
+          </a:xfrm>
+          <a:prstGeom prst="rect">
+            <a:avLst/>
+          </a:prstGeom>
+        </p:spPr>
+      </p:pic>
+      <p:pic>
+        <p:nvPicPr>
+          <p:cNvPr id="6" name="图片 5">
+            <a:extLst>
+              <a:ext uri="{FF2B5EF4-FFF2-40B4-BE49-F238E27FC236}">
+                <a16:creationId xmlns:a16="http://schemas.microsoft.com/office/drawing/2014/main" id="{0337869C-9015-4C26-8A5B-03AB2994266F}"/>
+              </a:ext>
+            </a:extLst>
+          </p:cNvPr>
+          <p:cNvPicPr>
+            <a:picLocks noChangeAspect="1"/>
+          </p:cNvPicPr>
+          <p:nvPr/>
+        </p:nvPicPr>
+        <p:blipFill>
+          <a:blip r:embed="rId4"/>
+          <a:stretch>
+            <a:fillRect/>
+          </a:stretch>
+        </p:blipFill>
+        <p:spPr>
+          <a:xfrm>
+            <a:off x="3319550" y="5617530"/>
+            <a:ext cx="733333" cy="695238"/>
+          </a:xfrm>
+          <a:prstGeom prst="rect">
+            <a:avLst/>
+          </a:prstGeom>
+        </p:spPr>
+      </p:pic>
+      <p:pic>
+        <p:nvPicPr>
+          <p:cNvPr id="7" name="图片 6">
+            <a:extLst>
+              <a:ext uri="{FF2B5EF4-FFF2-40B4-BE49-F238E27FC236}">
+                <a16:creationId xmlns:a16="http://schemas.microsoft.com/office/drawing/2014/main" id="{A7E3CA25-028A-43DA-BFDC-B195381C44F4}"/>
+              </a:ext>
+            </a:extLst>
+          </p:cNvPr>
+          <p:cNvPicPr>
+            <a:picLocks noChangeAspect="1"/>
+          </p:cNvPicPr>
+          <p:nvPr/>
+        </p:nvPicPr>
+        <p:blipFill>
+          <a:blip r:embed="rId5"/>
+          <a:stretch>
+            <a:fillRect/>
+          </a:stretch>
+        </p:blipFill>
+        <p:spPr>
+          <a:xfrm>
+            <a:off x="11705152" y="5786313"/>
+            <a:ext cx="657143" cy="638095"/>
           </a:xfrm>
           <a:prstGeom prst="rect">
             <a:avLst/>
@@ -15377,6 +12069,96 @@
           </a:prstGeom>
         </p:spPr>
       </p:pic>
+      <p:pic>
+        <p:nvPicPr>
+          <p:cNvPr id="7" name="图片 6">
+            <a:extLst>
+              <a:ext uri="{FF2B5EF4-FFF2-40B4-BE49-F238E27FC236}">
+                <a16:creationId xmlns:a16="http://schemas.microsoft.com/office/drawing/2014/main" id="{1D2261AF-5B5D-4AC1-B9FC-06000B22D2BA}"/>
+              </a:ext>
+            </a:extLst>
+          </p:cNvPr>
+          <p:cNvPicPr>
+            <a:picLocks noChangeAspect="1"/>
+          </p:cNvPicPr>
+          <p:nvPr/>
+        </p:nvPicPr>
+        <p:blipFill>
+          <a:blip r:embed="rId5"/>
+          <a:stretch>
+            <a:fillRect/>
+          </a:stretch>
+        </p:blipFill>
+        <p:spPr>
+          <a:xfrm>
+            <a:off x="1771429" y="5599200"/>
+            <a:ext cx="733333" cy="695238"/>
+          </a:xfrm>
+          <a:prstGeom prst="rect">
+            <a:avLst/>
+          </a:prstGeom>
+        </p:spPr>
+      </p:pic>
+      <p:pic>
+        <p:nvPicPr>
+          <p:cNvPr id="8" name="图片 7">
+            <a:extLst>
+              <a:ext uri="{FF2B5EF4-FFF2-40B4-BE49-F238E27FC236}">
+                <a16:creationId xmlns:a16="http://schemas.microsoft.com/office/drawing/2014/main" id="{8411C92B-B377-4C44-ABAB-0AC503FF2B50}"/>
+              </a:ext>
+            </a:extLst>
+          </p:cNvPr>
+          <p:cNvPicPr>
+            <a:picLocks noChangeAspect="1"/>
+          </p:cNvPicPr>
+          <p:nvPr/>
+        </p:nvPicPr>
+        <p:blipFill>
+          <a:blip r:embed="rId6"/>
+          <a:stretch>
+            <a:fillRect/>
+          </a:stretch>
+        </p:blipFill>
+        <p:spPr>
+          <a:xfrm>
+            <a:off x="6465299" y="4093836"/>
+            <a:ext cx="657143" cy="638095"/>
+          </a:xfrm>
+          <a:prstGeom prst="rect">
+            <a:avLst/>
+          </a:prstGeom>
+        </p:spPr>
+      </p:pic>
+      <p:pic>
+        <p:nvPicPr>
+          <p:cNvPr id="9" name="图片 8">
+            <a:extLst>
+              <a:ext uri="{FF2B5EF4-FFF2-40B4-BE49-F238E27FC236}">
+                <a16:creationId xmlns:a16="http://schemas.microsoft.com/office/drawing/2014/main" id="{227343D7-E324-4CCF-B4D2-BB2F1C55AB19}"/>
+              </a:ext>
+            </a:extLst>
+          </p:cNvPr>
+          <p:cNvPicPr>
+            <a:picLocks noChangeAspect="1"/>
+          </p:cNvPicPr>
+          <p:nvPr/>
+        </p:nvPicPr>
+        <p:blipFill>
+          <a:blip r:embed="rId7"/>
+          <a:stretch>
+            <a:fillRect/>
+          </a:stretch>
+        </p:blipFill>
+        <p:spPr>
+          <a:xfrm>
+            <a:off x="11503111" y="0"/>
+            <a:ext cx="685714" cy="704762"/>
+          </a:xfrm>
+          <a:prstGeom prst="rect">
+            <a:avLst/>
+          </a:prstGeom>
+        </p:spPr>
+      </p:pic>
     </p:spTree>
     <p:extLst>
       <p:ext uri="{BB962C8B-B14F-4D97-AF65-F5344CB8AC3E}">
@@ -15608,128 +12390,70 @@
         <p:spPr/>
         <p:txBody>
           <a:bodyPr>
-            <a:normAutofit fontScale="92500"/>
+            <a:normAutofit/>
           </a:bodyPr>
           <a:lstStyle/>
           <a:p>
             <a:r>
-              <a:rPr lang="en-US" altLang="zh-CN" b="1" dirty="0"/>
-              <a:t>1.</a:t>
-            </a:r>
-            <a:r>
-              <a:rPr lang="zh-CN" altLang="en-US" b="1" dirty="0"/>
-              <a:t>介绍：</a:t>
-            </a:r>
-          </a:p>
-          <a:p>
-            <a:r>
-              <a:rPr lang="zh-CN" altLang="en-US" sz="1900" dirty="0"/>
-              <a:t>     充分利用现代 </a:t>
-            </a:r>
-            <a:r>
-              <a:rPr lang="en-US" altLang="zh-CN" sz="1900" dirty="0"/>
-              <a:t>Web </a:t>
-            </a:r>
-            <a:r>
-              <a:rPr lang="zh-CN" altLang="en-US" sz="1900" dirty="0"/>
-              <a:t>平台的各种能力，提供 </a:t>
-            </a:r>
-            <a:r>
-              <a:rPr lang="en-US" altLang="zh-CN" sz="1900" dirty="0"/>
-              <a:t>App </a:t>
-            </a:r>
-            <a:r>
-              <a:rPr lang="zh-CN" altLang="en-US" sz="1900" dirty="0"/>
-              <a:t>式体验。高性能、离线使用、免安   </a:t>
-            </a:r>
-            <a:r>
-              <a:rPr lang="en-US" altLang="zh-CN" sz="1900" dirty="0"/>
-              <a:t>     </a:t>
-            </a:r>
-          </a:p>
-          <a:p>
-            <a:r>
-              <a:rPr lang="zh-CN" altLang="en-US" sz="1900" dirty="0"/>
-              <a:t>     装</a:t>
-            </a:r>
-            <a:endParaRPr lang="en-US" altLang="zh-CN" sz="1900" b="1" dirty="0"/>
+              <a:rPr lang="zh-CN" altLang="en-US" sz="1700" dirty="0"/>
+              <a:t>    每个组件都是一个独立的类</a:t>
+            </a:r>
+            <a:endParaRPr lang="en-US" altLang="zh-CN" sz="1700" dirty="0"/>
           </a:p>
           <a:p>
             <a:r>
               <a:rPr lang="en-US" altLang="zh-CN" sz="1700" dirty="0"/>
-              <a:t>     Angular</a:t>
+              <a:t>    </a:t>
             </a:r>
             <a:r>
               <a:rPr lang="zh-CN" altLang="en-US" sz="1700" dirty="0"/>
-              <a:t>会把你的模板转换成代码，针对现代</a:t>
+              <a:t>组件与组件可以拼装，但是不耦合，仅仅暴露通讯接口</a:t>
             </a:r>
             <a:r>
               <a:rPr lang="en-US" altLang="zh-CN" sz="1700" dirty="0"/>
-              <a:t>JavaScript</a:t>
+              <a:t>@Input</a:t>
             </a:r>
             <a:r>
               <a:rPr lang="zh-CN" altLang="en-US" sz="1700" dirty="0"/>
-              <a:t>虚拟机进行高度优化，轻松获得框架提供</a:t>
+              <a:t>，</a:t>
+            </a:r>
+            <a:r>
+              <a:rPr lang="en-US" altLang="zh-CN" sz="1700" dirty="0"/>
+              <a:t>@</a:t>
+            </a:r>
+            <a:r>
+              <a:rPr lang="en-US" altLang="zh-CN" sz="1700" dirty="0" err="1"/>
+              <a:t>Outpu</a:t>
+            </a:r>
+            <a:r>
+              <a:rPr lang="en-US" altLang="zh-CN" sz="1700" dirty="0"/>
+              <a:t>,</a:t>
+            </a:r>
+            <a:r>
+              <a:rPr lang="zh-CN" altLang="en-US" sz="1700" dirty="0"/>
+              <a:t>或者通过      </a:t>
             </a:r>
             <a:endParaRPr lang="en-US" altLang="zh-CN" sz="1700" dirty="0"/>
           </a:p>
           <a:p>
             <a:r>
+              <a:rPr lang="en-US" altLang="zh-CN" sz="1700" dirty="0"/>
+              <a:t>    @</a:t>
+            </a:r>
+            <a:r>
+              <a:rPr lang="en-US" altLang="zh-CN" sz="1700" dirty="0" err="1"/>
+              <a:t>viewchild</a:t>
+            </a:r>
+            <a:r>
               <a:rPr lang="zh-CN" altLang="en-US" sz="1700" dirty="0"/>
-              <a:t>     的高生产率，同时又能保留所有手写代码的优点。</a:t>
+              <a:t>获取当前组件，或者当前页面的实例。</a:t>
             </a:r>
             <a:endParaRPr lang="en-US" altLang="zh-CN" sz="1700" dirty="0"/>
           </a:p>
           <a:p>
             <a:r>
               <a:rPr lang="zh-CN" altLang="en-US" sz="1700" dirty="0"/>
-              <a:t>     通过简单而强大的模板语法，快速创建</a:t>
-            </a:r>
-            <a:r>
-              <a:rPr lang="en-US" altLang="zh-CN" sz="1700" dirty="0"/>
-              <a:t>UI</a:t>
-            </a:r>
-            <a:r>
-              <a:rPr lang="zh-CN" altLang="en-US" sz="1700" dirty="0"/>
-              <a:t>视图语法检查</a:t>
-            </a:r>
-            <a:r>
-              <a:rPr lang="en-US" altLang="zh-CN" sz="1700" dirty="0"/>
-              <a:t>(</a:t>
-            </a:r>
-            <a:r>
-              <a:rPr lang="en-US" altLang="zh-CN" sz="1700" dirty="0" err="1"/>
-              <a:t>js</a:t>
-            </a:r>
-            <a:r>
-              <a:rPr lang="en-US" altLang="zh-CN" sz="1700" dirty="0"/>
-              <a:t>)</a:t>
-            </a:r>
-          </a:p>
-          <a:p>
-            <a:r>
-              <a:rPr lang="en-US" altLang="zh-CN" sz="1700" dirty="0"/>
-              <a:t>     less/sass</a:t>
-            </a:r>
-            <a:r>
-              <a:rPr lang="zh-CN" altLang="en-US" sz="1700" dirty="0"/>
-              <a:t>预编译处理</a:t>
-            </a:r>
-          </a:p>
-          <a:p>
-            <a:r>
-              <a:rPr lang="zh-CN" altLang="en-US" sz="1700" dirty="0"/>
-              <a:t>     命令行工具：快速进入构建环节、添加组件和测试，然后立即部署</a:t>
-            </a:r>
-          </a:p>
-          <a:p>
-            <a:r>
-              <a:rPr lang="zh-CN" altLang="en-US" dirty="0"/>
-              <a:t>    </a:t>
-            </a:r>
-            <a:r>
-              <a:rPr lang="zh-CN" altLang="en-US" sz="1700" dirty="0"/>
-              <a:t>完善的生命周期流程</a:t>
+              <a:t>    组件具有完整的生命周期流程</a:t>
             </a:r>
           </a:p>
           <a:p>
@@ -15799,7 +12523,7 @@
           <a:p>
             <a:r>
               <a:rPr lang="zh-CN" altLang="en-US" dirty="0"/>
-              <a:t>技术点讲解：面向对象开发</a:t>
+              <a:t>技术点讲解：组件开发</a:t>
             </a:r>
             <a:endParaRPr lang="zh-CN" dirty="0">
               <a:latin typeface="微软雅黑" pitchFamily="34" charset="-122"/>
@@ -15821,128 +12545,70 @@
         <p:spPr/>
         <p:txBody>
           <a:bodyPr>
-            <a:normAutofit fontScale="92500"/>
+            <a:normAutofit/>
           </a:bodyPr>
           <a:lstStyle/>
           <a:p>
             <a:r>
-              <a:rPr lang="en-US" altLang="zh-CN" b="1" dirty="0"/>
-              <a:t>1.</a:t>
-            </a:r>
-            <a:r>
-              <a:rPr lang="zh-CN" altLang="en-US" b="1" dirty="0"/>
-              <a:t>介绍：</a:t>
-            </a:r>
-          </a:p>
-          <a:p>
-            <a:r>
-              <a:rPr lang="zh-CN" altLang="en-US" sz="1900" dirty="0"/>
-              <a:t>     充分利用现代 </a:t>
-            </a:r>
-            <a:r>
-              <a:rPr lang="en-US" altLang="zh-CN" sz="1900" dirty="0"/>
-              <a:t>Web </a:t>
-            </a:r>
-            <a:r>
-              <a:rPr lang="zh-CN" altLang="en-US" sz="1900" dirty="0"/>
-              <a:t>平台的各种能力，提供 </a:t>
-            </a:r>
-            <a:r>
-              <a:rPr lang="en-US" altLang="zh-CN" sz="1900" dirty="0"/>
-              <a:t>App </a:t>
-            </a:r>
-            <a:r>
-              <a:rPr lang="zh-CN" altLang="en-US" sz="1900" dirty="0"/>
-              <a:t>式体验。高性能、离线使用、免安   </a:t>
-            </a:r>
-            <a:r>
-              <a:rPr lang="en-US" altLang="zh-CN" sz="1900" dirty="0"/>
-              <a:t>     </a:t>
-            </a:r>
-          </a:p>
-          <a:p>
-            <a:r>
-              <a:rPr lang="zh-CN" altLang="en-US" sz="1900" dirty="0"/>
-              <a:t>     装</a:t>
-            </a:r>
-            <a:endParaRPr lang="en-US" altLang="zh-CN" sz="1900" b="1" dirty="0"/>
+              <a:rPr lang="zh-CN" altLang="en-US" sz="1700" dirty="0"/>
+              <a:t>    每个组件都是一个独立的类</a:t>
+            </a:r>
+            <a:endParaRPr lang="en-US" altLang="zh-CN" sz="1700" dirty="0"/>
           </a:p>
           <a:p>
             <a:r>
               <a:rPr lang="en-US" altLang="zh-CN" sz="1700" dirty="0"/>
-              <a:t>     Angular</a:t>
+              <a:t>    </a:t>
             </a:r>
             <a:r>
               <a:rPr lang="zh-CN" altLang="en-US" sz="1700" dirty="0"/>
-              <a:t>会把你的模板转换成代码，针对现代</a:t>
+              <a:t>组件与组件可以拼装，但是不耦合，仅仅暴露通讯接口</a:t>
             </a:r>
             <a:r>
               <a:rPr lang="en-US" altLang="zh-CN" sz="1700" dirty="0"/>
-              <a:t>JavaScript</a:t>
+              <a:t>@Input</a:t>
             </a:r>
             <a:r>
               <a:rPr lang="zh-CN" altLang="en-US" sz="1700" dirty="0"/>
-              <a:t>虚拟机进行高度优化，轻松获得框架提供</a:t>
+              <a:t>，</a:t>
+            </a:r>
+            <a:r>
+              <a:rPr lang="en-US" altLang="zh-CN" sz="1700" dirty="0"/>
+              <a:t>@</a:t>
+            </a:r>
+            <a:r>
+              <a:rPr lang="en-US" altLang="zh-CN" sz="1700" dirty="0" err="1"/>
+              <a:t>Outpu</a:t>
+            </a:r>
+            <a:r>
+              <a:rPr lang="en-US" altLang="zh-CN" sz="1700" dirty="0"/>
+              <a:t>,</a:t>
+            </a:r>
+            <a:r>
+              <a:rPr lang="zh-CN" altLang="en-US" sz="1700" dirty="0"/>
+              <a:t>或者通过      </a:t>
             </a:r>
             <a:endParaRPr lang="en-US" altLang="zh-CN" sz="1700" dirty="0"/>
           </a:p>
           <a:p>
             <a:r>
+              <a:rPr lang="en-US" altLang="zh-CN" sz="1700" dirty="0"/>
+              <a:t>    @</a:t>
+            </a:r>
+            <a:r>
+              <a:rPr lang="en-US" altLang="zh-CN" sz="1700" dirty="0" err="1"/>
+              <a:t>viewchild</a:t>
+            </a:r>
+            <a:r>
               <a:rPr lang="zh-CN" altLang="en-US" sz="1700" dirty="0"/>
-              <a:t>     的高生产率，同时又能保留所有手写代码的优点。</a:t>
+              <a:t>获取当前组件，或者当前页面的实例。</a:t>
             </a:r>
             <a:endParaRPr lang="en-US" altLang="zh-CN" sz="1700" dirty="0"/>
           </a:p>
           <a:p>
             <a:r>
               <a:rPr lang="zh-CN" altLang="en-US" sz="1700" dirty="0"/>
-              <a:t>     通过简单而强大的模板语法，快速创建</a:t>
-            </a:r>
-            <a:r>
-              <a:rPr lang="en-US" altLang="zh-CN" sz="1700" dirty="0"/>
-              <a:t>UI</a:t>
-            </a:r>
-            <a:r>
-              <a:rPr lang="zh-CN" altLang="en-US" sz="1700" dirty="0"/>
-              <a:t>视图语法检查</a:t>
-            </a:r>
-            <a:r>
-              <a:rPr lang="en-US" altLang="zh-CN" sz="1700" dirty="0"/>
-              <a:t>(</a:t>
-            </a:r>
-            <a:r>
-              <a:rPr lang="en-US" altLang="zh-CN" sz="1700" dirty="0" err="1"/>
-              <a:t>js</a:t>
-            </a:r>
-            <a:r>
-              <a:rPr lang="en-US" altLang="zh-CN" sz="1700" dirty="0"/>
-              <a:t>)</a:t>
-            </a:r>
-          </a:p>
-          <a:p>
-            <a:r>
-              <a:rPr lang="en-US" altLang="zh-CN" sz="1700" dirty="0"/>
-              <a:t>     less/sass</a:t>
-            </a:r>
-            <a:r>
-              <a:rPr lang="zh-CN" altLang="en-US" sz="1700" dirty="0"/>
-              <a:t>预编译处理</a:t>
-            </a:r>
-          </a:p>
-          <a:p>
-            <a:r>
-              <a:rPr lang="zh-CN" altLang="en-US" sz="1700" dirty="0"/>
-              <a:t>     命令行工具：快速进入构建环节、添加组件和测试，然后立即部署</a:t>
-            </a:r>
-          </a:p>
-          <a:p>
-            <a:r>
-              <a:rPr lang="zh-CN" altLang="en-US" dirty="0"/>
-              <a:t>    </a:t>
-            </a:r>
-            <a:r>
-              <a:rPr lang="zh-CN" altLang="en-US" sz="1700" dirty="0"/>
-              <a:t>完善的生命周期流程</a:t>
+              <a:t>    组件具有完整的生命周期流程</a:t>
             </a:r>
           </a:p>
           <a:p>
@@ -15953,10 +12619,256 @@
           </a:p>
         </p:txBody>
       </p:sp>
+      <p:pic>
+        <p:nvPicPr>
+          <p:cNvPr id="3" name="图片 2">
+            <a:extLst>
+              <a:ext uri="{FF2B5EF4-FFF2-40B4-BE49-F238E27FC236}">
+                <a16:creationId xmlns:a16="http://schemas.microsoft.com/office/drawing/2014/main" id="{9C7122C8-1E84-489A-9D99-9DA5C25C4093}"/>
+              </a:ext>
+            </a:extLst>
+          </p:cNvPr>
+          <p:cNvPicPr>
+            <a:picLocks noChangeAspect="1"/>
+          </p:cNvPicPr>
+          <p:nvPr/>
+        </p:nvPicPr>
+        <p:blipFill>
+          <a:blip r:embed="rId2">
+            <a:extLst>
+              <a:ext uri="{28A0092B-C50C-407E-A947-70E740481C1C}">
+                <a14:useLocalDpi xmlns:a14="http://schemas.microsoft.com/office/drawing/2010/main" val="0"/>
+              </a:ext>
+            </a:extLst>
+          </a:blip>
+          <a:stretch>
+            <a:fillRect/>
+          </a:stretch>
+        </p:blipFill>
+        <p:spPr>
+          <a:xfrm>
+            <a:off x="72869" y="1736950"/>
+            <a:ext cx="4629796" cy="1086002"/>
+          </a:xfrm>
+          <a:prstGeom prst="rect">
+            <a:avLst/>
+          </a:prstGeom>
+        </p:spPr>
+      </p:pic>
+      <p:pic>
+        <p:nvPicPr>
+          <p:cNvPr id="6" name="图片 5">
+            <a:extLst>
+              <a:ext uri="{FF2B5EF4-FFF2-40B4-BE49-F238E27FC236}">
+                <a16:creationId xmlns:a16="http://schemas.microsoft.com/office/drawing/2014/main" id="{C5B4A914-F5E1-4488-9D9D-D39F8D78BA8B}"/>
+              </a:ext>
+            </a:extLst>
+          </p:cNvPr>
+          <p:cNvPicPr>
+            <a:picLocks noChangeAspect="1"/>
+          </p:cNvPicPr>
+          <p:nvPr/>
+        </p:nvPicPr>
+        <p:blipFill>
+          <a:blip r:embed="rId3"/>
+          <a:stretch>
+            <a:fillRect/>
+          </a:stretch>
+        </p:blipFill>
+        <p:spPr>
+          <a:xfrm>
+            <a:off x="72869" y="2818166"/>
+            <a:ext cx="6840760" cy="1678134"/>
+          </a:xfrm>
+          <a:prstGeom prst="rect">
+            <a:avLst/>
+          </a:prstGeom>
+        </p:spPr>
+      </p:pic>
+      <p:pic>
+        <p:nvPicPr>
+          <p:cNvPr id="7" name="图片 6">
+            <a:extLst>
+              <a:ext uri="{FF2B5EF4-FFF2-40B4-BE49-F238E27FC236}">
+                <a16:creationId xmlns:a16="http://schemas.microsoft.com/office/drawing/2014/main" id="{C20D1C46-AFCE-4036-94E4-B5C692B3514E}"/>
+              </a:ext>
+            </a:extLst>
+          </p:cNvPr>
+          <p:cNvPicPr>
+            <a:picLocks noChangeAspect="1"/>
+          </p:cNvPicPr>
+          <p:nvPr/>
+        </p:nvPicPr>
+        <p:blipFill>
+          <a:blip r:embed="rId4"/>
+          <a:stretch>
+            <a:fillRect/>
+          </a:stretch>
+        </p:blipFill>
+        <p:spPr>
+          <a:xfrm>
+            <a:off x="7332961" y="463852"/>
+            <a:ext cx="4747543" cy="4032448"/>
+          </a:xfrm>
+          <a:prstGeom prst="rect">
+            <a:avLst/>
+          </a:prstGeom>
+        </p:spPr>
+      </p:pic>
+      <p:pic>
+        <p:nvPicPr>
+          <p:cNvPr id="8" name="图片 7">
+            <a:extLst>
+              <a:ext uri="{FF2B5EF4-FFF2-40B4-BE49-F238E27FC236}">
+                <a16:creationId xmlns:a16="http://schemas.microsoft.com/office/drawing/2014/main" id="{5BDFC620-37F5-4177-B26C-BE965514FFEC}"/>
+              </a:ext>
+            </a:extLst>
+          </p:cNvPr>
+          <p:cNvPicPr>
+            <a:picLocks noChangeAspect="1"/>
+          </p:cNvPicPr>
+          <p:nvPr/>
+        </p:nvPicPr>
+        <p:blipFill>
+          <a:blip r:embed="rId5"/>
+          <a:stretch>
+            <a:fillRect/>
+          </a:stretch>
+        </p:blipFill>
+        <p:spPr>
+          <a:xfrm>
+            <a:off x="72869" y="4496300"/>
+            <a:ext cx="12007635" cy="2361700"/>
+          </a:xfrm>
+          <a:prstGeom prst="rect">
+            <a:avLst/>
+          </a:prstGeom>
+        </p:spPr>
+      </p:pic>
+      <p:pic>
+        <p:nvPicPr>
+          <p:cNvPr id="9" name="图片 8">
+            <a:extLst>
+              <a:ext uri="{FF2B5EF4-FFF2-40B4-BE49-F238E27FC236}">
+                <a16:creationId xmlns:a16="http://schemas.microsoft.com/office/drawing/2014/main" id="{0AB807AC-C41D-4443-B026-A78BFF2A7903}"/>
+              </a:ext>
+            </a:extLst>
+          </p:cNvPr>
+          <p:cNvPicPr>
+            <a:picLocks noChangeAspect="1"/>
+          </p:cNvPicPr>
+          <p:nvPr/>
+        </p:nvPicPr>
+        <p:blipFill>
+          <a:blip r:embed="rId6"/>
+          <a:stretch>
+            <a:fillRect/>
+          </a:stretch>
+        </p:blipFill>
+        <p:spPr>
+          <a:xfrm>
+            <a:off x="3946721" y="1736950"/>
+            <a:ext cx="733333" cy="695238"/>
+          </a:xfrm>
+          <a:prstGeom prst="rect">
+            <a:avLst/>
+          </a:prstGeom>
+        </p:spPr>
+      </p:pic>
+      <p:pic>
+        <p:nvPicPr>
+          <p:cNvPr id="10" name="图片 9">
+            <a:extLst>
+              <a:ext uri="{FF2B5EF4-FFF2-40B4-BE49-F238E27FC236}">
+                <a16:creationId xmlns:a16="http://schemas.microsoft.com/office/drawing/2014/main" id="{D115CBA3-9A51-4453-990C-32884B74778F}"/>
+              </a:ext>
+            </a:extLst>
+          </p:cNvPr>
+          <p:cNvPicPr>
+            <a:picLocks noChangeAspect="1"/>
+          </p:cNvPicPr>
+          <p:nvPr/>
+        </p:nvPicPr>
+        <p:blipFill>
+          <a:blip r:embed="rId7"/>
+          <a:stretch>
+            <a:fillRect/>
+          </a:stretch>
+        </p:blipFill>
+        <p:spPr>
+          <a:xfrm>
+            <a:off x="6076686" y="3657233"/>
+            <a:ext cx="657143" cy="638095"/>
+          </a:xfrm>
+          <a:prstGeom prst="rect">
+            <a:avLst/>
+          </a:prstGeom>
+        </p:spPr>
+      </p:pic>
+      <p:pic>
+        <p:nvPicPr>
+          <p:cNvPr id="11" name="图片 10">
+            <a:extLst>
+              <a:ext uri="{FF2B5EF4-FFF2-40B4-BE49-F238E27FC236}">
+                <a16:creationId xmlns:a16="http://schemas.microsoft.com/office/drawing/2014/main" id="{ABF07BFF-CD2E-41E1-8166-41BFEB6C848D}"/>
+              </a:ext>
+            </a:extLst>
+          </p:cNvPr>
+          <p:cNvPicPr>
+            <a:picLocks noChangeAspect="1"/>
+          </p:cNvPicPr>
+          <p:nvPr/>
+        </p:nvPicPr>
+        <p:blipFill>
+          <a:blip r:embed="rId8"/>
+          <a:stretch>
+            <a:fillRect/>
+          </a:stretch>
+        </p:blipFill>
+        <p:spPr>
+          <a:xfrm>
+            <a:off x="11173845" y="3578370"/>
+            <a:ext cx="685714" cy="704762"/>
+          </a:xfrm>
+          <a:prstGeom prst="rect">
+            <a:avLst/>
+          </a:prstGeom>
+        </p:spPr>
+      </p:pic>
+      <p:pic>
+        <p:nvPicPr>
+          <p:cNvPr id="12" name="图片 11">
+            <a:extLst>
+              <a:ext uri="{FF2B5EF4-FFF2-40B4-BE49-F238E27FC236}">
+                <a16:creationId xmlns:a16="http://schemas.microsoft.com/office/drawing/2014/main" id="{30988346-B536-472D-B088-3DDA2FEEFEEF}"/>
+              </a:ext>
+            </a:extLst>
+          </p:cNvPr>
+          <p:cNvPicPr>
+            <a:picLocks noChangeAspect="1"/>
+          </p:cNvPicPr>
+          <p:nvPr/>
+        </p:nvPicPr>
+        <p:blipFill>
+          <a:blip r:embed="rId9"/>
+          <a:stretch>
+            <a:fillRect/>
+          </a:stretch>
+        </p:blipFill>
+        <p:spPr>
+          <a:xfrm>
+            <a:off x="11234205" y="5956480"/>
+            <a:ext cx="657143" cy="695238"/>
+          </a:xfrm>
+          <a:prstGeom prst="rect">
+            <a:avLst/>
+          </a:prstGeom>
+        </p:spPr>
+      </p:pic>
     </p:spTree>
     <p:extLst>
       <p:ext uri="{BB962C8B-B14F-4D97-AF65-F5344CB8AC3E}">
-        <p14:creationId xmlns:p14="http://schemas.microsoft.com/office/powerpoint/2010/main" val="2028677179"/>
+        <p14:creationId xmlns:p14="http://schemas.microsoft.com/office/powerpoint/2010/main" val="3225586641"/>
       </p:ext>
     </p:extLst>
   </p:cSld>
@@ -16010,42 +12922,117 @@
           <a:bodyPr/>
           <a:lstStyle/>
           <a:p>
-            <a:endParaRPr lang="en-US" dirty="0">
+            <a:r>
+              <a:rPr lang="zh-CN" altLang="en-US" dirty="0"/>
+              <a:t>技术点讲解：面向对象开发</a:t>
+            </a:r>
+            <a:endParaRPr lang="zh-CN" dirty="0">
               <a:latin typeface="微软雅黑" pitchFamily="34" charset="-122"/>
               <a:ea typeface="微软雅黑" pitchFamily="34" charset="-122"/>
             </a:endParaRPr>
           </a:p>
         </p:txBody>
       </p:sp>
-      <p:graphicFrame>
-        <p:nvGraphicFramePr>
-          <p:cNvPr id="9" name="内容占位符 3"/>
-          <p:cNvGraphicFramePr>
-            <a:graphicFrameLocks noGrp="1"/>
-          </p:cNvGraphicFramePr>
+      <p:sp>
+        <p:nvSpPr>
+          <p:cNvPr id="5" name="内容占位符 4"/>
+          <p:cNvSpPr>
+            <a:spLocks noGrp="1"/>
+          </p:cNvSpPr>
           <p:nvPr>
             <p:ph idx="1"/>
-            <p:extLst>
-              <p:ext uri="{D42A27DB-BD31-4B8C-83A1-F6EECF244321}">
-                <p14:modId xmlns:p14="http://schemas.microsoft.com/office/powerpoint/2010/main" val="1205051930"/>
-              </p:ext>
-            </p:extLst>
           </p:nvPr>
-        </p:nvGraphicFramePr>
-        <p:xfrm>
-          <a:off x="1293813" y="1981200"/>
-          <a:ext cx="9601200" cy="4191000"/>
-        </p:xfrm>
-        <a:graphic>
-          <a:graphicData uri="http://schemas.openxmlformats.org/drawingml/2006/chart">
-            <c:chart xmlns:c="http://schemas.openxmlformats.org/drawingml/2006/chart" xmlns:r="http://schemas.openxmlformats.org/officeDocument/2006/relationships" r:id="rId2"/>
-          </a:graphicData>
-        </a:graphic>
-      </p:graphicFrame>
+        </p:nvSpPr>
+        <p:spPr/>
+        <p:txBody>
+          <a:bodyPr>
+            <a:normAutofit fontScale="92500" lnSpcReduction="20000"/>
+          </a:bodyPr>
+          <a:lstStyle/>
+          <a:p>
+            <a:pPr marL="0" indent="0">
+              <a:buNone/>
+            </a:pPr>
+            <a:r>
+              <a:rPr lang="zh-CN" altLang="en-US" sz="1900" dirty="0"/>
+              <a:t>溯源（</a:t>
+            </a:r>
+            <a:r>
+              <a:rPr lang="en-US" altLang="zh-CN" sz="1900" dirty="0"/>
+              <a:t>angular2</a:t>
+            </a:r>
+            <a:r>
+              <a:rPr lang="zh-CN" altLang="en-US" sz="1900" dirty="0"/>
+              <a:t>）完全遵循面向对象编程开发模式，总得囊括为以下几点：</a:t>
+            </a:r>
+            <a:endParaRPr lang="en-US" altLang="zh-CN" sz="1900" dirty="0"/>
+          </a:p>
+          <a:p>
+            <a:r>
+              <a:rPr lang="zh-CN" altLang="en-US" sz="1800" dirty="0"/>
+              <a:t>类：定义对象的特征。它是对象的属性和方法的模板定义。</a:t>
+            </a:r>
+          </a:p>
+          <a:p>
+            <a:r>
+              <a:rPr lang="zh-CN" altLang="en-US" sz="1800" dirty="0"/>
+              <a:t>对象（或称实例）：类的一个实例。</a:t>
+            </a:r>
+          </a:p>
+          <a:p>
+            <a:r>
+              <a:rPr lang="zh-CN" altLang="en-US" sz="1800" dirty="0"/>
+              <a:t>属性：对象的特征，比如颜色、尺寸等。</a:t>
+            </a:r>
+          </a:p>
+          <a:p>
+            <a:r>
+              <a:rPr lang="zh-CN" altLang="en-US" sz="1800" dirty="0"/>
+              <a:t>方法：对象的行为，比如行走、说话等。</a:t>
+            </a:r>
+          </a:p>
+          <a:p>
+            <a:r>
+              <a:rPr lang="zh-CN" altLang="en-US" sz="1800" dirty="0"/>
+              <a:t>构造函数：对象初始化的瞬间被调用的方法。</a:t>
+            </a:r>
+          </a:p>
+          <a:p>
+            <a:r>
+              <a:rPr lang="zh-CN" altLang="en-US" sz="1800" dirty="0"/>
+              <a:t>继承：子类可以继承父类的特征。例如，猫继承了动物的一般特性。</a:t>
+            </a:r>
+          </a:p>
+          <a:p>
+            <a:r>
+              <a:rPr lang="zh-CN" altLang="en-US" sz="1800" dirty="0"/>
+              <a:t>封装：一种把数据和相关的方法绑定在一起使用的方法。</a:t>
+            </a:r>
+          </a:p>
+          <a:p>
+            <a:r>
+              <a:rPr lang="zh-CN" altLang="en-US" sz="1800" dirty="0"/>
+              <a:t>抽象：结合复杂的继承、方法、属性的对象能够模拟现实的模型。</a:t>
+            </a:r>
+          </a:p>
+          <a:p>
+            <a:r>
+              <a:rPr lang="zh-CN" altLang="en-US" sz="1800" dirty="0"/>
+              <a:t>多态：不同的类可以定义相同的方法或属性。</a:t>
+            </a:r>
+          </a:p>
+          <a:p>
+            <a:endParaRPr lang="zh-CN" dirty="0">
+              <a:latin typeface="微软雅黑" pitchFamily="34" charset="-122"/>
+              <a:ea typeface="微软雅黑" pitchFamily="34" charset="-122"/>
+            </a:endParaRPr>
+          </a:p>
+        </p:txBody>
+      </p:sp>
     </p:spTree>
     <p:extLst>
       <p:ext uri="{BB962C8B-B14F-4D97-AF65-F5344CB8AC3E}">
-        <p14:creationId xmlns:p14="http://schemas.microsoft.com/office/powerpoint/2010/main" val="2521608236"/>
+        <p14:creationId xmlns:p14="http://schemas.microsoft.com/office/powerpoint/2010/main" val="2028677179"/>
       </p:ext>
     </p:extLst>
   </p:cSld>
@@ -16086,7 +13073,7 @@
       </p:grpSpPr>
       <p:sp>
         <p:nvSpPr>
-          <p:cNvPr id="2" name="标题 1"/>
+          <p:cNvPr id="4" name="标题 3"/>
           <p:cNvSpPr>
             <a:spLocks noGrp="1"/>
           </p:cNvSpPr>
@@ -16099,6 +13086,10 @@
           <a:bodyPr/>
           <a:lstStyle/>
           <a:p>
+            <a:r>
+              <a:rPr lang="zh-CN" altLang="en-US" dirty="0"/>
+              <a:t>技术点讲解：面向对象开发</a:t>
+            </a:r>
             <a:endParaRPr lang="zh-CN" dirty="0">
               <a:latin typeface="微软雅黑" pitchFamily="34" charset="-122"/>
               <a:ea typeface="微软雅黑" pitchFamily="34" charset="-122"/>
@@ -16108,18 +13099,92 @@
       </p:sp>
       <p:sp>
         <p:nvSpPr>
-          <p:cNvPr id="3" name="文本占位符 2"/>
+          <p:cNvPr id="5" name="内容占位符 4"/>
           <p:cNvSpPr>
             <a:spLocks noGrp="1"/>
           </p:cNvSpPr>
           <p:nvPr>
-            <p:ph type="body" idx="1"/>
+            <p:ph idx="1"/>
           </p:nvPr>
         </p:nvSpPr>
         <p:spPr/>
         <p:txBody>
-          <a:bodyPr/>
+          <a:bodyPr>
+            <a:normAutofit fontScale="92500" lnSpcReduction="20000"/>
+          </a:bodyPr>
           <a:lstStyle/>
+          <a:p>
+            <a:pPr marL="0" indent="0">
+              <a:buNone/>
+            </a:pPr>
+            <a:r>
+              <a:rPr lang="zh-CN" altLang="en-US" sz="1900" dirty="0"/>
+              <a:t>溯源（</a:t>
+            </a:r>
+            <a:r>
+              <a:rPr lang="en-US" altLang="zh-CN" sz="1900" dirty="0"/>
+              <a:t>angular2</a:t>
+            </a:r>
+            <a:r>
+              <a:rPr lang="zh-CN" altLang="en-US" sz="1900" dirty="0"/>
+              <a:t>）完全遵循面向对象编程开发模式，总得囊括为以下几点：</a:t>
+            </a:r>
+            <a:endParaRPr lang="en-US" altLang="zh-CN" sz="1900" dirty="0"/>
+          </a:p>
+          <a:p>
+            <a:r>
+              <a:rPr lang="zh-CN" altLang="en-US" sz="1800" dirty="0"/>
+              <a:t>类：定义对象的特征。它是对象的属性和方法的模板定义。</a:t>
+            </a:r>
+          </a:p>
+          <a:p>
+            <a:r>
+              <a:rPr lang="zh-CN" altLang="en-US" sz="1800" dirty="0"/>
+              <a:t>对象（或称实例）：类的一个实例。</a:t>
+            </a:r>
+          </a:p>
+          <a:p>
+            <a:r>
+              <a:rPr lang="zh-CN" altLang="en-US" sz="1800" dirty="0"/>
+              <a:t>属性：对象的特征，比如颜色、尺寸等。</a:t>
+            </a:r>
+          </a:p>
+          <a:p>
+            <a:r>
+              <a:rPr lang="zh-CN" altLang="en-US" sz="1800" dirty="0"/>
+              <a:t>方法：对象的行为，比如行走、说话等。</a:t>
+            </a:r>
+          </a:p>
+          <a:p>
+            <a:r>
+              <a:rPr lang="zh-CN" altLang="en-US" sz="1800" dirty="0"/>
+              <a:t>构造函数：对象初始化的瞬间被调用的方法。</a:t>
+            </a:r>
+          </a:p>
+          <a:p>
+            <a:r>
+              <a:rPr lang="zh-CN" altLang="en-US" sz="1800" dirty="0"/>
+              <a:t>继承：子类可以继承父类的特征。例如，猫继承了动物的一般特性。</a:t>
+            </a:r>
+          </a:p>
+          <a:p>
+            <a:r>
+              <a:rPr lang="zh-CN" altLang="en-US" sz="1800" dirty="0"/>
+              <a:t>封装：一种把数据和相关的方法绑定在一起使用的方法。</a:t>
+            </a:r>
+          </a:p>
+          <a:p>
+            <a:r>
+              <a:rPr lang="zh-CN" altLang="en-US" sz="1800" dirty="0"/>
+              <a:t>抽象：结合复杂的继承、方法、属性的对象能够模拟现实的模型。</a:t>
+            </a:r>
+          </a:p>
+          <a:p>
+            <a:r>
+              <a:rPr lang="zh-CN" altLang="en-US" sz="1800" dirty="0"/>
+              <a:t>多态：不同的类可以定义相同的方法或属性。</a:t>
+            </a:r>
+          </a:p>
           <a:p>
             <a:endParaRPr lang="zh-CN" dirty="0">
               <a:latin typeface="微软雅黑" pitchFamily="34" charset="-122"/>
@@ -16128,10 +13193,100 @@
           </a:p>
         </p:txBody>
       </p:sp>
+      <p:pic>
+        <p:nvPicPr>
+          <p:cNvPr id="2" name="图片 1">
+            <a:extLst>
+              <a:ext uri="{FF2B5EF4-FFF2-40B4-BE49-F238E27FC236}">
+                <a16:creationId xmlns:a16="http://schemas.microsoft.com/office/drawing/2014/main" id="{EECFECEA-3418-4544-9EC4-03AADE45DA98}"/>
+              </a:ext>
+            </a:extLst>
+          </p:cNvPr>
+          <p:cNvPicPr>
+            <a:picLocks noChangeAspect="1"/>
+          </p:cNvPicPr>
+          <p:nvPr/>
+        </p:nvPicPr>
+        <p:blipFill>
+          <a:blip r:embed="rId2"/>
+          <a:stretch>
+            <a:fillRect/>
+          </a:stretch>
+        </p:blipFill>
+        <p:spPr>
+          <a:xfrm>
+            <a:off x="6332057" y="-14472"/>
+            <a:ext cx="5856768" cy="6878568"/>
+          </a:xfrm>
+          <a:prstGeom prst="rect">
+            <a:avLst/>
+          </a:prstGeom>
+        </p:spPr>
+      </p:pic>
+      <p:pic>
+        <p:nvPicPr>
+          <p:cNvPr id="3" name="图片 2">
+            <a:extLst>
+              <a:ext uri="{FF2B5EF4-FFF2-40B4-BE49-F238E27FC236}">
+                <a16:creationId xmlns:a16="http://schemas.microsoft.com/office/drawing/2014/main" id="{4DB544D2-C03A-4137-A966-FF4E6C4A7485}"/>
+              </a:ext>
+            </a:extLst>
+          </p:cNvPr>
+          <p:cNvPicPr>
+            <a:picLocks noChangeAspect="1"/>
+          </p:cNvPicPr>
+          <p:nvPr/>
+        </p:nvPicPr>
+        <p:blipFill>
+          <a:blip r:embed="rId3"/>
+          <a:stretch>
+            <a:fillRect/>
+          </a:stretch>
+        </p:blipFill>
+        <p:spPr>
+          <a:xfrm>
+            <a:off x="24756" y="3528392"/>
+            <a:ext cx="1936324" cy="3329608"/>
+          </a:xfrm>
+          <a:prstGeom prst="rect">
+            <a:avLst/>
+          </a:prstGeom>
+        </p:spPr>
+      </p:pic>
+      <p:pic>
+        <p:nvPicPr>
+          <p:cNvPr id="6" name="图片 5">
+            <a:extLst>
+              <a:ext uri="{FF2B5EF4-FFF2-40B4-BE49-F238E27FC236}">
+                <a16:creationId xmlns:a16="http://schemas.microsoft.com/office/drawing/2014/main" id="{D5FB18C6-871D-46C0-BBAF-D2DDE3A0046B}"/>
+              </a:ext>
+            </a:extLst>
+          </p:cNvPr>
+          <p:cNvPicPr>
+            <a:picLocks noChangeAspect="1"/>
+          </p:cNvPicPr>
+          <p:nvPr/>
+        </p:nvPicPr>
+        <p:blipFill>
+          <a:blip r:embed="rId4"/>
+          <a:stretch>
+            <a:fillRect/>
+          </a:stretch>
+        </p:blipFill>
+        <p:spPr>
+          <a:xfrm>
+            <a:off x="11406692" y="6137634"/>
+            <a:ext cx="733333" cy="695238"/>
+          </a:xfrm>
+          <a:prstGeom prst="rect">
+            <a:avLst/>
+          </a:prstGeom>
+        </p:spPr>
+      </p:pic>
     </p:spTree>
     <p:extLst>
       <p:ext uri="{BB962C8B-B14F-4D97-AF65-F5344CB8AC3E}">
-        <p14:creationId xmlns:p14="http://schemas.microsoft.com/office/powerpoint/2010/main" val="746384032"/>
+        <p14:creationId xmlns:p14="http://schemas.microsoft.com/office/powerpoint/2010/main" val="3391971208"/>
       </p:ext>
     </p:extLst>
   </p:cSld>
@@ -16185,477 +13340,13 @@
           <a:bodyPr/>
           <a:lstStyle/>
           <a:p>
-            <a:endParaRPr lang="zh-CN" dirty="0">
-              <a:latin typeface="微软雅黑" pitchFamily="34" charset="-122"/>
-              <a:ea typeface="微软雅黑" pitchFamily="34" charset="-122"/>
-            </a:endParaRPr>
-          </a:p>
-        </p:txBody>
-      </p:sp>
-      <p:sp>
-        <p:nvSpPr>
-          <p:cNvPr id="3" name="内容占位符 2"/>
-          <p:cNvSpPr>
-            <a:spLocks noGrp="1"/>
-          </p:cNvSpPr>
-          <p:nvPr>
-            <p:ph sz="half" idx="1"/>
-          </p:nvPr>
-        </p:nvSpPr>
-        <p:spPr/>
-        <p:txBody>
-          <a:bodyPr/>
-          <a:lstStyle/>
-          <a:p>
-            <a:endParaRPr lang="zh-CN">
-              <a:latin typeface="微软雅黑" pitchFamily="34" charset="-122"/>
-              <a:ea typeface="微软雅黑" pitchFamily="34" charset="-122"/>
-            </a:endParaRPr>
-          </a:p>
-        </p:txBody>
-      </p:sp>
-      <p:sp>
-        <p:nvSpPr>
-          <p:cNvPr id="4" name="内容占位符 3"/>
-          <p:cNvSpPr>
-            <a:spLocks noGrp="1"/>
-          </p:cNvSpPr>
-          <p:nvPr>
-            <p:ph sz="half" idx="2"/>
-          </p:nvPr>
-        </p:nvSpPr>
-        <p:spPr/>
-        <p:txBody>
-          <a:bodyPr/>
-          <a:lstStyle/>
-          <a:p>
-            <a:endParaRPr lang="zh-CN">
-              <a:latin typeface="微软雅黑" pitchFamily="34" charset="-122"/>
-              <a:ea typeface="微软雅黑" pitchFamily="34" charset="-122"/>
-            </a:endParaRPr>
-          </a:p>
-        </p:txBody>
-      </p:sp>
-    </p:spTree>
-    <p:extLst>
-      <p:ext uri="{BB962C8B-B14F-4D97-AF65-F5344CB8AC3E}">
-        <p14:creationId xmlns:p14="http://schemas.microsoft.com/office/powerpoint/2010/main" val="1126477294"/>
-      </p:ext>
-    </p:extLst>
-  </p:cSld>
-  <p:clrMapOvr>
-    <a:masterClrMapping/>
-  </p:clrMapOvr>
-  <mc:AlternateContent xmlns:mc="http://schemas.openxmlformats.org/markup-compatibility/2006" xmlns:p14="http://schemas.microsoft.com/office/powerpoint/2010/main">
-    <mc:Choice Requires="p14">
-      <p:transition spd="med" p14:dur="700">
-        <p:fade/>
-      </p:transition>
-    </mc:Choice>
-    <mc:Fallback xmlns="">
-      <p:transition spd="med">
-        <p:fade/>
-      </p:transition>
-    </mc:Fallback>
-  </mc:AlternateContent>
-</p:sld>
-</file>
-
-<file path=ppt/slides/slide28.xml><?xml version="1.0" encoding="utf-8"?>
-<p:sld xmlns:a="http://schemas.openxmlformats.org/drawingml/2006/main" xmlns:r="http://schemas.openxmlformats.org/officeDocument/2006/relationships" xmlns:p="http://schemas.openxmlformats.org/presentationml/2006/main">
-  <p:cSld>
-    <p:spTree>
-      <p:nvGrpSpPr>
-        <p:cNvPr id="1" name=""/>
-        <p:cNvGrpSpPr/>
-        <p:nvPr/>
-      </p:nvGrpSpPr>
-      <p:grpSpPr>
-        <a:xfrm>
-          <a:off x="0" y="0"/>
-          <a:ext cx="0" cy="0"/>
-          <a:chOff x="0" y="0"/>
-          <a:chExt cx="0" cy="0"/>
-        </a:xfrm>
-      </p:grpSpPr>
-      <p:sp>
-        <p:nvSpPr>
-          <p:cNvPr id="2" name="标题 1"/>
-          <p:cNvSpPr>
-            <a:spLocks noGrp="1"/>
-          </p:cNvSpPr>
-          <p:nvPr>
-            <p:ph type="title"/>
-          </p:nvPr>
-        </p:nvSpPr>
-        <p:spPr/>
-        <p:txBody>
-          <a:bodyPr/>
-          <a:lstStyle/>
-          <a:p>
-            <a:endParaRPr lang="zh-CN">
-              <a:latin typeface="微软雅黑" pitchFamily="34" charset="-122"/>
-              <a:ea typeface="微软雅黑" pitchFamily="34" charset="-122"/>
-            </a:endParaRPr>
-          </a:p>
-        </p:txBody>
-      </p:sp>
-      <p:sp>
-        <p:nvSpPr>
-          <p:cNvPr id="3" name="内容占位符 2"/>
-          <p:cNvSpPr>
-            <a:spLocks noGrp="1"/>
-          </p:cNvSpPr>
-          <p:nvPr>
-            <p:ph sz="half" idx="1"/>
-          </p:nvPr>
-        </p:nvSpPr>
-        <p:spPr/>
-        <p:txBody>
-          <a:bodyPr/>
-          <a:lstStyle/>
-          <a:p>
-            <a:endParaRPr lang="zh-CN">
-              <a:latin typeface="微软雅黑" pitchFamily="34" charset="-122"/>
-              <a:ea typeface="微软雅黑" pitchFamily="34" charset="-122"/>
-            </a:endParaRPr>
-          </a:p>
-        </p:txBody>
-      </p:sp>
-      <p:graphicFrame>
-        <p:nvGraphicFramePr>
-          <p:cNvPr id="6" name="内容占位符 5"/>
-          <p:cNvGraphicFramePr>
-            <a:graphicFrameLocks noGrp="1"/>
-          </p:cNvGraphicFramePr>
-          <p:nvPr>
-            <p:ph sz="half" idx="2"/>
-            <p:extLst>
-              <p:ext uri="{D42A27DB-BD31-4B8C-83A1-F6EECF244321}">
-                <p14:modId xmlns:p14="http://schemas.microsoft.com/office/powerpoint/2010/main" val="3172653036"/>
-              </p:ext>
-            </p:extLst>
-          </p:nvPr>
-        </p:nvGraphicFramePr>
-        <p:xfrm>
-          <a:off x="6246813" y="1981200"/>
-          <a:ext cx="4648200" cy="2209800"/>
-        </p:xfrm>
-        <a:graphic>
-          <a:graphicData uri="http://schemas.openxmlformats.org/drawingml/2006/table">
-            <a:tbl>
-              <a:tblPr firstRow="1" bandRow="1">
-                <a:tableStyleId>{5C22544A-7EE6-4342-B048-85BDC9FD1C3A}</a:tableStyleId>
-              </a:tblPr>
-              <a:tblGrid>
-                <a:gridCol w="1549400">
-                  <a:extLst>
-                    <a:ext uri="{9D8B030D-6E8A-4147-A177-3AD203B41FA5}">
-                      <a16:colId xmlns:a16="http://schemas.microsoft.com/office/drawing/2014/main" val="20000"/>
-                    </a:ext>
-                  </a:extLst>
-                </a:gridCol>
-                <a:gridCol w="1549400">
-                  <a:extLst>
-                    <a:ext uri="{9D8B030D-6E8A-4147-A177-3AD203B41FA5}">
-                      <a16:colId xmlns:a16="http://schemas.microsoft.com/office/drawing/2014/main" val="20001"/>
-                    </a:ext>
-                  </a:extLst>
-                </a:gridCol>
-                <a:gridCol w="1549400">
-                  <a:extLst>
-                    <a:ext uri="{9D8B030D-6E8A-4147-A177-3AD203B41FA5}">
-                      <a16:colId xmlns:a16="http://schemas.microsoft.com/office/drawing/2014/main" val="20002"/>
-                    </a:ext>
-                  </a:extLst>
-                </a:gridCol>
-              </a:tblGrid>
-              <a:tr h="552450">
-                <a:tc>
-                  <a:txBody>
-                    <a:bodyPr/>
-                    <a:lstStyle/>
-                    <a:p>
-                      <a:endParaRPr lang="zh-CN" dirty="0">
-                        <a:latin typeface="微软雅黑" pitchFamily="34" charset="-122"/>
-                        <a:ea typeface="微软雅黑" pitchFamily="34" charset="-122"/>
-                      </a:endParaRPr>
-                    </a:p>
-                  </a:txBody>
-                  <a:tcPr anchor="ctr"/>
-                </a:tc>
-                <a:tc>
-                  <a:txBody>
-                    <a:bodyPr/>
-                    <a:lstStyle/>
-                    <a:p>
-                      <a:pPr algn="ctr"/>
-                      <a:r>
-                        <a:rPr lang="zh-CN">
-                          <a:latin typeface="微软雅黑" pitchFamily="34" charset="-122"/>
-                          <a:ea typeface="微软雅黑" pitchFamily="34" charset="-122"/>
-                        </a:rPr>
-                        <a:t>A 部分</a:t>
-                      </a:r>
-                    </a:p>
-                  </a:txBody>
-                  <a:tcPr anchor="ctr"/>
-                </a:tc>
-                <a:tc>
-                  <a:txBody>
-                    <a:bodyPr/>
-                    <a:lstStyle/>
-                    <a:p>
-                      <a:pPr algn="ctr"/>
-                      <a:r>
-                        <a:rPr lang="zh-CN">
-                          <a:latin typeface="微软雅黑" pitchFamily="34" charset="-122"/>
-                          <a:ea typeface="微软雅黑" pitchFamily="34" charset="-122"/>
-                        </a:rPr>
-                        <a:t>B 部分</a:t>
-                      </a:r>
-                    </a:p>
-                  </a:txBody>
-                  <a:tcPr anchor="ctr"/>
-                </a:tc>
-                <a:extLst>
-                  <a:ext uri="{0D108BD9-81ED-4DB2-BD59-A6C34878D82A}">
-                    <a16:rowId xmlns:a16="http://schemas.microsoft.com/office/drawing/2014/main" val="10000"/>
-                  </a:ext>
-                </a:extLst>
-              </a:tr>
-              <a:tr h="552450">
-                <a:tc>
-                  <a:txBody>
-                    <a:bodyPr/>
-                    <a:lstStyle/>
-                    <a:p>
-                      <a:r>
-                        <a:rPr lang="zh-CN">
-                          <a:latin typeface="微软雅黑" pitchFamily="34" charset="-122"/>
-                          <a:ea typeface="微软雅黑" pitchFamily="34" charset="-122"/>
-                        </a:rPr>
-                        <a:t>类别 A </a:t>
-                      </a:r>
-                    </a:p>
-                  </a:txBody>
-                  <a:tcPr anchor="ctr"/>
-                </a:tc>
-                <a:tc>
-                  <a:txBody>
-                    <a:bodyPr/>
-                    <a:lstStyle/>
-                    <a:p>
-                      <a:pPr algn="ctr"/>
-                      <a:r>
-                        <a:rPr lang="zh-CN">
-                          <a:latin typeface="微软雅黑" pitchFamily="34" charset="-122"/>
-                          <a:ea typeface="微软雅黑" pitchFamily="34" charset="-122"/>
-                        </a:rPr>
-                        <a:t>40%</a:t>
-                      </a:r>
-                    </a:p>
-                  </a:txBody>
-                  <a:tcPr anchor="ctr"/>
-                </a:tc>
-                <a:tc>
-                  <a:txBody>
-                    <a:bodyPr/>
-                    <a:lstStyle/>
-                    <a:p>
-                      <a:pPr algn="ctr"/>
-                      <a:r>
-                        <a:rPr lang="zh-CN">
-                          <a:latin typeface="微软雅黑" pitchFamily="34" charset="-122"/>
-                          <a:ea typeface="微软雅黑" pitchFamily="34" charset="-122"/>
-                        </a:rPr>
-                        <a:t>60%</a:t>
-                      </a:r>
-                    </a:p>
-                  </a:txBody>
-                  <a:tcPr anchor="ctr"/>
-                </a:tc>
-                <a:extLst>
-                  <a:ext uri="{0D108BD9-81ED-4DB2-BD59-A6C34878D82A}">
-                    <a16:rowId xmlns:a16="http://schemas.microsoft.com/office/drawing/2014/main" val="10001"/>
-                  </a:ext>
-                </a:extLst>
-              </a:tr>
-              <a:tr h="552450">
-                <a:tc>
-                  <a:txBody>
-                    <a:bodyPr/>
-                    <a:lstStyle/>
-                    <a:p>
-                      <a:r>
-                        <a:rPr lang="zh-CN">
-                          <a:latin typeface="微软雅黑" pitchFamily="34" charset="-122"/>
-                          <a:ea typeface="微软雅黑" pitchFamily="34" charset="-122"/>
-                        </a:rPr>
-                        <a:t>类别 B </a:t>
-                      </a:r>
-                    </a:p>
-                  </a:txBody>
-                  <a:tcPr anchor="ctr"/>
-                </a:tc>
-                <a:tc>
-                  <a:txBody>
-                    <a:bodyPr/>
-                    <a:lstStyle/>
-                    <a:p>
-                      <a:pPr algn="ctr"/>
-                      <a:r>
-                        <a:rPr lang="zh-CN" dirty="0">
-                          <a:latin typeface="微软雅黑" pitchFamily="34" charset="-122"/>
-                          <a:ea typeface="微软雅黑" pitchFamily="34" charset="-122"/>
-                        </a:rPr>
-                        <a:t>85%</a:t>
-                      </a:r>
-                    </a:p>
-                  </a:txBody>
-                  <a:tcPr anchor="ctr"/>
-                </a:tc>
-                <a:tc>
-                  <a:txBody>
-                    <a:bodyPr/>
-                    <a:lstStyle/>
-                    <a:p>
-                      <a:pPr algn="ctr"/>
-                      <a:r>
-                        <a:rPr lang="zh-CN">
-                          <a:latin typeface="微软雅黑" pitchFamily="34" charset="-122"/>
-                          <a:ea typeface="微软雅黑" pitchFamily="34" charset="-122"/>
-                        </a:rPr>
-                        <a:t>70%</a:t>
-                      </a:r>
-                    </a:p>
-                  </a:txBody>
-                  <a:tcPr anchor="ctr"/>
-                </a:tc>
-                <a:extLst>
-                  <a:ext uri="{0D108BD9-81ED-4DB2-BD59-A6C34878D82A}">
-                    <a16:rowId xmlns:a16="http://schemas.microsoft.com/office/drawing/2014/main" val="10002"/>
-                  </a:ext>
-                </a:extLst>
-              </a:tr>
-              <a:tr h="552450">
-                <a:tc>
-                  <a:txBody>
-                    <a:bodyPr/>
-                    <a:lstStyle/>
-                    <a:p>
-                      <a:r>
-                        <a:rPr lang="zh-CN">
-                          <a:latin typeface="微软雅黑" pitchFamily="34" charset="-122"/>
-                          <a:ea typeface="微软雅黑" pitchFamily="34" charset="-122"/>
-                        </a:rPr>
-                        <a:t>类别 C</a:t>
-                      </a:r>
-                    </a:p>
-                  </a:txBody>
-                  <a:tcPr anchor="ctr"/>
-                </a:tc>
-                <a:tc>
-                  <a:txBody>
-                    <a:bodyPr/>
-                    <a:lstStyle/>
-                    <a:p>
-                      <a:pPr algn="ctr"/>
-                      <a:r>
-                        <a:rPr lang="zh-CN">
-                          <a:latin typeface="微软雅黑" pitchFamily="34" charset="-122"/>
-                          <a:ea typeface="微软雅黑" pitchFamily="34" charset="-122"/>
-                        </a:rPr>
-                        <a:t>55%</a:t>
-                      </a:r>
-                    </a:p>
-                  </a:txBody>
-                  <a:tcPr anchor="ctr"/>
-                </a:tc>
-                <a:tc>
-                  <a:txBody>
-                    <a:bodyPr/>
-                    <a:lstStyle/>
-                    <a:p>
-                      <a:pPr algn="ctr"/>
-                      <a:r>
-                        <a:rPr lang="zh-CN" dirty="0">
-                          <a:latin typeface="微软雅黑" pitchFamily="34" charset="-122"/>
-                          <a:ea typeface="微软雅黑" pitchFamily="34" charset="-122"/>
-                        </a:rPr>
-                        <a:t>65%</a:t>
-                      </a:r>
-                    </a:p>
-                  </a:txBody>
-                  <a:tcPr anchor="ctr"/>
-                </a:tc>
-                <a:extLst>
-                  <a:ext uri="{0D108BD9-81ED-4DB2-BD59-A6C34878D82A}">
-                    <a16:rowId xmlns:a16="http://schemas.microsoft.com/office/drawing/2014/main" val="10003"/>
-                  </a:ext>
-                </a:extLst>
-              </a:tr>
-            </a:tbl>
-          </a:graphicData>
-        </a:graphic>
-      </p:graphicFrame>
-    </p:spTree>
-    <p:extLst>
-      <p:ext uri="{BB962C8B-B14F-4D97-AF65-F5344CB8AC3E}">
-        <p14:creationId xmlns:p14="http://schemas.microsoft.com/office/powerpoint/2010/main" val="892835121"/>
-      </p:ext>
-    </p:extLst>
-  </p:cSld>
-  <p:clrMapOvr>
-    <a:masterClrMapping/>
-  </p:clrMapOvr>
-  <mc:AlternateContent xmlns:mc="http://schemas.openxmlformats.org/markup-compatibility/2006" xmlns:p14="http://schemas.microsoft.com/office/powerpoint/2010/main">
-    <mc:Choice Requires="p14">
-      <p:transition spd="med" p14:dur="700">
-        <p:fade/>
-      </p:transition>
-    </mc:Choice>
-    <mc:Fallback xmlns="">
-      <p:transition spd="med">
-        <p:fade/>
-      </p:transition>
-    </mc:Fallback>
-  </mc:AlternateContent>
-</p:sld>
-</file>
-
-<file path=ppt/slides/slide29.xml><?xml version="1.0" encoding="utf-8"?>
-<p:sld xmlns:a="http://schemas.openxmlformats.org/drawingml/2006/main" xmlns:r="http://schemas.openxmlformats.org/officeDocument/2006/relationships" xmlns:p="http://schemas.openxmlformats.org/presentationml/2006/main">
-  <p:cSld>
-    <p:spTree>
-      <p:nvGrpSpPr>
-        <p:cNvPr id="1" name=""/>
-        <p:cNvGrpSpPr/>
-        <p:nvPr/>
-      </p:nvGrpSpPr>
-      <p:grpSpPr>
-        <a:xfrm>
-          <a:off x="0" y="0"/>
-          <a:ext cx="0" cy="0"/>
-          <a:chOff x="0" y="0"/>
-          <a:chExt cx="0" cy="0"/>
-        </a:xfrm>
-      </p:grpSpPr>
-      <p:sp>
-        <p:nvSpPr>
-          <p:cNvPr id="2" name="标题 1"/>
-          <p:cNvSpPr>
-            <a:spLocks noGrp="1"/>
-          </p:cNvSpPr>
-          <p:nvPr>
-            <p:ph type="title"/>
-          </p:nvPr>
-        </p:nvSpPr>
-        <p:spPr/>
-        <p:txBody>
-          <a:bodyPr/>
-          <a:lstStyle/>
-          <a:p>
+            <a:r>
+              <a:rPr lang="en-US" altLang="zh-CN" dirty="0">
+                <a:latin typeface="微软雅黑" pitchFamily="34" charset="-122"/>
+                <a:ea typeface="微软雅黑" pitchFamily="34" charset="-122"/>
+              </a:rPr>
+              <a:t>THE END</a:t>
+            </a:r>
             <a:endParaRPr lang="zh-CN" dirty="0">
               <a:latin typeface="微软雅黑" pitchFamily="34" charset="-122"/>
               <a:ea typeface="微软雅黑" pitchFamily="34" charset="-122"/>
@@ -16670,7 +13361,7 @@
             <a:spLocks noGrp="1"/>
           </p:cNvSpPr>
           <p:nvPr>
-            <p:ph type="body" idx="1"/>
+            <p:ph type="body" sz="half" idx="2"/>
           </p:nvPr>
         </p:nvSpPr>
         <p:spPr/>
@@ -16678,7 +13369,11 @@
           <a:bodyPr/>
           <a:lstStyle/>
           <a:p>
-            <a:endParaRPr lang="zh-CN">
+            <a:r>
+              <a:rPr lang="zh-CN" altLang="en-US" dirty="0"/>
+              <a:t>谢谢</a:t>
+            </a:r>
+            <a:endParaRPr lang="zh-CN" dirty="0">
               <a:latin typeface="微软雅黑" pitchFamily="34" charset="-122"/>
               <a:ea typeface="微软雅黑" pitchFamily="34" charset="-122"/>
             </a:endParaRPr>
@@ -16687,74 +13382,20 @@
       </p:sp>
       <p:sp>
         <p:nvSpPr>
-          <p:cNvPr id="4" name="内容占位符 3"/>
+          <p:cNvPr id="6" name="图片占位符 5"/>
           <p:cNvSpPr>
             <a:spLocks noGrp="1"/>
           </p:cNvSpPr>
           <p:nvPr>
-            <p:ph sz="half" idx="2"/>
+            <p:ph type="pic" idx="1"/>
           </p:nvPr>
         </p:nvSpPr>
         <p:spPr/>
-        <p:txBody>
-          <a:bodyPr/>
-          <a:lstStyle/>
-          <a:p>
-            <a:endParaRPr lang="zh-CN">
-              <a:latin typeface="微软雅黑" pitchFamily="34" charset="-122"/>
-              <a:ea typeface="微软雅黑" pitchFamily="34" charset="-122"/>
-            </a:endParaRPr>
-          </a:p>
-        </p:txBody>
-      </p:sp>
-      <p:sp>
-        <p:nvSpPr>
-          <p:cNvPr id="5" name="文本占位符 4"/>
-          <p:cNvSpPr>
-            <a:spLocks noGrp="1"/>
-          </p:cNvSpPr>
-          <p:nvPr>
-            <p:ph type="body" sz="quarter" idx="3"/>
-          </p:nvPr>
-        </p:nvSpPr>
-        <p:spPr/>
-        <p:txBody>
-          <a:bodyPr/>
-          <a:lstStyle/>
-          <a:p>
-            <a:endParaRPr lang="zh-CN">
-              <a:latin typeface="微软雅黑" pitchFamily="34" charset="-122"/>
-              <a:ea typeface="微软雅黑" pitchFamily="34" charset="-122"/>
-            </a:endParaRPr>
-          </a:p>
-        </p:txBody>
-      </p:sp>
-      <p:sp>
-        <p:nvSpPr>
-          <p:cNvPr id="6" name="内容占位符 5"/>
-          <p:cNvSpPr>
-            <a:spLocks noGrp="1"/>
-          </p:cNvSpPr>
-          <p:nvPr>
-            <p:ph sz="quarter" idx="4"/>
-          </p:nvPr>
-        </p:nvSpPr>
-        <p:spPr/>
-        <p:txBody>
-          <a:bodyPr/>
-          <a:lstStyle/>
-          <a:p>
-            <a:endParaRPr lang="zh-CN">
-              <a:latin typeface="微软雅黑" pitchFamily="34" charset="-122"/>
-              <a:ea typeface="微软雅黑" pitchFamily="34" charset="-122"/>
-            </a:endParaRPr>
-          </a:p>
-        </p:txBody>
       </p:sp>
     </p:spTree>
     <p:extLst>
       <p:ext uri="{BB962C8B-B14F-4D97-AF65-F5344CB8AC3E}">
-        <p14:creationId xmlns:p14="http://schemas.microsoft.com/office/powerpoint/2010/main" val="325604351"/>
+        <p14:creationId xmlns:p14="http://schemas.microsoft.com/office/powerpoint/2010/main" val="2021727482"/>
       </p:ext>
     </p:extLst>
   </p:cSld>
@@ -16964,429 +13605,6 @@
     <p:extLst>
       <p:ext uri="{BB962C8B-B14F-4D97-AF65-F5344CB8AC3E}">
         <p14:creationId xmlns:p14="http://schemas.microsoft.com/office/powerpoint/2010/main" val="3428058400"/>
-      </p:ext>
-    </p:extLst>
-  </p:cSld>
-  <p:clrMapOvr>
-    <a:masterClrMapping/>
-  </p:clrMapOvr>
-  <mc:AlternateContent xmlns:mc="http://schemas.openxmlformats.org/markup-compatibility/2006" xmlns:p14="http://schemas.microsoft.com/office/powerpoint/2010/main">
-    <mc:Choice Requires="p14">
-      <p:transition spd="med" p14:dur="700">
-        <p:fade/>
-      </p:transition>
-    </mc:Choice>
-    <mc:Fallback xmlns="">
-      <p:transition spd="med">
-        <p:fade/>
-      </p:transition>
-    </mc:Fallback>
-  </mc:AlternateContent>
-</p:sld>
-</file>
-
-<file path=ppt/slides/slide30.xml><?xml version="1.0" encoding="utf-8"?>
-<p:sld xmlns:a="http://schemas.openxmlformats.org/drawingml/2006/main" xmlns:r="http://schemas.openxmlformats.org/officeDocument/2006/relationships" xmlns:p="http://schemas.openxmlformats.org/presentationml/2006/main">
-  <p:cSld>
-    <p:spTree>
-      <p:nvGrpSpPr>
-        <p:cNvPr id="1" name=""/>
-        <p:cNvGrpSpPr/>
-        <p:nvPr/>
-      </p:nvGrpSpPr>
-      <p:grpSpPr>
-        <a:xfrm>
-          <a:off x="0" y="0"/>
-          <a:ext cx="0" cy="0"/>
-          <a:chOff x="0" y="0"/>
-          <a:chExt cx="0" cy="0"/>
-        </a:xfrm>
-      </p:grpSpPr>
-      <p:sp>
-        <p:nvSpPr>
-          <p:cNvPr id="2" name="标题 1"/>
-          <p:cNvSpPr>
-            <a:spLocks noGrp="1"/>
-          </p:cNvSpPr>
-          <p:nvPr>
-            <p:ph type="title"/>
-          </p:nvPr>
-        </p:nvSpPr>
-        <p:spPr/>
-        <p:txBody>
-          <a:bodyPr/>
-          <a:lstStyle/>
-          <a:p>
-            <a:endParaRPr lang="zh-CN" dirty="0">
-              <a:latin typeface="微软雅黑" pitchFamily="34" charset="-122"/>
-              <a:ea typeface="微软雅黑" pitchFamily="34" charset="-122"/>
-            </a:endParaRPr>
-          </a:p>
-        </p:txBody>
-      </p:sp>
-    </p:spTree>
-    <p:extLst>
-      <p:ext uri="{BB962C8B-B14F-4D97-AF65-F5344CB8AC3E}">
-        <p14:creationId xmlns:p14="http://schemas.microsoft.com/office/powerpoint/2010/main" val="443080169"/>
-      </p:ext>
-    </p:extLst>
-  </p:cSld>
-  <p:clrMapOvr>
-    <a:masterClrMapping/>
-  </p:clrMapOvr>
-  <mc:AlternateContent xmlns:mc="http://schemas.openxmlformats.org/markup-compatibility/2006" xmlns:p14="http://schemas.microsoft.com/office/powerpoint/2010/main">
-    <mc:Choice Requires="p14">
-      <p:transition spd="med" p14:dur="700">
-        <p:fade/>
-      </p:transition>
-    </mc:Choice>
-    <mc:Fallback xmlns="">
-      <p:transition spd="med">
-        <p:fade/>
-      </p:transition>
-    </mc:Fallback>
-  </mc:AlternateContent>
-</p:sld>
-</file>
-
-<file path=ppt/slides/slide31.xml><?xml version="1.0" encoding="utf-8"?>
-<p:sld xmlns:a="http://schemas.openxmlformats.org/drawingml/2006/main" xmlns:r="http://schemas.openxmlformats.org/officeDocument/2006/relationships" xmlns:p="http://schemas.openxmlformats.org/presentationml/2006/main">
-  <p:cSld>
-    <p:spTree>
-      <p:nvGrpSpPr>
-        <p:cNvPr id="1" name=""/>
-        <p:cNvGrpSpPr/>
-        <p:nvPr/>
-      </p:nvGrpSpPr>
-      <p:grpSpPr>
-        <a:xfrm>
-          <a:off x="0" y="0"/>
-          <a:ext cx="0" cy="0"/>
-          <a:chOff x="0" y="0"/>
-          <a:chExt cx="0" cy="0"/>
-        </a:xfrm>
-      </p:grpSpPr>
-    </p:spTree>
-    <p:extLst>
-      <p:ext uri="{BB962C8B-B14F-4D97-AF65-F5344CB8AC3E}">
-        <p14:creationId xmlns:p14="http://schemas.microsoft.com/office/powerpoint/2010/main" val="851684501"/>
-      </p:ext>
-    </p:extLst>
-  </p:cSld>
-  <p:clrMapOvr>
-    <a:masterClrMapping/>
-  </p:clrMapOvr>
-  <mc:AlternateContent xmlns:mc="http://schemas.openxmlformats.org/markup-compatibility/2006" xmlns:p14="http://schemas.microsoft.com/office/powerpoint/2010/main">
-    <mc:Choice Requires="p14">
-      <p:transition spd="med" p14:dur="700">
-        <p:fade/>
-      </p:transition>
-    </mc:Choice>
-    <mc:Fallback xmlns="">
-      <p:transition spd="med">
-        <p:fade/>
-      </p:transition>
-    </mc:Fallback>
-  </mc:AlternateContent>
-</p:sld>
-</file>
-
-<file path=ppt/slides/slide32.xml><?xml version="1.0" encoding="utf-8"?>
-<p:sld xmlns:a="http://schemas.openxmlformats.org/drawingml/2006/main" xmlns:r="http://schemas.openxmlformats.org/officeDocument/2006/relationships" xmlns:p="http://schemas.openxmlformats.org/presentationml/2006/main">
-  <p:cSld>
-    <p:spTree>
-      <p:nvGrpSpPr>
-        <p:cNvPr id="1" name=""/>
-        <p:cNvGrpSpPr/>
-        <p:nvPr/>
-      </p:nvGrpSpPr>
-      <p:grpSpPr>
-        <a:xfrm>
-          <a:off x="0" y="0"/>
-          <a:ext cx="0" cy="0"/>
-          <a:chOff x="0" y="0"/>
-          <a:chExt cx="0" cy="0"/>
-        </a:xfrm>
-      </p:grpSpPr>
-      <p:sp>
-        <p:nvSpPr>
-          <p:cNvPr id="2" name="标题 1"/>
-          <p:cNvSpPr>
-            <a:spLocks noGrp="1"/>
-          </p:cNvSpPr>
-          <p:nvPr>
-            <p:ph type="title"/>
-          </p:nvPr>
-        </p:nvSpPr>
-        <p:spPr/>
-        <p:txBody>
-          <a:bodyPr/>
-          <a:lstStyle/>
-          <a:p>
-            <a:endParaRPr lang="zh-CN" dirty="0">
-              <a:latin typeface="微软雅黑" pitchFamily="34" charset="-122"/>
-              <a:ea typeface="微软雅黑" pitchFamily="34" charset="-122"/>
-            </a:endParaRPr>
-          </a:p>
-        </p:txBody>
-      </p:sp>
-      <p:sp>
-        <p:nvSpPr>
-          <p:cNvPr id="3" name="文本占位符 2"/>
-          <p:cNvSpPr>
-            <a:spLocks noGrp="1"/>
-          </p:cNvSpPr>
-          <p:nvPr>
-            <p:ph type="body" sz="half" idx="2"/>
-          </p:nvPr>
-        </p:nvSpPr>
-        <p:spPr/>
-        <p:txBody>
-          <a:bodyPr/>
-          <a:lstStyle/>
-          <a:p>
-            <a:endParaRPr lang="zh-CN">
-              <a:latin typeface="微软雅黑" pitchFamily="34" charset="-122"/>
-              <a:ea typeface="微软雅黑" pitchFamily="34" charset="-122"/>
-            </a:endParaRPr>
-          </a:p>
-        </p:txBody>
-      </p:sp>
-      <p:sp>
-        <p:nvSpPr>
-          <p:cNvPr id="4" name="内容占位符 3"/>
-          <p:cNvSpPr>
-            <a:spLocks noGrp="1"/>
-          </p:cNvSpPr>
-          <p:nvPr>
-            <p:ph idx="1"/>
-          </p:nvPr>
-        </p:nvSpPr>
-        <p:spPr/>
-        <p:txBody>
-          <a:bodyPr/>
-          <a:lstStyle/>
-          <a:p>
-            <a:endParaRPr lang="zh-CN" dirty="0">
-              <a:latin typeface="微软雅黑" pitchFamily="34" charset="-122"/>
-              <a:ea typeface="微软雅黑" pitchFamily="34" charset="-122"/>
-            </a:endParaRPr>
-          </a:p>
-        </p:txBody>
-      </p:sp>
-    </p:spTree>
-    <p:extLst>
-      <p:ext uri="{BB962C8B-B14F-4D97-AF65-F5344CB8AC3E}">
-        <p14:creationId xmlns:p14="http://schemas.microsoft.com/office/powerpoint/2010/main" val="1549096399"/>
-      </p:ext>
-    </p:extLst>
-  </p:cSld>
-  <p:clrMapOvr>
-    <a:masterClrMapping/>
-  </p:clrMapOvr>
-  <mc:AlternateContent xmlns:mc="http://schemas.openxmlformats.org/markup-compatibility/2006" xmlns:p14="http://schemas.microsoft.com/office/powerpoint/2010/main">
-    <mc:Choice Requires="p14">
-      <p:transition spd="med" p14:dur="700">
-        <p:fade/>
-      </p:transition>
-    </mc:Choice>
-    <mc:Fallback xmlns="">
-      <p:transition spd="med">
-        <p:fade/>
-      </p:transition>
-    </mc:Fallback>
-  </mc:AlternateContent>
-</p:sld>
-</file>
-
-<file path=ppt/slides/slide33.xml><?xml version="1.0" encoding="utf-8"?>
-<p:sld xmlns:a="http://schemas.openxmlformats.org/drawingml/2006/main" xmlns:r="http://schemas.openxmlformats.org/officeDocument/2006/relationships" xmlns:p="http://schemas.openxmlformats.org/presentationml/2006/main">
-  <p:cSld>
-    <p:spTree>
-      <p:nvGrpSpPr>
-        <p:cNvPr id="1" name=""/>
-        <p:cNvGrpSpPr/>
-        <p:nvPr/>
-      </p:nvGrpSpPr>
-      <p:grpSpPr>
-        <a:xfrm>
-          <a:off x="0" y="0"/>
-          <a:ext cx="0" cy="0"/>
-          <a:chOff x="0" y="0"/>
-          <a:chExt cx="0" cy="0"/>
-        </a:xfrm>
-      </p:grpSpPr>
-      <p:sp>
-        <p:nvSpPr>
-          <p:cNvPr id="2" name="标题 1"/>
-          <p:cNvSpPr>
-            <a:spLocks noGrp="1"/>
-          </p:cNvSpPr>
-          <p:nvPr>
-            <p:ph type="title"/>
-          </p:nvPr>
-        </p:nvSpPr>
-        <p:spPr/>
-        <p:txBody>
-          <a:bodyPr/>
-          <a:lstStyle/>
-          <a:p>
-            <a:endParaRPr lang="en-US" dirty="0">
-              <a:latin typeface="微软雅黑" pitchFamily="34" charset="-122"/>
-              <a:ea typeface="微软雅黑" pitchFamily="34" charset="-122"/>
-            </a:endParaRPr>
-          </a:p>
-        </p:txBody>
-      </p:sp>
-      <p:sp>
-        <p:nvSpPr>
-          <p:cNvPr id="3" name="文本占位符 2"/>
-          <p:cNvSpPr>
-            <a:spLocks noGrp="1"/>
-          </p:cNvSpPr>
-          <p:nvPr>
-            <p:ph type="body" sz="half" idx="2"/>
-          </p:nvPr>
-        </p:nvSpPr>
-        <p:spPr/>
-        <p:txBody>
-          <a:bodyPr/>
-          <a:lstStyle/>
-          <a:p>
-            <a:endParaRPr lang="en-US" dirty="0">
-              <a:latin typeface="微软雅黑" pitchFamily="34" charset="-122"/>
-              <a:ea typeface="微软雅黑" pitchFamily="34" charset="-122"/>
-            </a:endParaRPr>
-          </a:p>
-        </p:txBody>
-      </p:sp>
-      <p:graphicFrame>
-        <p:nvGraphicFramePr>
-          <p:cNvPr id="5" name="内容占位符 4"/>
-          <p:cNvGraphicFramePr>
-            <a:graphicFrameLocks noGrp="1"/>
-          </p:cNvGraphicFramePr>
-          <p:nvPr>
-            <p:ph idx="1"/>
-            <p:extLst>
-              <p:ext uri="{D42A27DB-BD31-4B8C-83A1-F6EECF244321}">
-                <p14:modId xmlns:p14="http://schemas.microsoft.com/office/powerpoint/2010/main" val="311843142"/>
-              </p:ext>
-            </p:extLst>
-          </p:nvPr>
-        </p:nvGraphicFramePr>
-        <p:xfrm>
-          <a:off x="4945063" y="465138"/>
-          <a:ext cx="6786562" cy="5249862"/>
-        </p:xfrm>
-        <a:graphic>
-          <a:graphicData uri="http://schemas.openxmlformats.org/drawingml/2006/diagram">
-            <dgm:relIds xmlns:dgm="http://schemas.openxmlformats.org/drawingml/2006/diagram" xmlns:r="http://schemas.openxmlformats.org/officeDocument/2006/relationships" r:dm="rId2" r:lo="rId3" r:qs="rId4" r:cs="rId5"/>
-          </a:graphicData>
-        </a:graphic>
-      </p:graphicFrame>
-    </p:spTree>
-    <p:extLst>
-      <p:ext uri="{BB962C8B-B14F-4D97-AF65-F5344CB8AC3E}">
-        <p14:creationId xmlns:p14="http://schemas.microsoft.com/office/powerpoint/2010/main" val="861517410"/>
-      </p:ext>
-    </p:extLst>
-  </p:cSld>
-  <p:clrMapOvr>
-    <a:masterClrMapping/>
-  </p:clrMapOvr>
-  <mc:AlternateContent xmlns:mc="http://schemas.openxmlformats.org/markup-compatibility/2006" xmlns:p14="http://schemas.microsoft.com/office/powerpoint/2010/main">
-    <mc:Choice Requires="p14">
-      <p:transition spd="med" p14:dur="700">
-        <p:fade/>
-      </p:transition>
-    </mc:Choice>
-    <mc:Fallback xmlns="">
-      <p:transition spd="med">
-        <p:fade/>
-      </p:transition>
-    </mc:Fallback>
-  </mc:AlternateContent>
-</p:sld>
-</file>
-
-<file path=ppt/slides/slide34.xml><?xml version="1.0" encoding="utf-8"?>
-<p:sld xmlns:a="http://schemas.openxmlformats.org/drawingml/2006/main" xmlns:r="http://schemas.openxmlformats.org/officeDocument/2006/relationships" xmlns:p="http://schemas.openxmlformats.org/presentationml/2006/main">
-  <p:cSld>
-    <p:spTree>
-      <p:nvGrpSpPr>
-        <p:cNvPr id="1" name=""/>
-        <p:cNvGrpSpPr/>
-        <p:nvPr/>
-      </p:nvGrpSpPr>
-      <p:grpSpPr>
-        <a:xfrm>
-          <a:off x="0" y="0"/>
-          <a:ext cx="0" cy="0"/>
-          <a:chOff x="0" y="0"/>
-          <a:chExt cx="0" cy="0"/>
-        </a:xfrm>
-      </p:grpSpPr>
-      <p:sp>
-        <p:nvSpPr>
-          <p:cNvPr id="2" name="标题 1"/>
-          <p:cNvSpPr>
-            <a:spLocks noGrp="1"/>
-          </p:cNvSpPr>
-          <p:nvPr>
-            <p:ph type="title"/>
-          </p:nvPr>
-        </p:nvSpPr>
-        <p:spPr/>
-        <p:txBody>
-          <a:bodyPr/>
-          <a:lstStyle/>
-          <a:p>
-            <a:endParaRPr lang="zh-CN" dirty="0">
-              <a:latin typeface="微软雅黑" pitchFamily="34" charset="-122"/>
-              <a:ea typeface="微软雅黑" pitchFamily="34" charset="-122"/>
-            </a:endParaRPr>
-          </a:p>
-        </p:txBody>
-      </p:sp>
-      <p:sp>
-        <p:nvSpPr>
-          <p:cNvPr id="3" name="文本占位符 2"/>
-          <p:cNvSpPr>
-            <a:spLocks noGrp="1"/>
-          </p:cNvSpPr>
-          <p:nvPr>
-            <p:ph type="body" sz="half" idx="2"/>
-          </p:nvPr>
-        </p:nvSpPr>
-        <p:spPr/>
-        <p:txBody>
-          <a:bodyPr/>
-          <a:lstStyle/>
-          <a:p>
-            <a:endParaRPr lang="zh-CN">
-              <a:latin typeface="微软雅黑" pitchFamily="34" charset="-122"/>
-              <a:ea typeface="微软雅黑" pitchFamily="34" charset="-122"/>
-            </a:endParaRPr>
-          </a:p>
-        </p:txBody>
-      </p:sp>
-      <p:sp>
-        <p:nvSpPr>
-          <p:cNvPr id="6" name="图片占位符 5"/>
-          <p:cNvSpPr>
-            <a:spLocks noGrp="1"/>
-          </p:cNvSpPr>
-          <p:nvPr>
-            <p:ph type="pic" idx="1"/>
-          </p:nvPr>
-        </p:nvSpPr>
-        <p:spPr/>
-      </p:sp>
-    </p:spTree>
-    <p:extLst>
-      <p:ext uri="{BB962C8B-B14F-4D97-AF65-F5344CB8AC3E}">
-        <p14:creationId xmlns:p14="http://schemas.microsoft.com/office/powerpoint/2010/main" val="2021727482"/>
       </p:ext>
     </p:extLst>
   </p:cSld>

--- a/溯源前端赏析.pptx
+++ b/溯源前端赏析.pptx
@@ -2887,7 +2887,7 @@
           <a:p>
             <a:fld id="{0DCA0844-C266-46EC-A036-E1634F64C44A}" type="datetimeFigureOut">
               <a:rPr lang="en-US" altLang="zh-CN"/>
-              <a:t>12/12/2018</a:t>
+              <a:t>12/17/2018</a:t>
             </a:fld>
             <a:endParaRPr lang="zh-CN"/>
           </a:p>
@@ -3051,7 +3051,7 @@
           </a:lstStyle>
           <a:p>
             <a:fld id="{28C08BCD-7B2F-4BCE-87AF-5D67EFFE4D17}" type="datetimeFigureOut">
-              <a:t>2018/12/12</a:t>
+              <a:t>2018/12/17</a:t>
             </a:fld>
             <a:endParaRPr lang="zh-CN"/>
           </a:p>
@@ -3890,7 +3890,7 @@
           <a:p>
             <a:fld id="{8E36636D-D922-432D-A958-524484B5923D}" type="datetimeFigureOut">
               <a:pPr/>
-              <a:t>2018/12/12</a:t>
+              <a:t>2018/12/17</a:t>
             </a:fld>
             <a:endParaRPr lang="zh-CN"/>
           </a:p>
@@ -4264,7 +4264,7 @@
           <a:p>
             <a:fld id="{749F4917-CE56-4645-8050-1555FA0B180B}" type="datetimeFigureOut">
               <a:pPr/>
-              <a:t>2018/12/12</a:t>
+              <a:t>2018/12/17</a:t>
             </a:fld>
             <a:endParaRPr lang="zh-CN"/>
           </a:p>
@@ -4585,7 +4585,7 @@
           <a:p>
             <a:fld id="{8E36636D-D922-432D-A958-524484B5923D}" type="datetimeFigureOut">
               <a:pPr/>
-              <a:t>2018/12/12</a:t>
+              <a:t>2018/12/17</a:t>
             </a:fld>
             <a:endParaRPr lang="zh-CN"/>
           </a:p>
@@ -4744,7 +4744,7 @@
           <a:p>
             <a:fld id="{8E36636D-D922-432D-A958-524484B5923D}" type="datetimeFigureOut">
               <a:pPr/>
-              <a:t>2018/12/12</a:t>
+              <a:t>2018/12/17</a:t>
             </a:fld>
             <a:endParaRPr lang="zh-CN"/>
           </a:p>
@@ -4965,7 +4965,7 @@
           <a:p>
             <a:fld id="{8E36636D-D922-432D-A958-524484B5923D}" type="datetimeFigureOut">
               <a:pPr/>
-              <a:t>2018/12/12</a:t>
+              <a:t>2018/12/17</a:t>
             </a:fld>
             <a:endParaRPr lang="zh-CN"/>
           </a:p>
@@ -5385,7 +5385,7 @@
           <a:p>
             <a:fld id="{8E36636D-D922-432D-A958-524484B5923D}" type="datetimeFigureOut">
               <a:pPr/>
-              <a:t>2018/12/12</a:t>
+              <a:t>2018/12/17</a:t>
             </a:fld>
             <a:endParaRPr lang="zh-CN"/>
           </a:p>
@@ -5886,7 +5886,7 @@
           <a:p>
             <a:fld id="{8E36636D-D922-432D-A958-524484B5923D}" type="datetimeFigureOut">
               <a:pPr/>
-              <a:t>2018/12/12</a:t>
+              <a:t>2018/12/17</a:t>
             </a:fld>
             <a:endParaRPr lang="zh-CN"/>
           </a:p>
@@ -6185,7 +6185,7 @@
           <a:p>
             <a:fld id="{8E36636D-D922-432D-A958-524484B5923D}" type="datetimeFigureOut">
               <a:pPr/>
-              <a:t>2018/12/12</a:t>
+              <a:t>2018/12/17</a:t>
             </a:fld>
             <a:endParaRPr lang="zh-CN"/>
           </a:p>
@@ -6624,7 +6624,7 @@
           <a:p>
             <a:fld id="{8E36636D-D922-432D-A958-524484B5923D}" type="datetimeFigureOut">
               <a:pPr/>
-              <a:t>2018/12/12</a:t>
+              <a:t>2018/12/17</a:t>
             </a:fld>
             <a:endParaRPr lang="zh-CN"/>
           </a:p>
@@ -6749,7 +6749,7 @@
           <a:p>
             <a:fld id="{8E36636D-D922-432D-A958-524484B5923D}" type="datetimeFigureOut">
               <a:pPr/>
-              <a:t>2018/12/12</a:t>
+              <a:t>2018/12/17</a:t>
             </a:fld>
             <a:endParaRPr lang="zh-CN"/>
           </a:p>
@@ -6851,7 +6851,7 @@
           <a:p>
             <a:fld id="{8E36636D-D922-432D-A958-524484B5923D}" type="datetimeFigureOut">
               <a:pPr/>
-              <a:t>2018/12/12</a:t>
+              <a:t>2018/12/17</a:t>
             </a:fld>
             <a:endParaRPr lang="zh-CN"/>
           </a:p>
@@ -7268,7 +7268,7 @@
           <a:p>
             <a:fld id="{8E36636D-D922-432D-A958-524484B5923D}" type="datetimeFigureOut">
               <a:pPr/>
-              <a:t>2018/12/12</a:t>
+              <a:t>2018/12/17</a:t>
             </a:fld>
             <a:endParaRPr lang="zh-CN"/>
           </a:p>
@@ -7781,7 +7781,7 @@
             <a:fld id="{8E36636D-D922-432D-A958-524484B5923D}" type="datetimeFigureOut">
               <a:rPr lang="en-US" altLang="zh-CN" smtClean="0"/>
               <a:pPr/>
-              <a:t>12/12/2018</a:t>
+              <a:t>12/17/2018</a:t>
             </a:fld>
             <a:endParaRPr lang="en-US" altLang="zh-CN"/>
           </a:p>
@@ -10752,15 +10752,11 @@
             </a:r>
             <a:r>
               <a:rPr lang="en-US" altLang="zh-CN" dirty="0"/>
-              <a:t> Webpack </a:t>
-            </a:r>
-            <a:r>
-              <a:rPr lang="zh-CN" altLang="en-US" dirty="0"/>
-              <a:t>，</a:t>
-            </a:r>
-            <a:r>
-              <a:rPr lang="en-US" altLang="zh-CN" dirty="0"/>
-              <a:t>Gulp</a:t>
+              <a:t> </a:t>
+            </a:r>
+            <a:r>
+              <a:rPr lang="en-US" altLang="zh-CN" dirty="0" err="1"/>
+              <a:t>systemjs</a:t>
             </a:r>
             <a:r>
               <a:rPr lang="zh-CN" altLang="en-US" dirty="0"/>
@@ -10786,7 +10782,7 @@
         <p:spPr/>
         <p:txBody>
           <a:bodyPr>
-            <a:normAutofit fontScale="77500" lnSpcReduction="20000"/>
+            <a:normAutofit fontScale="92500" lnSpcReduction="10000"/>
           </a:bodyPr>
           <a:lstStyle/>
           <a:p>
@@ -10802,36 +10798,43 @@
           <a:p>
             <a:r>
               <a:rPr lang="zh-CN" altLang="en-US" dirty="0"/>
-              <a:t>    是一套前端自动化构建工具，一个基于</a:t>
+              <a:t>    </a:t>
             </a:r>
             <a:r>
               <a:rPr lang="en-US" altLang="zh-CN" dirty="0" err="1"/>
-              <a:t>nodeJs</a:t>
+              <a:t>systemjs</a:t>
             </a:r>
             <a:r>
               <a:rPr lang="zh-CN" altLang="en-US" dirty="0"/>
-              <a:t>的命令行工具，它是一个任务运    </a:t>
-            </a:r>
-            <a:endParaRPr lang="en-US" altLang="zh-CN" dirty="0"/>
-          </a:p>
-          <a:p>
+              <a:t>是</a:t>
+            </a:r>
+            <a:r>
+              <a:rPr lang="en-US" altLang="zh-CN" dirty="0"/>
+              <a:t>angular</a:t>
+            </a:r>
             <a:r>
               <a:rPr lang="zh-CN" altLang="en-US" dirty="0"/>
-              <a:t>    行器</a:t>
+              <a:t>一套前端自动化构建工具，一个基于</a:t>
             </a:r>
             <a:r>
               <a:rPr lang="en-US" altLang="zh-CN" dirty="0"/>
-              <a:t>, </a:t>
+              <a:t>angular</a:t>
             </a:r>
             <a:r>
               <a:rPr lang="zh-CN" altLang="en-US" dirty="0"/>
-              <a:t>配合其丰富强大的插件</a:t>
-            </a:r>
-          </a:p>
-          <a:p>
+              <a:t>的</a:t>
+            </a:r>
+            <a:r>
+              <a:rPr lang="en-US" altLang="zh-CN" dirty="0"/>
+              <a:t>cli(</a:t>
+            </a:r>
             <a:r>
               <a:rPr lang="zh-CN" altLang="en-US" dirty="0"/>
-              <a:t>    执行任务时是同步的，要注意任务的顺序</a:t>
+              <a:t>命令行工具</a:t>
+            </a:r>
+            <a:r>
+              <a:rPr lang="en-US" altLang="zh-CN" dirty="0"/>
+              <a:t>).</a:t>
             </a:r>
           </a:p>
           <a:p>
